--- a/koblingsskjema.pptx
+++ b/koblingsskjema.pptx
@@ -116,7 +116,7 @@
 <file path=ppt/revisionInfo.xml><?xml version="1.0" encoding="utf-8"?>
 <p1510:revInfo xmlns:a="http://schemas.openxmlformats.org/drawingml/2006/main" xmlns:r="http://schemas.openxmlformats.org/officeDocument/2006/relationships" xmlns:p1510="http://schemas.microsoft.com/office/powerpoint/2015/10/main">
   <p1510:revLst>
-    <p1510:client id="{6EF0C182-8B9A-4773-A139-DEDE527575EE}" v="2345" dt="2019-03-30T07:44:28.943"/>
+    <p1510:client id="{3412F954-559E-45CF-B92D-744CF964F5CF}" v="12" dt="2019-04-03T08:27:07.609"/>
   </p1510:revLst>
 </p1510:revInfo>
 </file>
@@ -4293,6 +4293,478 @@
             <pc:docMk/>
             <pc:sldMk cId="3208764681" sldId="257"/>
             <ac:cxnSpMk id="724" creationId="{210C2753-06AA-4123-B95A-E602E8036B46}"/>
+          </ac:cxnSpMkLst>
+        </pc:cxnChg>
+      </pc:sldChg>
+    </pc:docChg>
+  </pc:docChgLst>
+  <pc:docChgLst>
+    <pc:chgData name="Åsmund Runningen" userId="fcfce1d5-2d35-4b5c-86f4-e24bd46c268e" providerId="ADAL" clId="{3412F954-559E-45CF-B92D-744CF964F5CF}"/>
+    <pc:docChg chg="undo modSld">
+      <pc:chgData name="Åsmund Runningen" userId="fcfce1d5-2d35-4b5c-86f4-e24bd46c268e" providerId="ADAL" clId="{3412F954-559E-45CF-B92D-744CF964F5CF}" dt="2019-04-03T08:34:42.130" v="105" actId="14100"/>
+      <pc:docMkLst>
+        <pc:docMk/>
+      </pc:docMkLst>
+      <pc:sldChg chg="addSp modSp">
+        <pc:chgData name="Åsmund Runningen" userId="fcfce1d5-2d35-4b5c-86f4-e24bd46c268e" providerId="ADAL" clId="{3412F954-559E-45CF-B92D-744CF964F5CF}" dt="2019-04-03T08:34:42.130" v="105" actId="14100"/>
+        <pc:sldMkLst>
+          <pc:docMk/>
+          <pc:sldMk cId="3208764681" sldId="257"/>
+        </pc:sldMkLst>
+        <pc:grpChg chg="add mod ord">
+          <ac:chgData name="Åsmund Runningen" userId="fcfce1d5-2d35-4b5c-86f4-e24bd46c268e" providerId="ADAL" clId="{3412F954-559E-45CF-B92D-744CF964F5CF}" dt="2019-04-03T08:24:36.320" v="37" actId="1076"/>
+          <ac:grpSpMkLst>
+            <pc:docMk/>
+            <pc:sldMk cId="3208764681" sldId="257"/>
+            <ac:grpSpMk id="426" creationId="{4F22C6E4-A1CF-46A6-B8DE-03A7286B8339}"/>
+          </ac:grpSpMkLst>
+        </pc:grpChg>
+        <pc:grpChg chg="add mod ord">
+          <ac:chgData name="Åsmund Runningen" userId="fcfce1d5-2d35-4b5c-86f4-e24bd46c268e" providerId="ADAL" clId="{3412F954-559E-45CF-B92D-744CF964F5CF}" dt="2019-04-03T08:24:50.389" v="38" actId="1076"/>
+          <ac:grpSpMkLst>
+            <pc:docMk/>
+            <pc:sldMk cId="3208764681" sldId="257"/>
+            <ac:grpSpMk id="429" creationId="{CA33BCB0-827E-4480-9D30-22B245EB535C}"/>
+          </ac:grpSpMkLst>
+        </pc:grpChg>
+        <pc:cxnChg chg="mod">
+          <ac:chgData name="Åsmund Runningen" userId="fcfce1d5-2d35-4b5c-86f4-e24bd46c268e" providerId="ADAL" clId="{3412F954-559E-45CF-B92D-744CF964F5CF}" dt="2019-04-03T08:33:10.033" v="98" actId="1582"/>
+          <ac:cxnSpMkLst>
+            <pc:docMk/>
+            <pc:sldMk cId="3208764681" sldId="257"/>
+            <ac:cxnSpMk id="6" creationId="{4C2F5608-0186-4318-A268-B5CF9873A4A1}"/>
+          </ac:cxnSpMkLst>
+        </pc:cxnChg>
+        <pc:cxnChg chg="mod">
+          <ac:chgData name="Åsmund Runningen" userId="fcfce1d5-2d35-4b5c-86f4-e24bd46c268e" providerId="ADAL" clId="{3412F954-559E-45CF-B92D-744CF964F5CF}" dt="2019-04-03T08:33:19.733" v="99" actId="1582"/>
+          <ac:cxnSpMkLst>
+            <pc:docMk/>
+            <pc:sldMk cId="3208764681" sldId="257"/>
+            <ac:cxnSpMk id="7" creationId="{DAF066B3-B9D8-46B1-B4F3-A242DAB52A12}"/>
+          </ac:cxnSpMkLst>
+        </pc:cxnChg>
+        <pc:cxnChg chg="add mod">
+          <ac:chgData name="Åsmund Runningen" userId="fcfce1d5-2d35-4b5c-86f4-e24bd46c268e" providerId="ADAL" clId="{3412F954-559E-45CF-B92D-744CF964F5CF}" dt="2019-04-03T08:34:39.113" v="104" actId="14100"/>
+          <ac:cxnSpMkLst>
+            <pc:docMk/>
+            <pc:sldMk cId="3208764681" sldId="257"/>
+            <ac:cxnSpMk id="112" creationId="{92753665-97AA-4426-88BE-50925464D0FD}"/>
+          </ac:cxnSpMkLst>
+        </pc:cxnChg>
+        <pc:cxnChg chg="add mod">
+          <ac:chgData name="Åsmund Runningen" userId="fcfce1d5-2d35-4b5c-86f4-e24bd46c268e" providerId="ADAL" clId="{3412F954-559E-45CF-B92D-744CF964F5CF}" dt="2019-04-03T08:27:06.355" v="54" actId="11529"/>
+          <ac:cxnSpMkLst>
+            <pc:docMk/>
+            <pc:sldMk cId="3208764681" sldId="257"/>
+            <ac:cxnSpMk id="114" creationId="{86046894-32ED-430C-82E9-51C6EA9FD923}"/>
+          </ac:cxnSpMkLst>
+        </pc:cxnChg>
+        <pc:cxnChg chg="mod">
+          <ac:chgData name="Åsmund Runningen" userId="fcfce1d5-2d35-4b5c-86f4-e24bd46c268e" providerId="ADAL" clId="{3412F954-559E-45CF-B92D-744CF964F5CF}" dt="2019-04-03T08:28:17.424" v="65" actId="14100"/>
+          <ac:cxnSpMkLst>
+            <pc:docMk/>
+            <pc:sldMk cId="3208764681" sldId="257"/>
+            <ac:cxnSpMk id="180" creationId="{6B9902EB-0CAC-4705-AA02-98C4000E43DD}"/>
+          </ac:cxnSpMkLst>
+        </pc:cxnChg>
+        <pc:cxnChg chg="mod">
+          <ac:chgData name="Åsmund Runningen" userId="fcfce1d5-2d35-4b5c-86f4-e24bd46c268e" providerId="ADAL" clId="{3412F954-559E-45CF-B92D-744CF964F5CF}" dt="2019-04-03T08:22:46.281" v="17" actId="14100"/>
+          <ac:cxnSpMkLst>
+            <pc:docMk/>
+            <pc:sldMk cId="3208764681" sldId="257"/>
+            <ac:cxnSpMk id="182" creationId="{675CB585-DD65-4D96-A556-C1338289A1AD}"/>
+          </ac:cxnSpMkLst>
+        </pc:cxnChg>
+        <pc:cxnChg chg="mod">
+          <ac:chgData name="Åsmund Runningen" userId="fcfce1d5-2d35-4b5c-86f4-e24bd46c268e" providerId="ADAL" clId="{3412F954-559E-45CF-B92D-744CF964F5CF}" dt="2019-04-03T08:29:25.244" v="71" actId="1582"/>
+          <ac:cxnSpMkLst>
+            <pc:docMk/>
+            <pc:sldMk cId="3208764681" sldId="257"/>
+            <ac:cxnSpMk id="195" creationId="{4CF56912-851C-494F-AE75-02843E5E406C}"/>
+          </ac:cxnSpMkLst>
+        </pc:cxnChg>
+        <pc:cxnChg chg="mod">
+          <ac:chgData name="Åsmund Runningen" userId="fcfce1d5-2d35-4b5c-86f4-e24bd46c268e" providerId="ADAL" clId="{3412F954-559E-45CF-B92D-744CF964F5CF}" dt="2019-04-03T08:29:20.619" v="70" actId="1582"/>
+          <ac:cxnSpMkLst>
+            <pc:docMk/>
+            <pc:sldMk cId="3208764681" sldId="257"/>
+            <ac:cxnSpMk id="197" creationId="{A2B9FA53-4E65-4ACC-8EFB-19023912F62D}"/>
+          </ac:cxnSpMkLst>
+        </pc:cxnChg>
+        <pc:cxnChg chg="mod">
+          <ac:chgData name="Åsmund Runningen" userId="fcfce1d5-2d35-4b5c-86f4-e24bd46c268e" providerId="ADAL" clId="{3412F954-559E-45CF-B92D-744CF964F5CF}" dt="2019-04-03T08:29:36.169" v="72" actId="1582"/>
+          <ac:cxnSpMkLst>
+            <pc:docMk/>
+            <pc:sldMk cId="3208764681" sldId="257"/>
+            <ac:cxnSpMk id="199" creationId="{198F4475-6EE4-419F-81A3-71741E33EA04}"/>
+          </ac:cxnSpMkLst>
+        </pc:cxnChg>
+        <pc:cxnChg chg="mod">
+          <ac:chgData name="Åsmund Runningen" userId="fcfce1d5-2d35-4b5c-86f4-e24bd46c268e" providerId="ADAL" clId="{3412F954-559E-45CF-B92D-744CF964F5CF}" dt="2019-04-03T08:28:46.676" v="66" actId="1582"/>
+          <ac:cxnSpMkLst>
+            <pc:docMk/>
+            <pc:sldMk cId="3208764681" sldId="257"/>
+            <ac:cxnSpMk id="201" creationId="{4EB6BB39-27E4-40CA-9451-B80D7275FF9E}"/>
+          </ac:cxnSpMkLst>
+        </pc:cxnChg>
+        <pc:cxnChg chg="mod">
+          <ac:chgData name="Åsmund Runningen" userId="fcfce1d5-2d35-4b5c-86f4-e24bd46c268e" providerId="ADAL" clId="{3412F954-559E-45CF-B92D-744CF964F5CF}" dt="2019-04-03T08:28:59.737" v="67" actId="1582"/>
+          <ac:cxnSpMkLst>
+            <pc:docMk/>
+            <pc:sldMk cId="3208764681" sldId="257"/>
+            <ac:cxnSpMk id="218" creationId="{089AB48A-B0D4-4364-AB44-DC2220D18E7F}"/>
+          </ac:cxnSpMkLst>
+        </pc:cxnChg>
+        <pc:cxnChg chg="mod">
+          <ac:chgData name="Åsmund Runningen" userId="fcfce1d5-2d35-4b5c-86f4-e24bd46c268e" providerId="ADAL" clId="{3412F954-559E-45CF-B92D-744CF964F5CF}" dt="2019-04-03T08:29:15.176" v="69" actId="1582"/>
+          <ac:cxnSpMkLst>
+            <pc:docMk/>
+            <pc:sldMk cId="3208764681" sldId="257"/>
+            <ac:cxnSpMk id="221" creationId="{D585BCCD-2AE3-4A32-85E2-C41D4DF1DE39}"/>
+          </ac:cxnSpMkLst>
+        </pc:cxnChg>
+        <pc:cxnChg chg="mod">
+          <ac:chgData name="Åsmund Runningen" userId="fcfce1d5-2d35-4b5c-86f4-e24bd46c268e" providerId="ADAL" clId="{3412F954-559E-45CF-B92D-744CF964F5CF}" dt="2019-04-03T08:23:11.613" v="22" actId="14100"/>
+          <ac:cxnSpMkLst>
+            <pc:docMk/>
+            <pc:sldMk cId="3208764681" sldId="257"/>
+            <ac:cxnSpMk id="285" creationId="{5DB85B73-0B60-4ADB-AE2D-0493B0FE2414}"/>
+          </ac:cxnSpMkLst>
+        </pc:cxnChg>
+        <pc:cxnChg chg="mod">
+          <ac:chgData name="Åsmund Runningen" userId="fcfce1d5-2d35-4b5c-86f4-e24bd46c268e" providerId="ADAL" clId="{3412F954-559E-45CF-B92D-744CF964F5CF}" dt="2019-04-03T08:23:20.166" v="23" actId="14100"/>
+          <ac:cxnSpMkLst>
+            <pc:docMk/>
+            <pc:sldMk cId="3208764681" sldId="257"/>
+            <ac:cxnSpMk id="287" creationId="{5937B60A-2E3E-4755-8D11-E4A332A620D7}"/>
+          </ac:cxnSpMkLst>
+        </pc:cxnChg>
+        <pc:cxnChg chg="mod">
+          <ac:chgData name="Åsmund Runningen" userId="fcfce1d5-2d35-4b5c-86f4-e24bd46c268e" providerId="ADAL" clId="{3412F954-559E-45CF-B92D-744CF964F5CF}" dt="2019-04-03T08:28:13.009" v="64" actId="14100"/>
+          <ac:cxnSpMkLst>
+            <pc:docMk/>
+            <pc:sldMk cId="3208764681" sldId="257"/>
+            <ac:cxnSpMk id="291" creationId="{0F7756C0-3674-4BF3-ABA6-9531908ABFE3}"/>
+          </ac:cxnSpMkLst>
+        </pc:cxnChg>
+        <pc:cxnChg chg="mod">
+          <ac:chgData name="Åsmund Runningen" userId="fcfce1d5-2d35-4b5c-86f4-e24bd46c268e" providerId="ADAL" clId="{3412F954-559E-45CF-B92D-744CF964F5CF}" dt="2019-04-03T08:22:51.354" v="18" actId="14100"/>
+          <ac:cxnSpMkLst>
+            <pc:docMk/>
+            <pc:sldMk cId="3208764681" sldId="257"/>
+            <ac:cxnSpMk id="293" creationId="{97CB4630-8303-45B4-AD7A-976C8DBD297F}"/>
+          </ac:cxnSpMkLst>
+        </pc:cxnChg>
+        <pc:cxnChg chg="mod">
+          <ac:chgData name="Åsmund Runningen" userId="fcfce1d5-2d35-4b5c-86f4-e24bd46c268e" providerId="ADAL" clId="{3412F954-559E-45CF-B92D-744CF964F5CF}" dt="2019-04-03T08:30:21.869" v="78" actId="1582"/>
+          <ac:cxnSpMkLst>
+            <pc:docMk/>
+            <pc:sldMk cId="3208764681" sldId="257"/>
+            <ac:cxnSpMk id="334" creationId="{535C6BEA-7A4D-408A-BC7B-B7F2C2F3E979}"/>
+          </ac:cxnSpMkLst>
+        </pc:cxnChg>
+        <pc:cxnChg chg="mod">
+          <ac:chgData name="Åsmund Runningen" userId="fcfce1d5-2d35-4b5c-86f4-e24bd46c268e" providerId="ADAL" clId="{3412F954-559E-45CF-B92D-744CF964F5CF}" dt="2019-04-03T08:30:15.685" v="77" actId="1582"/>
+          <ac:cxnSpMkLst>
+            <pc:docMk/>
+            <pc:sldMk cId="3208764681" sldId="257"/>
+            <ac:cxnSpMk id="338" creationId="{4BFC079D-8EA5-4581-9E49-C8581F450FB8}"/>
+          </ac:cxnSpMkLst>
+        </pc:cxnChg>
+        <pc:cxnChg chg="mod">
+          <ac:chgData name="Åsmund Runningen" userId="fcfce1d5-2d35-4b5c-86f4-e24bd46c268e" providerId="ADAL" clId="{3412F954-559E-45CF-B92D-744CF964F5CF}" dt="2019-04-03T08:29:07.655" v="68" actId="1582"/>
+          <ac:cxnSpMkLst>
+            <pc:docMk/>
+            <pc:sldMk cId="3208764681" sldId="257"/>
+            <ac:cxnSpMk id="341" creationId="{1478809B-414B-4EDF-8192-0E4139E9430D}"/>
+          </ac:cxnSpMkLst>
+        </pc:cxnChg>
+        <pc:cxnChg chg="mod">
+          <ac:chgData name="Åsmund Runningen" userId="fcfce1d5-2d35-4b5c-86f4-e24bd46c268e" providerId="ADAL" clId="{3412F954-559E-45CF-B92D-744CF964F5CF}" dt="2019-04-03T08:31:57.710" v="89" actId="1582"/>
+          <ac:cxnSpMkLst>
+            <pc:docMk/>
+            <pc:sldMk cId="3208764681" sldId="257"/>
+            <ac:cxnSpMk id="342" creationId="{AEFA5A8A-E270-4207-9DC4-4A30E58CDD34}"/>
+          </ac:cxnSpMkLst>
+        </pc:cxnChg>
+        <pc:cxnChg chg="mod">
+          <ac:chgData name="Åsmund Runningen" userId="fcfce1d5-2d35-4b5c-86f4-e24bd46c268e" providerId="ADAL" clId="{3412F954-559E-45CF-B92D-744CF964F5CF}" dt="2019-04-03T08:31:52.112" v="88" actId="1582"/>
+          <ac:cxnSpMkLst>
+            <pc:docMk/>
+            <pc:sldMk cId="3208764681" sldId="257"/>
+            <ac:cxnSpMk id="344" creationId="{DBBDFB3D-B41D-4A59-8B0F-CA3DD1915B50}"/>
+          </ac:cxnSpMkLst>
+        </pc:cxnChg>
+        <pc:cxnChg chg="add mod">
+          <ac:chgData name="Åsmund Runningen" userId="fcfce1d5-2d35-4b5c-86f4-e24bd46c268e" providerId="ADAL" clId="{3412F954-559E-45CF-B92D-744CF964F5CF}" dt="2019-04-03T08:24:17.736" v="33" actId="1076"/>
+          <ac:cxnSpMkLst>
+            <pc:docMk/>
+            <pc:sldMk cId="3208764681" sldId="257"/>
+            <ac:cxnSpMk id="432" creationId="{6F8CE550-6A49-4A28-827D-CC3A6AEE34C9}"/>
+          </ac:cxnSpMkLst>
+        </pc:cxnChg>
+        <pc:cxnChg chg="add mod">
+          <ac:chgData name="Åsmund Runningen" userId="fcfce1d5-2d35-4b5c-86f4-e24bd46c268e" providerId="ADAL" clId="{3412F954-559E-45CF-B92D-744CF964F5CF}" dt="2019-04-03T08:24:23.552" v="35" actId="1076"/>
+          <ac:cxnSpMkLst>
+            <pc:docMk/>
+            <pc:sldMk cId="3208764681" sldId="257"/>
+            <ac:cxnSpMk id="434" creationId="{1925CAF6-9C19-4D79-8B3C-C5D375D4AA9F}"/>
+          </ac:cxnSpMkLst>
+        </pc:cxnChg>
+        <pc:cxnChg chg="add mod">
+          <ac:chgData name="Åsmund Runningen" userId="fcfce1d5-2d35-4b5c-86f4-e24bd46c268e" providerId="ADAL" clId="{3412F954-559E-45CF-B92D-744CF964F5CF}" dt="2019-04-03T08:34:33.363" v="103" actId="14100"/>
+          <ac:cxnSpMkLst>
+            <pc:docMk/>
+            <pc:sldMk cId="3208764681" sldId="257"/>
+            <ac:cxnSpMk id="435" creationId="{85266B9B-E7DD-412C-90E1-C02F66149840}"/>
+          </ac:cxnSpMkLst>
+        </pc:cxnChg>
+        <pc:cxnChg chg="add mod">
+          <ac:chgData name="Åsmund Runningen" userId="fcfce1d5-2d35-4b5c-86f4-e24bd46c268e" providerId="ADAL" clId="{3412F954-559E-45CF-B92D-744CF964F5CF}" dt="2019-04-03T08:34:28.006" v="102" actId="14100"/>
+          <ac:cxnSpMkLst>
+            <pc:docMk/>
+            <pc:sldMk cId="3208764681" sldId="257"/>
+            <ac:cxnSpMk id="437" creationId="{6398E7B1-8DE4-4653-9E69-97E437809541}"/>
+          </ac:cxnSpMkLst>
+        </pc:cxnChg>
+        <pc:cxnChg chg="add mod">
+          <ac:chgData name="Åsmund Runningen" userId="fcfce1d5-2d35-4b5c-86f4-e24bd46c268e" providerId="ADAL" clId="{3412F954-559E-45CF-B92D-744CF964F5CF}" dt="2019-04-03T08:34:14.468" v="100" actId="1076"/>
+          <ac:cxnSpMkLst>
+            <pc:docMk/>
+            <pc:sldMk cId="3208764681" sldId="257"/>
+            <ac:cxnSpMk id="439" creationId="{B176A15A-F775-4252-A113-40E84AAC2459}"/>
+          </ac:cxnSpMkLst>
+        </pc:cxnChg>
+        <pc:cxnChg chg="add mod">
+          <ac:chgData name="Åsmund Runningen" userId="fcfce1d5-2d35-4b5c-86f4-e24bd46c268e" providerId="ADAL" clId="{3412F954-559E-45CF-B92D-744CF964F5CF}" dt="2019-04-03T08:34:19.061" v="101" actId="1076"/>
+          <ac:cxnSpMkLst>
+            <pc:docMk/>
+            <pc:sldMk cId="3208764681" sldId="257"/>
+            <ac:cxnSpMk id="441" creationId="{D807C399-8CC1-4060-811F-C09E3E75290D}"/>
+          </ac:cxnSpMkLst>
+        </pc:cxnChg>
+        <pc:cxnChg chg="add mod">
+          <ac:chgData name="Åsmund Runningen" userId="fcfce1d5-2d35-4b5c-86f4-e24bd46c268e" providerId="ADAL" clId="{3412F954-559E-45CF-B92D-744CF964F5CF}" dt="2019-04-03T08:34:42.130" v="105" actId="14100"/>
+          <ac:cxnSpMkLst>
+            <pc:docMk/>
+            <pc:sldMk cId="3208764681" sldId="257"/>
+            <ac:cxnSpMk id="444" creationId="{97897636-994D-432E-A66A-44B58978E88D}"/>
+          </ac:cxnSpMkLst>
+        </pc:cxnChg>
+        <pc:cxnChg chg="add mod">
+          <ac:chgData name="Åsmund Runningen" userId="fcfce1d5-2d35-4b5c-86f4-e24bd46c268e" providerId="ADAL" clId="{3412F954-559E-45CF-B92D-744CF964F5CF}" dt="2019-04-03T08:27:28.412" v="60" actId="14100"/>
+          <ac:cxnSpMkLst>
+            <pc:docMk/>
+            <pc:sldMk cId="3208764681" sldId="257"/>
+            <ac:cxnSpMk id="447" creationId="{59E36311-8E2F-4595-B4C8-4E16C265BB94}"/>
+          </ac:cxnSpMkLst>
+        </pc:cxnChg>
+        <pc:cxnChg chg="mod">
+          <ac:chgData name="Åsmund Runningen" userId="fcfce1d5-2d35-4b5c-86f4-e24bd46c268e" providerId="ADAL" clId="{3412F954-559E-45CF-B92D-744CF964F5CF}" dt="2019-04-03T08:21:35.248" v="12" actId="1076"/>
+          <ac:cxnSpMkLst>
+            <pc:docMk/>
+            <pc:sldMk cId="3208764681" sldId="257"/>
+            <ac:cxnSpMk id="480" creationId="{DDCD0502-9E39-4C04-B2CC-65DC0E8957B8}"/>
+          </ac:cxnSpMkLst>
+        </pc:cxnChg>
+        <pc:cxnChg chg="mod">
+          <ac:chgData name="Åsmund Runningen" userId="fcfce1d5-2d35-4b5c-86f4-e24bd46c268e" providerId="ADAL" clId="{3412F954-559E-45CF-B92D-744CF964F5CF}" dt="2019-04-03T08:29:55.153" v="74" actId="1582"/>
+          <ac:cxnSpMkLst>
+            <pc:docMk/>
+            <pc:sldMk cId="3208764681" sldId="257"/>
+            <ac:cxnSpMk id="542" creationId="{A63763DE-A7B2-4EC2-B4BF-F3B73BB35EA9}"/>
+          </ac:cxnSpMkLst>
+        </pc:cxnChg>
+        <pc:cxnChg chg="mod">
+          <ac:chgData name="Åsmund Runningen" userId="fcfce1d5-2d35-4b5c-86f4-e24bd46c268e" providerId="ADAL" clId="{3412F954-559E-45CF-B92D-744CF964F5CF}" dt="2019-04-03T08:29:42.218" v="73" actId="1582"/>
+          <ac:cxnSpMkLst>
+            <pc:docMk/>
+            <pc:sldMk cId="3208764681" sldId="257"/>
+            <ac:cxnSpMk id="545" creationId="{3BABEAAE-6960-4397-A6E2-B2ECA8480318}"/>
+          </ac:cxnSpMkLst>
+        </pc:cxnChg>
+        <pc:cxnChg chg="mod">
+          <ac:chgData name="Åsmund Runningen" userId="fcfce1d5-2d35-4b5c-86f4-e24bd46c268e" providerId="ADAL" clId="{3412F954-559E-45CF-B92D-744CF964F5CF}" dt="2019-04-03T08:30:04.642" v="76" actId="1582"/>
+          <ac:cxnSpMkLst>
+            <pc:docMk/>
+            <pc:sldMk cId="3208764681" sldId="257"/>
+            <ac:cxnSpMk id="548" creationId="{655B3B9D-93C1-4221-A4EA-BEDE56611D32}"/>
+          </ac:cxnSpMkLst>
+        </pc:cxnChg>
+        <pc:cxnChg chg="mod">
+          <ac:chgData name="Åsmund Runningen" userId="fcfce1d5-2d35-4b5c-86f4-e24bd46c268e" providerId="ADAL" clId="{3412F954-559E-45CF-B92D-744CF964F5CF}" dt="2019-04-03T08:29:59.531" v="75" actId="1582"/>
+          <ac:cxnSpMkLst>
+            <pc:docMk/>
+            <pc:sldMk cId="3208764681" sldId="257"/>
+            <ac:cxnSpMk id="549" creationId="{D5F7D518-58BC-4E4A-B1D5-823F09D27C10}"/>
+          </ac:cxnSpMkLst>
+        </pc:cxnChg>
+        <pc:cxnChg chg="mod">
+          <ac:chgData name="Åsmund Runningen" userId="fcfce1d5-2d35-4b5c-86f4-e24bd46c268e" providerId="ADAL" clId="{3412F954-559E-45CF-B92D-744CF964F5CF}" dt="2019-04-03T08:31:31.129" v="85" actId="1582"/>
+          <ac:cxnSpMkLst>
+            <pc:docMk/>
+            <pc:sldMk cId="3208764681" sldId="257"/>
+            <ac:cxnSpMk id="555" creationId="{0BE68EA6-DED9-4E92-9BE0-ADB663B0B512}"/>
+          </ac:cxnSpMkLst>
+        </pc:cxnChg>
+        <pc:cxnChg chg="mod">
+          <ac:chgData name="Åsmund Runningen" userId="fcfce1d5-2d35-4b5c-86f4-e24bd46c268e" providerId="ADAL" clId="{3412F954-559E-45CF-B92D-744CF964F5CF}" dt="2019-04-03T08:31:17.604" v="83" actId="1582"/>
+          <ac:cxnSpMkLst>
+            <pc:docMk/>
+            <pc:sldMk cId="3208764681" sldId="257"/>
+            <ac:cxnSpMk id="560" creationId="{BA209C5D-122A-4E46-A23A-506D38E65DEC}"/>
+          </ac:cxnSpMkLst>
+        </pc:cxnChg>
+        <pc:cxnChg chg="mod">
+          <ac:chgData name="Åsmund Runningen" userId="fcfce1d5-2d35-4b5c-86f4-e24bd46c268e" providerId="ADAL" clId="{3412F954-559E-45CF-B92D-744CF964F5CF}" dt="2019-04-03T08:31:24.793" v="84" actId="1582"/>
+          <ac:cxnSpMkLst>
+            <pc:docMk/>
+            <pc:sldMk cId="3208764681" sldId="257"/>
+            <ac:cxnSpMk id="563" creationId="{D87AEFAB-70AC-436F-B655-353225CD7D0C}"/>
+          </ac:cxnSpMkLst>
+        </pc:cxnChg>
+        <pc:cxnChg chg="mod">
+          <ac:chgData name="Åsmund Runningen" userId="fcfce1d5-2d35-4b5c-86f4-e24bd46c268e" providerId="ADAL" clId="{3412F954-559E-45CF-B92D-744CF964F5CF}" dt="2019-04-03T08:31:06.804" v="82" actId="1582"/>
+          <ac:cxnSpMkLst>
+            <pc:docMk/>
+            <pc:sldMk cId="3208764681" sldId="257"/>
+            <ac:cxnSpMk id="565" creationId="{546340D9-1630-40B4-9299-355C49D7DBBD}"/>
+          </ac:cxnSpMkLst>
+        </pc:cxnChg>
+        <pc:cxnChg chg="mod">
+          <ac:chgData name="Åsmund Runningen" userId="fcfce1d5-2d35-4b5c-86f4-e24bd46c268e" providerId="ADAL" clId="{3412F954-559E-45CF-B92D-744CF964F5CF}" dt="2019-04-03T08:31:00.956" v="81" actId="1582"/>
+          <ac:cxnSpMkLst>
+            <pc:docMk/>
+            <pc:sldMk cId="3208764681" sldId="257"/>
+            <ac:cxnSpMk id="570" creationId="{0AE3AA31-8866-444D-A5C4-4B082C32B082}"/>
+          </ac:cxnSpMkLst>
+        </pc:cxnChg>
+        <pc:cxnChg chg="mod">
+          <ac:chgData name="Åsmund Runningen" userId="fcfce1d5-2d35-4b5c-86f4-e24bd46c268e" providerId="ADAL" clId="{3412F954-559E-45CF-B92D-744CF964F5CF}" dt="2019-04-03T08:30:55.520" v="80" actId="1582"/>
+          <ac:cxnSpMkLst>
+            <pc:docMk/>
+            <pc:sldMk cId="3208764681" sldId="257"/>
+            <ac:cxnSpMk id="573" creationId="{2FC6E9F5-40A4-4A93-A617-417FAF1015D3}"/>
+          </ac:cxnSpMkLst>
+        </pc:cxnChg>
+        <pc:cxnChg chg="mod">
+          <ac:chgData name="Åsmund Runningen" userId="fcfce1d5-2d35-4b5c-86f4-e24bd46c268e" providerId="ADAL" clId="{3412F954-559E-45CF-B92D-744CF964F5CF}" dt="2019-04-03T08:30:50.237" v="79" actId="1582"/>
+          <ac:cxnSpMkLst>
+            <pc:docMk/>
+            <pc:sldMk cId="3208764681" sldId="257"/>
+            <ac:cxnSpMk id="579" creationId="{83B2E2F8-0B8A-4FDA-AE6B-602571024108}"/>
+          </ac:cxnSpMkLst>
+        </pc:cxnChg>
+        <pc:cxnChg chg="mod">
+          <ac:chgData name="Åsmund Runningen" userId="fcfce1d5-2d35-4b5c-86f4-e24bd46c268e" providerId="ADAL" clId="{3412F954-559E-45CF-B92D-744CF964F5CF}" dt="2019-04-03T08:31:37.542" v="86" actId="1582"/>
+          <ac:cxnSpMkLst>
+            <pc:docMk/>
+            <pc:sldMk cId="3208764681" sldId="257"/>
+            <ac:cxnSpMk id="581" creationId="{34AF4258-37C2-498E-9BC4-2E216684182D}"/>
+          </ac:cxnSpMkLst>
+        </pc:cxnChg>
+        <pc:cxnChg chg="mod">
+          <ac:chgData name="Åsmund Runningen" userId="fcfce1d5-2d35-4b5c-86f4-e24bd46c268e" providerId="ADAL" clId="{3412F954-559E-45CF-B92D-744CF964F5CF}" dt="2019-04-03T08:20:21.420" v="0" actId="1076"/>
+          <ac:cxnSpMkLst>
+            <pc:docMk/>
+            <pc:sldMk cId="3208764681" sldId="257"/>
+            <ac:cxnSpMk id="718" creationId="{029D23E5-170F-4CBD-9135-663AAF21B8BB}"/>
+          </ac:cxnSpMkLst>
+        </pc:cxnChg>
+        <pc:cxnChg chg="mod">
+          <ac:chgData name="Åsmund Runningen" userId="fcfce1d5-2d35-4b5c-86f4-e24bd46c268e" providerId="ADAL" clId="{3412F954-559E-45CF-B92D-744CF964F5CF}" dt="2019-04-03T08:20:42.677" v="4" actId="14100"/>
+          <ac:cxnSpMkLst>
+            <pc:docMk/>
+            <pc:sldMk cId="3208764681" sldId="257"/>
+            <ac:cxnSpMk id="720" creationId="{A93505AC-2B3F-43FE-8D69-86894D890372}"/>
+          </ac:cxnSpMkLst>
+        </pc:cxnChg>
+        <pc:cxnChg chg="mod">
+          <ac:chgData name="Åsmund Runningen" userId="fcfce1d5-2d35-4b5c-86f4-e24bd46c268e" providerId="ADAL" clId="{3412F954-559E-45CF-B92D-744CF964F5CF}" dt="2019-04-03T08:20:56.078" v="6" actId="14100"/>
+          <ac:cxnSpMkLst>
+            <pc:docMk/>
+            <pc:sldMk cId="3208764681" sldId="257"/>
+            <ac:cxnSpMk id="721" creationId="{3ABA9F76-9912-4B7B-B540-15904049AAF4}"/>
+          </ac:cxnSpMkLst>
+        </pc:cxnChg>
+        <pc:cxnChg chg="mod">
+          <ac:chgData name="Åsmund Runningen" userId="fcfce1d5-2d35-4b5c-86f4-e24bd46c268e" providerId="ADAL" clId="{3412F954-559E-45CF-B92D-744CF964F5CF}" dt="2019-04-03T08:20:52.499" v="5" actId="1076"/>
+          <ac:cxnSpMkLst>
+            <pc:docMk/>
+            <pc:sldMk cId="3208764681" sldId="257"/>
+            <ac:cxnSpMk id="723" creationId="{671733A5-C2F5-4ECC-BBCD-949FB68D9DA7}"/>
+          </ac:cxnSpMkLst>
+        </pc:cxnChg>
+        <pc:cxnChg chg="mod">
+          <ac:chgData name="Åsmund Runningen" userId="fcfce1d5-2d35-4b5c-86f4-e24bd46c268e" providerId="ADAL" clId="{3412F954-559E-45CF-B92D-744CF964F5CF}" dt="2019-04-03T08:27:59.425" v="63" actId="14100"/>
+          <ac:cxnSpMkLst>
+            <pc:docMk/>
+            <pc:sldMk cId="3208764681" sldId="257"/>
+            <ac:cxnSpMk id="725" creationId="{5BFFEDDA-AFE7-4659-B86A-09FAA2CD35B4}"/>
+          </ac:cxnSpMkLst>
+        </pc:cxnChg>
+        <pc:cxnChg chg="mod">
+          <ac:chgData name="Åsmund Runningen" userId="fcfce1d5-2d35-4b5c-86f4-e24bd46c268e" providerId="ADAL" clId="{3412F954-559E-45CF-B92D-744CF964F5CF}" dt="2019-04-03T08:20:35.795" v="3" actId="14100"/>
+          <ac:cxnSpMkLst>
+            <pc:docMk/>
+            <pc:sldMk cId="3208764681" sldId="257"/>
+            <ac:cxnSpMk id="800" creationId="{23A64D68-3FBF-4A6D-9E07-A80158AC14CB}"/>
+          </ac:cxnSpMkLst>
+        </pc:cxnChg>
+        <pc:cxnChg chg="mod">
+          <ac:chgData name="Åsmund Runningen" userId="fcfce1d5-2d35-4b5c-86f4-e24bd46c268e" providerId="ADAL" clId="{3412F954-559E-45CF-B92D-744CF964F5CF}" dt="2019-04-03T08:21:11.022" v="11" actId="14100"/>
+          <ac:cxnSpMkLst>
+            <pc:docMk/>
+            <pc:sldMk cId="3208764681" sldId="257"/>
+            <ac:cxnSpMk id="803" creationId="{858B40C6-2DC0-4775-A230-E56AA4FC4969}"/>
+          </ac:cxnSpMkLst>
+        </pc:cxnChg>
+        <pc:cxnChg chg="mod">
+          <ac:chgData name="Åsmund Runningen" userId="fcfce1d5-2d35-4b5c-86f4-e24bd46c268e" providerId="ADAL" clId="{3412F954-559E-45CF-B92D-744CF964F5CF}" dt="2019-04-03T08:27:50.053" v="62" actId="14100"/>
+          <ac:cxnSpMkLst>
+            <pc:docMk/>
+            <pc:sldMk cId="3208764681" sldId="257"/>
+            <ac:cxnSpMk id="805" creationId="{5A03DE42-D9E4-410E-AA82-2DCB8E7AA09C}"/>
+          </ac:cxnSpMkLst>
+        </pc:cxnChg>
+        <pc:cxnChg chg="mod">
+          <ac:chgData name="Åsmund Runningen" userId="fcfce1d5-2d35-4b5c-86f4-e24bd46c268e" providerId="ADAL" clId="{3412F954-559E-45CF-B92D-744CF964F5CF}" dt="2019-04-03T08:32:04.476" v="90" actId="13822"/>
+          <ac:cxnSpMkLst>
+            <pc:docMk/>
+            <pc:sldMk cId="3208764681" sldId="257"/>
+            <ac:cxnSpMk id="822" creationId="{295438C4-8283-4746-BF2A-8BF887B102CE}"/>
+          </ac:cxnSpMkLst>
+        </pc:cxnChg>
+        <pc:cxnChg chg="mod">
+          <ac:chgData name="Åsmund Runningen" userId="fcfce1d5-2d35-4b5c-86f4-e24bd46c268e" providerId="ADAL" clId="{3412F954-559E-45CF-B92D-744CF964F5CF}" dt="2019-04-03T08:32:23.784" v="94" actId="13822"/>
+          <ac:cxnSpMkLst>
+            <pc:docMk/>
+            <pc:sldMk cId="3208764681" sldId="257"/>
+            <ac:cxnSpMk id="829" creationId="{E93A73BC-25B2-4452-8CB9-6AE72988BD88}"/>
+          </ac:cxnSpMkLst>
+        </pc:cxnChg>
+        <pc:cxnChg chg="mod">
+          <ac:chgData name="Åsmund Runningen" userId="fcfce1d5-2d35-4b5c-86f4-e24bd46c268e" providerId="ADAL" clId="{3412F954-559E-45CF-B92D-744CF964F5CF}" dt="2019-04-03T08:32:13.253" v="92" actId="13822"/>
+          <ac:cxnSpMkLst>
+            <pc:docMk/>
+            <pc:sldMk cId="3208764681" sldId="257"/>
+            <ac:cxnSpMk id="831" creationId="{F34367E7-C1A0-4F0B-A09A-B7F573E26D18}"/>
+          </ac:cxnSpMkLst>
+        </pc:cxnChg>
+        <pc:cxnChg chg="mod">
+          <ac:chgData name="Åsmund Runningen" userId="fcfce1d5-2d35-4b5c-86f4-e24bd46c268e" providerId="ADAL" clId="{3412F954-559E-45CF-B92D-744CF964F5CF}" dt="2019-04-03T08:32:17.196" v="93" actId="13822"/>
+          <ac:cxnSpMkLst>
+            <pc:docMk/>
+            <pc:sldMk cId="3208764681" sldId="257"/>
+            <ac:cxnSpMk id="833" creationId="{728327AD-3E7B-4CA3-9F74-FF1065B41E73}"/>
+          </ac:cxnSpMkLst>
+        </pc:cxnChg>
+        <pc:cxnChg chg="mod">
+          <ac:chgData name="Åsmund Runningen" userId="fcfce1d5-2d35-4b5c-86f4-e24bd46c268e" providerId="ADAL" clId="{3412F954-559E-45CF-B92D-744CF964F5CF}" dt="2019-04-03T08:32:07.869" v="91" actId="13822"/>
+          <ac:cxnSpMkLst>
+            <pc:docMk/>
+            <pc:sldMk cId="3208764681" sldId="257"/>
+            <ac:cxnSpMk id="840" creationId="{0EED3A4A-4824-4381-A4E6-2940F53F9862}"/>
           </ac:cxnSpMkLst>
         </pc:cxnChg>
       </pc:sldChg>
@@ -4448,7 +4920,7 @@
           <a:p>
             <a:fld id="{2600B228-7220-42E5-A09C-E378A7498FF5}" type="datetimeFigureOut">
               <a:rPr lang="nb-NO" smtClean="0"/>
-              <a:t>30.03.2019</a:t>
+              <a:t>03.04.2019</a:t>
             </a:fld>
             <a:endParaRPr lang="nb-NO"/>
           </a:p>
@@ -4646,7 +5118,7 @@
           <a:p>
             <a:fld id="{2600B228-7220-42E5-A09C-E378A7498FF5}" type="datetimeFigureOut">
               <a:rPr lang="nb-NO" smtClean="0"/>
-              <a:t>30.03.2019</a:t>
+              <a:t>03.04.2019</a:t>
             </a:fld>
             <a:endParaRPr lang="nb-NO"/>
           </a:p>
@@ -4854,7 +5326,7 @@
           <a:p>
             <a:fld id="{2600B228-7220-42E5-A09C-E378A7498FF5}" type="datetimeFigureOut">
               <a:rPr lang="nb-NO" smtClean="0"/>
-              <a:t>30.03.2019</a:t>
+              <a:t>03.04.2019</a:t>
             </a:fld>
             <a:endParaRPr lang="nb-NO"/>
           </a:p>
@@ -5052,7 +5524,7 @@
           <a:p>
             <a:fld id="{2600B228-7220-42E5-A09C-E378A7498FF5}" type="datetimeFigureOut">
               <a:rPr lang="nb-NO" smtClean="0"/>
-              <a:t>30.03.2019</a:t>
+              <a:t>03.04.2019</a:t>
             </a:fld>
             <a:endParaRPr lang="nb-NO"/>
           </a:p>
@@ -5327,7 +5799,7 @@
           <a:p>
             <a:fld id="{2600B228-7220-42E5-A09C-E378A7498FF5}" type="datetimeFigureOut">
               <a:rPr lang="nb-NO" smtClean="0"/>
-              <a:t>30.03.2019</a:t>
+              <a:t>03.04.2019</a:t>
             </a:fld>
             <a:endParaRPr lang="nb-NO"/>
           </a:p>
@@ -5592,7 +6064,7 @@
           <a:p>
             <a:fld id="{2600B228-7220-42E5-A09C-E378A7498FF5}" type="datetimeFigureOut">
               <a:rPr lang="nb-NO" smtClean="0"/>
-              <a:t>30.03.2019</a:t>
+              <a:t>03.04.2019</a:t>
             </a:fld>
             <a:endParaRPr lang="nb-NO"/>
           </a:p>
@@ -6004,7 +6476,7 @@
           <a:p>
             <a:fld id="{2600B228-7220-42E5-A09C-E378A7498FF5}" type="datetimeFigureOut">
               <a:rPr lang="nb-NO" smtClean="0"/>
-              <a:t>30.03.2019</a:t>
+              <a:t>03.04.2019</a:t>
             </a:fld>
             <a:endParaRPr lang="nb-NO"/>
           </a:p>
@@ -6145,7 +6617,7 @@
           <a:p>
             <a:fld id="{2600B228-7220-42E5-A09C-E378A7498FF5}" type="datetimeFigureOut">
               <a:rPr lang="nb-NO" smtClean="0"/>
-              <a:t>30.03.2019</a:t>
+              <a:t>03.04.2019</a:t>
             </a:fld>
             <a:endParaRPr lang="nb-NO"/>
           </a:p>
@@ -6258,7 +6730,7 @@
           <a:p>
             <a:fld id="{2600B228-7220-42E5-A09C-E378A7498FF5}" type="datetimeFigureOut">
               <a:rPr lang="nb-NO" smtClean="0"/>
-              <a:t>30.03.2019</a:t>
+              <a:t>03.04.2019</a:t>
             </a:fld>
             <a:endParaRPr lang="nb-NO"/>
           </a:p>
@@ -6569,7 +7041,7 @@
           <a:p>
             <a:fld id="{2600B228-7220-42E5-A09C-E378A7498FF5}" type="datetimeFigureOut">
               <a:rPr lang="nb-NO" smtClean="0"/>
-              <a:t>30.03.2019</a:t>
+              <a:t>03.04.2019</a:t>
             </a:fld>
             <a:endParaRPr lang="nb-NO"/>
           </a:p>
@@ -6857,7 +7329,7 @@
           <a:p>
             <a:fld id="{2600B228-7220-42E5-A09C-E378A7498FF5}" type="datetimeFigureOut">
               <a:rPr lang="nb-NO" smtClean="0"/>
-              <a:t>30.03.2019</a:t>
+              <a:t>03.04.2019</a:t>
             </a:fld>
             <a:endParaRPr lang="nb-NO"/>
           </a:p>
@@ -7098,7 +7570,7 @@
           <a:p>
             <a:fld id="{2600B228-7220-42E5-A09C-E378A7498FF5}" type="datetimeFigureOut">
               <a:rPr lang="nb-NO" smtClean="0"/>
-              <a:t>30.03.2019</a:t>
+              <a:t>03.04.2019</a:t>
             </a:fld>
             <a:endParaRPr lang="nb-NO"/>
           </a:p>
@@ -19288,6 +19760,234 @@
       </p:grpSpPr>
       <p:grpSp>
         <p:nvGrpSpPr>
+          <p:cNvPr id="429" name="Gruppe 428">
+            <a:extLst>
+              <a:ext uri="{FF2B5EF4-FFF2-40B4-BE49-F238E27FC236}">
+                <a16:creationId xmlns:a16="http://schemas.microsoft.com/office/drawing/2014/main" id="{CA33BCB0-827E-4480-9D30-22B245EB535C}"/>
+              </a:ext>
+            </a:extLst>
+          </p:cNvPr>
+          <p:cNvGrpSpPr/>
+          <p:nvPr/>
+        </p:nvGrpSpPr>
+        <p:grpSpPr>
+          <a:xfrm rot="16200000">
+            <a:off x="6994275" y="4134325"/>
+            <a:ext cx="307747" cy="366694"/>
+            <a:chOff x="6142922" y="2839015"/>
+            <a:chExt cx="399212" cy="475679"/>
+          </a:xfrm>
+        </p:grpSpPr>
+        <p:sp>
+          <p:nvSpPr>
+            <p:cNvPr id="430" name="Ellipse 429">
+              <a:extLst>
+                <a:ext uri="{FF2B5EF4-FFF2-40B4-BE49-F238E27FC236}">
+                  <a16:creationId xmlns:a16="http://schemas.microsoft.com/office/drawing/2014/main" id="{09E5D2DD-C44F-4978-A093-C5F921B46CFC}"/>
+                </a:ext>
+              </a:extLst>
+            </p:cNvPr>
+            <p:cNvSpPr/>
+            <p:nvPr/>
+          </p:nvSpPr>
+          <p:spPr>
+            <a:xfrm>
+              <a:off x="6177467" y="2898468"/>
+              <a:ext cx="364667" cy="364667"/>
+            </a:xfrm>
+            <a:prstGeom prst="ellipse">
+              <a:avLst/>
+            </a:prstGeom>
+          </p:spPr>
+          <p:style>
+            <a:lnRef idx="2">
+              <a:schemeClr val="accent1"/>
+            </a:lnRef>
+            <a:fillRef idx="1">
+              <a:schemeClr val="lt1"/>
+            </a:fillRef>
+            <a:effectRef idx="0">
+              <a:schemeClr val="accent1"/>
+            </a:effectRef>
+            <a:fontRef idx="minor">
+              <a:schemeClr val="dk1"/>
+            </a:fontRef>
+          </p:style>
+          <p:txBody>
+            <a:bodyPr rtlCol="0" anchor="ctr"/>
+            <a:lstStyle/>
+            <a:p>
+              <a:pPr algn="ctr"/>
+              <a:endParaRPr lang="nb-NO"/>
+            </a:p>
+          </p:txBody>
+        </p:sp>
+        <p:sp>
+          <p:nvSpPr>
+            <p:cNvPr id="431" name="Rektangel 430">
+              <a:extLst>
+                <a:ext uri="{FF2B5EF4-FFF2-40B4-BE49-F238E27FC236}">
+                  <a16:creationId xmlns:a16="http://schemas.microsoft.com/office/drawing/2014/main" id="{01F1EF67-8185-4AEA-BB84-030F5E38D70B}"/>
+                </a:ext>
+              </a:extLst>
+            </p:cNvPr>
+            <p:cNvSpPr/>
+            <p:nvPr/>
+          </p:nvSpPr>
+          <p:spPr>
+            <a:xfrm>
+              <a:off x="6142922" y="2839015"/>
+              <a:ext cx="216849" cy="475679"/>
+            </a:xfrm>
+            <a:prstGeom prst="rect">
+              <a:avLst/>
+            </a:prstGeom>
+            <a:ln>
+              <a:noFill/>
+            </a:ln>
+          </p:spPr>
+          <p:style>
+            <a:lnRef idx="2">
+              <a:schemeClr val="accent1">
+                <a:shade val="50000"/>
+              </a:schemeClr>
+            </a:lnRef>
+            <a:fillRef idx="1001">
+              <a:schemeClr val="lt1"/>
+            </a:fillRef>
+            <a:effectRef idx="0">
+              <a:schemeClr val="accent1"/>
+            </a:effectRef>
+            <a:fontRef idx="minor">
+              <a:schemeClr val="lt1"/>
+            </a:fontRef>
+          </p:style>
+          <p:txBody>
+            <a:bodyPr rtlCol="0" anchor="ctr"/>
+            <a:lstStyle/>
+            <a:p>
+              <a:pPr algn="ctr"/>
+              <a:endParaRPr lang="nb-NO"/>
+            </a:p>
+          </p:txBody>
+        </p:sp>
+      </p:grpSp>
+      <p:grpSp>
+        <p:nvGrpSpPr>
+          <p:cNvPr id="426" name="Gruppe 425">
+            <a:extLst>
+              <a:ext uri="{FF2B5EF4-FFF2-40B4-BE49-F238E27FC236}">
+                <a16:creationId xmlns:a16="http://schemas.microsoft.com/office/drawing/2014/main" id="{4F22C6E4-A1CF-46A6-B8DE-03A7286B8339}"/>
+              </a:ext>
+            </a:extLst>
+          </p:cNvPr>
+          <p:cNvGrpSpPr/>
+          <p:nvPr/>
+        </p:nvGrpSpPr>
+        <p:grpSpPr>
+          <a:xfrm rot="16200000">
+            <a:off x="6987802" y="4270025"/>
+            <a:ext cx="307747" cy="366694"/>
+            <a:chOff x="6142922" y="2839015"/>
+            <a:chExt cx="399212" cy="475679"/>
+          </a:xfrm>
+        </p:grpSpPr>
+        <p:sp>
+          <p:nvSpPr>
+            <p:cNvPr id="427" name="Ellipse 426">
+              <a:extLst>
+                <a:ext uri="{FF2B5EF4-FFF2-40B4-BE49-F238E27FC236}">
+                  <a16:creationId xmlns:a16="http://schemas.microsoft.com/office/drawing/2014/main" id="{8A4FC9CC-A3E0-4D7A-92B7-959268ED5A8C}"/>
+                </a:ext>
+              </a:extLst>
+            </p:cNvPr>
+            <p:cNvSpPr/>
+            <p:nvPr/>
+          </p:nvSpPr>
+          <p:spPr>
+            <a:xfrm>
+              <a:off x="6177467" y="2898468"/>
+              <a:ext cx="364667" cy="364667"/>
+            </a:xfrm>
+            <a:prstGeom prst="ellipse">
+              <a:avLst/>
+            </a:prstGeom>
+          </p:spPr>
+          <p:style>
+            <a:lnRef idx="2">
+              <a:schemeClr val="accent1"/>
+            </a:lnRef>
+            <a:fillRef idx="1">
+              <a:schemeClr val="lt1"/>
+            </a:fillRef>
+            <a:effectRef idx="0">
+              <a:schemeClr val="accent1"/>
+            </a:effectRef>
+            <a:fontRef idx="minor">
+              <a:schemeClr val="dk1"/>
+            </a:fontRef>
+          </p:style>
+          <p:txBody>
+            <a:bodyPr rtlCol="0" anchor="ctr"/>
+            <a:lstStyle/>
+            <a:p>
+              <a:pPr algn="ctr"/>
+              <a:endParaRPr lang="nb-NO"/>
+            </a:p>
+          </p:txBody>
+        </p:sp>
+        <p:sp>
+          <p:nvSpPr>
+            <p:cNvPr id="428" name="Rektangel 427">
+              <a:extLst>
+                <a:ext uri="{FF2B5EF4-FFF2-40B4-BE49-F238E27FC236}">
+                  <a16:creationId xmlns:a16="http://schemas.microsoft.com/office/drawing/2014/main" id="{5396678F-0198-4A71-AD80-6B472CD7D47E}"/>
+                </a:ext>
+              </a:extLst>
+            </p:cNvPr>
+            <p:cNvSpPr/>
+            <p:nvPr/>
+          </p:nvSpPr>
+          <p:spPr>
+            <a:xfrm>
+              <a:off x="6142922" y="2839015"/>
+              <a:ext cx="216849" cy="475679"/>
+            </a:xfrm>
+            <a:prstGeom prst="rect">
+              <a:avLst/>
+            </a:prstGeom>
+            <a:ln>
+              <a:noFill/>
+            </a:ln>
+          </p:spPr>
+          <p:style>
+            <a:lnRef idx="2">
+              <a:schemeClr val="accent1">
+                <a:shade val="50000"/>
+              </a:schemeClr>
+            </a:lnRef>
+            <a:fillRef idx="1001">
+              <a:schemeClr val="lt1"/>
+            </a:fillRef>
+            <a:effectRef idx="0">
+              <a:schemeClr val="accent1"/>
+            </a:effectRef>
+            <a:fontRef idx="minor">
+              <a:schemeClr val="lt1"/>
+            </a:fontRef>
+          </p:style>
+          <p:txBody>
+            <a:bodyPr rtlCol="0" anchor="ctr"/>
+            <a:lstStyle/>
+            <a:p>
+              <a:pPr algn="ctr"/>
+              <a:endParaRPr lang="nb-NO"/>
+            </a:p>
+          </p:txBody>
+        </p:sp>
+      </p:grpSp>
+      <p:grpSp>
+        <p:nvGrpSpPr>
           <p:cNvPr id="514" name="Gruppe 513">
             <a:extLst>
               <a:ext uri="{FF2B5EF4-FFF2-40B4-BE49-F238E27FC236}">
@@ -24479,6 +25179,11 @@
           <a:prstGeom prst="line">
             <a:avLst/>
           </a:prstGeom>
+          <a:ln w="57150">
+            <a:solidFill>
+              <a:schemeClr val="tx1"/>
+            </a:solidFill>
+          </a:ln>
         </p:spPr>
         <p:style>
           <a:lnRef idx="1">
@@ -24517,6 +25222,11 @@
           <a:prstGeom prst="line">
             <a:avLst/>
           </a:prstGeom>
+          <a:ln w="38100">
+            <a:solidFill>
+              <a:srgbClr val="FF0000"/>
+            </a:solidFill>
+          </a:ln>
         </p:spPr>
         <p:style>
           <a:lnRef idx="1">
@@ -27905,7 +28615,7 @@
           <a:prstGeom prst="line">
             <a:avLst/>
           </a:prstGeom>
-          <a:ln>
+          <a:ln w="9525">
             <a:solidFill>
               <a:srgbClr val="FF0000"/>
             </a:solidFill>
@@ -27948,7 +28658,7 @@
           <a:prstGeom prst="line">
             <a:avLst/>
           </a:prstGeom>
-          <a:ln>
+          <a:ln w="9525">
             <a:solidFill>
               <a:srgbClr val="FF0000"/>
             </a:solidFill>
@@ -27991,7 +28701,7 @@
           <a:prstGeom prst="line">
             <a:avLst/>
           </a:prstGeom>
-          <a:ln>
+          <a:ln w="9525">
             <a:solidFill>
               <a:srgbClr val="FF0000"/>
             </a:solidFill>
@@ -28034,7 +28744,7 @@
           <a:prstGeom prst="line">
             <a:avLst/>
           </a:prstGeom>
-          <a:ln>
+          <a:ln w="9525">
             <a:solidFill>
               <a:srgbClr val="FF0000"/>
             </a:solidFill>
@@ -28159,7 +28869,7 @@
           <a:prstGeom prst="line">
             <a:avLst/>
           </a:prstGeom>
-          <a:ln>
+          <a:ln w="9525">
             <a:solidFill>
               <a:srgbClr val="FF0000"/>
             </a:solidFill>
@@ -28202,7 +28912,7 @@
           <a:prstGeom prst="line">
             <a:avLst/>
           </a:prstGeom>
-          <a:ln>
+          <a:ln w="9525">
             <a:solidFill>
               <a:srgbClr val="FF0000"/>
             </a:solidFill>
@@ -28293,8 +29003,8 @@
         </p:nvCxnSpPr>
         <p:spPr>
           <a:xfrm flipV="1">
-            <a:off x="7611605" y="3053406"/>
-            <a:ext cx="0" cy="2071692"/>
+            <a:off x="7781913" y="3053406"/>
+            <a:ext cx="0" cy="2089057"/>
           </a:xfrm>
           <a:prstGeom prst="line">
             <a:avLst/>
@@ -28331,8 +29041,8 @@
         </p:nvCxnSpPr>
         <p:spPr>
           <a:xfrm>
-            <a:off x="7611605" y="3053406"/>
-            <a:ext cx="2024204" cy="0"/>
+            <a:off x="7781913" y="3053406"/>
+            <a:ext cx="1853896" cy="0"/>
           </a:xfrm>
           <a:prstGeom prst="line">
             <a:avLst/>
@@ -28446,7 +29156,7 @@
         <p:spPr>
           <a:xfrm>
             <a:off x="6478184" y="5001688"/>
-            <a:ext cx="1029769" cy="0"/>
+            <a:ext cx="1203817" cy="0"/>
           </a:xfrm>
           <a:prstGeom prst="line">
             <a:avLst/>
@@ -28484,7 +29194,7 @@
         <p:spPr>
           <a:xfrm>
             <a:off x="6472872" y="5139118"/>
-            <a:ext cx="1138733" cy="0"/>
+            <a:ext cx="1309041" cy="0"/>
           </a:xfrm>
           <a:prstGeom prst="line">
             <a:avLst/>
@@ -28521,8 +29231,8 @@
         </p:nvCxnSpPr>
         <p:spPr>
           <a:xfrm flipV="1">
-            <a:off x="7507953" y="2949248"/>
-            <a:ext cx="0" cy="2047647"/>
+            <a:off x="7682001" y="2943739"/>
+            <a:ext cx="0" cy="2057949"/>
           </a:xfrm>
           <a:prstGeom prst="line">
             <a:avLst/>
@@ -28559,8 +29269,8 @@
         </p:nvCxnSpPr>
         <p:spPr>
           <a:xfrm>
-            <a:off x="7513722" y="2949248"/>
-            <a:ext cx="2242156" cy="0"/>
+            <a:off x="7682001" y="2949248"/>
+            <a:ext cx="2073877" cy="0"/>
           </a:xfrm>
           <a:prstGeom prst="line">
             <a:avLst/>
@@ -28679,7 +29389,7 @@
           <a:prstGeom prst="line">
             <a:avLst/>
           </a:prstGeom>
-          <a:ln>
+          <a:ln w="9525">
             <a:solidFill>
               <a:srgbClr val="FF0000"/>
             </a:solidFill>
@@ -28722,7 +29432,7 @@
           <a:prstGeom prst="line">
             <a:avLst/>
           </a:prstGeom>
-          <a:ln>
+          <a:ln w="9525">
             <a:solidFill>
               <a:srgbClr val="FF0000"/>
             </a:solidFill>
@@ -28763,7 +29473,7 @@
           <a:prstGeom prst="line">
             <a:avLst/>
           </a:prstGeom>
-          <a:ln>
+          <a:ln w="9525">
             <a:solidFill>
               <a:srgbClr val="FF0000"/>
             </a:solidFill>
@@ -28806,7 +29516,7 @@
           <a:prstGeom prst="line">
             <a:avLst/>
           </a:prstGeom>
-          <a:ln>
+          <a:ln w="9525">
             <a:solidFill>
               <a:schemeClr val="tx1"/>
             </a:solidFill>
@@ -28849,7 +29559,7 @@
           <a:prstGeom prst="line">
             <a:avLst/>
           </a:prstGeom>
-          <a:ln>
+          <a:ln w="9525">
             <a:solidFill>
               <a:schemeClr val="tx1"/>
             </a:solidFill>
@@ -30596,7 +31306,7 @@
           <a:prstGeom prst="line">
             <a:avLst/>
           </a:prstGeom>
-          <a:ln>
+          <a:ln w="9525">
             <a:solidFill>
               <a:srgbClr val="FF0000"/>
             </a:solidFill>
@@ -30639,7 +31349,7 @@
           <a:prstGeom prst="line">
             <a:avLst/>
           </a:prstGeom>
-          <a:ln>
+          <a:ln w="9525">
             <a:solidFill>
               <a:srgbClr val="FF0000"/>
             </a:solidFill>
@@ -30682,7 +31392,7 @@
           <a:prstGeom prst="line">
             <a:avLst/>
           </a:prstGeom>
-          <a:ln>
+          <a:ln w="9525">
             <a:solidFill>
               <a:schemeClr val="tx1"/>
             </a:solidFill>
@@ -30725,7 +31435,7 @@
           <a:prstGeom prst="line">
             <a:avLst/>
           </a:prstGeom>
-          <a:ln>
+          <a:ln w="9525">
             <a:solidFill>
               <a:schemeClr val="tx1"/>
             </a:solidFill>
@@ -30768,7 +31478,7 @@
           <a:prstGeom prst="line">
             <a:avLst/>
           </a:prstGeom>
-          <a:ln>
+          <a:ln w="9525">
             <a:solidFill>
               <a:schemeClr val="tx1"/>
             </a:solidFill>
@@ -30811,7 +31521,7 @@
           <a:prstGeom prst="line">
             <a:avLst/>
           </a:prstGeom>
-          <a:ln>
+          <a:ln w="9525">
             <a:solidFill>
               <a:schemeClr val="tx1"/>
             </a:solidFill>
@@ -30852,7 +31562,7 @@
           <a:prstGeom prst="line">
             <a:avLst/>
           </a:prstGeom>
-          <a:ln>
+          <a:ln w="9525">
             <a:solidFill>
               <a:schemeClr val="tx1"/>
             </a:solidFill>
@@ -30893,7 +31603,7 @@
           <a:prstGeom prst="line">
             <a:avLst/>
           </a:prstGeom>
-          <a:ln>
+          <a:ln w="9525">
             <a:solidFill>
               <a:schemeClr val="tx1"/>
             </a:solidFill>
@@ -30936,7 +31646,7 @@
           <a:prstGeom prst="line">
             <a:avLst/>
           </a:prstGeom>
-          <a:ln>
+          <a:ln w="9525">
             <a:solidFill>
               <a:srgbClr val="FF0000"/>
             </a:solidFill>
@@ -30979,7 +31689,7 @@
           <a:prstGeom prst="line">
             <a:avLst/>
           </a:prstGeom>
-          <a:ln>
+          <a:ln w="9525">
             <a:solidFill>
               <a:srgbClr val="FF0000"/>
             </a:solidFill>
@@ -31022,7 +31732,7 @@
           <a:prstGeom prst="line">
             <a:avLst/>
           </a:prstGeom>
-          <a:ln>
+          <a:ln w="9525">
             <a:solidFill>
               <a:srgbClr val="FF0000"/>
             </a:solidFill>
@@ -31065,7 +31775,7 @@
           <a:prstGeom prst="line">
             <a:avLst/>
           </a:prstGeom>
-          <a:ln>
+          <a:ln w="9525">
             <a:solidFill>
               <a:srgbClr val="FF0000"/>
             </a:solidFill>
@@ -31596,7 +32306,7 @@
         </p:nvCxnSpPr>
         <p:spPr>
           <a:xfrm>
-            <a:off x="7098051" y="2180429"/>
+            <a:off x="7088832" y="2058951"/>
             <a:ext cx="2027550" cy="0"/>
           </a:xfrm>
           <a:prstGeom prst="line">
@@ -31634,8 +32344,8 @@
         </p:nvCxnSpPr>
         <p:spPr>
           <a:xfrm>
-            <a:off x="7094574" y="2180429"/>
-            <a:ext cx="0" cy="2403740"/>
+            <a:off x="7094574" y="2056572"/>
+            <a:ext cx="0" cy="2527597"/>
           </a:xfrm>
           <a:prstGeom prst="line">
             <a:avLst/>
@@ -31672,8 +32382,8 @@
         </p:nvCxnSpPr>
         <p:spPr>
           <a:xfrm>
-            <a:off x="7156589" y="2447560"/>
-            <a:ext cx="0" cy="2268918"/>
+            <a:off x="7156589" y="2180429"/>
+            <a:ext cx="0" cy="2536049"/>
           </a:xfrm>
           <a:prstGeom prst="line">
             <a:avLst/>
@@ -31710,7 +32420,7 @@
         </p:nvCxnSpPr>
         <p:spPr>
           <a:xfrm>
-            <a:off x="7156589" y="2447560"/>
+            <a:off x="7156589" y="2180429"/>
             <a:ext cx="2166240" cy="0"/>
           </a:xfrm>
           <a:prstGeom prst="line">
@@ -31748,8 +32458,8 @@
         </p:nvCxnSpPr>
         <p:spPr>
           <a:xfrm>
-            <a:off x="7223265" y="2712299"/>
-            <a:ext cx="0" cy="2149817"/>
+            <a:off x="7223265" y="2334601"/>
+            <a:ext cx="0" cy="2527515"/>
           </a:xfrm>
           <a:prstGeom prst="line">
             <a:avLst/>
@@ -34012,7 +34722,7 @@
         <p:spPr>
           <a:xfrm>
             <a:off x="9125601" y="1800164"/>
-            <a:ext cx="0" cy="380265"/>
+            <a:ext cx="0" cy="256408"/>
           </a:xfrm>
           <a:prstGeom prst="line">
             <a:avLst/>
@@ -34050,7 +34760,7 @@
         <p:spPr>
           <a:xfrm>
             <a:off x="9322829" y="1822671"/>
-            <a:ext cx="0" cy="624889"/>
+            <a:ext cx="0" cy="357758"/>
           </a:xfrm>
           <a:prstGeom prst="line">
             <a:avLst/>
@@ -34088,7 +34798,7 @@
         <p:spPr>
           <a:xfrm>
             <a:off x="9521197" y="1801224"/>
-            <a:ext cx="0" cy="919925"/>
+            <a:ext cx="0" cy="533377"/>
           </a:xfrm>
           <a:prstGeom prst="line">
             <a:avLst/>
@@ -34172,13 +34882,13 @@
         </p:spPr>
         <p:style>
           <a:lnRef idx="1">
-            <a:schemeClr val="dk1"/>
+            <a:schemeClr val="accent1"/>
           </a:lnRef>
           <a:fillRef idx="0">
-            <a:schemeClr val="dk1"/>
+            <a:schemeClr val="accent1"/>
           </a:fillRef>
           <a:effectRef idx="0">
-            <a:schemeClr val="dk1"/>
+            <a:schemeClr val="accent1"/>
           </a:effectRef>
           <a:fontRef idx="minor">
             <a:schemeClr val="tx1"/>
@@ -34245,14 +34955,14 @@
           </a:prstGeom>
         </p:spPr>
         <p:style>
-          <a:lnRef idx="1">
-            <a:schemeClr val="accent1"/>
+          <a:lnRef idx="2">
+            <a:schemeClr val="dk1"/>
           </a:lnRef>
           <a:fillRef idx="0">
-            <a:schemeClr val="accent1"/>
+            <a:schemeClr val="dk1"/>
           </a:fillRef>
-          <a:effectRef idx="0">
-            <a:schemeClr val="accent1"/>
+          <a:effectRef idx="1">
+            <a:schemeClr val="dk1"/>
           </a:effectRef>
           <a:fontRef idx="minor">
             <a:schemeClr val="tx1"/>
@@ -34283,14 +34993,14 @@
           </a:prstGeom>
         </p:spPr>
         <p:style>
-          <a:lnRef idx="1">
-            <a:schemeClr val="accent1"/>
+          <a:lnRef idx="2">
+            <a:schemeClr val="dk1"/>
           </a:lnRef>
           <a:fillRef idx="0">
-            <a:schemeClr val="accent1"/>
+            <a:schemeClr val="dk1"/>
           </a:fillRef>
-          <a:effectRef idx="0">
-            <a:schemeClr val="accent1"/>
+          <a:effectRef idx="1">
+            <a:schemeClr val="dk1"/>
           </a:effectRef>
           <a:fontRef idx="minor">
             <a:schemeClr val="tx1"/>
@@ -34321,13 +35031,13 @@
           </a:prstGeom>
         </p:spPr>
         <p:style>
-          <a:lnRef idx="1">
+          <a:lnRef idx="2">
             <a:schemeClr val="dk1"/>
           </a:lnRef>
           <a:fillRef idx="0">
             <a:schemeClr val="dk1"/>
           </a:fillRef>
-          <a:effectRef idx="0">
+          <a:effectRef idx="1">
             <a:schemeClr val="dk1"/>
           </a:effectRef>
           <a:fontRef idx="minor">
@@ -34436,13 +35146,13 @@
         </p:spPr>
         <p:style>
           <a:lnRef idx="1">
-            <a:schemeClr val="dk1"/>
+            <a:schemeClr val="accent1"/>
           </a:lnRef>
           <a:fillRef idx="0">
-            <a:schemeClr val="dk1"/>
+            <a:schemeClr val="accent1"/>
           </a:fillRef>
           <a:effectRef idx="0">
-            <a:schemeClr val="dk1"/>
+            <a:schemeClr val="accent1"/>
           </a:effectRef>
           <a:fontRef idx="minor">
             <a:schemeClr val="tx1"/>
@@ -34850,8 +35560,388 @@
         </p:nvCxnSpPr>
         <p:spPr>
           <a:xfrm>
-            <a:off x="7218502" y="2712299"/>
+            <a:off x="7218502" y="2334601"/>
             <a:ext cx="2302695" cy="0"/>
+          </a:xfrm>
+          <a:prstGeom prst="line">
+            <a:avLst/>
+          </a:prstGeom>
+        </p:spPr>
+        <p:style>
+          <a:lnRef idx="1">
+            <a:schemeClr val="accent1"/>
+          </a:lnRef>
+          <a:fillRef idx="0">
+            <a:schemeClr val="accent1"/>
+          </a:fillRef>
+          <a:effectRef idx="0">
+            <a:schemeClr val="accent1"/>
+          </a:effectRef>
+          <a:fontRef idx="minor">
+            <a:schemeClr val="tx1"/>
+          </a:fontRef>
+        </p:style>
+      </p:cxnSp>
+      <p:cxnSp>
+        <p:nvCxnSpPr>
+          <p:cNvPr id="432" name="Rett linje 431">
+            <a:extLst>
+              <a:ext uri="{FF2B5EF4-FFF2-40B4-BE49-F238E27FC236}">
+                <a16:creationId xmlns:a16="http://schemas.microsoft.com/office/drawing/2014/main" id="{6F8CE550-6A49-4A28-827D-CC3A6AEE34C9}"/>
+              </a:ext>
+            </a:extLst>
+          </p:cNvPr>
+          <p:cNvCxnSpPr>
+            <a:cxnSpLocks/>
+          </p:cNvCxnSpPr>
+          <p:nvPr/>
+        </p:nvCxnSpPr>
+        <p:spPr>
+          <a:xfrm>
+            <a:off x="6454453" y="4433927"/>
+            <a:ext cx="555211" cy="0"/>
+          </a:xfrm>
+          <a:prstGeom prst="line">
+            <a:avLst/>
+          </a:prstGeom>
+        </p:spPr>
+        <p:style>
+          <a:lnRef idx="1">
+            <a:schemeClr val="accent1"/>
+          </a:lnRef>
+          <a:fillRef idx="0">
+            <a:schemeClr val="accent1"/>
+          </a:fillRef>
+          <a:effectRef idx="0">
+            <a:schemeClr val="accent1"/>
+          </a:effectRef>
+          <a:fontRef idx="minor">
+            <a:schemeClr val="tx1"/>
+          </a:fontRef>
+        </p:style>
+      </p:cxnSp>
+      <p:cxnSp>
+        <p:nvCxnSpPr>
+          <p:cNvPr id="434" name="Rett linje 433">
+            <a:extLst>
+              <a:ext uri="{FF2B5EF4-FFF2-40B4-BE49-F238E27FC236}">
+                <a16:creationId xmlns:a16="http://schemas.microsoft.com/office/drawing/2014/main" id="{1925CAF6-9C19-4D79-8B3C-C5D375D4AA9F}"/>
+              </a:ext>
+            </a:extLst>
+          </p:cNvPr>
+          <p:cNvCxnSpPr>
+            <a:cxnSpLocks/>
+          </p:cNvCxnSpPr>
+          <p:nvPr/>
+        </p:nvCxnSpPr>
+        <p:spPr>
+          <a:xfrm>
+            <a:off x="6463403" y="4297995"/>
+            <a:ext cx="555211" cy="0"/>
+          </a:xfrm>
+          <a:prstGeom prst="line">
+            <a:avLst/>
+          </a:prstGeom>
+        </p:spPr>
+        <p:style>
+          <a:lnRef idx="1">
+            <a:schemeClr val="accent1"/>
+          </a:lnRef>
+          <a:fillRef idx="0">
+            <a:schemeClr val="accent1"/>
+          </a:fillRef>
+          <a:effectRef idx="0">
+            <a:schemeClr val="accent1"/>
+          </a:effectRef>
+          <a:fontRef idx="minor">
+            <a:schemeClr val="tx1"/>
+          </a:fontRef>
+        </p:style>
+      </p:cxnSp>
+      <p:cxnSp>
+        <p:nvCxnSpPr>
+          <p:cNvPr id="435" name="Rett linje 434">
+            <a:extLst>
+              <a:ext uri="{FF2B5EF4-FFF2-40B4-BE49-F238E27FC236}">
+                <a16:creationId xmlns:a16="http://schemas.microsoft.com/office/drawing/2014/main" id="{85266B9B-E7DD-412C-90E1-C02F66149840}"/>
+              </a:ext>
+            </a:extLst>
+          </p:cNvPr>
+          <p:cNvCxnSpPr>
+            <a:cxnSpLocks/>
+          </p:cNvCxnSpPr>
+          <p:nvPr/>
+        </p:nvCxnSpPr>
+        <p:spPr>
+          <a:xfrm>
+            <a:off x="7292476" y="4433927"/>
+            <a:ext cx="209388" cy="0"/>
+          </a:xfrm>
+          <a:prstGeom prst="line">
+            <a:avLst/>
+          </a:prstGeom>
+        </p:spPr>
+        <p:style>
+          <a:lnRef idx="1">
+            <a:schemeClr val="accent1"/>
+          </a:lnRef>
+          <a:fillRef idx="0">
+            <a:schemeClr val="accent1"/>
+          </a:fillRef>
+          <a:effectRef idx="0">
+            <a:schemeClr val="accent1"/>
+          </a:effectRef>
+          <a:fontRef idx="minor">
+            <a:schemeClr val="tx1"/>
+          </a:fontRef>
+        </p:style>
+      </p:cxnSp>
+      <p:cxnSp>
+        <p:nvCxnSpPr>
+          <p:cNvPr id="437" name="Rett linje 436">
+            <a:extLst>
+              <a:ext uri="{FF2B5EF4-FFF2-40B4-BE49-F238E27FC236}">
+                <a16:creationId xmlns:a16="http://schemas.microsoft.com/office/drawing/2014/main" id="{6398E7B1-8DE4-4653-9E69-97E437809541}"/>
+              </a:ext>
+            </a:extLst>
+          </p:cNvPr>
+          <p:cNvCxnSpPr>
+            <a:cxnSpLocks/>
+          </p:cNvCxnSpPr>
+          <p:nvPr/>
+        </p:nvCxnSpPr>
+        <p:spPr>
+          <a:xfrm>
+            <a:off x="7285277" y="4304343"/>
+            <a:ext cx="92414" cy="0"/>
+          </a:xfrm>
+          <a:prstGeom prst="line">
+            <a:avLst/>
+          </a:prstGeom>
+        </p:spPr>
+        <p:style>
+          <a:lnRef idx="1">
+            <a:schemeClr val="accent1"/>
+          </a:lnRef>
+          <a:fillRef idx="0">
+            <a:schemeClr val="accent1"/>
+          </a:fillRef>
+          <a:effectRef idx="0">
+            <a:schemeClr val="accent1"/>
+          </a:effectRef>
+          <a:fontRef idx="minor">
+            <a:schemeClr val="tx1"/>
+          </a:fontRef>
+        </p:style>
+      </p:cxnSp>
+      <p:cxnSp>
+        <p:nvCxnSpPr>
+          <p:cNvPr id="439" name="Rett linje 438">
+            <a:extLst>
+              <a:ext uri="{FF2B5EF4-FFF2-40B4-BE49-F238E27FC236}">
+                <a16:creationId xmlns:a16="http://schemas.microsoft.com/office/drawing/2014/main" id="{B176A15A-F775-4252-A113-40E84AAC2459}"/>
+              </a:ext>
+            </a:extLst>
+          </p:cNvPr>
+          <p:cNvCxnSpPr>
+            <a:cxnSpLocks/>
+          </p:cNvCxnSpPr>
+          <p:nvPr/>
+        </p:nvCxnSpPr>
+        <p:spPr>
+          <a:xfrm flipV="1">
+            <a:off x="7377691" y="2512153"/>
+            <a:ext cx="0" cy="1791876"/>
+          </a:xfrm>
+          <a:prstGeom prst="line">
+            <a:avLst/>
+          </a:prstGeom>
+        </p:spPr>
+        <p:style>
+          <a:lnRef idx="1">
+            <a:schemeClr val="accent1"/>
+          </a:lnRef>
+          <a:fillRef idx="0">
+            <a:schemeClr val="accent1"/>
+          </a:fillRef>
+          <a:effectRef idx="0">
+            <a:schemeClr val="accent1"/>
+          </a:effectRef>
+          <a:fontRef idx="minor">
+            <a:schemeClr val="tx1"/>
+          </a:fontRef>
+        </p:style>
+      </p:cxnSp>
+      <p:cxnSp>
+        <p:nvCxnSpPr>
+          <p:cNvPr id="441" name="Rett linje 440">
+            <a:extLst>
+              <a:ext uri="{FF2B5EF4-FFF2-40B4-BE49-F238E27FC236}">
+                <a16:creationId xmlns:a16="http://schemas.microsoft.com/office/drawing/2014/main" id="{D807C399-8CC1-4060-811F-C09E3E75290D}"/>
+              </a:ext>
+            </a:extLst>
+          </p:cNvPr>
+          <p:cNvCxnSpPr>
+            <a:cxnSpLocks/>
+          </p:cNvCxnSpPr>
+          <p:nvPr/>
+        </p:nvCxnSpPr>
+        <p:spPr>
+          <a:xfrm flipV="1">
+            <a:off x="7501864" y="2638970"/>
+            <a:ext cx="0" cy="1791876"/>
+          </a:xfrm>
+          <a:prstGeom prst="line">
+            <a:avLst/>
+          </a:prstGeom>
+        </p:spPr>
+        <p:style>
+          <a:lnRef idx="1">
+            <a:schemeClr val="accent1"/>
+          </a:lnRef>
+          <a:fillRef idx="0">
+            <a:schemeClr val="accent1"/>
+          </a:fillRef>
+          <a:effectRef idx="0">
+            <a:schemeClr val="accent1"/>
+          </a:effectRef>
+          <a:fontRef idx="minor">
+            <a:schemeClr val="tx1"/>
+          </a:fontRef>
+        </p:style>
+      </p:cxnSp>
+      <p:cxnSp>
+        <p:nvCxnSpPr>
+          <p:cNvPr id="112" name="Rett linje 111">
+            <a:extLst>
+              <a:ext uri="{FF2B5EF4-FFF2-40B4-BE49-F238E27FC236}">
+                <a16:creationId xmlns:a16="http://schemas.microsoft.com/office/drawing/2014/main" id="{92753665-97AA-4426-88BE-50925464D0FD}"/>
+              </a:ext>
+            </a:extLst>
+          </p:cNvPr>
+          <p:cNvCxnSpPr>
+            <a:cxnSpLocks/>
+          </p:cNvCxnSpPr>
+          <p:nvPr/>
+        </p:nvCxnSpPr>
+        <p:spPr>
+          <a:xfrm>
+            <a:off x="7377691" y="2512153"/>
+            <a:ext cx="2366134" cy="0"/>
+          </a:xfrm>
+          <a:prstGeom prst="line">
+            <a:avLst/>
+          </a:prstGeom>
+        </p:spPr>
+        <p:style>
+          <a:lnRef idx="1">
+            <a:schemeClr val="accent1"/>
+          </a:lnRef>
+          <a:fillRef idx="0">
+            <a:schemeClr val="accent1"/>
+          </a:fillRef>
+          <a:effectRef idx="0">
+            <a:schemeClr val="accent1"/>
+          </a:effectRef>
+          <a:fontRef idx="minor">
+            <a:schemeClr val="tx1"/>
+          </a:fontRef>
+        </p:style>
+      </p:cxnSp>
+      <p:cxnSp>
+        <p:nvCxnSpPr>
+          <p:cNvPr id="444" name="Rett linje 443">
+            <a:extLst>
+              <a:ext uri="{FF2B5EF4-FFF2-40B4-BE49-F238E27FC236}">
+                <a16:creationId xmlns:a16="http://schemas.microsoft.com/office/drawing/2014/main" id="{97897636-994D-432E-A66A-44B58978E88D}"/>
+              </a:ext>
+            </a:extLst>
+          </p:cNvPr>
+          <p:cNvCxnSpPr>
+            <a:cxnSpLocks/>
+          </p:cNvCxnSpPr>
+          <p:nvPr/>
+        </p:nvCxnSpPr>
+        <p:spPr>
+          <a:xfrm>
+            <a:off x="7501864" y="2638970"/>
+            <a:ext cx="2439691" cy="0"/>
+          </a:xfrm>
+          <a:prstGeom prst="line">
+            <a:avLst/>
+          </a:prstGeom>
+        </p:spPr>
+        <p:style>
+          <a:lnRef idx="1">
+            <a:schemeClr val="accent1"/>
+          </a:lnRef>
+          <a:fillRef idx="0">
+            <a:schemeClr val="accent1"/>
+          </a:fillRef>
+          <a:effectRef idx="0">
+            <a:schemeClr val="accent1"/>
+          </a:effectRef>
+          <a:fontRef idx="minor">
+            <a:schemeClr val="tx1"/>
+          </a:fontRef>
+        </p:style>
+      </p:cxnSp>
+      <p:cxnSp>
+        <p:nvCxnSpPr>
+          <p:cNvPr id="114" name="Rett linje 113">
+            <a:extLst>
+              <a:ext uri="{FF2B5EF4-FFF2-40B4-BE49-F238E27FC236}">
+                <a16:creationId xmlns:a16="http://schemas.microsoft.com/office/drawing/2014/main" id="{86046894-32ED-430C-82E9-51C6EA9FD923}"/>
+              </a:ext>
+            </a:extLst>
+          </p:cNvPr>
+          <p:cNvCxnSpPr>
+            <a:stCxn id="773" idx="0"/>
+          </p:cNvCxnSpPr>
+          <p:nvPr/>
+        </p:nvCxnSpPr>
+        <p:spPr>
+          <a:xfrm>
+            <a:off x="9743825" y="1782861"/>
+            <a:ext cx="0" cy="729292"/>
+          </a:xfrm>
+          <a:prstGeom prst="line">
+            <a:avLst/>
+          </a:prstGeom>
+        </p:spPr>
+        <p:style>
+          <a:lnRef idx="1">
+            <a:schemeClr val="accent1"/>
+          </a:lnRef>
+          <a:fillRef idx="0">
+            <a:schemeClr val="accent1"/>
+          </a:fillRef>
+          <a:effectRef idx="0">
+            <a:schemeClr val="accent1"/>
+          </a:effectRef>
+          <a:fontRef idx="minor">
+            <a:schemeClr val="tx1"/>
+          </a:fontRef>
+        </p:style>
+      </p:cxnSp>
+      <p:cxnSp>
+        <p:nvCxnSpPr>
+          <p:cNvPr id="447" name="Rett linje 446">
+            <a:extLst>
+              <a:ext uri="{FF2B5EF4-FFF2-40B4-BE49-F238E27FC236}">
+                <a16:creationId xmlns:a16="http://schemas.microsoft.com/office/drawing/2014/main" id="{59E36311-8E2F-4595-B4C8-4E16C265BB94}"/>
+              </a:ext>
+            </a:extLst>
+          </p:cNvPr>
+          <p:cNvCxnSpPr>
+            <a:cxnSpLocks/>
+          </p:cNvCxnSpPr>
+          <p:nvPr/>
+        </p:nvCxnSpPr>
+        <p:spPr>
+          <a:xfrm>
+            <a:off x="9941555" y="1835645"/>
+            <a:ext cx="0" cy="803325"/>
           </a:xfrm>
           <a:prstGeom prst="line">
             <a:avLst/>

--- a/koblingsskjema.pptx
+++ b/koblingsskjema.pptx
@@ -116,7 +116,7 @@
 <file path=ppt/revisionInfo.xml><?xml version="1.0" encoding="utf-8"?>
 <p1510:revInfo xmlns:a="http://schemas.openxmlformats.org/drawingml/2006/main" xmlns:r="http://schemas.openxmlformats.org/officeDocument/2006/relationships" xmlns:p1510="http://schemas.microsoft.com/office/powerpoint/2015/10/main">
   <p1510:revLst>
-    <p1510:client id="{3412F954-559E-45CF-B92D-744CF964F5CF}" v="12" dt="2019-04-03T08:27:07.609"/>
+    <p1510:client id="{72E8BF9A-B613-4B93-8D75-53E369C5F442}" v="521" dt="2019-04-06T08:02:11.481"/>
   </p1510:revLst>
 </p1510:revInfo>
 </file>
@@ -4197,6 +4197,1837 @@
             <pc:docMk/>
             <pc:sldMk cId="3208764681" sldId="257"/>
             <ac:cxnSpMk id="882" creationId="{43F751C3-AE7F-48FD-BF19-D70B6C9EA351}"/>
+          </ac:cxnSpMkLst>
+        </pc:cxnChg>
+      </pc:sldChg>
+    </pc:docChg>
+  </pc:docChgLst>
+  <pc:docChgLst>
+    <pc:chgData name="Åsmund Runningen" userId="fcfce1d5-2d35-4b5c-86f4-e24bd46c268e" providerId="ADAL" clId="{72E8BF9A-B613-4B93-8D75-53E369C5F442}"/>
+    <pc:docChg chg="undo custSel modSld">
+      <pc:chgData name="Åsmund Runningen" userId="fcfce1d5-2d35-4b5c-86f4-e24bd46c268e" providerId="ADAL" clId="{72E8BF9A-B613-4B93-8D75-53E369C5F442}" dt="2019-04-06T08:02:11.481" v="520" actId="478"/>
+      <pc:docMkLst>
+        <pc:docMk/>
+      </pc:docMkLst>
+      <pc:sldChg chg="addSp delSp modSp">
+        <pc:chgData name="Åsmund Runningen" userId="fcfce1d5-2d35-4b5c-86f4-e24bd46c268e" providerId="ADAL" clId="{72E8BF9A-B613-4B93-8D75-53E369C5F442}" dt="2019-04-06T07:45:42.656" v="318" actId="478"/>
+        <pc:sldMkLst>
+          <pc:docMk/>
+          <pc:sldMk cId="521623659" sldId="256"/>
+        </pc:sldMkLst>
+        <pc:grpChg chg="add del mod">
+          <ac:chgData name="Åsmund Runningen" userId="fcfce1d5-2d35-4b5c-86f4-e24bd46c268e" providerId="ADAL" clId="{72E8BF9A-B613-4B93-8D75-53E369C5F442}" dt="2019-04-06T07:45:42.656" v="318" actId="478"/>
+          <ac:grpSpMkLst>
+            <pc:docMk/>
+            <pc:sldMk cId="521623659" sldId="256"/>
+            <ac:grpSpMk id="401" creationId="{3BB5CDDE-1864-46BA-9007-B03E1C6D5153}"/>
+          </ac:grpSpMkLst>
+        </pc:grpChg>
+      </pc:sldChg>
+      <pc:sldChg chg="addSp delSp modSp">
+        <pc:chgData name="Åsmund Runningen" userId="fcfce1d5-2d35-4b5c-86f4-e24bd46c268e" providerId="ADAL" clId="{72E8BF9A-B613-4B93-8D75-53E369C5F442}" dt="2019-04-06T08:02:11.481" v="520" actId="478"/>
+        <pc:sldMkLst>
+          <pc:docMk/>
+          <pc:sldMk cId="3208764681" sldId="257"/>
+        </pc:sldMkLst>
+        <pc:spChg chg="mod">
+          <ac:chgData name="Åsmund Runningen" userId="fcfce1d5-2d35-4b5c-86f4-e24bd46c268e" providerId="ADAL" clId="{72E8BF9A-B613-4B93-8D75-53E369C5F442}" dt="2019-04-06T07:53:02.929" v="408" actId="1076"/>
+          <ac:spMkLst>
+            <pc:docMk/>
+            <pc:sldMk cId="3208764681" sldId="257"/>
+            <ac:spMk id="16" creationId="{0D78B6D1-B420-4831-B81A-39EBD1D25C98}"/>
+          </ac:spMkLst>
+        </pc:spChg>
+        <pc:spChg chg="mod">
+          <ac:chgData name="Åsmund Runningen" userId="fcfce1d5-2d35-4b5c-86f4-e24bd46c268e" providerId="ADAL" clId="{72E8BF9A-B613-4B93-8D75-53E369C5F442}" dt="2019-04-06T07:53:02.929" v="408" actId="1076"/>
+          <ac:spMkLst>
+            <pc:docMk/>
+            <pc:sldMk cId="3208764681" sldId="257"/>
+            <ac:spMk id="19" creationId="{4036703E-5F61-4A2C-9343-893B58AF4E28}"/>
+          </ac:spMkLst>
+        </pc:spChg>
+        <pc:spChg chg="mod">
+          <ac:chgData name="Åsmund Runningen" userId="fcfce1d5-2d35-4b5c-86f4-e24bd46c268e" providerId="ADAL" clId="{72E8BF9A-B613-4B93-8D75-53E369C5F442}" dt="2019-04-06T07:39:14.429" v="264" actId="1076"/>
+          <ac:spMkLst>
+            <pc:docMk/>
+            <pc:sldMk cId="3208764681" sldId="257"/>
+            <ac:spMk id="21" creationId="{C02CD132-247C-42DD-82A1-B1404E85F071}"/>
+          </ac:spMkLst>
+        </pc:spChg>
+        <pc:spChg chg="mod">
+          <ac:chgData name="Åsmund Runningen" userId="fcfce1d5-2d35-4b5c-86f4-e24bd46c268e" providerId="ADAL" clId="{72E8BF9A-B613-4B93-8D75-53E369C5F442}" dt="2019-04-06T07:39:14.429" v="264" actId="1076"/>
+          <ac:spMkLst>
+            <pc:docMk/>
+            <pc:sldMk cId="3208764681" sldId="257"/>
+            <ac:spMk id="24" creationId="{EE545EA0-3D91-494C-9C6F-27CE6B4FA7F1}"/>
+          </ac:spMkLst>
+        </pc:spChg>
+        <pc:spChg chg="mod">
+          <ac:chgData name="Åsmund Runningen" userId="fcfce1d5-2d35-4b5c-86f4-e24bd46c268e" providerId="ADAL" clId="{72E8BF9A-B613-4B93-8D75-53E369C5F442}" dt="2019-04-06T07:39:14.429" v="264" actId="1076"/>
+          <ac:spMkLst>
+            <pc:docMk/>
+            <pc:sldMk cId="3208764681" sldId="257"/>
+            <ac:spMk id="208" creationId="{2391F48B-173A-4766-A6DF-3458F2CBE7A6}"/>
+          </ac:spMkLst>
+        </pc:spChg>
+        <pc:spChg chg="del mod">
+          <ac:chgData name="Åsmund Runningen" userId="fcfce1d5-2d35-4b5c-86f4-e24bd46c268e" providerId="ADAL" clId="{72E8BF9A-B613-4B93-8D75-53E369C5F442}" dt="2019-04-06T07:53:44.637" v="415" actId="478"/>
+          <ac:spMkLst>
+            <pc:docMk/>
+            <pc:sldMk cId="3208764681" sldId="257"/>
+            <ac:spMk id="226" creationId="{BDE85206-DEEC-44D4-8EB1-7612D482D7C2}"/>
+          </ac:spMkLst>
+        </pc:spChg>
+        <pc:spChg chg="mod">
+          <ac:chgData name="Åsmund Runningen" userId="fcfce1d5-2d35-4b5c-86f4-e24bd46c268e" providerId="ADAL" clId="{72E8BF9A-B613-4B93-8D75-53E369C5F442}" dt="2019-04-06T07:39:14.429" v="264" actId="1076"/>
+          <ac:spMkLst>
+            <pc:docMk/>
+            <pc:sldMk cId="3208764681" sldId="257"/>
+            <ac:spMk id="356" creationId="{8F5A7D14-368E-4972-BB6D-E76373D75C11}"/>
+          </ac:spMkLst>
+        </pc:spChg>
+        <pc:spChg chg="mod">
+          <ac:chgData name="Åsmund Runningen" userId="fcfce1d5-2d35-4b5c-86f4-e24bd46c268e" providerId="ADAL" clId="{72E8BF9A-B613-4B93-8D75-53E369C5F442}" dt="2019-04-06T07:39:14.429" v="264" actId="1076"/>
+          <ac:spMkLst>
+            <pc:docMk/>
+            <pc:sldMk cId="3208764681" sldId="257"/>
+            <ac:spMk id="357" creationId="{9685AB92-8168-4316-910B-1E84634BC0DC}"/>
+          </ac:spMkLst>
+        </pc:spChg>
+        <pc:spChg chg="mod">
+          <ac:chgData name="Åsmund Runningen" userId="fcfce1d5-2d35-4b5c-86f4-e24bd46c268e" providerId="ADAL" clId="{72E8BF9A-B613-4B93-8D75-53E369C5F442}" dt="2019-04-06T07:36:59.685" v="239" actId="208"/>
+          <ac:spMkLst>
+            <pc:docMk/>
+            <pc:sldMk cId="3208764681" sldId="257"/>
+            <ac:spMk id="553" creationId="{CE58F07A-0A72-48C1-A8AE-5AFCB3BF8F2F}"/>
+          </ac:spMkLst>
+        </pc:spChg>
+        <pc:spChg chg="mod">
+          <ac:chgData name="Åsmund Runningen" userId="fcfce1d5-2d35-4b5c-86f4-e24bd46c268e" providerId="ADAL" clId="{72E8BF9A-B613-4B93-8D75-53E369C5F442}" dt="2019-04-06T07:20:14.089" v="39" actId="1076"/>
+          <ac:spMkLst>
+            <pc:docMk/>
+            <pc:sldMk cId="3208764681" sldId="257"/>
+            <ac:spMk id="774" creationId="{E7D63E1F-AB1F-4D16-B52B-64EA0FE20F07}"/>
+          </ac:spMkLst>
+        </pc:spChg>
+        <pc:spChg chg="mod">
+          <ac:chgData name="Åsmund Runningen" userId="fcfce1d5-2d35-4b5c-86f4-e24bd46c268e" providerId="ADAL" clId="{72E8BF9A-B613-4B93-8D75-53E369C5F442}" dt="2019-04-06T07:20:14.089" v="39" actId="1076"/>
+          <ac:spMkLst>
+            <pc:docMk/>
+            <pc:sldMk cId="3208764681" sldId="257"/>
+            <ac:spMk id="775" creationId="{72D63F2B-1AE3-4E6A-B497-52C10C9F8288}"/>
+          </ac:spMkLst>
+        </pc:spChg>
+        <pc:spChg chg="mod">
+          <ac:chgData name="Åsmund Runningen" userId="fcfce1d5-2d35-4b5c-86f4-e24bd46c268e" providerId="ADAL" clId="{72E8BF9A-B613-4B93-8D75-53E369C5F442}" dt="2019-04-06T07:20:14.089" v="39" actId="1076"/>
+          <ac:spMkLst>
+            <pc:docMk/>
+            <pc:sldMk cId="3208764681" sldId="257"/>
+            <ac:spMk id="776" creationId="{684066E9-FF78-4F8A-BE97-2CA39EADFC41}"/>
+          </ac:spMkLst>
+        </pc:spChg>
+        <pc:spChg chg="mod">
+          <ac:chgData name="Åsmund Runningen" userId="fcfce1d5-2d35-4b5c-86f4-e24bd46c268e" providerId="ADAL" clId="{72E8BF9A-B613-4B93-8D75-53E369C5F442}" dt="2019-04-06T07:20:14.089" v="39" actId="1076"/>
+          <ac:spMkLst>
+            <pc:docMk/>
+            <pc:sldMk cId="3208764681" sldId="257"/>
+            <ac:spMk id="777" creationId="{33F89D2A-3417-4EFB-B3E4-D518024AAF7A}"/>
+          </ac:spMkLst>
+        </pc:spChg>
+        <pc:spChg chg="mod">
+          <ac:chgData name="Åsmund Runningen" userId="fcfce1d5-2d35-4b5c-86f4-e24bd46c268e" providerId="ADAL" clId="{72E8BF9A-B613-4B93-8D75-53E369C5F442}" dt="2019-04-06T07:20:14.089" v="39" actId="1076"/>
+          <ac:spMkLst>
+            <pc:docMk/>
+            <pc:sldMk cId="3208764681" sldId="257"/>
+            <ac:spMk id="778" creationId="{F119686D-44DD-4156-AE0A-CE87BEA336B0}"/>
+          </ac:spMkLst>
+        </pc:spChg>
+        <pc:spChg chg="mod">
+          <ac:chgData name="Åsmund Runningen" userId="fcfce1d5-2d35-4b5c-86f4-e24bd46c268e" providerId="ADAL" clId="{72E8BF9A-B613-4B93-8D75-53E369C5F442}" dt="2019-04-06T07:20:14.089" v="39" actId="1076"/>
+          <ac:spMkLst>
+            <pc:docMk/>
+            <pc:sldMk cId="3208764681" sldId="257"/>
+            <ac:spMk id="779" creationId="{528622A2-68CD-45B8-B82A-9204ED7D1CE0}"/>
+          </ac:spMkLst>
+        </pc:spChg>
+        <pc:spChg chg="mod">
+          <ac:chgData name="Åsmund Runningen" userId="fcfce1d5-2d35-4b5c-86f4-e24bd46c268e" providerId="ADAL" clId="{72E8BF9A-B613-4B93-8D75-53E369C5F442}" dt="2019-04-06T07:20:14.089" v="39" actId="1076"/>
+          <ac:spMkLst>
+            <pc:docMk/>
+            <pc:sldMk cId="3208764681" sldId="257"/>
+            <ac:spMk id="780" creationId="{55701673-2EB3-4232-A41B-4FEBE5FEE068}"/>
+          </ac:spMkLst>
+        </pc:spChg>
+        <pc:spChg chg="mod">
+          <ac:chgData name="Åsmund Runningen" userId="fcfce1d5-2d35-4b5c-86f4-e24bd46c268e" providerId="ADAL" clId="{72E8BF9A-B613-4B93-8D75-53E369C5F442}" dt="2019-04-06T07:20:14.089" v="39" actId="1076"/>
+          <ac:spMkLst>
+            <pc:docMk/>
+            <pc:sldMk cId="3208764681" sldId="257"/>
+            <ac:spMk id="781" creationId="{22F3A2A6-5092-42FE-A94C-5CDD4E0C0455}"/>
+          </ac:spMkLst>
+        </pc:spChg>
+        <pc:spChg chg="mod">
+          <ac:chgData name="Åsmund Runningen" userId="fcfce1d5-2d35-4b5c-86f4-e24bd46c268e" providerId="ADAL" clId="{72E8BF9A-B613-4B93-8D75-53E369C5F442}" dt="2019-04-06T07:20:14.089" v="39" actId="1076"/>
+          <ac:spMkLst>
+            <pc:docMk/>
+            <pc:sldMk cId="3208764681" sldId="257"/>
+            <ac:spMk id="782" creationId="{6C73A1DD-3974-4EB2-BB9D-B58FA8565F2A}"/>
+          </ac:spMkLst>
+        </pc:spChg>
+        <pc:spChg chg="mod">
+          <ac:chgData name="Åsmund Runningen" userId="fcfce1d5-2d35-4b5c-86f4-e24bd46c268e" providerId="ADAL" clId="{72E8BF9A-B613-4B93-8D75-53E369C5F442}" dt="2019-04-06T07:20:14.089" v="39" actId="1076"/>
+          <ac:spMkLst>
+            <pc:docMk/>
+            <pc:sldMk cId="3208764681" sldId="257"/>
+            <ac:spMk id="783" creationId="{58C537FA-AF1A-43B5-8F10-BC36F274947B}"/>
+          </ac:spMkLst>
+        </pc:spChg>
+        <pc:spChg chg="mod">
+          <ac:chgData name="Åsmund Runningen" userId="fcfce1d5-2d35-4b5c-86f4-e24bd46c268e" providerId="ADAL" clId="{72E8BF9A-B613-4B93-8D75-53E369C5F442}" dt="2019-04-06T07:20:14.089" v="39" actId="1076"/>
+          <ac:spMkLst>
+            <pc:docMk/>
+            <pc:sldMk cId="3208764681" sldId="257"/>
+            <ac:spMk id="784" creationId="{8782FAE2-79D8-48FD-AABE-C4D81A38DFA1}"/>
+          </ac:spMkLst>
+        </pc:spChg>
+        <pc:spChg chg="mod">
+          <ac:chgData name="Åsmund Runningen" userId="fcfce1d5-2d35-4b5c-86f4-e24bd46c268e" providerId="ADAL" clId="{72E8BF9A-B613-4B93-8D75-53E369C5F442}" dt="2019-04-06T07:20:14.089" v="39" actId="1076"/>
+          <ac:spMkLst>
+            <pc:docMk/>
+            <pc:sldMk cId="3208764681" sldId="257"/>
+            <ac:spMk id="785" creationId="{0E3124FE-3458-4487-8AD9-D507E2C7F8B6}"/>
+          </ac:spMkLst>
+        </pc:spChg>
+        <pc:grpChg chg="mod">
+          <ac:chgData name="Åsmund Runningen" userId="fcfce1d5-2d35-4b5c-86f4-e24bd46c268e" providerId="ADAL" clId="{72E8BF9A-B613-4B93-8D75-53E369C5F442}" dt="2019-04-06T07:39:14.429" v="264" actId="1076"/>
+          <ac:grpSpMkLst>
+            <pc:docMk/>
+            <pc:sldMk cId="3208764681" sldId="257"/>
+            <ac:grpSpMk id="25" creationId="{824C74B9-9B4A-44D5-8180-55C8AA7D82BD}"/>
+          </ac:grpSpMkLst>
+        </pc:grpChg>
+        <pc:grpChg chg="mod">
+          <ac:chgData name="Åsmund Runningen" userId="fcfce1d5-2d35-4b5c-86f4-e24bd46c268e" providerId="ADAL" clId="{72E8BF9A-B613-4B93-8D75-53E369C5F442}" dt="2019-04-06T07:39:19.684" v="265" actId="1076"/>
+          <ac:grpSpMkLst>
+            <pc:docMk/>
+            <pc:sldMk cId="3208764681" sldId="257"/>
+            <ac:grpSpMk id="183" creationId="{02EF6710-4D71-4090-9BB9-CC5B1C760D60}"/>
+          </ac:grpSpMkLst>
+        </pc:grpChg>
+        <pc:grpChg chg="mod">
+          <ac:chgData name="Åsmund Runningen" userId="fcfce1d5-2d35-4b5c-86f4-e24bd46c268e" providerId="ADAL" clId="{72E8BF9A-B613-4B93-8D75-53E369C5F442}" dt="2019-04-06T07:39:14.429" v="264" actId="1076"/>
+          <ac:grpSpMkLst>
+            <pc:docMk/>
+            <pc:sldMk cId="3208764681" sldId="257"/>
+            <ac:grpSpMk id="213" creationId="{87B37E73-3A9D-4C2D-BAAD-5CA3BD38363A}"/>
+          </ac:grpSpMkLst>
+        </pc:grpChg>
+        <pc:grpChg chg="mod">
+          <ac:chgData name="Åsmund Runningen" userId="fcfce1d5-2d35-4b5c-86f4-e24bd46c268e" providerId="ADAL" clId="{72E8BF9A-B613-4B93-8D75-53E369C5F442}" dt="2019-04-06T07:39:14.429" v="264" actId="1076"/>
+          <ac:grpSpMkLst>
+            <pc:docMk/>
+            <pc:sldMk cId="3208764681" sldId="257"/>
+            <ac:grpSpMk id="303" creationId="{AD9489EE-EED0-44A5-976B-C229F32CCAA1}"/>
+          </ac:grpSpMkLst>
+        </pc:grpChg>
+        <pc:grpChg chg="mod">
+          <ac:chgData name="Åsmund Runningen" userId="fcfce1d5-2d35-4b5c-86f4-e24bd46c268e" providerId="ADAL" clId="{72E8BF9A-B613-4B93-8D75-53E369C5F442}" dt="2019-04-06T07:39:14.429" v="264" actId="1076"/>
+          <ac:grpSpMkLst>
+            <pc:docMk/>
+            <pc:sldMk cId="3208764681" sldId="257"/>
+            <ac:grpSpMk id="330" creationId="{97B06C80-F7CA-4FEA-8E46-829BA4608559}"/>
+          </ac:grpSpMkLst>
+        </pc:grpChg>
+        <pc:grpChg chg="mod">
+          <ac:chgData name="Åsmund Runningen" userId="fcfce1d5-2d35-4b5c-86f4-e24bd46c268e" providerId="ADAL" clId="{72E8BF9A-B613-4B93-8D75-53E369C5F442}" dt="2019-04-06T07:39:14.429" v="264" actId="1076"/>
+          <ac:grpSpMkLst>
+            <pc:docMk/>
+            <pc:sldMk cId="3208764681" sldId="257"/>
+            <ac:grpSpMk id="346" creationId="{F373E3E7-0808-435E-8734-3868C75F836F}"/>
+          </ac:grpSpMkLst>
+        </pc:grpChg>
+        <pc:grpChg chg="mod">
+          <ac:chgData name="Åsmund Runningen" userId="fcfce1d5-2d35-4b5c-86f4-e24bd46c268e" providerId="ADAL" clId="{72E8BF9A-B613-4B93-8D75-53E369C5F442}" dt="2019-04-06T07:39:14.429" v="264" actId="1076"/>
+          <ac:grpSpMkLst>
+            <pc:docMk/>
+            <pc:sldMk cId="3208764681" sldId="257"/>
+            <ac:grpSpMk id="363" creationId="{976B8400-754B-46A3-B270-19CED4E91D48}"/>
+          </ac:grpSpMkLst>
+        </pc:grpChg>
+        <pc:grpChg chg="del">
+          <ac:chgData name="Åsmund Runningen" userId="fcfce1d5-2d35-4b5c-86f4-e24bd46c268e" providerId="ADAL" clId="{72E8BF9A-B613-4B93-8D75-53E369C5F442}" dt="2019-04-06T07:17:01.309" v="14" actId="478"/>
+          <ac:grpSpMkLst>
+            <pc:docMk/>
+            <pc:sldMk cId="3208764681" sldId="257"/>
+            <ac:grpSpMk id="426" creationId="{4F22C6E4-A1CF-46A6-B8DE-03A7286B8339}"/>
+          </ac:grpSpMkLst>
+        </pc:grpChg>
+        <pc:grpChg chg="del">
+          <ac:chgData name="Åsmund Runningen" userId="fcfce1d5-2d35-4b5c-86f4-e24bd46c268e" providerId="ADAL" clId="{72E8BF9A-B613-4B93-8D75-53E369C5F442}" dt="2019-04-06T07:17:01.309" v="14" actId="478"/>
+          <ac:grpSpMkLst>
+            <pc:docMk/>
+            <pc:sldMk cId="3208764681" sldId="257"/>
+            <ac:grpSpMk id="429" creationId="{CA33BCB0-827E-4480-9D30-22B245EB535C}"/>
+          </ac:grpSpMkLst>
+        </pc:grpChg>
+        <pc:grpChg chg="add del mod">
+          <ac:chgData name="Åsmund Runningen" userId="fcfce1d5-2d35-4b5c-86f4-e24bd46c268e" providerId="ADAL" clId="{72E8BF9A-B613-4B93-8D75-53E369C5F442}" dt="2019-04-06T07:51:40.322" v="393" actId="165"/>
+          <ac:grpSpMkLst>
+            <pc:docMk/>
+            <pc:sldMk cId="3208764681" sldId="257"/>
+            <ac:grpSpMk id="456" creationId="{F9FC89CD-92B6-405B-A7C6-4A7488CA8957}"/>
+          </ac:grpSpMkLst>
+        </pc:grpChg>
+        <pc:grpChg chg="add mod ord">
+          <ac:chgData name="Åsmund Runningen" userId="fcfce1d5-2d35-4b5c-86f4-e24bd46c268e" providerId="ADAL" clId="{72E8BF9A-B613-4B93-8D75-53E369C5F442}" dt="2019-04-06T07:55:53.816" v="440" actId="167"/>
+          <ac:grpSpMkLst>
+            <pc:docMk/>
+            <pc:sldMk cId="3208764681" sldId="257"/>
+            <ac:grpSpMk id="457" creationId="{0570CE2D-B570-456C-8117-F6169A91ECFC}"/>
+          </ac:grpSpMkLst>
+        </pc:grpChg>
+        <pc:grpChg chg="mod">
+          <ac:chgData name="Åsmund Runningen" userId="fcfce1d5-2d35-4b5c-86f4-e24bd46c268e" providerId="ADAL" clId="{72E8BF9A-B613-4B93-8D75-53E369C5F442}" dt="2019-04-06T07:44:32.779" v="297" actId="1076"/>
+          <ac:grpSpMkLst>
+            <pc:docMk/>
+            <pc:sldMk cId="3208764681" sldId="257"/>
+            <ac:grpSpMk id="498" creationId="{4AE9060E-6D25-4F14-9428-1EB628A88142}"/>
+          </ac:grpSpMkLst>
+        </pc:grpChg>
+        <pc:grpChg chg="del">
+          <ac:chgData name="Åsmund Runningen" userId="fcfce1d5-2d35-4b5c-86f4-e24bd46c268e" providerId="ADAL" clId="{72E8BF9A-B613-4B93-8D75-53E369C5F442}" dt="2019-04-06T07:16:54.713" v="12" actId="478"/>
+          <ac:grpSpMkLst>
+            <pc:docMk/>
+            <pc:sldMk cId="3208764681" sldId="257"/>
+            <ac:grpSpMk id="514" creationId="{B518D16B-8F02-4808-8425-BA632E85D763}"/>
+          </ac:grpSpMkLst>
+        </pc:grpChg>
+        <pc:grpChg chg="del">
+          <ac:chgData name="Åsmund Runningen" userId="fcfce1d5-2d35-4b5c-86f4-e24bd46c268e" providerId="ADAL" clId="{72E8BF9A-B613-4B93-8D75-53E369C5F442}" dt="2019-04-06T07:16:57.522" v="13" actId="478"/>
+          <ac:grpSpMkLst>
+            <pc:docMk/>
+            <pc:sldMk cId="3208764681" sldId="257"/>
+            <ac:grpSpMk id="533" creationId="{467FEDC3-6BE2-4615-96FD-A579ECB61DA2}"/>
+          </ac:grpSpMkLst>
+        </pc:grpChg>
+        <pc:grpChg chg="add mod ord">
+          <ac:chgData name="Åsmund Runningen" userId="fcfce1d5-2d35-4b5c-86f4-e24bd46c268e" providerId="ADAL" clId="{72E8BF9A-B613-4B93-8D75-53E369C5F442}" dt="2019-04-06T07:39:14.429" v="264" actId="1076"/>
+          <ac:grpSpMkLst>
+            <pc:docMk/>
+            <pc:sldMk cId="3208764681" sldId="257"/>
+            <ac:grpSpMk id="552" creationId="{0D069782-B24A-4836-90C1-8A756507CCA1}"/>
+          </ac:grpSpMkLst>
+        </pc:grpChg>
+        <pc:grpChg chg="mod">
+          <ac:chgData name="Åsmund Runningen" userId="fcfce1d5-2d35-4b5c-86f4-e24bd46c268e" providerId="ADAL" clId="{72E8BF9A-B613-4B93-8D75-53E369C5F442}" dt="2019-04-06T07:39:14.429" v="264" actId="1076"/>
+          <ac:grpSpMkLst>
+            <pc:docMk/>
+            <pc:sldMk cId="3208764681" sldId="257"/>
+            <ac:grpSpMk id="574" creationId="{A3FBBF01-5FEB-4B50-8DC4-C67061421A5E}"/>
+          </ac:grpSpMkLst>
+        </pc:grpChg>
+        <pc:grpChg chg="add mod ord">
+          <ac:chgData name="Åsmund Runningen" userId="fcfce1d5-2d35-4b5c-86f4-e24bd46c268e" providerId="ADAL" clId="{72E8BF9A-B613-4B93-8D75-53E369C5F442}" dt="2019-04-06T07:46:21.016" v="327" actId="1076"/>
+          <ac:grpSpMkLst>
+            <pc:docMk/>
+            <pc:sldMk cId="3208764681" sldId="257"/>
+            <ac:grpSpMk id="595" creationId="{2457AD00-0864-4FD9-A3FC-772AC2E27684}"/>
+          </ac:grpSpMkLst>
+        </pc:grpChg>
+        <pc:grpChg chg="mod">
+          <ac:chgData name="Åsmund Runningen" userId="fcfce1d5-2d35-4b5c-86f4-e24bd46c268e" providerId="ADAL" clId="{72E8BF9A-B613-4B93-8D75-53E369C5F442}" dt="2019-04-06T07:39:14.429" v="264" actId="1076"/>
+          <ac:grpSpMkLst>
+            <pc:docMk/>
+            <pc:sldMk cId="3208764681" sldId="257"/>
+            <ac:grpSpMk id="596" creationId="{3A3DF77E-1D6B-4D65-B164-99F322DA6A09}"/>
+          </ac:grpSpMkLst>
+        </pc:grpChg>
+        <pc:grpChg chg="mod">
+          <ac:chgData name="Åsmund Runningen" userId="fcfce1d5-2d35-4b5c-86f4-e24bd46c268e" providerId="ADAL" clId="{72E8BF9A-B613-4B93-8D75-53E369C5F442}" dt="2019-04-06T07:39:14.429" v="264" actId="1076"/>
+          <ac:grpSpMkLst>
+            <pc:docMk/>
+            <pc:sldMk cId="3208764681" sldId="257"/>
+            <ac:grpSpMk id="608" creationId="{6C5C52B7-8F26-4E07-8251-1327FBEB9C64}"/>
+          </ac:grpSpMkLst>
+        </pc:grpChg>
+        <pc:grpChg chg="add mod topLvl">
+          <ac:chgData name="Åsmund Runningen" userId="fcfce1d5-2d35-4b5c-86f4-e24bd46c268e" providerId="ADAL" clId="{72E8BF9A-B613-4B93-8D75-53E369C5F442}" dt="2019-04-06T07:51:51.851" v="397" actId="164"/>
+          <ac:grpSpMkLst>
+            <pc:docMk/>
+            <pc:sldMk cId="3208764681" sldId="257"/>
+            <ac:grpSpMk id="636" creationId="{A9562529-9C6A-44F4-A171-C743F49668A1}"/>
+          </ac:grpSpMkLst>
+        </pc:grpChg>
+        <pc:grpChg chg="add mod ord topLvl">
+          <ac:chgData name="Åsmund Runningen" userId="fcfce1d5-2d35-4b5c-86f4-e24bd46c268e" providerId="ADAL" clId="{72E8BF9A-B613-4B93-8D75-53E369C5F442}" dt="2019-04-06T07:51:51.851" v="397" actId="164"/>
+          <ac:grpSpMkLst>
+            <pc:docMk/>
+            <pc:sldMk cId="3208764681" sldId="257"/>
+            <ac:grpSpMk id="639" creationId="{83CFCD30-46FF-4552-8601-E47BCAA66095}"/>
+          </ac:grpSpMkLst>
+        </pc:grpChg>
+        <pc:grpChg chg="add mod ord">
+          <ac:chgData name="Åsmund Runningen" userId="fcfce1d5-2d35-4b5c-86f4-e24bd46c268e" providerId="ADAL" clId="{72E8BF9A-B613-4B93-8D75-53E369C5F442}" dt="2019-04-06T07:55:56.364" v="441" actId="167"/>
+          <ac:grpSpMkLst>
+            <pc:docMk/>
+            <pc:sldMk cId="3208764681" sldId="257"/>
+            <ac:grpSpMk id="644" creationId="{9AC47EA9-ADB9-4703-898B-AE5FB4FBA48C}"/>
+          </ac:grpSpMkLst>
+        </pc:grpChg>
+        <pc:grpChg chg="mod">
+          <ac:chgData name="Åsmund Runningen" userId="fcfce1d5-2d35-4b5c-86f4-e24bd46c268e" providerId="ADAL" clId="{72E8BF9A-B613-4B93-8D75-53E369C5F442}" dt="2019-04-06T07:51:56.425" v="398"/>
+          <ac:grpSpMkLst>
+            <pc:docMk/>
+            <pc:sldMk cId="3208764681" sldId="257"/>
+            <ac:grpSpMk id="645" creationId="{3A634C3D-8D4D-432D-9F01-1773C76ADFD5}"/>
+          </ac:grpSpMkLst>
+        </pc:grpChg>
+        <pc:grpChg chg="mod">
+          <ac:chgData name="Åsmund Runningen" userId="fcfce1d5-2d35-4b5c-86f4-e24bd46c268e" providerId="ADAL" clId="{72E8BF9A-B613-4B93-8D75-53E369C5F442}" dt="2019-04-06T07:51:56.425" v="398"/>
+          <ac:grpSpMkLst>
+            <pc:docMk/>
+            <pc:sldMk cId="3208764681" sldId="257"/>
+            <ac:grpSpMk id="646" creationId="{0A63BC21-1417-495D-86FA-132B85B21ED6}"/>
+          </ac:grpSpMkLst>
+        </pc:grpChg>
+        <pc:grpChg chg="add mod ord">
+          <ac:chgData name="Åsmund Runningen" userId="fcfce1d5-2d35-4b5c-86f4-e24bd46c268e" providerId="ADAL" clId="{72E8BF9A-B613-4B93-8D75-53E369C5F442}" dt="2019-04-06T07:58:05.967" v="468" actId="167"/>
+          <ac:grpSpMkLst>
+            <pc:docMk/>
+            <pc:sldMk cId="3208764681" sldId="257"/>
+            <ac:grpSpMk id="683" creationId="{BFD7E32A-763A-4004-B997-81FED76CC20D}"/>
+          </ac:grpSpMkLst>
+        </pc:grpChg>
+        <pc:grpChg chg="mod">
+          <ac:chgData name="Åsmund Runningen" userId="fcfce1d5-2d35-4b5c-86f4-e24bd46c268e" providerId="ADAL" clId="{72E8BF9A-B613-4B93-8D75-53E369C5F442}" dt="2019-04-06T07:57:08.100" v="456"/>
+          <ac:grpSpMkLst>
+            <pc:docMk/>
+            <pc:sldMk cId="3208764681" sldId="257"/>
+            <ac:grpSpMk id="684" creationId="{AC3795FD-9013-4B66-841D-C829E5C02C1B}"/>
+          </ac:grpSpMkLst>
+        </pc:grpChg>
+        <pc:grpChg chg="mod">
+          <ac:chgData name="Åsmund Runningen" userId="fcfce1d5-2d35-4b5c-86f4-e24bd46c268e" providerId="ADAL" clId="{72E8BF9A-B613-4B93-8D75-53E369C5F442}" dt="2019-04-06T07:57:08.100" v="456"/>
+          <ac:grpSpMkLst>
+            <pc:docMk/>
+            <pc:sldMk cId="3208764681" sldId="257"/>
+            <ac:grpSpMk id="685" creationId="{B30BCCD3-B3DF-4AD7-A12F-DBE6A1371219}"/>
+          </ac:grpSpMkLst>
+        </pc:grpChg>
+        <pc:grpChg chg="add mod ord">
+          <ac:chgData name="Åsmund Runningen" userId="fcfce1d5-2d35-4b5c-86f4-e24bd46c268e" providerId="ADAL" clId="{72E8BF9A-B613-4B93-8D75-53E369C5F442}" dt="2019-04-06T07:58:08.105" v="469" actId="167"/>
+          <ac:grpSpMkLst>
+            <pc:docMk/>
+            <pc:sldMk cId="3208764681" sldId="257"/>
+            <ac:grpSpMk id="690" creationId="{AFEEF5D2-601C-4DC5-A8EF-F80366977055}"/>
+          </ac:grpSpMkLst>
+        </pc:grpChg>
+        <pc:grpChg chg="mod">
+          <ac:chgData name="Åsmund Runningen" userId="fcfce1d5-2d35-4b5c-86f4-e24bd46c268e" providerId="ADAL" clId="{72E8BF9A-B613-4B93-8D75-53E369C5F442}" dt="2019-04-06T07:57:16.882" v="458"/>
+          <ac:grpSpMkLst>
+            <pc:docMk/>
+            <pc:sldMk cId="3208764681" sldId="257"/>
+            <ac:grpSpMk id="691" creationId="{1E5972CD-E611-49BC-B97E-3CD89F53959D}"/>
+          </ac:grpSpMkLst>
+        </pc:grpChg>
+        <pc:grpChg chg="mod">
+          <ac:chgData name="Åsmund Runningen" userId="fcfce1d5-2d35-4b5c-86f4-e24bd46c268e" providerId="ADAL" clId="{72E8BF9A-B613-4B93-8D75-53E369C5F442}" dt="2019-04-06T07:57:16.882" v="458"/>
+          <ac:grpSpMkLst>
+            <pc:docMk/>
+            <pc:sldMk cId="3208764681" sldId="257"/>
+            <ac:grpSpMk id="692" creationId="{1ED8811B-1B97-4423-A00B-D4F29F056048}"/>
+          </ac:grpSpMkLst>
+        </pc:grpChg>
+        <pc:grpChg chg="add del mod">
+          <ac:chgData name="Åsmund Runningen" userId="fcfce1d5-2d35-4b5c-86f4-e24bd46c268e" providerId="ADAL" clId="{72E8BF9A-B613-4B93-8D75-53E369C5F442}" dt="2019-04-06T07:59:05.174" v="473" actId="165"/>
+          <ac:grpSpMkLst>
+            <pc:docMk/>
+            <pc:sldMk cId="3208764681" sldId="257"/>
+            <ac:grpSpMk id="702" creationId="{B4C9894C-BADB-4E9E-BD0E-0107F67FEA57}"/>
+          </ac:grpSpMkLst>
+        </pc:grpChg>
+        <pc:grpChg chg="del mod topLvl">
+          <ac:chgData name="Åsmund Runningen" userId="fcfce1d5-2d35-4b5c-86f4-e24bd46c268e" providerId="ADAL" clId="{72E8BF9A-B613-4B93-8D75-53E369C5F442}" dt="2019-04-06T07:59:09.822" v="475" actId="478"/>
+          <ac:grpSpMkLst>
+            <pc:docMk/>
+            <pc:sldMk cId="3208764681" sldId="257"/>
+            <ac:grpSpMk id="703" creationId="{DF7AD61B-CDF7-4462-8F54-85899200EAFB}"/>
+          </ac:grpSpMkLst>
+        </pc:grpChg>
+        <pc:grpChg chg="mod ord topLvl">
+          <ac:chgData name="Åsmund Runningen" userId="fcfce1d5-2d35-4b5c-86f4-e24bd46c268e" providerId="ADAL" clId="{72E8BF9A-B613-4B93-8D75-53E369C5F442}" dt="2019-04-06T07:59:30.907" v="481" actId="167"/>
+          <ac:grpSpMkLst>
+            <pc:docMk/>
+            <pc:sldMk cId="3208764681" sldId="257"/>
+            <ac:grpSpMk id="704" creationId="{89CC0363-CD8B-430A-A5CE-6C4117E43540}"/>
+          </ac:grpSpMkLst>
+        </pc:grpChg>
+        <pc:grpChg chg="mod">
+          <ac:chgData name="Åsmund Runningen" userId="fcfce1d5-2d35-4b5c-86f4-e24bd46c268e" providerId="ADAL" clId="{72E8BF9A-B613-4B93-8D75-53E369C5F442}" dt="2019-04-06T07:39:14.429" v="264" actId="1076"/>
+          <ac:grpSpMkLst>
+            <pc:docMk/>
+            <pc:sldMk cId="3208764681" sldId="257"/>
+            <ac:grpSpMk id="730" creationId="{D1C0E2FC-8115-4CE4-AEF8-98AF2CB42D53}"/>
+          </ac:grpSpMkLst>
+        </pc:grpChg>
+        <pc:grpChg chg="mod">
+          <ac:chgData name="Åsmund Runningen" userId="fcfce1d5-2d35-4b5c-86f4-e24bd46c268e" providerId="ADAL" clId="{72E8BF9A-B613-4B93-8D75-53E369C5F442}" dt="2019-04-06T07:39:14.429" v="264" actId="1076"/>
+          <ac:grpSpMkLst>
+            <pc:docMk/>
+            <pc:sldMk cId="3208764681" sldId="257"/>
+            <ac:grpSpMk id="842" creationId="{CF2772B0-7535-45B5-ABB9-E6C2F7C8A576}"/>
+          </ac:grpSpMkLst>
+        </pc:grpChg>
+        <pc:grpChg chg="del">
+          <ac:chgData name="Åsmund Runningen" userId="fcfce1d5-2d35-4b5c-86f4-e24bd46c268e" providerId="ADAL" clId="{72E8BF9A-B613-4B93-8D75-53E369C5F442}" dt="2019-04-06T07:34:55.480" v="223" actId="478"/>
+          <ac:grpSpMkLst>
+            <pc:docMk/>
+            <pc:sldMk cId="3208764681" sldId="257"/>
+            <ac:grpSpMk id="867" creationId="{EBD2167B-B81C-4FDB-BBF8-6BCE302A03A4}"/>
+          </ac:grpSpMkLst>
+        </pc:grpChg>
+        <pc:grpChg chg="del">
+          <ac:chgData name="Åsmund Runningen" userId="fcfce1d5-2d35-4b5c-86f4-e24bd46c268e" providerId="ADAL" clId="{72E8BF9A-B613-4B93-8D75-53E369C5F442}" dt="2019-04-06T07:16:54.713" v="12" actId="478"/>
+          <ac:grpSpMkLst>
+            <pc:docMk/>
+            <pc:sldMk cId="3208764681" sldId="257"/>
+            <ac:grpSpMk id="892" creationId="{8C4134CB-540A-46F5-9BAF-7C8DAB64F1BC}"/>
+          </ac:grpSpMkLst>
+        </pc:grpChg>
+        <pc:cxnChg chg="add mod">
+          <ac:chgData name="Åsmund Runningen" userId="fcfce1d5-2d35-4b5c-86f4-e24bd46c268e" providerId="ADAL" clId="{72E8BF9A-B613-4B93-8D75-53E369C5F442}" dt="2019-04-06T07:39:14.429" v="264" actId="1076"/>
+          <ac:cxnSpMkLst>
+            <pc:docMk/>
+            <pc:sldMk cId="3208764681" sldId="257"/>
+            <ac:cxnSpMk id="3" creationId="{E7CF42AD-95A4-4B90-A85F-C7D000E837A1}"/>
+          </ac:cxnSpMkLst>
+        </pc:cxnChg>
+        <pc:cxnChg chg="mod">
+          <ac:chgData name="Åsmund Runningen" userId="fcfce1d5-2d35-4b5c-86f4-e24bd46c268e" providerId="ADAL" clId="{72E8BF9A-B613-4B93-8D75-53E369C5F442}" dt="2019-04-06T07:52:34.640" v="406" actId="1076"/>
+          <ac:cxnSpMkLst>
+            <pc:docMk/>
+            <pc:sldMk cId="3208764681" sldId="257"/>
+            <ac:cxnSpMk id="6" creationId="{4C2F5608-0186-4318-A268-B5CF9873A4A1}"/>
+          </ac:cxnSpMkLst>
+        </pc:cxnChg>
+        <pc:cxnChg chg="mod">
+          <ac:chgData name="Åsmund Runningen" userId="fcfce1d5-2d35-4b5c-86f4-e24bd46c268e" providerId="ADAL" clId="{72E8BF9A-B613-4B93-8D75-53E369C5F442}" dt="2019-04-06T07:52:37.895" v="407" actId="14100"/>
+          <ac:cxnSpMkLst>
+            <pc:docMk/>
+            <pc:sldMk cId="3208764681" sldId="257"/>
+            <ac:cxnSpMk id="7" creationId="{DAF066B3-B9D8-46B1-B4F3-A242DAB52A12}"/>
+          </ac:cxnSpMkLst>
+        </pc:cxnChg>
+        <pc:cxnChg chg="mod">
+          <ac:chgData name="Åsmund Runningen" userId="fcfce1d5-2d35-4b5c-86f4-e24bd46c268e" providerId="ADAL" clId="{72E8BF9A-B613-4B93-8D75-53E369C5F442}" dt="2019-04-06T07:53:02.929" v="408" actId="1076"/>
+          <ac:cxnSpMkLst>
+            <pc:docMk/>
+            <pc:sldMk cId="3208764681" sldId="257"/>
+            <ac:cxnSpMk id="9" creationId="{66FB0ED5-F8E0-467A-9022-BA4B74FB87A1}"/>
+          </ac:cxnSpMkLst>
+        </pc:cxnChg>
+        <pc:cxnChg chg="mod">
+          <ac:chgData name="Åsmund Runningen" userId="fcfce1d5-2d35-4b5c-86f4-e24bd46c268e" providerId="ADAL" clId="{72E8BF9A-B613-4B93-8D75-53E369C5F442}" dt="2019-04-06T07:39:14.429" v="264" actId="1076"/>
+          <ac:cxnSpMkLst>
+            <pc:docMk/>
+            <pc:sldMk cId="3208764681" sldId="257"/>
+            <ac:cxnSpMk id="10" creationId="{13316225-CAAC-49E2-B338-9E011C0C3A0A}"/>
+          </ac:cxnSpMkLst>
+        </pc:cxnChg>
+        <pc:cxnChg chg="mod">
+          <ac:chgData name="Åsmund Runningen" userId="fcfce1d5-2d35-4b5c-86f4-e24bd46c268e" providerId="ADAL" clId="{72E8BF9A-B613-4B93-8D75-53E369C5F442}" dt="2019-04-06T07:52:31.966" v="405" actId="14100"/>
+          <ac:cxnSpMkLst>
+            <pc:docMk/>
+            <pc:sldMk cId="3208764681" sldId="257"/>
+            <ac:cxnSpMk id="11" creationId="{D38E5405-CC44-405B-BF44-E1FA55FD6F02}"/>
+          </ac:cxnSpMkLst>
+        </pc:cxnChg>
+        <pc:cxnChg chg="mod">
+          <ac:chgData name="Åsmund Runningen" userId="fcfce1d5-2d35-4b5c-86f4-e24bd46c268e" providerId="ADAL" clId="{72E8BF9A-B613-4B93-8D75-53E369C5F442}" dt="2019-04-06T07:53:02.929" v="408" actId="1076"/>
+          <ac:cxnSpMkLst>
+            <pc:docMk/>
+            <pc:sldMk cId="3208764681" sldId="257"/>
+            <ac:cxnSpMk id="12" creationId="{8818956C-7880-4B3D-8C51-2ADAF453B475}"/>
+          </ac:cxnSpMkLst>
+        </pc:cxnChg>
+        <pc:cxnChg chg="mod">
+          <ac:chgData name="Åsmund Runningen" userId="fcfce1d5-2d35-4b5c-86f4-e24bd46c268e" providerId="ADAL" clId="{72E8BF9A-B613-4B93-8D75-53E369C5F442}" dt="2019-04-06T07:39:14.429" v="264" actId="1076"/>
+          <ac:cxnSpMkLst>
+            <pc:docMk/>
+            <pc:sldMk cId="3208764681" sldId="257"/>
+            <ac:cxnSpMk id="13" creationId="{02564ABD-FB92-426B-BF53-2F0FBD5B003A}"/>
+          </ac:cxnSpMkLst>
+        </pc:cxnChg>
+        <pc:cxnChg chg="del">
+          <ac:chgData name="Åsmund Runningen" userId="fcfce1d5-2d35-4b5c-86f4-e24bd46c268e" providerId="ADAL" clId="{72E8BF9A-B613-4B93-8D75-53E369C5F442}" dt="2019-04-06T07:38:43.014" v="258" actId="478"/>
+          <ac:cxnSpMkLst>
+            <pc:docMk/>
+            <pc:sldMk cId="3208764681" sldId="257"/>
+            <ac:cxnSpMk id="15" creationId="{72ECDEA0-E47F-4A38-9941-DFF6C34F9BA8}"/>
+          </ac:cxnSpMkLst>
+        </pc:cxnChg>
+        <pc:cxnChg chg="mod">
+          <ac:chgData name="Åsmund Runningen" userId="fcfce1d5-2d35-4b5c-86f4-e24bd46c268e" providerId="ADAL" clId="{72E8BF9A-B613-4B93-8D75-53E369C5F442}" dt="2019-04-06T07:53:02.929" v="408" actId="1076"/>
+          <ac:cxnSpMkLst>
+            <pc:docMk/>
+            <pc:sldMk cId="3208764681" sldId="257"/>
+            <ac:cxnSpMk id="17" creationId="{6FCC2547-ACCF-49D2-A6A6-CAD7477571D2}"/>
+          </ac:cxnSpMkLst>
+        </pc:cxnChg>
+        <pc:cxnChg chg="mod">
+          <ac:chgData name="Åsmund Runningen" userId="fcfce1d5-2d35-4b5c-86f4-e24bd46c268e" providerId="ADAL" clId="{72E8BF9A-B613-4B93-8D75-53E369C5F442}" dt="2019-04-06T07:53:02.929" v="408" actId="1076"/>
+          <ac:cxnSpMkLst>
+            <pc:docMk/>
+            <pc:sldMk cId="3208764681" sldId="257"/>
+            <ac:cxnSpMk id="18" creationId="{35F1B95A-F956-43EF-9688-96C4526D123B}"/>
+          </ac:cxnSpMkLst>
+        </pc:cxnChg>
+        <pc:cxnChg chg="mod">
+          <ac:chgData name="Åsmund Runningen" userId="fcfce1d5-2d35-4b5c-86f4-e24bd46c268e" providerId="ADAL" clId="{72E8BF9A-B613-4B93-8D75-53E369C5F442}" dt="2019-04-06T07:39:14.429" v="264" actId="1076"/>
+          <ac:cxnSpMkLst>
+            <pc:docMk/>
+            <pc:sldMk cId="3208764681" sldId="257"/>
+            <ac:cxnSpMk id="20" creationId="{17C7B1B7-2073-41E5-A332-2FDABF24E996}"/>
+          </ac:cxnSpMkLst>
+        </pc:cxnChg>
+        <pc:cxnChg chg="mod">
+          <ac:chgData name="Åsmund Runningen" userId="fcfce1d5-2d35-4b5c-86f4-e24bd46c268e" providerId="ADAL" clId="{72E8BF9A-B613-4B93-8D75-53E369C5F442}" dt="2019-04-06T07:39:14.429" v="264" actId="1076"/>
+          <ac:cxnSpMkLst>
+            <pc:docMk/>
+            <pc:sldMk cId="3208764681" sldId="257"/>
+            <ac:cxnSpMk id="22" creationId="{1D4EE6D5-41CC-49A7-B635-1A8494AC774E}"/>
+          </ac:cxnSpMkLst>
+        </pc:cxnChg>
+        <pc:cxnChg chg="mod">
+          <ac:chgData name="Åsmund Runningen" userId="fcfce1d5-2d35-4b5c-86f4-e24bd46c268e" providerId="ADAL" clId="{72E8BF9A-B613-4B93-8D75-53E369C5F442}" dt="2019-04-06T07:39:14.429" v="264" actId="1076"/>
+          <ac:cxnSpMkLst>
+            <pc:docMk/>
+            <pc:sldMk cId="3208764681" sldId="257"/>
+            <ac:cxnSpMk id="23" creationId="{DFADC18B-7545-48B3-9080-696530C371AC}"/>
+          </ac:cxnSpMkLst>
+        </pc:cxnChg>
+        <pc:cxnChg chg="del">
+          <ac:chgData name="Åsmund Runningen" userId="fcfce1d5-2d35-4b5c-86f4-e24bd46c268e" providerId="ADAL" clId="{72E8BF9A-B613-4B93-8D75-53E369C5F442}" dt="2019-04-06T07:16:54.713" v="12" actId="478"/>
+          <ac:cxnSpMkLst>
+            <pc:docMk/>
+            <pc:sldMk cId="3208764681" sldId="257"/>
+            <ac:cxnSpMk id="112" creationId="{92753665-97AA-4426-88BE-50925464D0FD}"/>
+          </ac:cxnSpMkLst>
+        </pc:cxnChg>
+        <pc:cxnChg chg="del mod">
+          <ac:chgData name="Åsmund Runningen" userId="fcfce1d5-2d35-4b5c-86f4-e24bd46c268e" providerId="ADAL" clId="{72E8BF9A-B613-4B93-8D75-53E369C5F442}" dt="2019-04-06T07:17:20.859" v="19" actId="478"/>
+          <ac:cxnSpMkLst>
+            <pc:docMk/>
+            <pc:sldMk cId="3208764681" sldId="257"/>
+            <ac:cxnSpMk id="114" creationId="{86046894-32ED-430C-82E9-51C6EA9FD923}"/>
+          </ac:cxnSpMkLst>
+        </pc:cxnChg>
+        <pc:cxnChg chg="add mod">
+          <ac:chgData name="Åsmund Runningen" userId="fcfce1d5-2d35-4b5c-86f4-e24bd46c268e" providerId="ADAL" clId="{72E8BF9A-B613-4B93-8D75-53E369C5F442}" dt="2019-04-06T07:39:14.429" v="264" actId="1076"/>
+          <ac:cxnSpMkLst>
+            <pc:docMk/>
+            <pc:sldMk cId="3208764681" sldId="257"/>
+            <ac:cxnSpMk id="160" creationId="{909F25A7-4FE0-4456-BBD7-65065F6E4001}"/>
+          </ac:cxnSpMkLst>
+        </pc:cxnChg>
+        <pc:cxnChg chg="add mod">
+          <ac:chgData name="Åsmund Runningen" userId="fcfce1d5-2d35-4b5c-86f4-e24bd46c268e" providerId="ADAL" clId="{72E8BF9A-B613-4B93-8D75-53E369C5F442}" dt="2019-04-06T07:39:14.429" v="264" actId="1076"/>
+          <ac:cxnSpMkLst>
+            <pc:docMk/>
+            <pc:sldMk cId="3208764681" sldId="257"/>
+            <ac:cxnSpMk id="162" creationId="{670630B1-13D5-48F3-A5CE-A48B1FAF7E3C}"/>
+          </ac:cxnSpMkLst>
+        </pc:cxnChg>
+        <pc:cxnChg chg="add mod">
+          <ac:chgData name="Åsmund Runningen" userId="fcfce1d5-2d35-4b5c-86f4-e24bd46c268e" providerId="ADAL" clId="{72E8BF9A-B613-4B93-8D75-53E369C5F442}" dt="2019-04-06T07:39:14.429" v="264" actId="1076"/>
+          <ac:cxnSpMkLst>
+            <pc:docMk/>
+            <pc:sldMk cId="3208764681" sldId="257"/>
+            <ac:cxnSpMk id="164" creationId="{CC3DA22A-4C9A-44BF-A7C7-1A6E0BC69680}"/>
+          </ac:cxnSpMkLst>
+        </pc:cxnChg>
+        <pc:cxnChg chg="del">
+          <ac:chgData name="Åsmund Runningen" userId="fcfce1d5-2d35-4b5c-86f4-e24bd46c268e" providerId="ADAL" clId="{72E8BF9A-B613-4B93-8D75-53E369C5F442}" dt="2019-04-06T07:16:54.713" v="12" actId="478"/>
+          <ac:cxnSpMkLst>
+            <pc:docMk/>
+            <pc:sldMk cId="3208764681" sldId="257"/>
+            <ac:cxnSpMk id="180" creationId="{6B9902EB-0CAC-4705-AA02-98C4000E43DD}"/>
+          </ac:cxnSpMkLst>
+        </pc:cxnChg>
+        <pc:cxnChg chg="del">
+          <ac:chgData name="Åsmund Runningen" userId="fcfce1d5-2d35-4b5c-86f4-e24bd46c268e" providerId="ADAL" clId="{72E8BF9A-B613-4B93-8D75-53E369C5F442}" dt="2019-04-06T07:16:54.713" v="12" actId="478"/>
+          <ac:cxnSpMkLst>
+            <pc:docMk/>
+            <pc:sldMk cId="3208764681" sldId="257"/>
+            <ac:cxnSpMk id="182" creationId="{675CB585-DD65-4D96-A556-C1338289A1AD}"/>
+          </ac:cxnSpMkLst>
+        </pc:cxnChg>
+        <pc:cxnChg chg="mod">
+          <ac:chgData name="Åsmund Runningen" userId="fcfce1d5-2d35-4b5c-86f4-e24bd46c268e" providerId="ADAL" clId="{72E8BF9A-B613-4B93-8D75-53E369C5F442}" dt="2019-04-06T07:39:14.429" v="264" actId="1076"/>
+          <ac:cxnSpMkLst>
+            <pc:docMk/>
+            <pc:sldMk cId="3208764681" sldId="257"/>
+            <ac:cxnSpMk id="187" creationId="{85DD616A-E9DF-447C-A729-D3AE165376DC}"/>
+          </ac:cxnSpMkLst>
+        </pc:cxnChg>
+        <pc:cxnChg chg="mod">
+          <ac:chgData name="Åsmund Runningen" userId="fcfce1d5-2d35-4b5c-86f4-e24bd46c268e" providerId="ADAL" clId="{72E8BF9A-B613-4B93-8D75-53E369C5F442}" dt="2019-04-06T07:39:14.429" v="264" actId="1076"/>
+          <ac:cxnSpMkLst>
+            <pc:docMk/>
+            <pc:sldMk cId="3208764681" sldId="257"/>
+            <ac:cxnSpMk id="189" creationId="{5CEE1DA8-CDC3-44D5-BB88-BE5FB2C3269A}"/>
+          </ac:cxnSpMkLst>
+        </pc:cxnChg>
+        <pc:cxnChg chg="del mod">
+          <ac:chgData name="Åsmund Runningen" userId="fcfce1d5-2d35-4b5c-86f4-e24bd46c268e" providerId="ADAL" clId="{72E8BF9A-B613-4B93-8D75-53E369C5F442}" dt="2019-04-06T07:37:40.855" v="247" actId="478"/>
+          <ac:cxnSpMkLst>
+            <pc:docMk/>
+            <pc:sldMk cId="3208764681" sldId="257"/>
+            <ac:cxnSpMk id="191" creationId="{BBB414AF-6F27-44B7-9B71-9263CD991CC6}"/>
+          </ac:cxnSpMkLst>
+        </pc:cxnChg>
+        <pc:cxnChg chg="del">
+          <ac:chgData name="Åsmund Runningen" userId="fcfce1d5-2d35-4b5c-86f4-e24bd46c268e" providerId="ADAL" clId="{72E8BF9A-B613-4B93-8D75-53E369C5F442}" dt="2019-04-06T07:35:26.895" v="228" actId="478"/>
+          <ac:cxnSpMkLst>
+            <pc:docMk/>
+            <pc:sldMk cId="3208764681" sldId="257"/>
+            <ac:cxnSpMk id="193" creationId="{F3742868-B233-48E0-931B-D30951D9B6FA}"/>
+          </ac:cxnSpMkLst>
+        </pc:cxnChg>
+        <pc:cxnChg chg="del mod">
+          <ac:chgData name="Åsmund Runningen" userId="fcfce1d5-2d35-4b5c-86f4-e24bd46c268e" providerId="ADAL" clId="{72E8BF9A-B613-4B93-8D75-53E369C5F442}" dt="2019-04-06T07:34:38.922" v="216" actId="478"/>
+          <ac:cxnSpMkLst>
+            <pc:docMk/>
+            <pc:sldMk cId="3208764681" sldId="257"/>
+            <ac:cxnSpMk id="195" creationId="{4CF56912-851C-494F-AE75-02843E5E406C}"/>
+          </ac:cxnSpMkLst>
+        </pc:cxnChg>
+        <pc:cxnChg chg="mod">
+          <ac:chgData name="Åsmund Runningen" userId="fcfce1d5-2d35-4b5c-86f4-e24bd46c268e" providerId="ADAL" clId="{72E8BF9A-B613-4B93-8D75-53E369C5F442}" dt="2019-04-06T07:54:12.381" v="418" actId="14100"/>
+          <ac:cxnSpMkLst>
+            <pc:docMk/>
+            <pc:sldMk cId="3208764681" sldId="257"/>
+            <ac:cxnSpMk id="197" creationId="{A2B9FA53-4E65-4ACC-8EFB-19023912F62D}"/>
+          </ac:cxnSpMkLst>
+        </pc:cxnChg>
+        <pc:cxnChg chg="mod">
+          <ac:chgData name="Åsmund Runningen" userId="fcfce1d5-2d35-4b5c-86f4-e24bd46c268e" providerId="ADAL" clId="{72E8BF9A-B613-4B93-8D75-53E369C5F442}" dt="2019-04-06T07:39:14.429" v="264" actId="1076"/>
+          <ac:cxnSpMkLst>
+            <pc:docMk/>
+            <pc:sldMk cId="3208764681" sldId="257"/>
+            <ac:cxnSpMk id="199" creationId="{198F4475-6EE4-419F-81A3-71741E33EA04}"/>
+          </ac:cxnSpMkLst>
+        </pc:cxnChg>
+        <pc:cxnChg chg="mod">
+          <ac:chgData name="Åsmund Runningen" userId="fcfce1d5-2d35-4b5c-86f4-e24bd46c268e" providerId="ADAL" clId="{72E8BF9A-B613-4B93-8D75-53E369C5F442}" dt="2019-04-06T07:39:14.429" v="264" actId="1076"/>
+          <ac:cxnSpMkLst>
+            <pc:docMk/>
+            <pc:sldMk cId="3208764681" sldId="257"/>
+            <ac:cxnSpMk id="201" creationId="{4EB6BB39-27E4-40CA-9451-B80D7275FF9E}"/>
+          </ac:cxnSpMkLst>
+        </pc:cxnChg>
+        <pc:cxnChg chg="mod">
+          <ac:chgData name="Åsmund Runningen" userId="fcfce1d5-2d35-4b5c-86f4-e24bd46c268e" providerId="ADAL" clId="{72E8BF9A-B613-4B93-8D75-53E369C5F442}" dt="2019-04-06T07:39:14.429" v="264" actId="1076"/>
+          <ac:cxnSpMkLst>
+            <pc:docMk/>
+            <pc:sldMk cId="3208764681" sldId="257"/>
+            <ac:cxnSpMk id="212" creationId="{8EE43A92-8EC3-40F1-988C-5F44A37CA628}"/>
+          </ac:cxnSpMkLst>
+        </pc:cxnChg>
+        <pc:cxnChg chg="mod">
+          <ac:chgData name="Åsmund Runningen" userId="fcfce1d5-2d35-4b5c-86f4-e24bd46c268e" providerId="ADAL" clId="{72E8BF9A-B613-4B93-8D75-53E369C5F442}" dt="2019-04-06T07:53:48.896" v="416" actId="14100"/>
+          <ac:cxnSpMkLst>
+            <pc:docMk/>
+            <pc:sldMk cId="3208764681" sldId="257"/>
+            <ac:cxnSpMk id="218" creationId="{089AB48A-B0D4-4364-AB44-DC2220D18E7F}"/>
+          </ac:cxnSpMkLst>
+        </pc:cxnChg>
+        <pc:cxnChg chg="mod">
+          <ac:chgData name="Åsmund Runningen" userId="fcfce1d5-2d35-4b5c-86f4-e24bd46c268e" providerId="ADAL" clId="{72E8BF9A-B613-4B93-8D75-53E369C5F442}" dt="2019-04-06T07:53:59.993" v="417" actId="1582"/>
+          <ac:cxnSpMkLst>
+            <pc:docMk/>
+            <pc:sldMk cId="3208764681" sldId="257"/>
+            <ac:cxnSpMk id="221" creationId="{D585BCCD-2AE3-4A32-85E2-C41D4DF1DE39}"/>
+          </ac:cxnSpMkLst>
+        </pc:cxnChg>
+        <pc:cxnChg chg="del">
+          <ac:chgData name="Åsmund Runningen" userId="fcfce1d5-2d35-4b5c-86f4-e24bd46c268e" providerId="ADAL" clId="{72E8BF9A-B613-4B93-8D75-53E369C5F442}" dt="2019-04-06T07:16:54.713" v="12" actId="478"/>
+          <ac:cxnSpMkLst>
+            <pc:docMk/>
+            <pc:sldMk cId="3208764681" sldId="257"/>
+            <ac:cxnSpMk id="274" creationId="{F6AAE127-BE85-440A-B55F-CFA783E732C9}"/>
+          </ac:cxnSpMkLst>
+        </pc:cxnChg>
+        <pc:cxnChg chg="del">
+          <ac:chgData name="Åsmund Runningen" userId="fcfce1d5-2d35-4b5c-86f4-e24bd46c268e" providerId="ADAL" clId="{72E8BF9A-B613-4B93-8D75-53E369C5F442}" dt="2019-04-06T07:16:54.713" v="12" actId="478"/>
+          <ac:cxnSpMkLst>
+            <pc:docMk/>
+            <pc:sldMk cId="3208764681" sldId="257"/>
+            <ac:cxnSpMk id="276" creationId="{D0C3855B-6962-4878-9096-D41A4CE82CFF}"/>
+          </ac:cxnSpMkLst>
+        </pc:cxnChg>
+        <pc:cxnChg chg="mod">
+          <ac:chgData name="Åsmund Runningen" userId="fcfce1d5-2d35-4b5c-86f4-e24bd46c268e" providerId="ADAL" clId="{72E8BF9A-B613-4B93-8D75-53E369C5F442}" dt="2019-04-06T08:00:00.629" v="491" actId="14100"/>
+          <ac:cxnSpMkLst>
+            <pc:docMk/>
+            <pc:sldMk cId="3208764681" sldId="257"/>
+            <ac:cxnSpMk id="285" creationId="{5DB85B73-0B60-4ADB-AE2D-0493B0FE2414}"/>
+          </ac:cxnSpMkLst>
+        </pc:cxnChg>
+        <pc:cxnChg chg="mod">
+          <ac:chgData name="Åsmund Runningen" userId="fcfce1d5-2d35-4b5c-86f4-e24bd46c268e" providerId="ADAL" clId="{72E8BF9A-B613-4B93-8D75-53E369C5F442}" dt="2019-04-06T07:58:52.831" v="470" actId="14100"/>
+          <ac:cxnSpMkLst>
+            <pc:docMk/>
+            <pc:sldMk cId="3208764681" sldId="257"/>
+            <ac:cxnSpMk id="287" creationId="{5937B60A-2E3E-4755-8D11-E4A332A620D7}"/>
+          </ac:cxnSpMkLst>
+        </pc:cxnChg>
+        <pc:cxnChg chg="del">
+          <ac:chgData name="Åsmund Runningen" userId="fcfce1d5-2d35-4b5c-86f4-e24bd46c268e" providerId="ADAL" clId="{72E8BF9A-B613-4B93-8D75-53E369C5F442}" dt="2019-04-06T07:16:54.713" v="12" actId="478"/>
+          <ac:cxnSpMkLst>
+            <pc:docMk/>
+            <pc:sldMk cId="3208764681" sldId="257"/>
+            <ac:cxnSpMk id="291" creationId="{0F7756C0-3674-4BF3-ABA6-9531908ABFE3}"/>
+          </ac:cxnSpMkLst>
+        </pc:cxnChg>
+        <pc:cxnChg chg="del">
+          <ac:chgData name="Åsmund Runningen" userId="fcfce1d5-2d35-4b5c-86f4-e24bd46c268e" providerId="ADAL" clId="{72E8BF9A-B613-4B93-8D75-53E369C5F442}" dt="2019-04-06T07:16:54.713" v="12" actId="478"/>
+          <ac:cxnSpMkLst>
+            <pc:docMk/>
+            <pc:sldMk cId="3208764681" sldId="257"/>
+            <ac:cxnSpMk id="293" creationId="{97CB4630-8303-45B4-AD7A-976C8DBD297F}"/>
+          </ac:cxnSpMkLst>
+        </pc:cxnChg>
+        <pc:cxnChg chg="del">
+          <ac:chgData name="Åsmund Runningen" userId="fcfce1d5-2d35-4b5c-86f4-e24bd46c268e" providerId="ADAL" clId="{72E8BF9A-B613-4B93-8D75-53E369C5F442}" dt="2019-04-06T07:16:54.713" v="12" actId="478"/>
+          <ac:cxnSpMkLst>
+            <pc:docMk/>
+            <pc:sldMk cId="3208764681" sldId="257"/>
+            <ac:cxnSpMk id="298" creationId="{02D4FD53-854E-4C2D-AD5B-5E1CDB6127CE}"/>
+          </ac:cxnSpMkLst>
+        </pc:cxnChg>
+        <pc:cxnChg chg="del">
+          <ac:chgData name="Åsmund Runningen" userId="fcfce1d5-2d35-4b5c-86f4-e24bd46c268e" providerId="ADAL" clId="{72E8BF9A-B613-4B93-8D75-53E369C5F442}" dt="2019-04-06T07:16:54.713" v="12" actId="478"/>
+          <ac:cxnSpMkLst>
+            <pc:docMk/>
+            <pc:sldMk cId="3208764681" sldId="257"/>
+            <ac:cxnSpMk id="300" creationId="{7BE45D9F-8540-43FD-8566-9E7A52656EB3}"/>
+          </ac:cxnSpMkLst>
+        </pc:cxnChg>
+        <pc:cxnChg chg="mod">
+          <ac:chgData name="Åsmund Runningen" userId="fcfce1d5-2d35-4b5c-86f4-e24bd46c268e" providerId="ADAL" clId="{72E8BF9A-B613-4B93-8D75-53E369C5F442}" dt="2019-04-06T07:39:14.429" v="264" actId="1076"/>
+          <ac:cxnSpMkLst>
+            <pc:docMk/>
+            <pc:sldMk cId="3208764681" sldId="257"/>
+            <ac:cxnSpMk id="334" creationId="{535C6BEA-7A4D-408A-BC7B-B7F2C2F3E979}"/>
+          </ac:cxnSpMkLst>
+        </pc:cxnChg>
+        <pc:cxnChg chg="mod">
+          <ac:chgData name="Åsmund Runningen" userId="fcfce1d5-2d35-4b5c-86f4-e24bd46c268e" providerId="ADAL" clId="{72E8BF9A-B613-4B93-8D75-53E369C5F442}" dt="2019-04-06T07:53:35.946" v="414" actId="14100"/>
+          <ac:cxnSpMkLst>
+            <pc:docMk/>
+            <pc:sldMk cId="3208764681" sldId="257"/>
+            <ac:cxnSpMk id="338" creationId="{4BFC079D-8EA5-4581-9E49-C8581F450FB8}"/>
+          </ac:cxnSpMkLst>
+        </pc:cxnChg>
+        <pc:cxnChg chg="del mod">
+          <ac:chgData name="Åsmund Runningen" userId="fcfce1d5-2d35-4b5c-86f4-e24bd46c268e" providerId="ADAL" clId="{72E8BF9A-B613-4B93-8D75-53E369C5F442}" dt="2019-04-06T07:53:31.100" v="412" actId="478"/>
+          <ac:cxnSpMkLst>
+            <pc:docMk/>
+            <pc:sldMk cId="3208764681" sldId="257"/>
+            <ac:cxnSpMk id="341" creationId="{1478809B-414B-4EDF-8192-0E4139E9430D}"/>
+          </ac:cxnSpMkLst>
+        </pc:cxnChg>
+        <pc:cxnChg chg="mod">
+          <ac:chgData name="Åsmund Runningen" userId="fcfce1d5-2d35-4b5c-86f4-e24bd46c268e" providerId="ADAL" clId="{72E8BF9A-B613-4B93-8D75-53E369C5F442}" dt="2019-04-06T07:39:14.429" v="264" actId="1076"/>
+          <ac:cxnSpMkLst>
+            <pc:docMk/>
+            <pc:sldMk cId="3208764681" sldId="257"/>
+            <ac:cxnSpMk id="342" creationId="{AEFA5A8A-E270-4207-9DC4-4A30E58CDD34}"/>
+          </ac:cxnSpMkLst>
+        </pc:cxnChg>
+        <pc:cxnChg chg="mod">
+          <ac:chgData name="Åsmund Runningen" userId="fcfce1d5-2d35-4b5c-86f4-e24bd46c268e" providerId="ADAL" clId="{72E8BF9A-B613-4B93-8D75-53E369C5F442}" dt="2019-04-06T07:39:14.429" v="264" actId="1076"/>
+          <ac:cxnSpMkLst>
+            <pc:docMk/>
+            <pc:sldMk cId="3208764681" sldId="257"/>
+            <ac:cxnSpMk id="344" creationId="{DBBDFB3D-B41D-4A59-8B0F-CA3DD1915B50}"/>
+          </ac:cxnSpMkLst>
+        </pc:cxnChg>
+        <pc:cxnChg chg="mod">
+          <ac:chgData name="Åsmund Runningen" userId="fcfce1d5-2d35-4b5c-86f4-e24bd46c268e" providerId="ADAL" clId="{72E8BF9A-B613-4B93-8D75-53E369C5F442}" dt="2019-04-06T07:39:14.429" v="264" actId="1076"/>
+          <ac:cxnSpMkLst>
+            <pc:docMk/>
+            <pc:sldMk cId="3208764681" sldId="257"/>
+            <ac:cxnSpMk id="359" creationId="{5E09D415-4959-4EDC-B2C0-D1BB49F6FBE0}"/>
+          </ac:cxnSpMkLst>
+        </pc:cxnChg>
+        <pc:cxnChg chg="mod">
+          <ac:chgData name="Åsmund Runningen" userId="fcfce1d5-2d35-4b5c-86f4-e24bd46c268e" providerId="ADAL" clId="{72E8BF9A-B613-4B93-8D75-53E369C5F442}" dt="2019-04-06T07:39:14.429" v="264" actId="1076"/>
+          <ac:cxnSpMkLst>
+            <pc:docMk/>
+            <pc:sldMk cId="3208764681" sldId="257"/>
+            <ac:cxnSpMk id="360" creationId="{063E7581-B613-4266-BA50-56A34324C77E}"/>
+          </ac:cxnSpMkLst>
+        </pc:cxnChg>
+        <pc:cxnChg chg="add mod">
+          <ac:chgData name="Åsmund Runningen" userId="fcfce1d5-2d35-4b5c-86f4-e24bd46c268e" providerId="ADAL" clId="{72E8BF9A-B613-4B93-8D75-53E369C5F442}" dt="2019-04-06T07:54:33.638" v="422" actId="14100"/>
+          <ac:cxnSpMkLst>
+            <pc:docMk/>
+            <pc:sldMk cId="3208764681" sldId="257"/>
+            <ac:cxnSpMk id="362" creationId="{399C190D-0D02-4B44-B791-FD255C993B69}"/>
+          </ac:cxnSpMkLst>
+        </pc:cxnChg>
+        <pc:cxnChg chg="add mod">
+          <ac:chgData name="Åsmund Runningen" userId="fcfce1d5-2d35-4b5c-86f4-e24bd46c268e" providerId="ADAL" clId="{72E8BF9A-B613-4B93-8D75-53E369C5F442}" dt="2019-04-06T07:40:31.553" v="280" actId="14100"/>
+          <ac:cxnSpMkLst>
+            <pc:docMk/>
+            <pc:sldMk cId="3208764681" sldId="257"/>
+            <ac:cxnSpMk id="381" creationId="{DA2BA2F6-3A72-488F-98F0-ACADE169C44E}"/>
+          </ac:cxnSpMkLst>
+        </pc:cxnChg>
+        <pc:cxnChg chg="add mod">
+          <ac:chgData name="Åsmund Runningen" userId="fcfce1d5-2d35-4b5c-86f4-e24bd46c268e" providerId="ADAL" clId="{72E8BF9A-B613-4B93-8D75-53E369C5F442}" dt="2019-04-06T07:54:39.634" v="423" actId="14100"/>
+          <ac:cxnSpMkLst>
+            <pc:docMk/>
+            <pc:sldMk cId="3208764681" sldId="257"/>
+            <ac:cxnSpMk id="385" creationId="{F96E900E-A09C-4015-904F-D6F2993E8C9B}"/>
+          </ac:cxnSpMkLst>
+        </pc:cxnChg>
+        <pc:cxnChg chg="add mod">
+          <ac:chgData name="Åsmund Runningen" userId="fcfce1d5-2d35-4b5c-86f4-e24bd46c268e" providerId="ADAL" clId="{72E8BF9A-B613-4B93-8D75-53E369C5F442}" dt="2019-04-06T07:41:55.467" v="294" actId="14100"/>
+          <ac:cxnSpMkLst>
+            <pc:docMk/>
+            <pc:sldMk cId="3208764681" sldId="257"/>
+            <ac:cxnSpMk id="387" creationId="{3CF19186-FFF0-4ED9-910C-8D284C54AEE9}"/>
+          </ac:cxnSpMkLst>
+        </pc:cxnChg>
+        <pc:cxnChg chg="add mod">
+          <ac:chgData name="Åsmund Runningen" userId="fcfce1d5-2d35-4b5c-86f4-e24bd46c268e" providerId="ADAL" clId="{72E8BF9A-B613-4B93-8D75-53E369C5F442}" dt="2019-04-06T07:45:04.860" v="309" actId="14100"/>
+          <ac:cxnSpMkLst>
+            <pc:docMk/>
+            <pc:sldMk cId="3208764681" sldId="257"/>
+            <ac:cxnSpMk id="398" creationId="{F11C9FB2-124A-4123-BF9A-EB727BC83BB7}"/>
+          </ac:cxnSpMkLst>
+        </pc:cxnChg>
+        <pc:cxnChg chg="add mod">
+          <ac:chgData name="Åsmund Runningen" userId="fcfce1d5-2d35-4b5c-86f4-e24bd46c268e" providerId="ADAL" clId="{72E8BF9A-B613-4B93-8D75-53E369C5F442}" dt="2019-04-06T07:48:58.092" v="359" actId="1076"/>
+          <ac:cxnSpMkLst>
+            <pc:docMk/>
+            <pc:sldMk cId="3208764681" sldId="257"/>
+            <ac:cxnSpMk id="407" creationId="{546F7F32-D874-48BD-AE1F-1A5188BCD38B}"/>
+          </ac:cxnSpMkLst>
+        </pc:cxnChg>
+        <pc:cxnChg chg="add mod">
+          <ac:chgData name="Åsmund Runningen" userId="fcfce1d5-2d35-4b5c-86f4-e24bd46c268e" providerId="ADAL" clId="{72E8BF9A-B613-4B93-8D75-53E369C5F442}" dt="2019-04-06T07:50:16.987" v="376" actId="208"/>
+          <ac:cxnSpMkLst>
+            <pc:docMk/>
+            <pc:sldMk cId="3208764681" sldId="257"/>
+            <ac:cxnSpMk id="415" creationId="{8329B583-F472-413B-ACE3-D40303733A88}"/>
+          </ac:cxnSpMkLst>
+        </pc:cxnChg>
+        <pc:cxnChg chg="mod">
+          <ac:chgData name="Åsmund Runningen" userId="fcfce1d5-2d35-4b5c-86f4-e24bd46c268e" providerId="ADAL" clId="{72E8BF9A-B613-4B93-8D75-53E369C5F442}" dt="2019-04-06T07:39:14.429" v="264" actId="1076"/>
+          <ac:cxnSpMkLst>
+            <pc:docMk/>
+            <pc:sldMk cId="3208764681" sldId="257"/>
+            <ac:cxnSpMk id="432" creationId="{6F8CE550-6A49-4A28-827D-CC3A6AEE34C9}"/>
+          </ac:cxnSpMkLst>
+        </pc:cxnChg>
+        <pc:cxnChg chg="add mod">
+          <ac:chgData name="Åsmund Runningen" userId="fcfce1d5-2d35-4b5c-86f4-e24bd46c268e" providerId="ADAL" clId="{72E8BF9A-B613-4B93-8D75-53E369C5F442}" dt="2019-04-06T07:39:14.429" v="264" actId="1076"/>
+          <ac:cxnSpMkLst>
+            <pc:docMk/>
+            <pc:sldMk cId="3208764681" sldId="257"/>
+            <ac:cxnSpMk id="433" creationId="{8270C5CE-7428-46B8-B8BF-7623C17AE507}"/>
+          </ac:cxnSpMkLst>
+        </pc:cxnChg>
+        <pc:cxnChg chg="mod">
+          <ac:chgData name="Åsmund Runningen" userId="fcfce1d5-2d35-4b5c-86f4-e24bd46c268e" providerId="ADAL" clId="{72E8BF9A-B613-4B93-8D75-53E369C5F442}" dt="2019-04-06T07:39:14.429" v="264" actId="1076"/>
+          <ac:cxnSpMkLst>
+            <pc:docMk/>
+            <pc:sldMk cId="3208764681" sldId="257"/>
+            <ac:cxnSpMk id="434" creationId="{1925CAF6-9C19-4D79-8B3C-C5D375D4AA9F}"/>
+          </ac:cxnSpMkLst>
+        </pc:cxnChg>
+        <pc:cxnChg chg="del">
+          <ac:chgData name="Åsmund Runningen" userId="fcfce1d5-2d35-4b5c-86f4-e24bd46c268e" providerId="ADAL" clId="{72E8BF9A-B613-4B93-8D75-53E369C5F442}" dt="2019-04-06T07:16:54.713" v="12" actId="478"/>
+          <ac:cxnSpMkLst>
+            <pc:docMk/>
+            <pc:sldMk cId="3208764681" sldId="257"/>
+            <ac:cxnSpMk id="435" creationId="{85266B9B-E7DD-412C-90E1-C02F66149840}"/>
+          </ac:cxnSpMkLst>
+        </pc:cxnChg>
+        <pc:cxnChg chg="add mod">
+          <ac:chgData name="Åsmund Runningen" userId="fcfce1d5-2d35-4b5c-86f4-e24bd46c268e" providerId="ADAL" clId="{72E8BF9A-B613-4B93-8D75-53E369C5F442}" dt="2019-04-06T07:39:14.429" v="264" actId="1076"/>
+          <ac:cxnSpMkLst>
+            <pc:docMk/>
+            <pc:sldMk cId="3208764681" sldId="257"/>
+            <ac:cxnSpMk id="436" creationId="{D2E9AE41-5132-4F00-A324-F5E2F2F6D7F0}"/>
+          </ac:cxnSpMkLst>
+        </pc:cxnChg>
+        <pc:cxnChg chg="del">
+          <ac:chgData name="Åsmund Runningen" userId="fcfce1d5-2d35-4b5c-86f4-e24bd46c268e" providerId="ADAL" clId="{72E8BF9A-B613-4B93-8D75-53E369C5F442}" dt="2019-04-06T07:16:54.713" v="12" actId="478"/>
+          <ac:cxnSpMkLst>
+            <pc:docMk/>
+            <pc:sldMk cId="3208764681" sldId="257"/>
+            <ac:cxnSpMk id="437" creationId="{6398E7B1-8DE4-4653-9E69-97E437809541}"/>
+          </ac:cxnSpMkLst>
+        </pc:cxnChg>
+        <pc:cxnChg chg="add mod">
+          <ac:chgData name="Åsmund Runningen" userId="fcfce1d5-2d35-4b5c-86f4-e24bd46c268e" providerId="ADAL" clId="{72E8BF9A-B613-4B93-8D75-53E369C5F442}" dt="2019-04-06T07:39:14.429" v="264" actId="1076"/>
+          <ac:cxnSpMkLst>
+            <pc:docMk/>
+            <pc:sldMk cId="3208764681" sldId="257"/>
+            <ac:cxnSpMk id="438" creationId="{1BE6E29C-DE0C-4F25-A11F-3FE755AE149A}"/>
+          </ac:cxnSpMkLst>
+        </pc:cxnChg>
+        <pc:cxnChg chg="del">
+          <ac:chgData name="Åsmund Runningen" userId="fcfce1d5-2d35-4b5c-86f4-e24bd46c268e" providerId="ADAL" clId="{72E8BF9A-B613-4B93-8D75-53E369C5F442}" dt="2019-04-06T07:16:54.713" v="12" actId="478"/>
+          <ac:cxnSpMkLst>
+            <pc:docMk/>
+            <pc:sldMk cId="3208764681" sldId="257"/>
+            <ac:cxnSpMk id="439" creationId="{B176A15A-F775-4252-A113-40E84AAC2459}"/>
+          </ac:cxnSpMkLst>
+        </pc:cxnChg>
+        <pc:cxnChg chg="add mod">
+          <ac:chgData name="Åsmund Runningen" userId="fcfce1d5-2d35-4b5c-86f4-e24bd46c268e" providerId="ADAL" clId="{72E8BF9A-B613-4B93-8D75-53E369C5F442}" dt="2019-04-06T07:39:14.429" v="264" actId="1076"/>
+          <ac:cxnSpMkLst>
+            <pc:docMk/>
+            <pc:sldMk cId="3208764681" sldId="257"/>
+            <ac:cxnSpMk id="440" creationId="{65686270-7497-4777-8641-9AD5C1ADC890}"/>
+          </ac:cxnSpMkLst>
+        </pc:cxnChg>
+        <pc:cxnChg chg="del">
+          <ac:chgData name="Åsmund Runningen" userId="fcfce1d5-2d35-4b5c-86f4-e24bd46c268e" providerId="ADAL" clId="{72E8BF9A-B613-4B93-8D75-53E369C5F442}" dt="2019-04-06T07:16:54.713" v="12" actId="478"/>
+          <ac:cxnSpMkLst>
+            <pc:docMk/>
+            <pc:sldMk cId="3208764681" sldId="257"/>
+            <ac:cxnSpMk id="441" creationId="{D807C399-8CC1-4060-811F-C09E3E75290D}"/>
+          </ac:cxnSpMkLst>
+        </pc:cxnChg>
+        <pc:cxnChg chg="add mod">
+          <ac:chgData name="Åsmund Runningen" userId="fcfce1d5-2d35-4b5c-86f4-e24bd46c268e" providerId="ADAL" clId="{72E8BF9A-B613-4B93-8D75-53E369C5F442}" dt="2019-04-06T07:39:14.429" v="264" actId="1076"/>
+          <ac:cxnSpMkLst>
+            <pc:docMk/>
+            <pc:sldMk cId="3208764681" sldId="257"/>
+            <ac:cxnSpMk id="442" creationId="{D06783DF-7FBC-4C38-B4D2-3F2C7FD82C1E}"/>
+          </ac:cxnSpMkLst>
+        </pc:cxnChg>
+        <pc:cxnChg chg="add mod">
+          <ac:chgData name="Åsmund Runningen" userId="fcfce1d5-2d35-4b5c-86f4-e24bd46c268e" providerId="ADAL" clId="{72E8BF9A-B613-4B93-8D75-53E369C5F442}" dt="2019-04-06T07:39:14.429" v="264" actId="1076"/>
+          <ac:cxnSpMkLst>
+            <pc:docMk/>
+            <pc:sldMk cId="3208764681" sldId="257"/>
+            <ac:cxnSpMk id="443" creationId="{D8DEAA00-68CF-4FB8-8B45-BD73BF487821}"/>
+          </ac:cxnSpMkLst>
+        </pc:cxnChg>
+        <pc:cxnChg chg="del">
+          <ac:chgData name="Åsmund Runningen" userId="fcfce1d5-2d35-4b5c-86f4-e24bd46c268e" providerId="ADAL" clId="{72E8BF9A-B613-4B93-8D75-53E369C5F442}" dt="2019-04-06T07:16:54.713" v="12" actId="478"/>
+          <ac:cxnSpMkLst>
+            <pc:docMk/>
+            <pc:sldMk cId="3208764681" sldId="257"/>
+            <ac:cxnSpMk id="444" creationId="{97897636-994D-432E-A66A-44B58978E88D}"/>
+          </ac:cxnSpMkLst>
+        </pc:cxnChg>
+        <pc:cxnChg chg="add mod">
+          <ac:chgData name="Åsmund Runningen" userId="fcfce1d5-2d35-4b5c-86f4-e24bd46c268e" providerId="ADAL" clId="{72E8BF9A-B613-4B93-8D75-53E369C5F442}" dt="2019-04-06T07:39:14.429" v="264" actId="1076"/>
+          <ac:cxnSpMkLst>
+            <pc:docMk/>
+            <pc:sldMk cId="3208764681" sldId="257"/>
+            <ac:cxnSpMk id="445" creationId="{744180A2-B6DC-4FBD-B20F-AFE620BAE857}"/>
+          </ac:cxnSpMkLst>
+        </pc:cxnChg>
+        <pc:cxnChg chg="add mod">
+          <ac:chgData name="Åsmund Runningen" userId="fcfce1d5-2d35-4b5c-86f4-e24bd46c268e" providerId="ADAL" clId="{72E8BF9A-B613-4B93-8D75-53E369C5F442}" dt="2019-04-06T07:39:14.429" v="264" actId="1076"/>
+          <ac:cxnSpMkLst>
+            <pc:docMk/>
+            <pc:sldMk cId="3208764681" sldId="257"/>
+            <ac:cxnSpMk id="446" creationId="{E37E29B5-875A-4CBB-83B8-6616926FC5E2}"/>
+          </ac:cxnSpMkLst>
+        </pc:cxnChg>
+        <pc:cxnChg chg="del">
+          <ac:chgData name="Åsmund Runningen" userId="fcfce1d5-2d35-4b5c-86f4-e24bd46c268e" providerId="ADAL" clId="{72E8BF9A-B613-4B93-8D75-53E369C5F442}" dt="2019-04-06T07:16:54.713" v="12" actId="478"/>
+          <ac:cxnSpMkLst>
+            <pc:docMk/>
+            <pc:sldMk cId="3208764681" sldId="257"/>
+            <ac:cxnSpMk id="447" creationId="{59E36311-8E2F-4595-B4C8-4E16C265BB94}"/>
+          </ac:cxnSpMkLst>
+        </pc:cxnChg>
+        <pc:cxnChg chg="add mod">
+          <ac:chgData name="Åsmund Runningen" userId="fcfce1d5-2d35-4b5c-86f4-e24bd46c268e" providerId="ADAL" clId="{72E8BF9A-B613-4B93-8D75-53E369C5F442}" dt="2019-04-06T07:39:14.429" v="264" actId="1076"/>
+          <ac:cxnSpMkLst>
+            <pc:docMk/>
+            <pc:sldMk cId="3208764681" sldId="257"/>
+            <ac:cxnSpMk id="448" creationId="{542086AC-F5FE-47A1-B83B-31BA32449A1A}"/>
+          </ac:cxnSpMkLst>
+        </pc:cxnChg>
+        <pc:cxnChg chg="add mod">
+          <ac:chgData name="Åsmund Runningen" userId="fcfce1d5-2d35-4b5c-86f4-e24bd46c268e" providerId="ADAL" clId="{72E8BF9A-B613-4B93-8D75-53E369C5F442}" dt="2019-04-06T07:59:53.694" v="490" actId="1076"/>
+          <ac:cxnSpMkLst>
+            <pc:docMk/>
+            <pc:sldMk cId="3208764681" sldId="257"/>
+            <ac:cxnSpMk id="470" creationId="{ABC4E2C4-D1A6-4E96-B884-7C57CC5D02CC}"/>
+          </ac:cxnSpMkLst>
+        </pc:cxnChg>
+        <pc:cxnChg chg="del">
+          <ac:chgData name="Åsmund Runningen" userId="fcfce1d5-2d35-4b5c-86f4-e24bd46c268e" providerId="ADAL" clId="{72E8BF9A-B613-4B93-8D75-53E369C5F442}" dt="2019-04-06T07:16:54.713" v="12" actId="478"/>
+          <ac:cxnSpMkLst>
+            <pc:docMk/>
+            <pc:sldMk cId="3208764681" sldId="257"/>
+            <ac:cxnSpMk id="480" creationId="{DDCD0502-9E39-4C04-B2CC-65DC0E8957B8}"/>
+          </ac:cxnSpMkLst>
+        </pc:cxnChg>
+        <pc:cxnChg chg="add mod">
+          <ac:chgData name="Åsmund Runningen" userId="fcfce1d5-2d35-4b5c-86f4-e24bd46c268e" providerId="ADAL" clId="{72E8BF9A-B613-4B93-8D75-53E369C5F442}" dt="2019-04-06T07:57:49.692" v="464" actId="1076"/>
+          <ac:cxnSpMkLst>
+            <pc:docMk/>
+            <pc:sldMk cId="3208764681" sldId="257"/>
+            <ac:cxnSpMk id="485" creationId="{AE510B46-B7CF-4F09-9BC1-12D64AFD32B9}"/>
+          </ac:cxnSpMkLst>
+        </pc:cxnChg>
+        <pc:cxnChg chg="add mod">
+          <ac:chgData name="Åsmund Runningen" userId="fcfce1d5-2d35-4b5c-86f4-e24bd46c268e" providerId="ADAL" clId="{72E8BF9A-B613-4B93-8D75-53E369C5F442}" dt="2019-04-06T08:00:34.075" v="498" actId="14100"/>
+          <ac:cxnSpMkLst>
+            <pc:docMk/>
+            <pc:sldMk cId="3208764681" sldId="257"/>
+            <ac:cxnSpMk id="496" creationId="{5BB3EFE4-81EC-434C-8632-857CA752E4EF}"/>
+          </ac:cxnSpMkLst>
+        </pc:cxnChg>
+        <pc:cxnChg chg="add mod">
+          <ac:chgData name="Åsmund Runningen" userId="fcfce1d5-2d35-4b5c-86f4-e24bd46c268e" providerId="ADAL" clId="{72E8BF9A-B613-4B93-8D75-53E369C5F442}" dt="2019-04-06T07:39:14.429" v="264" actId="1076"/>
+          <ac:cxnSpMkLst>
+            <pc:docMk/>
+            <pc:sldMk cId="3208764681" sldId="257"/>
+            <ac:cxnSpMk id="509" creationId="{EB7D01C8-2FE0-4E9F-88CA-45E498EBF776}"/>
+          </ac:cxnSpMkLst>
+        </pc:cxnChg>
+        <pc:cxnChg chg="add mod">
+          <ac:chgData name="Åsmund Runningen" userId="fcfce1d5-2d35-4b5c-86f4-e24bd46c268e" providerId="ADAL" clId="{72E8BF9A-B613-4B93-8D75-53E369C5F442}" dt="2019-04-06T07:39:14.429" v="264" actId="1076"/>
+          <ac:cxnSpMkLst>
+            <pc:docMk/>
+            <pc:sldMk cId="3208764681" sldId="257"/>
+            <ac:cxnSpMk id="510" creationId="{B0A062C5-FB88-48AA-BA3B-529B58E35725}"/>
+          </ac:cxnSpMkLst>
+        </pc:cxnChg>
+        <pc:cxnChg chg="del">
+          <ac:chgData name="Åsmund Runningen" userId="fcfce1d5-2d35-4b5c-86f4-e24bd46c268e" providerId="ADAL" clId="{72E8BF9A-B613-4B93-8D75-53E369C5F442}" dt="2019-04-06T07:16:57.522" v="13" actId="478"/>
+          <ac:cxnSpMkLst>
+            <pc:docMk/>
+            <pc:sldMk cId="3208764681" sldId="257"/>
+            <ac:cxnSpMk id="513" creationId="{34731A54-6FF5-46DC-97F2-7E8B6391A678}"/>
+          </ac:cxnSpMkLst>
+        </pc:cxnChg>
+        <pc:cxnChg chg="del">
+          <ac:chgData name="Åsmund Runningen" userId="fcfce1d5-2d35-4b5c-86f4-e24bd46c268e" providerId="ADAL" clId="{72E8BF9A-B613-4B93-8D75-53E369C5F442}" dt="2019-04-06T07:16:54.713" v="12" actId="478"/>
+          <ac:cxnSpMkLst>
+            <pc:docMk/>
+            <pc:sldMk cId="3208764681" sldId="257"/>
+            <ac:cxnSpMk id="517" creationId="{BFE44A20-4A38-4F9E-920B-5D84A809B3E5}"/>
+          </ac:cxnSpMkLst>
+        </pc:cxnChg>
+        <pc:cxnChg chg="add mod">
+          <ac:chgData name="Åsmund Runningen" userId="fcfce1d5-2d35-4b5c-86f4-e24bd46c268e" providerId="ADAL" clId="{72E8BF9A-B613-4B93-8D75-53E369C5F442}" dt="2019-04-06T07:39:14.429" v="264" actId="1076"/>
+          <ac:cxnSpMkLst>
+            <pc:docMk/>
+            <pc:sldMk cId="3208764681" sldId="257"/>
+            <ac:cxnSpMk id="518" creationId="{3C31783D-CC38-4A9A-97A7-2330C7268D89}"/>
+          </ac:cxnSpMkLst>
+        </pc:cxnChg>
+        <pc:cxnChg chg="add mod">
+          <ac:chgData name="Åsmund Runningen" userId="fcfce1d5-2d35-4b5c-86f4-e24bd46c268e" providerId="ADAL" clId="{72E8BF9A-B613-4B93-8D75-53E369C5F442}" dt="2019-04-06T07:39:14.429" v="264" actId="1076"/>
+          <ac:cxnSpMkLst>
+            <pc:docMk/>
+            <pc:sldMk cId="3208764681" sldId="257"/>
+            <ac:cxnSpMk id="519" creationId="{4B7AE06D-09A3-40B1-A54F-21979922CFCC}"/>
+          </ac:cxnSpMkLst>
+        </pc:cxnChg>
+        <pc:cxnChg chg="add mod">
+          <ac:chgData name="Åsmund Runningen" userId="fcfce1d5-2d35-4b5c-86f4-e24bd46c268e" providerId="ADAL" clId="{72E8BF9A-B613-4B93-8D75-53E369C5F442}" dt="2019-04-06T07:39:14.429" v="264" actId="1076"/>
+          <ac:cxnSpMkLst>
+            <pc:docMk/>
+            <pc:sldMk cId="3208764681" sldId="257"/>
+            <ac:cxnSpMk id="520" creationId="{D58C5277-4014-4307-8452-CED555585F2B}"/>
+          </ac:cxnSpMkLst>
+        </pc:cxnChg>
+        <pc:cxnChg chg="add mod">
+          <ac:chgData name="Åsmund Runningen" userId="fcfce1d5-2d35-4b5c-86f4-e24bd46c268e" providerId="ADAL" clId="{72E8BF9A-B613-4B93-8D75-53E369C5F442}" dt="2019-04-06T07:39:14.429" v="264" actId="1076"/>
+          <ac:cxnSpMkLst>
+            <pc:docMk/>
+            <pc:sldMk cId="3208764681" sldId="257"/>
+            <ac:cxnSpMk id="521" creationId="{F182C15E-2B2F-4099-B0BE-BE91DC79163F}"/>
+          </ac:cxnSpMkLst>
+        </pc:cxnChg>
+        <pc:cxnChg chg="del">
+          <ac:chgData name="Åsmund Runningen" userId="fcfce1d5-2d35-4b5c-86f4-e24bd46c268e" providerId="ADAL" clId="{72E8BF9A-B613-4B93-8D75-53E369C5F442}" dt="2019-04-06T07:16:57.522" v="13" actId="478"/>
+          <ac:cxnSpMkLst>
+            <pc:docMk/>
+            <pc:sldMk cId="3208764681" sldId="257"/>
+            <ac:cxnSpMk id="523" creationId="{DBFE73A4-8493-4445-A8B4-A3D014C1E130}"/>
+          </ac:cxnSpMkLst>
+        </pc:cxnChg>
+        <pc:cxnChg chg="del">
+          <ac:chgData name="Åsmund Runningen" userId="fcfce1d5-2d35-4b5c-86f4-e24bd46c268e" providerId="ADAL" clId="{72E8BF9A-B613-4B93-8D75-53E369C5F442}" dt="2019-04-06T07:16:54.713" v="12" actId="478"/>
+          <ac:cxnSpMkLst>
+            <pc:docMk/>
+            <pc:sldMk cId="3208764681" sldId="257"/>
+            <ac:cxnSpMk id="524" creationId="{54D289F9-D321-48EF-9D8C-8D7F282823A5}"/>
+          </ac:cxnSpMkLst>
+        </pc:cxnChg>
+        <pc:cxnChg chg="add mod">
+          <ac:chgData name="Åsmund Runningen" userId="fcfce1d5-2d35-4b5c-86f4-e24bd46c268e" providerId="ADAL" clId="{72E8BF9A-B613-4B93-8D75-53E369C5F442}" dt="2019-04-06T08:01:26.423" v="516" actId="14100"/>
+          <ac:cxnSpMkLst>
+            <pc:docMk/>
+            <pc:sldMk cId="3208764681" sldId="257"/>
+            <ac:cxnSpMk id="526" creationId="{A3575F6F-43F5-49C3-B65D-846D2DF84CAE}"/>
+          </ac:cxnSpMkLst>
+        </pc:cxnChg>
+        <pc:cxnChg chg="add mod">
+          <ac:chgData name="Åsmund Runningen" userId="fcfce1d5-2d35-4b5c-86f4-e24bd46c268e" providerId="ADAL" clId="{72E8BF9A-B613-4B93-8D75-53E369C5F442}" dt="2019-04-06T08:01:03.253" v="508" actId="14100"/>
+          <ac:cxnSpMkLst>
+            <pc:docMk/>
+            <pc:sldMk cId="3208764681" sldId="257"/>
+            <ac:cxnSpMk id="530" creationId="{FB799163-8AF0-448F-B2B4-38CB81FC2D5B}"/>
+          </ac:cxnSpMkLst>
+        </pc:cxnChg>
+        <pc:cxnChg chg="del">
+          <ac:chgData name="Åsmund Runningen" userId="fcfce1d5-2d35-4b5c-86f4-e24bd46c268e" providerId="ADAL" clId="{72E8BF9A-B613-4B93-8D75-53E369C5F442}" dt="2019-04-06T07:16:57.522" v="13" actId="478"/>
+          <ac:cxnSpMkLst>
+            <pc:docMk/>
+            <pc:sldMk cId="3208764681" sldId="257"/>
+            <ac:cxnSpMk id="531" creationId="{1D39F1AB-C8E5-4544-B747-ABE2C6D1A224}"/>
+          </ac:cxnSpMkLst>
+        </pc:cxnChg>
+        <pc:cxnChg chg="del">
+          <ac:chgData name="Åsmund Runningen" userId="fcfce1d5-2d35-4b5c-86f4-e24bd46c268e" providerId="ADAL" clId="{72E8BF9A-B613-4B93-8D75-53E369C5F442}" dt="2019-04-06T07:16:57.522" v="13" actId="478"/>
+          <ac:cxnSpMkLst>
+            <pc:docMk/>
+            <pc:sldMk cId="3208764681" sldId="257"/>
+            <ac:cxnSpMk id="537" creationId="{B8B8FF42-FB33-45B4-8BE2-BFB37B11A92F}"/>
+          </ac:cxnSpMkLst>
+        </pc:cxnChg>
+        <pc:cxnChg chg="del mod">
+          <ac:chgData name="Åsmund Runningen" userId="fcfce1d5-2d35-4b5c-86f4-e24bd46c268e" providerId="ADAL" clId="{72E8BF9A-B613-4B93-8D75-53E369C5F442}" dt="2019-04-06T07:16:57.522" v="13" actId="478"/>
+          <ac:cxnSpMkLst>
+            <pc:docMk/>
+            <pc:sldMk cId="3208764681" sldId="257"/>
+            <ac:cxnSpMk id="539" creationId="{7DADAF2B-0C78-482C-9418-A45C77A70050}"/>
+          </ac:cxnSpMkLst>
+        </pc:cxnChg>
+        <pc:cxnChg chg="mod">
+          <ac:chgData name="Åsmund Runningen" userId="fcfce1d5-2d35-4b5c-86f4-e24bd46c268e" providerId="ADAL" clId="{72E8BF9A-B613-4B93-8D75-53E369C5F442}" dt="2019-04-06T07:48:21.809" v="346" actId="14100"/>
+          <ac:cxnSpMkLst>
+            <pc:docMk/>
+            <pc:sldMk cId="3208764681" sldId="257"/>
+            <ac:cxnSpMk id="542" creationId="{A63763DE-A7B2-4EC2-B4BF-F3B73BB35EA9}"/>
+          </ac:cxnSpMkLst>
+        </pc:cxnChg>
+        <pc:cxnChg chg="add mod">
+          <ac:chgData name="Åsmund Runningen" userId="fcfce1d5-2d35-4b5c-86f4-e24bd46c268e" providerId="ADAL" clId="{72E8BF9A-B613-4B93-8D75-53E369C5F442}" dt="2019-04-06T07:54:25.384" v="420" actId="14100"/>
+          <ac:cxnSpMkLst>
+            <pc:docMk/>
+            <pc:sldMk cId="3208764681" sldId="257"/>
+            <ac:cxnSpMk id="543" creationId="{1635AD70-F351-4620-A582-76FEDF61094C}"/>
+          </ac:cxnSpMkLst>
+        </pc:cxnChg>
+        <pc:cxnChg chg="del mod">
+          <ac:chgData name="Åsmund Runningen" userId="fcfce1d5-2d35-4b5c-86f4-e24bd46c268e" providerId="ADAL" clId="{72E8BF9A-B613-4B93-8D75-53E369C5F442}" dt="2019-04-06T08:01:49.270" v="518" actId="478"/>
+          <ac:cxnSpMkLst>
+            <pc:docMk/>
+            <pc:sldMk cId="3208764681" sldId="257"/>
+            <ac:cxnSpMk id="545" creationId="{3BABEAAE-6960-4397-A6E2-B2ECA8480318}"/>
+          </ac:cxnSpMkLst>
+        </pc:cxnChg>
+        <pc:cxnChg chg="add mod">
+          <ac:chgData name="Åsmund Runningen" userId="fcfce1d5-2d35-4b5c-86f4-e24bd46c268e" providerId="ADAL" clId="{72E8BF9A-B613-4B93-8D75-53E369C5F442}" dt="2019-04-06T07:39:14.429" v="264" actId="1076"/>
+          <ac:cxnSpMkLst>
+            <pc:docMk/>
+            <pc:sldMk cId="3208764681" sldId="257"/>
+            <ac:cxnSpMk id="546" creationId="{95097B1E-C438-49CF-9AA5-7BD84A46FE5D}"/>
+          </ac:cxnSpMkLst>
+        </pc:cxnChg>
+        <pc:cxnChg chg="mod">
+          <ac:chgData name="Åsmund Runningen" userId="fcfce1d5-2d35-4b5c-86f4-e24bd46c268e" providerId="ADAL" clId="{72E8BF9A-B613-4B93-8D75-53E369C5F442}" dt="2019-04-06T07:50:50.427" v="381" actId="14100"/>
+          <ac:cxnSpMkLst>
+            <pc:docMk/>
+            <pc:sldMk cId="3208764681" sldId="257"/>
+            <ac:cxnSpMk id="548" creationId="{655B3B9D-93C1-4221-A4EA-BEDE56611D32}"/>
+          </ac:cxnSpMkLst>
+        </pc:cxnChg>
+        <pc:cxnChg chg="del mod">
+          <ac:chgData name="Åsmund Runningen" userId="fcfce1d5-2d35-4b5c-86f4-e24bd46c268e" providerId="ADAL" clId="{72E8BF9A-B613-4B93-8D75-53E369C5F442}" dt="2019-04-06T08:02:07.748" v="519" actId="478"/>
+          <ac:cxnSpMkLst>
+            <pc:docMk/>
+            <pc:sldMk cId="3208764681" sldId="257"/>
+            <ac:cxnSpMk id="549" creationId="{D5F7D518-58BC-4E4A-B1D5-823F09D27C10}"/>
+          </ac:cxnSpMkLst>
+        </pc:cxnChg>
+        <pc:cxnChg chg="mod">
+          <ac:chgData name="Åsmund Runningen" userId="fcfce1d5-2d35-4b5c-86f4-e24bd46c268e" providerId="ADAL" clId="{72E8BF9A-B613-4B93-8D75-53E369C5F442}" dt="2019-04-06T07:39:14.429" v="264" actId="1076"/>
+          <ac:cxnSpMkLst>
+            <pc:docMk/>
+            <pc:sldMk cId="3208764681" sldId="257"/>
+            <ac:cxnSpMk id="555" creationId="{0BE68EA6-DED9-4E92-9BE0-ADB663B0B512}"/>
+          </ac:cxnSpMkLst>
+        </pc:cxnChg>
+        <pc:cxnChg chg="mod">
+          <ac:chgData name="Åsmund Runningen" userId="fcfce1d5-2d35-4b5c-86f4-e24bd46c268e" providerId="ADAL" clId="{72E8BF9A-B613-4B93-8D75-53E369C5F442}" dt="2019-04-06T07:39:14.429" v="264" actId="1076"/>
+          <ac:cxnSpMkLst>
+            <pc:docMk/>
+            <pc:sldMk cId="3208764681" sldId="257"/>
+            <ac:cxnSpMk id="560" creationId="{BA209C5D-122A-4E46-A23A-506D38E65DEC}"/>
+          </ac:cxnSpMkLst>
+        </pc:cxnChg>
+        <pc:cxnChg chg="mod">
+          <ac:chgData name="Åsmund Runningen" userId="fcfce1d5-2d35-4b5c-86f4-e24bd46c268e" providerId="ADAL" clId="{72E8BF9A-B613-4B93-8D75-53E369C5F442}" dt="2019-04-06T07:39:14.429" v="264" actId="1076"/>
+          <ac:cxnSpMkLst>
+            <pc:docMk/>
+            <pc:sldMk cId="3208764681" sldId="257"/>
+            <ac:cxnSpMk id="563" creationId="{D87AEFAB-70AC-436F-B655-353225CD7D0C}"/>
+          </ac:cxnSpMkLst>
+        </pc:cxnChg>
+        <pc:cxnChg chg="mod">
+          <ac:chgData name="Åsmund Runningen" userId="fcfce1d5-2d35-4b5c-86f4-e24bd46c268e" providerId="ADAL" clId="{72E8BF9A-B613-4B93-8D75-53E369C5F442}" dt="2019-04-06T07:39:14.429" v="264" actId="1076"/>
+          <ac:cxnSpMkLst>
+            <pc:docMk/>
+            <pc:sldMk cId="3208764681" sldId="257"/>
+            <ac:cxnSpMk id="565" creationId="{546340D9-1630-40B4-9299-355C49D7DBBD}"/>
+          </ac:cxnSpMkLst>
+        </pc:cxnChg>
+        <pc:cxnChg chg="mod">
+          <ac:chgData name="Åsmund Runningen" userId="fcfce1d5-2d35-4b5c-86f4-e24bd46c268e" providerId="ADAL" clId="{72E8BF9A-B613-4B93-8D75-53E369C5F442}" dt="2019-04-06T07:39:14.429" v="264" actId="1076"/>
+          <ac:cxnSpMkLst>
+            <pc:docMk/>
+            <pc:sldMk cId="3208764681" sldId="257"/>
+            <ac:cxnSpMk id="570" creationId="{0AE3AA31-8866-444D-A5C4-4B082C32B082}"/>
+          </ac:cxnSpMkLst>
+        </pc:cxnChg>
+        <pc:cxnChg chg="mod">
+          <ac:chgData name="Åsmund Runningen" userId="fcfce1d5-2d35-4b5c-86f4-e24bd46c268e" providerId="ADAL" clId="{72E8BF9A-B613-4B93-8D75-53E369C5F442}" dt="2019-04-06T07:39:14.429" v="264" actId="1076"/>
+          <ac:cxnSpMkLst>
+            <pc:docMk/>
+            <pc:sldMk cId="3208764681" sldId="257"/>
+            <ac:cxnSpMk id="573" creationId="{2FC6E9F5-40A4-4A93-A617-417FAF1015D3}"/>
+          </ac:cxnSpMkLst>
+        </pc:cxnChg>
+        <pc:cxnChg chg="mod">
+          <ac:chgData name="Åsmund Runningen" userId="fcfce1d5-2d35-4b5c-86f4-e24bd46c268e" providerId="ADAL" clId="{72E8BF9A-B613-4B93-8D75-53E369C5F442}" dt="2019-04-06T07:39:14.429" v="264" actId="1076"/>
+          <ac:cxnSpMkLst>
+            <pc:docMk/>
+            <pc:sldMk cId="3208764681" sldId="257"/>
+            <ac:cxnSpMk id="579" creationId="{83B2E2F8-0B8A-4FDA-AE6B-602571024108}"/>
+          </ac:cxnSpMkLst>
+        </pc:cxnChg>
+        <pc:cxnChg chg="mod">
+          <ac:chgData name="Åsmund Runningen" userId="fcfce1d5-2d35-4b5c-86f4-e24bd46c268e" providerId="ADAL" clId="{72E8BF9A-B613-4B93-8D75-53E369C5F442}" dt="2019-04-06T07:39:14.429" v="264" actId="1076"/>
+          <ac:cxnSpMkLst>
+            <pc:docMk/>
+            <pc:sldMk cId="3208764681" sldId="257"/>
+            <ac:cxnSpMk id="581" creationId="{34AF4258-37C2-498E-9BC4-2E216684182D}"/>
+          </ac:cxnSpMkLst>
+        </pc:cxnChg>
+        <pc:cxnChg chg="add mod">
+          <ac:chgData name="Åsmund Runningen" userId="fcfce1d5-2d35-4b5c-86f4-e24bd46c268e" providerId="ADAL" clId="{72E8BF9A-B613-4B93-8D75-53E369C5F442}" dt="2019-04-06T07:46:23.784" v="328" actId="14100"/>
+          <ac:cxnSpMkLst>
+            <pc:docMk/>
+            <pc:sldMk cId="3208764681" sldId="257"/>
+            <ac:cxnSpMk id="584" creationId="{9191AF13-CEB5-4F5F-B6B9-B9C3B56DD475}"/>
+          </ac:cxnSpMkLst>
+        </pc:cxnChg>
+        <pc:cxnChg chg="mod">
+          <ac:chgData name="Åsmund Runningen" userId="fcfce1d5-2d35-4b5c-86f4-e24bd46c268e" providerId="ADAL" clId="{72E8BF9A-B613-4B93-8D75-53E369C5F442}" dt="2019-04-06T07:39:14.429" v="264" actId="1076"/>
+          <ac:cxnSpMkLst>
+            <pc:docMk/>
+            <pc:sldMk cId="3208764681" sldId="257"/>
+            <ac:cxnSpMk id="587" creationId="{B49BBFFD-D201-4983-AC3D-C48B344D767F}"/>
+          </ac:cxnSpMkLst>
+        </pc:cxnChg>
+        <pc:cxnChg chg="mod">
+          <ac:chgData name="Åsmund Runningen" userId="fcfce1d5-2d35-4b5c-86f4-e24bd46c268e" providerId="ADAL" clId="{72E8BF9A-B613-4B93-8D75-53E369C5F442}" dt="2019-04-06T07:39:14.429" v="264" actId="1076"/>
+          <ac:cxnSpMkLst>
+            <pc:docMk/>
+            <pc:sldMk cId="3208764681" sldId="257"/>
+            <ac:cxnSpMk id="589" creationId="{C888DD61-3B07-4BD2-B149-351E853A7E32}"/>
+          </ac:cxnSpMkLst>
+        </pc:cxnChg>
+        <pc:cxnChg chg="add mod">
+          <ac:chgData name="Åsmund Runningen" userId="fcfce1d5-2d35-4b5c-86f4-e24bd46c268e" providerId="ADAL" clId="{72E8BF9A-B613-4B93-8D75-53E369C5F442}" dt="2019-04-06T07:45:29.708" v="316" actId="14100"/>
+          <ac:cxnSpMkLst>
+            <pc:docMk/>
+            <pc:sldMk cId="3208764681" sldId="257"/>
+            <ac:cxnSpMk id="590" creationId="{00467339-18BE-4DAC-A016-93D32274935C}"/>
+          </ac:cxnSpMkLst>
+        </pc:cxnChg>
+        <pc:cxnChg chg="mod">
+          <ac:chgData name="Åsmund Runningen" userId="fcfce1d5-2d35-4b5c-86f4-e24bd46c268e" providerId="ADAL" clId="{72E8BF9A-B613-4B93-8D75-53E369C5F442}" dt="2019-04-06T07:39:14.429" v="264" actId="1076"/>
+          <ac:cxnSpMkLst>
+            <pc:docMk/>
+            <pc:sldMk cId="3208764681" sldId="257"/>
+            <ac:cxnSpMk id="591" creationId="{424EC592-D163-4AEB-A411-6E65DC92C6DF}"/>
+          </ac:cxnSpMkLst>
+        </pc:cxnChg>
+        <pc:cxnChg chg="mod">
+          <ac:chgData name="Åsmund Runningen" userId="fcfce1d5-2d35-4b5c-86f4-e24bd46c268e" providerId="ADAL" clId="{72E8BF9A-B613-4B93-8D75-53E369C5F442}" dt="2019-04-06T07:39:14.429" v="264" actId="1076"/>
+          <ac:cxnSpMkLst>
+            <pc:docMk/>
+            <pc:sldMk cId="3208764681" sldId="257"/>
+            <ac:cxnSpMk id="592" creationId="{B53F7840-3189-4C84-A945-F71378C96D95}"/>
+          </ac:cxnSpMkLst>
+        </pc:cxnChg>
+        <pc:cxnChg chg="add mod">
+          <ac:chgData name="Åsmund Runningen" userId="fcfce1d5-2d35-4b5c-86f4-e24bd46c268e" providerId="ADAL" clId="{72E8BF9A-B613-4B93-8D75-53E369C5F442}" dt="2019-04-06T07:45:26.839" v="315" actId="14100"/>
+          <ac:cxnSpMkLst>
+            <pc:docMk/>
+            <pc:sldMk cId="3208764681" sldId="257"/>
+            <ac:cxnSpMk id="593" creationId="{B581D5F5-8FFB-4DCF-865C-C8407715E7CE}"/>
+          </ac:cxnSpMkLst>
+        </pc:cxnChg>
+        <pc:cxnChg chg="mod">
+          <ac:chgData name="Åsmund Runningen" userId="fcfce1d5-2d35-4b5c-86f4-e24bd46c268e" providerId="ADAL" clId="{72E8BF9A-B613-4B93-8D75-53E369C5F442}" dt="2019-04-06T07:39:14.429" v="264" actId="1076"/>
+          <ac:cxnSpMkLst>
+            <pc:docMk/>
+            <pc:sldMk cId="3208764681" sldId="257"/>
+            <ac:cxnSpMk id="594" creationId="{8B8E73E2-1750-45FD-B7EF-108A0C933977}"/>
+          </ac:cxnSpMkLst>
+        </pc:cxnChg>
+        <pc:cxnChg chg="add mod">
+          <ac:chgData name="Åsmund Runningen" userId="fcfce1d5-2d35-4b5c-86f4-e24bd46c268e" providerId="ADAL" clId="{72E8BF9A-B613-4B93-8D75-53E369C5F442}" dt="2019-04-06T07:46:36.256" v="331" actId="14100"/>
+          <ac:cxnSpMkLst>
+            <pc:docMk/>
+            <pc:sldMk cId="3208764681" sldId="257"/>
+            <ac:cxnSpMk id="601" creationId="{9C0FAF8D-4ABE-44F0-A3AC-AA88474AE41B}"/>
+          </ac:cxnSpMkLst>
+        </pc:cxnChg>
+        <pc:cxnChg chg="mod">
+          <ac:chgData name="Åsmund Runningen" userId="fcfce1d5-2d35-4b5c-86f4-e24bd46c268e" providerId="ADAL" clId="{72E8BF9A-B613-4B93-8D75-53E369C5F442}" dt="2019-04-06T07:39:14.429" v="264" actId="1076"/>
+          <ac:cxnSpMkLst>
+            <pc:docMk/>
+            <pc:sldMk cId="3208764681" sldId="257"/>
+            <ac:cxnSpMk id="602" creationId="{CE96A80D-01C7-485C-BC72-43528392DE18}"/>
+          </ac:cxnSpMkLst>
+        </pc:cxnChg>
+        <pc:cxnChg chg="add mod">
+          <ac:chgData name="Åsmund Runningen" userId="fcfce1d5-2d35-4b5c-86f4-e24bd46c268e" providerId="ADAL" clId="{72E8BF9A-B613-4B93-8D75-53E369C5F442}" dt="2019-04-06T07:50:05.278" v="374" actId="14100"/>
+          <ac:cxnSpMkLst>
+            <pc:docMk/>
+            <pc:sldMk cId="3208764681" sldId="257"/>
+            <ac:cxnSpMk id="603" creationId="{C3F5DB05-EF3F-4874-AA20-E37F4F25F376}"/>
+          </ac:cxnSpMkLst>
+        </pc:cxnChg>
+        <pc:cxnChg chg="mod">
+          <ac:chgData name="Åsmund Runningen" userId="fcfce1d5-2d35-4b5c-86f4-e24bd46c268e" providerId="ADAL" clId="{72E8BF9A-B613-4B93-8D75-53E369C5F442}" dt="2019-04-06T07:39:14.429" v="264" actId="1076"/>
+          <ac:cxnSpMkLst>
+            <pc:docMk/>
+            <pc:sldMk cId="3208764681" sldId="257"/>
+            <ac:cxnSpMk id="605" creationId="{0DEDFAC2-8D8B-47F2-A72E-4FD263FD59B3}"/>
+          </ac:cxnSpMkLst>
+        </pc:cxnChg>
+        <pc:cxnChg chg="add mod">
+          <ac:chgData name="Åsmund Runningen" userId="fcfce1d5-2d35-4b5c-86f4-e24bd46c268e" providerId="ADAL" clId="{72E8BF9A-B613-4B93-8D75-53E369C5F442}" dt="2019-04-06T07:50:09.730" v="375" actId="14100"/>
+          <ac:cxnSpMkLst>
+            <pc:docMk/>
+            <pc:sldMk cId="3208764681" sldId="257"/>
+            <ac:cxnSpMk id="606" creationId="{6931B8A1-4FFA-471A-B7B3-B20151888E98}"/>
+          </ac:cxnSpMkLst>
+        </pc:cxnChg>
+        <pc:cxnChg chg="mod">
+          <ac:chgData name="Åsmund Runningen" userId="fcfce1d5-2d35-4b5c-86f4-e24bd46c268e" providerId="ADAL" clId="{72E8BF9A-B613-4B93-8D75-53E369C5F442}" dt="2019-04-06T07:39:14.429" v="264" actId="1076"/>
+          <ac:cxnSpMkLst>
+            <pc:docMk/>
+            <pc:sldMk cId="3208764681" sldId="257"/>
+            <ac:cxnSpMk id="612" creationId="{BB450B3F-7ABE-451C-991C-A04126318990}"/>
+          </ac:cxnSpMkLst>
+        </pc:cxnChg>
+        <pc:cxnChg chg="mod">
+          <ac:chgData name="Åsmund Runningen" userId="fcfce1d5-2d35-4b5c-86f4-e24bd46c268e" providerId="ADAL" clId="{72E8BF9A-B613-4B93-8D75-53E369C5F442}" dt="2019-04-06T07:39:14.429" v="264" actId="1076"/>
+          <ac:cxnSpMkLst>
+            <pc:docMk/>
+            <pc:sldMk cId="3208764681" sldId="257"/>
+            <ac:cxnSpMk id="615" creationId="{5F5B8A97-1218-40B9-A735-B7C0135E1F28}"/>
+          </ac:cxnSpMkLst>
+        </pc:cxnChg>
+        <pc:cxnChg chg="add mod">
+          <ac:chgData name="Åsmund Runningen" userId="fcfce1d5-2d35-4b5c-86f4-e24bd46c268e" providerId="ADAL" clId="{72E8BF9A-B613-4B93-8D75-53E369C5F442}" dt="2019-04-06T07:50:47.796" v="380" actId="1076"/>
+          <ac:cxnSpMkLst>
+            <pc:docMk/>
+            <pc:sldMk cId="3208764681" sldId="257"/>
+            <ac:cxnSpMk id="616" creationId="{E7CCFC6C-01C5-40D5-A176-7E3D2DB40D80}"/>
+          </ac:cxnSpMkLst>
+        </pc:cxnChg>
+        <pc:cxnChg chg="add mod">
+          <ac:chgData name="Åsmund Runningen" userId="fcfce1d5-2d35-4b5c-86f4-e24bd46c268e" providerId="ADAL" clId="{72E8BF9A-B613-4B93-8D75-53E369C5F442}" dt="2019-04-06T07:49:46.378" v="369" actId="14100"/>
+          <ac:cxnSpMkLst>
+            <pc:docMk/>
+            <pc:sldMk cId="3208764681" sldId="257"/>
+            <ac:cxnSpMk id="617" creationId="{3B9E1B8A-EC71-4769-A6B1-6F88B1ED88A3}"/>
+          </ac:cxnSpMkLst>
+        </pc:cxnChg>
+        <pc:cxnChg chg="add mod">
+          <ac:chgData name="Åsmund Runningen" userId="fcfce1d5-2d35-4b5c-86f4-e24bd46c268e" providerId="ADAL" clId="{72E8BF9A-B613-4B93-8D75-53E369C5F442}" dt="2019-04-06T07:50:54.803" v="382" actId="14100"/>
+          <ac:cxnSpMkLst>
+            <pc:docMk/>
+            <pc:sldMk cId="3208764681" sldId="257"/>
+            <ac:cxnSpMk id="618" creationId="{86AAF472-AB95-4839-8B9B-030CB96AA331}"/>
+          </ac:cxnSpMkLst>
+        </pc:cxnChg>
+        <pc:cxnChg chg="mod">
+          <ac:chgData name="Åsmund Runningen" userId="fcfce1d5-2d35-4b5c-86f4-e24bd46c268e" providerId="ADAL" clId="{72E8BF9A-B613-4B93-8D75-53E369C5F442}" dt="2019-04-06T07:39:14.429" v="264" actId="1076"/>
+          <ac:cxnSpMkLst>
+            <pc:docMk/>
+            <pc:sldMk cId="3208764681" sldId="257"/>
+            <ac:cxnSpMk id="619" creationId="{63F1396B-0B2D-46E0-9116-823E787D5B98}"/>
+          </ac:cxnSpMkLst>
+        </pc:cxnChg>
+        <pc:cxnChg chg="add mod">
+          <ac:chgData name="Åsmund Runningen" userId="fcfce1d5-2d35-4b5c-86f4-e24bd46c268e" providerId="ADAL" clId="{72E8BF9A-B613-4B93-8D75-53E369C5F442}" dt="2019-04-06T07:50:25.914" v="378" actId="208"/>
+          <ac:cxnSpMkLst>
+            <pc:docMk/>
+            <pc:sldMk cId="3208764681" sldId="257"/>
+            <ac:cxnSpMk id="621" creationId="{4D98E212-8632-4006-B18A-D12A047C9058}"/>
+          </ac:cxnSpMkLst>
+        </pc:cxnChg>
+        <pc:cxnChg chg="add mod">
+          <ac:chgData name="Åsmund Runningen" userId="fcfce1d5-2d35-4b5c-86f4-e24bd46c268e" providerId="ADAL" clId="{72E8BF9A-B613-4B93-8D75-53E369C5F442}" dt="2019-04-06T07:50:29.424" v="379" actId="208"/>
+          <ac:cxnSpMkLst>
+            <pc:docMk/>
+            <pc:sldMk cId="3208764681" sldId="257"/>
+            <ac:cxnSpMk id="623" creationId="{12ECB5A6-ACF0-408A-8C2D-846F24A11501}"/>
+          </ac:cxnSpMkLst>
+        </pc:cxnChg>
+        <pc:cxnChg chg="add mod">
+          <ac:chgData name="Åsmund Runningen" userId="fcfce1d5-2d35-4b5c-86f4-e24bd46c268e" providerId="ADAL" clId="{72E8BF9A-B613-4B93-8D75-53E369C5F442}" dt="2019-04-06T07:59:33.974" v="482" actId="14100"/>
+          <ac:cxnSpMkLst>
+            <pc:docMk/>
+            <pc:sldMk cId="3208764681" sldId="257"/>
+            <ac:cxnSpMk id="664" creationId="{A36F663C-FDD4-4D3D-B832-4424A1299BEE}"/>
+          </ac:cxnSpMkLst>
+        </pc:cxnChg>
+        <pc:cxnChg chg="add mod">
+          <ac:chgData name="Åsmund Runningen" userId="fcfce1d5-2d35-4b5c-86f4-e24bd46c268e" providerId="ADAL" clId="{72E8BF9A-B613-4B93-8D75-53E369C5F442}" dt="2019-04-06T07:55:38.545" v="436" actId="14100"/>
+          <ac:cxnSpMkLst>
+            <pc:docMk/>
+            <pc:sldMk cId="3208764681" sldId="257"/>
+            <ac:cxnSpMk id="669" creationId="{2E888A04-F314-4631-A1B6-20947BD479B7}"/>
+          </ac:cxnSpMkLst>
+        </pc:cxnChg>
+        <pc:cxnChg chg="add mod">
+          <ac:chgData name="Åsmund Runningen" userId="fcfce1d5-2d35-4b5c-86f4-e24bd46c268e" providerId="ADAL" clId="{72E8BF9A-B613-4B93-8D75-53E369C5F442}" dt="2019-04-06T07:55:48.530" v="439" actId="1076"/>
+          <ac:cxnSpMkLst>
+            <pc:docMk/>
+            <pc:sldMk cId="3208764681" sldId="257"/>
+            <ac:cxnSpMk id="672" creationId="{E1017C59-C701-43C1-BE03-78B6AAFF5E05}"/>
+          </ac:cxnSpMkLst>
+        </pc:cxnChg>
+        <pc:cxnChg chg="add mod">
+          <ac:chgData name="Åsmund Runningen" userId="fcfce1d5-2d35-4b5c-86f4-e24bd46c268e" providerId="ADAL" clId="{72E8BF9A-B613-4B93-8D75-53E369C5F442}" dt="2019-04-06T07:56:23.397" v="448" actId="14100"/>
+          <ac:cxnSpMkLst>
+            <pc:docMk/>
+            <pc:sldMk cId="3208764681" sldId="257"/>
+            <ac:cxnSpMk id="673" creationId="{82B4169A-81DF-4957-BB2C-3383B8848DB8}"/>
+          </ac:cxnSpMkLst>
+        </pc:cxnChg>
+        <pc:cxnChg chg="add mod">
+          <ac:chgData name="Åsmund Runningen" userId="fcfce1d5-2d35-4b5c-86f4-e24bd46c268e" providerId="ADAL" clId="{72E8BF9A-B613-4B93-8D75-53E369C5F442}" dt="2019-04-06T07:56:20.766" v="447" actId="14100"/>
+          <ac:cxnSpMkLst>
+            <pc:docMk/>
+            <pc:sldMk cId="3208764681" sldId="257"/>
+            <ac:cxnSpMk id="674" creationId="{C28E26E3-AC39-40DE-9542-5537E324042C}"/>
+          </ac:cxnSpMkLst>
+        </pc:cxnChg>
+        <pc:cxnChg chg="add mod">
+          <ac:chgData name="Åsmund Runningen" userId="fcfce1d5-2d35-4b5c-86f4-e24bd46c268e" providerId="ADAL" clId="{72E8BF9A-B613-4B93-8D75-53E369C5F442}" dt="2019-04-06T08:00:28.017" v="496" actId="14100"/>
+          <ac:cxnSpMkLst>
+            <pc:docMk/>
+            <pc:sldMk cId="3208764681" sldId="257"/>
+            <ac:cxnSpMk id="678" creationId="{C861297F-8B6F-48DC-9327-4812A25DB99D}"/>
+          </ac:cxnSpMkLst>
+        </pc:cxnChg>
+        <pc:cxnChg chg="add mod">
+          <ac:chgData name="Åsmund Runningen" userId="fcfce1d5-2d35-4b5c-86f4-e24bd46c268e" providerId="ADAL" clId="{72E8BF9A-B613-4B93-8D75-53E369C5F442}" dt="2019-04-06T08:00:37.235" v="499" actId="14100"/>
+          <ac:cxnSpMkLst>
+            <pc:docMk/>
+            <pc:sldMk cId="3208764681" sldId="257"/>
+            <ac:cxnSpMk id="679" creationId="{61D59DDB-5C9C-4B45-AA2E-35BBC38D74AD}"/>
+          </ac:cxnSpMkLst>
+        </pc:cxnChg>
+        <pc:cxnChg chg="add mod">
+          <ac:chgData name="Åsmund Runningen" userId="fcfce1d5-2d35-4b5c-86f4-e24bd46c268e" providerId="ADAL" clId="{72E8BF9A-B613-4B93-8D75-53E369C5F442}" dt="2019-04-06T07:58:02.158" v="467" actId="1076"/>
+          <ac:cxnSpMkLst>
+            <pc:docMk/>
+            <pc:sldMk cId="3208764681" sldId="257"/>
+            <ac:cxnSpMk id="700" creationId="{E3981745-35E4-496F-A462-B96CB3BFB090}"/>
+          </ac:cxnSpMkLst>
+        </pc:cxnChg>
+        <pc:cxnChg chg="mod">
+          <ac:chgData name="Åsmund Runningen" userId="fcfce1d5-2d35-4b5c-86f4-e24bd46c268e" providerId="ADAL" clId="{72E8BF9A-B613-4B93-8D75-53E369C5F442}" dt="2019-04-06T07:39:14.429" v="264" actId="1076"/>
+          <ac:cxnSpMkLst>
+            <pc:docMk/>
+            <pc:sldMk cId="3208764681" sldId="257"/>
+            <ac:cxnSpMk id="709" creationId="{00F95DFB-31AB-45BD-BD00-B9623FB945E9}"/>
+          </ac:cxnSpMkLst>
+        </pc:cxnChg>
+        <pc:cxnChg chg="add mod">
+          <ac:chgData name="Åsmund Runningen" userId="fcfce1d5-2d35-4b5c-86f4-e24bd46c268e" providerId="ADAL" clId="{72E8BF9A-B613-4B93-8D75-53E369C5F442}" dt="2019-04-06T07:59:28.362" v="480" actId="1076"/>
+          <ac:cxnSpMkLst>
+            <pc:docMk/>
+            <pc:sldMk cId="3208764681" sldId="257"/>
+            <ac:cxnSpMk id="710" creationId="{FF2C65CE-7382-4E8C-861F-017039E11925}"/>
+          </ac:cxnSpMkLst>
+        </pc:cxnChg>
+        <pc:cxnChg chg="mod">
+          <ac:chgData name="Åsmund Runningen" userId="fcfce1d5-2d35-4b5c-86f4-e24bd46c268e" providerId="ADAL" clId="{72E8BF9A-B613-4B93-8D75-53E369C5F442}" dt="2019-04-06T07:39:14.429" v="264" actId="1076"/>
+          <ac:cxnSpMkLst>
+            <pc:docMk/>
+            <pc:sldMk cId="3208764681" sldId="257"/>
+            <ac:cxnSpMk id="712" creationId="{ADBD54EC-6FF6-4747-B597-226C6C9CA0E9}"/>
+          </ac:cxnSpMkLst>
+        </pc:cxnChg>
+        <pc:cxnChg chg="mod">
+          <ac:chgData name="Åsmund Runningen" userId="fcfce1d5-2d35-4b5c-86f4-e24bd46c268e" providerId="ADAL" clId="{72E8BF9A-B613-4B93-8D75-53E369C5F442}" dt="2019-04-06T07:39:14.429" v="264" actId="1076"/>
+          <ac:cxnSpMkLst>
+            <pc:docMk/>
+            <pc:sldMk cId="3208764681" sldId="257"/>
+            <ac:cxnSpMk id="713" creationId="{5C6806FE-47BD-4455-895F-EE8660D0BD2D}"/>
+          </ac:cxnSpMkLst>
+        </pc:cxnChg>
+        <pc:cxnChg chg="mod">
+          <ac:chgData name="Åsmund Runningen" userId="fcfce1d5-2d35-4b5c-86f4-e24bd46c268e" providerId="ADAL" clId="{72E8BF9A-B613-4B93-8D75-53E369C5F442}" dt="2019-04-06T07:44:53.566" v="305" actId="14100"/>
+          <ac:cxnSpMkLst>
+            <pc:docMk/>
+            <pc:sldMk cId="3208764681" sldId="257"/>
+            <ac:cxnSpMk id="718" creationId="{029D23E5-170F-4CBD-9135-663AAF21B8BB}"/>
+          </ac:cxnSpMkLst>
+        </pc:cxnChg>
+        <pc:cxnChg chg="add mod">
+          <ac:chgData name="Åsmund Runningen" userId="fcfce1d5-2d35-4b5c-86f4-e24bd46c268e" providerId="ADAL" clId="{72E8BF9A-B613-4B93-8D75-53E369C5F442}" dt="2019-04-06T08:00:31.091" v="497" actId="14100"/>
+          <ac:cxnSpMkLst>
+            <pc:docMk/>
+            <pc:sldMk cId="3208764681" sldId="257"/>
+            <ac:cxnSpMk id="719" creationId="{59180CD8-6AA2-4F74-80E4-465A2CB0AF5D}"/>
+          </ac:cxnSpMkLst>
+        </pc:cxnChg>
+        <pc:cxnChg chg="del">
+          <ac:chgData name="Åsmund Runningen" userId="fcfce1d5-2d35-4b5c-86f4-e24bd46c268e" providerId="ADAL" clId="{72E8BF9A-B613-4B93-8D75-53E369C5F442}" dt="2019-04-06T07:16:54.713" v="12" actId="478"/>
+          <ac:cxnSpMkLst>
+            <pc:docMk/>
+            <pc:sldMk cId="3208764681" sldId="257"/>
+            <ac:cxnSpMk id="720" creationId="{A93505AC-2B3F-43FE-8D69-86894D890372}"/>
+          </ac:cxnSpMkLst>
+        </pc:cxnChg>
+        <pc:cxnChg chg="del">
+          <ac:chgData name="Åsmund Runningen" userId="fcfce1d5-2d35-4b5c-86f4-e24bd46c268e" providerId="ADAL" clId="{72E8BF9A-B613-4B93-8D75-53E369C5F442}" dt="2019-04-06T07:16:54.713" v="12" actId="478"/>
+          <ac:cxnSpMkLst>
+            <pc:docMk/>
+            <pc:sldMk cId="3208764681" sldId="257"/>
+            <ac:cxnSpMk id="721" creationId="{3ABA9F76-9912-4B7B-B540-15904049AAF4}"/>
+          </ac:cxnSpMkLst>
+        </pc:cxnChg>
+        <pc:cxnChg chg="del">
+          <ac:chgData name="Åsmund Runningen" userId="fcfce1d5-2d35-4b5c-86f4-e24bd46c268e" providerId="ADAL" clId="{72E8BF9A-B613-4B93-8D75-53E369C5F442}" dt="2019-04-06T07:16:54.713" v="12" actId="478"/>
+          <ac:cxnSpMkLst>
+            <pc:docMk/>
+            <pc:sldMk cId="3208764681" sldId="257"/>
+            <ac:cxnSpMk id="723" creationId="{671733A5-C2F5-4ECC-BBCD-949FB68D9DA7}"/>
+          </ac:cxnSpMkLst>
+        </pc:cxnChg>
+        <pc:cxnChg chg="del">
+          <ac:chgData name="Åsmund Runningen" userId="fcfce1d5-2d35-4b5c-86f4-e24bd46c268e" providerId="ADAL" clId="{72E8BF9A-B613-4B93-8D75-53E369C5F442}" dt="2019-04-06T07:16:54.713" v="12" actId="478"/>
+          <ac:cxnSpMkLst>
+            <pc:docMk/>
+            <pc:sldMk cId="3208764681" sldId="257"/>
+            <ac:cxnSpMk id="725" creationId="{5BFFEDDA-AFE7-4659-B86A-09FAA2CD35B4}"/>
+          </ac:cxnSpMkLst>
+        </pc:cxnChg>
+        <pc:cxnChg chg="add mod">
+          <ac:chgData name="Åsmund Runningen" userId="fcfce1d5-2d35-4b5c-86f4-e24bd46c268e" providerId="ADAL" clId="{72E8BF9A-B613-4B93-8D75-53E369C5F442}" dt="2019-04-06T08:01:23.006" v="515" actId="14100"/>
+          <ac:cxnSpMkLst>
+            <pc:docMk/>
+            <pc:sldMk cId="3208764681" sldId="257"/>
+            <ac:cxnSpMk id="727" creationId="{9B695F5E-6387-49DB-9394-00DD6F6DA507}"/>
+          </ac:cxnSpMkLst>
+        </pc:cxnChg>
+        <pc:cxnChg chg="add mod">
+          <ac:chgData name="Åsmund Runningen" userId="fcfce1d5-2d35-4b5c-86f4-e24bd46c268e" providerId="ADAL" clId="{72E8BF9A-B613-4B93-8D75-53E369C5F442}" dt="2019-04-06T08:01:20.125" v="514" actId="14100"/>
+          <ac:cxnSpMkLst>
+            <pc:docMk/>
+            <pc:sldMk cId="3208764681" sldId="257"/>
+            <ac:cxnSpMk id="790" creationId="{FA720A58-720F-4008-A6D0-736F759F9508}"/>
+          </ac:cxnSpMkLst>
+        </pc:cxnChg>
+        <pc:cxnChg chg="del mod">
+          <ac:chgData name="Åsmund Runningen" userId="fcfce1d5-2d35-4b5c-86f4-e24bd46c268e" providerId="ADAL" clId="{72E8BF9A-B613-4B93-8D75-53E369C5F442}" dt="2019-04-06T08:02:11.481" v="520" actId="478"/>
+          <ac:cxnSpMkLst>
+            <pc:docMk/>
+            <pc:sldMk cId="3208764681" sldId="257"/>
+            <ac:cxnSpMk id="800" creationId="{23A64D68-3FBF-4A6D-9E07-A80158AC14CB}"/>
+          </ac:cxnSpMkLst>
+        </pc:cxnChg>
+        <pc:cxnChg chg="del">
+          <ac:chgData name="Åsmund Runningen" userId="fcfce1d5-2d35-4b5c-86f4-e24bd46c268e" providerId="ADAL" clId="{72E8BF9A-B613-4B93-8D75-53E369C5F442}" dt="2019-04-06T07:16:54.713" v="12" actId="478"/>
+          <ac:cxnSpMkLst>
+            <pc:docMk/>
+            <pc:sldMk cId="3208764681" sldId="257"/>
+            <ac:cxnSpMk id="803" creationId="{858B40C6-2DC0-4775-A230-E56AA4FC4969}"/>
+          </ac:cxnSpMkLst>
+        </pc:cxnChg>
+        <pc:cxnChg chg="del">
+          <ac:chgData name="Åsmund Runningen" userId="fcfce1d5-2d35-4b5c-86f4-e24bd46c268e" providerId="ADAL" clId="{72E8BF9A-B613-4B93-8D75-53E369C5F442}" dt="2019-04-06T07:16:54.713" v="12" actId="478"/>
+          <ac:cxnSpMkLst>
+            <pc:docMk/>
+            <pc:sldMk cId="3208764681" sldId="257"/>
+            <ac:cxnSpMk id="805" creationId="{5A03DE42-D9E4-410E-AA82-2DCB8E7AA09C}"/>
+          </ac:cxnSpMkLst>
+        </pc:cxnChg>
+        <pc:cxnChg chg="mod">
+          <ac:chgData name="Åsmund Runningen" userId="fcfce1d5-2d35-4b5c-86f4-e24bd46c268e" providerId="ADAL" clId="{72E8BF9A-B613-4B93-8D75-53E369C5F442}" dt="2019-04-06T07:39:14.429" v="264" actId="1076"/>
+          <ac:cxnSpMkLst>
+            <pc:docMk/>
+            <pc:sldMk cId="3208764681" sldId="257"/>
+            <ac:cxnSpMk id="820" creationId="{C3383E65-DA3F-477A-BC63-4286B1A620BE}"/>
+          </ac:cxnSpMkLst>
+        </pc:cxnChg>
+        <pc:cxnChg chg="mod">
+          <ac:chgData name="Åsmund Runningen" userId="fcfce1d5-2d35-4b5c-86f4-e24bd46c268e" providerId="ADAL" clId="{72E8BF9A-B613-4B93-8D75-53E369C5F442}" dt="2019-04-06T07:39:14.429" v="264" actId="1076"/>
+          <ac:cxnSpMkLst>
+            <pc:docMk/>
+            <pc:sldMk cId="3208764681" sldId="257"/>
+            <ac:cxnSpMk id="822" creationId="{295438C4-8283-4746-BF2A-8BF887B102CE}"/>
+          </ac:cxnSpMkLst>
+        </pc:cxnChg>
+        <pc:cxnChg chg="mod">
+          <ac:chgData name="Åsmund Runningen" userId="fcfce1d5-2d35-4b5c-86f4-e24bd46c268e" providerId="ADAL" clId="{72E8BF9A-B613-4B93-8D75-53E369C5F442}" dt="2019-04-06T07:39:14.429" v="264" actId="1076"/>
+          <ac:cxnSpMkLst>
+            <pc:docMk/>
+            <pc:sldMk cId="3208764681" sldId="257"/>
+            <ac:cxnSpMk id="827" creationId="{694CB751-E1CB-48CC-9AE0-CF640F4C169E}"/>
+          </ac:cxnSpMkLst>
+        </pc:cxnChg>
+        <pc:cxnChg chg="mod">
+          <ac:chgData name="Åsmund Runningen" userId="fcfce1d5-2d35-4b5c-86f4-e24bd46c268e" providerId="ADAL" clId="{72E8BF9A-B613-4B93-8D75-53E369C5F442}" dt="2019-04-06T07:39:14.429" v="264" actId="1076"/>
+          <ac:cxnSpMkLst>
+            <pc:docMk/>
+            <pc:sldMk cId="3208764681" sldId="257"/>
+            <ac:cxnSpMk id="829" creationId="{E93A73BC-25B2-4452-8CB9-6AE72988BD88}"/>
+          </ac:cxnSpMkLst>
+        </pc:cxnChg>
+        <pc:cxnChg chg="mod">
+          <ac:chgData name="Åsmund Runningen" userId="fcfce1d5-2d35-4b5c-86f4-e24bd46c268e" providerId="ADAL" clId="{72E8BF9A-B613-4B93-8D75-53E369C5F442}" dt="2019-04-06T07:39:14.429" v="264" actId="1076"/>
+          <ac:cxnSpMkLst>
+            <pc:docMk/>
+            <pc:sldMk cId="3208764681" sldId="257"/>
+            <ac:cxnSpMk id="831" creationId="{F34367E7-C1A0-4F0B-A09A-B7F573E26D18}"/>
+          </ac:cxnSpMkLst>
+        </pc:cxnChg>
+        <pc:cxnChg chg="mod">
+          <ac:chgData name="Åsmund Runningen" userId="fcfce1d5-2d35-4b5c-86f4-e24bd46c268e" providerId="ADAL" clId="{72E8BF9A-B613-4B93-8D75-53E369C5F442}" dt="2019-04-06T07:39:14.429" v="264" actId="1076"/>
+          <ac:cxnSpMkLst>
+            <pc:docMk/>
+            <pc:sldMk cId="3208764681" sldId="257"/>
+            <ac:cxnSpMk id="833" creationId="{728327AD-3E7B-4CA3-9F74-FF1065B41E73}"/>
+          </ac:cxnSpMkLst>
+        </pc:cxnChg>
+        <pc:cxnChg chg="mod">
+          <ac:chgData name="Åsmund Runningen" userId="fcfce1d5-2d35-4b5c-86f4-e24bd46c268e" providerId="ADAL" clId="{72E8BF9A-B613-4B93-8D75-53E369C5F442}" dt="2019-04-06T07:39:14.429" v="264" actId="1076"/>
+          <ac:cxnSpMkLst>
+            <pc:docMk/>
+            <pc:sldMk cId="3208764681" sldId="257"/>
+            <ac:cxnSpMk id="837" creationId="{13F47B2F-E316-47BE-9B15-E33F942BC9CD}"/>
+          </ac:cxnSpMkLst>
+        </pc:cxnChg>
+        <pc:cxnChg chg="mod">
+          <ac:chgData name="Åsmund Runningen" userId="fcfce1d5-2d35-4b5c-86f4-e24bd46c268e" providerId="ADAL" clId="{72E8BF9A-B613-4B93-8D75-53E369C5F442}" dt="2019-04-06T07:39:14.429" v="264" actId="1076"/>
+          <ac:cxnSpMkLst>
+            <pc:docMk/>
+            <pc:sldMk cId="3208764681" sldId="257"/>
+            <ac:cxnSpMk id="839" creationId="{6260A5EB-DB6A-449E-AF65-FA82DC4AC8FA}"/>
+          </ac:cxnSpMkLst>
+        </pc:cxnChg>
+        <pc:cxnChg chg="mod">
+          <ac:chgData name="Åsmund Runningen" userId="fcfce1d5-2d35-4b5c-86f4-e24bd46c268e" providerId="ADAL" clId="{72E8BF9A-B613-4B93-8D75-53E369C5F442}" dt="2019-04-06T07:39:14.429" v="264" actId="1076"/>
+          <ac:cxnSpMkLst>
+            <pc:docMk/>
+            <pc:sldMk cId="3208764681" sldId="257"/>
+            <ac:cxnSpMk id="840" creationId="{0EED3A4A-4824-4381-A4E6-2940F53F9862}"/>
+          </ac:cxnSpMkLst>
+        </pc:cxnChg>
+        <pc:cxnChg chg="mod">
+          <ac:chgData name="Åsmund Runningen" userId="fcfce1d5-2d35-4b5c-86f4-e24bd46c268e" providerId="ADAL" clId="{72E8BF9A-B613-4B93-8D75-53E369C5F442}" dt="2019-04-06T07:39:14.429" v="264" actId="1076"/>
+          <ac:cxnSpMkLst>
+            <pc:docMk/>
+            <pc:sldMk cId="3208764681" sldId="257"/>
+            <ac:cxnSpMk id="849" creationId="{9345A590-60EF-49CB-9092-E5E6DAD4FD02}"/>
+          </ac:cxnSpMkLst>
+        </pc:cxnChg>
+        <pc:cxnChg chg="del mod">
+          <ac:chgData name="Åsmund Runningen" userId="fcfce1d5-2d35-4b5c-86f4-e24bd46c268e" providerId="ADAL" clId="{72E8BF9A-B613-4B93-8D75-53E369C5F442}" dt="2019-04-06T08:01:46.319" v="517" actId="478"/>
+          <ac:cxnSpMkLst>
+            <pc:docMk/>
+            <pc:sldMk cId="3208764681" sldId="257"/>
+            <ac:cxnSpMk id="853" creationId="{C595E805-7D7C-47E7-95FC-8D0CE432D0DF}"/>
+          </ac:cxnSpMkLst>
+        </pc:cxnChg>
+        <pc:cxnChg chg="del mod">
+          <ac:chgData name="Åsmund Runningen" userId="fcfce1d5-2d35-4b5c-86f4-e24bd46c268e" providerId="ADAL" clId="{72E8BF9A-B613-4B93-8D75-53E369C5F442}" dt="2019-04-06T08:01:46.319" v="517" actId="478"/>
+          <ac:cxnSpMkLst>
+            <pc:docMk/>
+            <pc:sldMk cId="3208764681" sldId="257"/>
+            <ac:cxnSpMk id="855" creationId="{4A72C75D-D712-48A4-90B6-9AAE0320DEB4}"/>
+          </ac:cxnSpMkLst>
+        </pc:cxnChg>
+        <pc:cxnChg chg="del mod">
+          <ac:chgData name="Åsmund Runningen" userId="fcfce1d5-2d35-4b5c-86f4-e24bd46c268e" providerId="ADAL" clId="{72E8BF9A-B613-4B93-8D75-53E369C5F442}" dt="2019-04-06T08:01:46.319" v="517" actId="478"/>
+          <ac:cxnSpMkLst>
+            <pc:docMk/>
+            <pc:sldMk cId="3208764681" sldId="257"/>
+            <ac:cxnSpMk id="857" creationId="{A45F845F-7E61-45FF-88D7-9D8FFC5C307F}"/>
+          </ac:cxnSpMkLst>
+        </pc:cxnChg>
+        <pc:cxnChg chg="del mod">
+          <ac:chgData name="Åsmund Runningen" userId="fcfce1d5-2d35-4b5c-86f4-e24bd46c268e" providerId="ADAL" clId="{72E8BF9A-B613-4B93-8D75-53E369C5F442}" dt="2019-04-06T08:01:46.319" v="517" actId="478"/>
+          <ac:cxnSpMkLst>
+            <pc:docMk/>
+            <pc:sldMk cId="3208764681" sldId="257"/>
+            <ac:cxnSpMk id="859" creationId="{A8CAFB53-D155-4E08-A368-EAA518C09105}"/>
+          </ac:cxnSpMkLst>
+        </pc:cxnChg>
+        <pc:cxnChg chg="del mod">
+          <ac:chgData name="Åsmund Runningen" userId="fcfce1d5-2d35-4b5c-86f4-e24bd46c268e" providerId="ADAL" clId="{72E8BF9A-B613-4B93-8D75-53E369C5F442}" dt="2019-04-06T07:39:47.526" v="270" actId="478"/>
+          <ac:cxnSpMkLst>
+            <pc:docMk/>
+            <pc:sldMk cId="3208764681" sldId="257"/>
+            <ac:cxnSpMk id="861" creationId="{209BF83F-E746-46FD-81FD-F0D565AACB43}"/>
+          </ac:cxnSpMkLst>
+        </pc:cxnChg>
+        <pc:cxnChg chg="del mod">
+          <ac:chgData name="Åsmund Runningen" userId="fcfce1d5-2d35-4b5c-86f4-e24bd46c268e" providerId="ADAL" clId="{72E8BF9A-B613-4B93-8D75-53E369C5F442}" dt="2019-04-06T07:39:48.417" v="271" actId="478"/>
+          <ac:cxnSpMkLst>
+            <pc:docMk/>
+            <pc:sldMk cId="3208764681" sldId="257"/>
+            <ac:cxnSpMk id="863" creationId="{C64F7C45-F1E9-4E11-8DF9-F9D4E0CADE82}"/>
+          </ac:cxnSpMkLst>
+        </pc:cxnChg>
+        <pc:cxnChg chg="del">
+          <ac:chgData name="Åsmund Runningen" userId="fcfce1d5-2d35-4b5c-86f4-e24bd46c268e" providerId="ADAL" clId="{72E8BF9A-B613-4B93-8D75-53E369C5F442}" dt="2019-04-06T07:35:24.670" v="227" actId="478"/>
+          <ac:cxnSpMkLst>
+            <pc:docMk/>
+            <pc:sldMk cId="3208764681" sldId="257"/>
+            <ac:cxnSpMk id="866" creationId="{CF68B2E2-6ACD-4AAF-895D-D330E37A1427}"/>
+          </ac:cxnSpMkLst>
+        </pc:cxnChg>
+        <pc:cxnChg chg="del">
+          <ac:chgData name="Åsmund Runningen" userId="fcfce1d5-2d35-4b5c-86f4-e24bd46c268e" providerId="ADAL" clId="{72E8BF9A-B613-4B93-8D75-53E369C5F442}" dt="2019-04-06T07:34:57.616" v="224" actId="478"/>
+          <ac:cxnSpMkLst>
+            <pc:docMk/>
+            <pc:sldMk cId="3208764681" sldId="257"/>
+            <ac:cxnSpMk id="873" creationId="{D5C80076-6672-4DAF-BE1E-E42CEF6155AA}"/>
+          </ac:cxnSpMkLst>
+        </pc:cxnChg>
+        <pc:cxnChg chg="mod">
+          <ac:chgData name="Åsmund Runningen" userId="fcfce1d5-2d35-4b5c-86f4-e24bd46c268e" providerId="ADAL" clId="{72E8BF9A-B613-4B93-8D75-53E369C5F442}" dt="2019-04-06T07:54:29.670" v="421" actId="1076"/>
+          <ac:cxnSpMkLst>
+            <pc:docMk/>
+            <pc:sldMk cId="3208764681" sldId="257"/>
+            <ac:cxnSpMk id="875" creationId="{67F5F553-CCCC-4957-A587-A6D84AB677A7}"/>
           </ac:cxnSpMkLst>
         </pc:cxnChg>
       </pc:sldChg>
@@ -4920,7 +6751,7 @@
           <a:p>
             <a:fld id="{2600B228-7220-42E5-A09C-E378A7498FF5}" type="datetimeFigureOut">
               <a:rPr lang="nb-NO" smtClean="0"/>
-              <a:t>03.04.2019</a:t>
+              <a:t>06.04.2019</a:t>
             </a:fld>
             <a:endParaRPr lang="nb-NO"/>
           </a:p>
@@ -5118,7 +6949,7 @@
           <a:p>
             <a:fld id="{2600B228-7220-42E5-A09C-E378A7498FF5}" type="datetimeFigureOut">
               <a:rPr lang="nb-NO" smtClean="0"/>
-              <a:t>03.04.2019</a:t>
+              <a:t>06.04.2019</a:t>
             </a:fld>
             <a:endParaRPr lang="nb-NO"/>
           </a:p>
@@ -5326,7 +7157,7 @@
           <a:p>
             <a:fld id="{2600B228-7220-42E5-A09C-E378A7498FF5}" type="datetimeFigureOut">
               <a:rPr lang="nb-NO" smtClean="0"/>
-              <a:t>03.04.2019</a:t>
+              <a:t>06.04.2019</a:t>
             </a:fld>
             <a:endParaRPr lang="nb-NO"/>
           </a:p>
@@ -5524,7 +7355,7 @@
           <a:p>
             <a:fld id="{2600B228-7220-42E5-A09C-E378A7498FF5}" type="datetimeFigureOut">
               <a:rPr lang="nb-NO" smtClean="0"/>
-              <a:t>03.04.2019</a:t>
+              <a:t>06.04.2019</a:t>
             </a:fld>
             <a:endParaRPr lang="nb-NO"/>
           </a:p>
@@ -5799,7 +7630,7 @@
           <a:p>
             <a:fld id="{2600B228-7220-42E5-A09C-E378A7498FF5}" type="datetimeFigureOut">
               <a:rPr lang="nb-NO" smtClean="0"/>
-              <a:t>03.04.2019</a:t>
+              <a:t>06.04.2019</a:t>
             </a:fld>
             <a:endParaRPr lang="nb-NO"/>
           </a:p>
@@ -6064,7 +7895,7 @@
           <a:p>
             <a:fld id="{2600B228-7220-42E5-A09C-E378A7498FF5}" type="datetimeFigureOut">
               <a:rPr lang="nb-NO" smtClean="0"/>
-              <a:t>03.04.2019</a:t>
+              <a:t>06.04.2019</a:t>
             </a:fld>
             <a:endParaRPr lang="nb-NO"/>
           </a:p>
@@ -6476,7 +8307,7 @@
           <a:p>
             <a:fld id="{2600B228-7220-42E5-A09C-E378A7498FF5}" type="datetimeFigureOut">
               <a:rPr lang="nb-NO" smtClean="0"/>
-              <a:t>03.04.2019</a:t>
+              <a:t>06.04.2019</a:t>
             </a:fld>
             <a:endParaRPr lang="nb-NO"/>
           </a:p>
@@ -6617,7 +8448,7 @@
           <a:p>
             <a:fld id="{2600B228-7220-42E5-A09C-E378A7498FF5}" type="datetimeFigureOut">
               <a:rPr lang="nb-NO" smtClean="0"/>
-              <a:t>03.04.2019</a:t>
+              <a:t>06.04.2019</a:t>
             </a:fld>
             <a:endParaRPr lang="nb-NO"/>
           </a:p>
@@ -6730,7 +8561,7 @@
           <a:p>
             <a:fld id="{2600B228-7220-42E5-A09C-E378A7498FF5}" type="datetimeFigureOut">
               <a:rPr lang="nb-NO" smtClean="0"/>
-              <a:t>03.04.2019</a:t>
+              <a:t>06.04.2019</a:t>
             </a:fld>
             <a:endParaRPr lang="nb-NO"/>
           </a:p>
@@ -7041,7 +8872,7 @@
           <a:p>
             <a:fld id="{2600B228-7220-42E5-A09C-E378A7498FF5}" type="datetimeFigureOut">
               <a:rPr lang="nb-NO" smtClean="0"/>
-              <a:t>03.04.2019</a:t>
+              <a:t>06.04.2019</a:t>
             </a:fld>
             <a:endParaRPr lang="nb-NO"/>
           </a:p>
@@ -7329,7 +9160,7 @@
           <a:p>
             <a:fld id="{2600B228-7220-42E5-A09C-E378A7498FF5}" type="datetimeFigureOut">
               <a:rPr lang="nb-NO" smtClean="0"/>
-              <a:t>03.04.2019</a:t>
+              <a:t>06.04.2019</a:t>
             </a:fld>
             <a:endParaRPr lang="nb-NO"/>
           </a:p>
@@ -7570,7 +9401,7 @@
           <a:p>
             <a:fld id="{2600B228-7220-42E5-A09C-E378A7498FF5}" type="datetimeFigureOut">
               <a:rPr lang="nb-NO" smtClean="0"/>
-              <a:t>03.04.2019</a:t>
+              <a:t>06.04.2019</a:t>
             </a:fld>
             <a:endParaRPr lang="nb-NO"/>
           </a:p>
@@ -19760,10 +21591,10 @@
       </p:grpSpPr>
       <p:grpSp>
         <p:nvGrpSpPr>
-          <p:cNvPr id="429" name="Gruppe 428">
+          <p:cNvPr id="704" name="Gruppe 703">
             <a:extLst>
               <a:ext uri="{FF2B5EF4-FFF2-40B4-BE49-F238E27FC236}">
-                <a16:creationId xmlns:a16="http://schemas.microsoft.com/office/drawing/2014/main" id="{CA33BCB0-827E-4480-9D30-22B245EB535C}"/>
+                <a16:creationId xmlns:a16="http://schemas.microsoft.com/office/drawing/2014/main" id="{89CC0363-CD8B-430A-A5CE-6C4117E43540}"/>
               </a:ext>
             </a:extLst>
           </p:cNvPr>
@@ -19771,19 +21602,19 @@
           <p:nvPr/>
         </p:nvGrpSpPr>
         <p:grpSpPr>
-          <a:xfrm rot="16200000">
-            <a:off x="6994275" y="4134325"/>
-            <a:ext cx="307747" cy="366694"/>
+          <a:xfrm>
+            <a:off x="5903887" y="5099142"/>
+            <a:ext cx="140657" cy="167599"/>
             <a:chOff x="6142922" y="2839015"/>
             <a:chExt cx="399212" cy="475679"/>
           </a:xfrm>
         </p:grpSpPr>
         <p:sp>
           <p:nvSpPr>
-            <p:cNvPr id="430" name="Ellipse 429">
+            <p:cNvPr id="705" name="Ellipse 704">
               <a:extLst>
                 <a:ext uri="{FF2B5EF4-FFF2-40B4-BE49-F238E27FC236}">
-                  <a16:creationId xmlns:a16="http://schemas.microsoft.com/office/drawing/2014/main" id="{09E5D2DD-C44F-4978-A093-C5F921B46CFC}"/>
+                  <a16:creationId xmlns:a16="http://schemas.microsoft.com/office/drawing/2014/main" id="{75BED09A-B520-42FC-81C6-7BF7A993BD25}"/>
                 </a:ext>
               </a:extLst>
             </p:cNvPr>
@@ -19824,10 +21655,10 @@
         </p:sp>
         <p:sp>
           <p:nvSpPr>
-            <p:cNvPr id="431" name="Rektangel 430">
+            <p:cNvPr id="706" name="Rektangel 705">
               <a:extLst>
                 <a:ext uri="{FF2B5EF4-FFF2-40B4-BE49-F238E27FC236}">
-                  <a16:creationId xmlns:a16="http://schemas.microsoft.com/office/drawing/2014/main" id="{01F1EF67-8185-4AEA-BB84-030F5E38D70B}"/>
+                  <a16:creationId xmlns:a16="http://schemas.microsoft.com/office/drawing/2014/main" id="{37E8DD09-2301-4DCE-A011-F608D3DE1313}"/>
                 </a:ext>
               </a:extLst>
             </p:cNvPr>
@@ -19874,10 +21705,1006 @@
       </p:grpSp>
       <p:grpSp>
         <p:nvGrpSpPr>
-          <p:cNvPr id="426" name="Gruppe 425">
+          <p:cNvPr id="690" name="Gruppe 689">
             <a:extLst>
               <a:ext uri="{FF2B5EF4-FFF2-40B4-BE49-F238E27FC236}">
-                <a16:creationId xmlns:a16="http://schemas.microsoft.com/office/drawing/2014/main" id="{4F22C6E4-A1CF-46A6-B8DE-03A7286B8339}"/>
+                <a16:creationId xmlns:a16="http://schemas.microsoft.com/office/drawing/2014/main" id="{AFEEF5D2-601C-4DC5-A8EF-F80366977055}"/>
+              </a:ext>
+            </a:extLst>
+          </p:cNvPr>
+          <p:cNvGrpSpPr/>
+          <p:nvPr/>
+        </p:nvGrpSpPr>
+        <p:grpSpPr>
+          <a:xfrm>
+            <a:off x="11622191" y="3626493"/>
+            <a:ext cx="225618" cy="167599"/>
+            <a:chOff x="5902674" y="5829395"/>
+            <a:chExt cx="225618" cy="167599"/>
+          </a:xfrm>
+        </p:grpSpPr>
+        <p:grpSp>
+          <p:nvGrpSpPr>
+            <p:cNvPr id="691" name="Gruppe 690">
+              <a:extLst>
+                <a:ext uri="{FF2B5EF4-FFF2-40B4-BE49-F238E27FC236}">
+                  <a16:creationId xmlns:a16="http://schemas.microsoft.com/office/drawing/2014/main" id="{1E5972CD-E611-49BC-B97E-3CD89F53959D}"/>
+                </a:ext>
+              </a:extLst>
+            </p:cNvPr>
+            <p:cNvGrpSpPr/>
+            <p:nvPr/>
+          </p:nvGrpSpPr>
+          <p:grpSpPr>
+            <a:xfrm>
+              <a:off x="5992478" y="5835166"/>
+              <a:ext cx="135814" cy="161828"/>
+              <a:chOff x="6142922" y="2839015"/>
+              <a:chExt cx="399212" cy="475679"/>
+            </a:xfrm>
+          </p:grpSpPr>
+          <p:sp>
+            <p:nvSpPr>
+              <p:cNvPr id="695" name="Ellipse 694">
+                <a:extLst>
+                  <a:ext uri="{FF2B5EF4-FFF2-40B4-BE49-F238E27FC236}">
+                    <a16:creationId xmlns:a16="http://schemas.microsoft.com/office/drawing/2014/main" id="{5741FF48-AB26-43EB-B5FF-3123054BA14A}"/>
+                  </a:ext>
+                </a:extLst>
+              </p:cNvPr>
+              <p:cNvSpPr/>
+              <p:nvPr/>
+            </p:nvSpPr>
+            <p:spPr>
+              <a:xfrm>
+                <a:off x="6177467" y="2898468"/>
+                <a:ext cx="364667" cy="364667"/>
+              </a:xfrm>
+              <a:prstGeom prst="ellipse">
+                <a:avLst/>
+              </a:prstGeom>
+            </p:spPr>
+            <p:style>
+              <a:lnRef idx="2">
+                <a:schemeClr val="accent1"/>
+              </a:lnRef>
+              <a:fillRef idx="1">
+                <a:schemeClr val="lt1"/>
+              </a:fillRef>
+              <a:effectRef idx="0">
+                <a:schemeClr val="accent1"/>
+              </a:effectRef>
+              <a:fontRef idx="minor">
+                <a:schemeClr val="dk1"/>
+              </a:fontRef>
+            </p:style>
+            <p:txBody>
+              <a:bodyPr rtlCol="0" anchor="ctr"/>
+              <a:lstStyle/>
+              <a:p>
+                <a:pPr algn="ctr"/>
+                <a:endParaRPr lang="nb-NO"/>
+              </a:p>
+            </p:txBody>
+          </p:sp>
+          <p:sp>
+            <p:nvSpPr>
+              <p:cNvPr id="696" name="Rektangel 695">
+                <a:extLst>
+                  <a:ext uri="{FF2B5EF4-FFF2-40B4-BE49-F238E27FC236}">
+                    <a16:creationId xmlns:a16="http://schemas.microsoft.com/office/drawing/2014/main" id="{63299FF7-5DDA-45D8-AF0B-89884F25671B}"/>
+                  </a:ext>
+                </a:extLst>
+              </p:cNvPr>
+              <p:cNvSpPr/>
+              <p:nvPr/>
+            </p:nvSpPr>
+            <p:spPr>
+              <a:xfrm>
+                <a:off x="6142922" y="2839015"/>
+                <a:ext cx="216849" cy="475679"/>
+              </a:xfrm>
+              <a:prstGeom prst="rect">
+                <a:avLst/>
+              </a:prstGeom>
+              <a:ln>
+                <a:noFill/>
+              </a:ln>
+            </p:spPr>
+            <p:style>
+              <a:lnRef idx="2">
+                <a:schemeClr val="accent1">
+                  <a:shade val="50000"/>
+                </a:schemeClr>
+              </a:lnRef>
+              <a:fillRef idx="1001">
+                <a:schemeClr val="lt1"/>
+              </a:fillRef>
+              <a:effectRef idx="0">
+                <a:schemeClr val="accent1"/>
+              </a:effectRef>
+              <a:fontRef idx="minor">
+                <a:schemeClr val="lt1"/>
+              </a:fontRef>
+            </p:style>
+            <p:txBody>
+              <a:bodyPr rtlCol="0" anchor="ctr"/>
+              <a:lstStyle/>
+              <a:p>
+                <a:pPr algn="ctr"/>
+                <a:endParaRPr lang="nb-NO"/>
+              </a:p>
+            </p:txBody>
+          </p:sp>
+        </p:grpSp>
+        <p:grpSp>
+          <p:nvGrpSpPr>
+            <p:cNvPr id="692" name="Gruppe 691">
+              <a:extLst>
+                <a:ext uri="{FF2B5EF4-FFF2-40B4-BE49-F238E27FC236}">
+                  <a16:creationId xmlns:a16="http://schemas.microsoft.com/office/drawing/2014/main" id="{1ED8811B-1B97-4423-A00B-D4F29F056048}"/>
+                </a:ext>
+              </a:extLst>
+            </p:cNvPr>
+            <p:cNvGrpSpPr/>
+            <p:nvPr/>
+          </p:nvGrpSpPr>
+          <p:grpSpPr>
+            <a:xfrm>
+              <a:off x="5902674" y="5829395"/>
+              <a:ext cx="140657" cy="167599"/>
+              <a:chOff x="6142922" y="2839015"/>
+              <a:chExt cx="399212" cy="475679"/>
+            </a:xfrm>
+          </p:grpSpPr>
+          <p:sp>
+            <p:nvSpPr>
+              <p:cNvPr id="693" name="Ellipse 692">
+                <a:extLst>
+                  <a:ext uri="{FF2B5EF4-FFF2-40B4-BE49-F238E27FC236}">
+                    <a16:creationId xmlns:a16="http://schemas.microsoft.com/office/drawing/2014/main" id="{4B4CCEF0-8F2C-469F-9F10-526E2BFD4CDA}"/>
+                  </a:ext>
+                </a:extLst>
+              </p:cNvPr>
+              <p:cNvSpPr/>
+              <p:nvPr/>
+            </p:nvSpPr>
+            <p:spPr>
+              <a:xfrm>
+                <a:off x="6177467" y="2898468"/>
+                <a:ext cx="364667" cy="364667"/>
+              </a:xfrm>
+              <a:prstGeom prst="ellipse">
+                <a:avLst/>
+              </a:prstGeom>
+            </p:spPr>
+            <p:style>
+              <a:lnRef idx="2">
+                <a:schemeClr val="accent1"/>
+              </a:lnRef>
+              <a:fillRef idx="1">
+                <a:schemeClr val="lt1"/>
+              </a:fillRef>
+              <a:effectRef idx="0">
+                <a:schemeClr val="accent1"/>
+              </a:effectRef>
+              <a:fontRef idx="minor">
+                <a:schemeClr val="dk1"/>
+              </a:fontRef>
+            </p:style>
+            <p:txBody>
+              <a:bodyPr rtlCol="0" anchor="ctr"/>
+              <a:lstStyle/>
+              <a:p>
+                <a:pPr algn="ctr"/>
+                <a:endParaRPr lang="nb-NO"/>
+              </a:p>
+            </p:txBody>
+          </p:sp>
+          <p:sp>
+            <p:nvSpPr>
+              <p:cNvPr id="694" name="Rektangel 693">
+                <a:extLst>
+                  <a:ext uri="{FF2B5EF4-FFF2-40B4-BE49-F238E27FC236}">
+                    <a16:creationId xmlns:a16="http://schemas.microsoft.com/office/drawing/2014/main" id="{FA4F62FF-7C82-4511-9B25-1637307427C5}"/>
+                  </a:ext>
+                </a:extLst>
+              </p:cNvPr>
+              <p:cNvSpPr/>
+              <p:nvPr/>
+            </p:nvSpPr>
+            <p:spPr>
+              <a:xfrm>
+                <a:off x="6142922" y="2839015"/>
+                <a:ext cx="216849" cy="475679"/>
+              </a:xfrm>
+              <a:prstGeom prst="rect">
+                <a:avLst/>
+              </a:prstGeom>
+              <a:ln>
+                <a:noFill/>
+              </a:ln>
+            </p:spPr>
+            <p:style>
+              <a:lnRef idx="2">
+                <a:schemeClr val="accent1">
+                  <a:shade val="50000"/>
+                </a:schemeClr>
+              </a:lnRef>
+              <a:fillRef idx="1001">
+                <a:schemeClr val="lt1"/>
+              </a:fillRef>
+              <a:effectRef idx="0">
+                <a:schemeClr val="accent1"/>
+              </a:effectRef>
+              <a:fontRef idx="minor">
+                <a:schemeClr val="lt1"/>
+              </a:fontRef>
+            </p:style>
+            <p:txBody>
+              <a:bodyPr rtlCol="0" anchor="ctr"/>
+              <a:lstStyle/>
+              <a:p>
+                <a:pPr algn="ctr"/>
+                <a:endParaRPr lang="nb-NO"/>
+              </a:p>
+            </p:txBody>
+          </p:sp>
+        </p:grpSp>
+      </p:grpSp>
+      <p:grpSp>
+        <p:nvGrpSpPr>
+          <p:cNvPr id="683" name="Gruppe 682">
+            <a:extLst>
+              <a:ext uri="{FF2B5EF4-FFF2-40B4-BE49-F238E27FC236}">
+                <a16:creationId xmlns:a16="http://schemas.microsoft.com/office/drawing/2014/main" id="{BFD7E32A-763A-4004-B997-81FED76CC20D}"/>
+              </a:ext>
+            </a:extLst>
+          </p:cNvPr>
+          <p:cNvGrpSpPr/>
+          <p:nvPr/>
+        </p:nvGrpSpPr>
+        <p:grpSpPr>
+          <a:xfrm>
+            <a:off x="11620380" y="3418732"/>
+            <a:ext cx="225618" cy="167599"/>
+            <a:chOff x="5902674" y="5829395"/>
+            <a:chExt cx="225618" cy="167599"/>
+          </a:xfrm>
+        </p:grpSpPr>
+        <p:grpSp>
+          <p:nvGrpSpPr>
+            <p:cNvPr id="684" name="Gruppe 683">
+              <a:extLst>
+                <a:ext uri="{FF2B5EF4-FFF2-40B4-BE49-F238E27FC236}">
+                  <a16:creationId xmlns:a16="http://schemas.microsoft.com/office/drawing/2014/main" id="{AC3795FD-9013-4B66-841D-C829E5C02C1B}"/>
+                </a:ext>
+              </a:extLst>
+            </p:cNvPr>
+            <p:cNvGrpSpPr/>
+            <p:nvPr/>
+          </p:nvGrpSpPr>
+          <p:grpSpPr>
+            <a:xfrm>
+              <a:off x="5992478" y="5835166"/>
+              <a:ext cx="135814" cy="161828"/>
+              <a:chOff x="6142922" y="2839015"/>
+              <a:chExt cx="399212" cy="475679"/>
+            </a:xfrm>
+          </p:grpSpPr>
+          <p:sp>
+            <p:nvSpPr>
+              <p:cNvPr id="688" name="Ellipse 687">
+                <a:extLst>
+                  <a:ext uri="{FF2B5EF4-FFF2-40B4-BE49-F238E27FC236}">
+                    <a16:creationId xmlns:a16="http://schemas.microsoft.com/office/drawing/2014/main" id="{9327D766-91F5-4A76-AA33-56A17818EF89}"/>
+                  </a:ext>
+                </a:extLst>
+              </p:cNvPr>
+              <p:cNvSpPr/>
+              <p:nvPr/>
+            </p:nvSpPr>
+            <p:spPr>
+              <a:xfrm>
+                <a:off x="6177467" y="2898468"/>
+                <a:ext cx="364667" cy="364667"/>
+              </a:xfrm>
+              <a:prstGeom prst="ellipse">
+                <a:avLst/>
+              </a:prstGeom>
+            </p:spPr>
+            <p:style>
+              <a:lnRef idx="2">
+                <a:schemeClr val="accent1"/>
+              </a:lnRef>
+              <a:fillRef idx="1">
+                <a:schemeClr val="lt1"/>
+              </a:fillRef>
+              <a:effectRef idx="0">
+                <a:schemeClr val="accent1"/>
+              </a:effectRef>
+              <a:fontRef idx="minor">
+                <a:schemeClr val="dk1"/>
+              </a:fontRef>
+            </p:style>
+            <p:txBody>
+              <a:bodyPr rtlCol="0" anchor="ctr"/>
+              <a:lstStyle/>
+              <a:p>
+                <a:pPr algn="ctr"/>
+                <a:endParaRPr lang="nb-NO"/>
+              </a:p>
+            </p:txBody>
+          </p:sp>
+          <p:sp>
+            <p:nvSpPr>
+              <p:cNvPr id="689" name="Rektangel 688">
+                <a:extLst>
+                  <a:ext uri="{FF2B5EF4-FFF2-40B4-BE49-F238E27FC236}">
+                    <a16:creationId xmlns:a16="http://schemas.microsoft.com/office/drawing/2014/main" id="{A57A2790-83AB-4BB6-9C8D-C0BE78BDAD13}"/>
+                  </a:ext>
+                </a:extLst>
+              </p:cNvPr>
+              <p:cNvSpPr/>
+              <p:nvPr/>
+            </p:nvSpPr>
+            <p:spPr>
+              <a:xfrm>
+                <a:off x="6142922" y="2839015"/>
+                <a:ext cx="216849" cy="475679"/>
+              </a:xfrm>
+              <a:prstGeom prst="rect">
+                <a:avLst/>
+              </a:prstGeom>
+              <a:ln>
+                <a:noFill/>
+              </a:ln>
+            </p:spPr>
+            <p:style>
+              <a:lnRef idx="2">
+                <a:schemeClr val="accent1">
+                  <a:shade val="50000"/>
+                </a:schemeClr>
+              </a:lnRef>
+              <a:fillRef idx="1001">
+                <a:schemeClr val="lt1"/>
+              </a:fillRef>
+              <a:effectRef idx="0">
+                <a:schemeClr val="accent1"/>
+              </a:effectRef>
+              <a:fontRef idx="minor">
+                <a:schemeClr val="lt1"/>
+              </a:fontRef>
+            </p:style>
+            <p:txBody>
+              <a:bodyPr rtlCol="0" anchor="ctr"/>
+              <a:lstStyle/>
+              <a:p>
+                <a:pPr algn="ctr"/>
+                <a:endParaRPr lang="nb-NO"/>
+              </a:p>
+            </p:txBody>
+          </p:sp>
+        </p:grpSp>
+        <p:grpSp>
+          <p:nvGrpSpPr>
+            <p:cNvPr id="685" name="Gruppe 684">
+              <a:extLst>
+                <a:ext uri="{FF2B5EF4-FFF2-40B4-BE49-F238E27FC236}">
+                  <a16:creationId xmlns:a16="http://schemas.microsoft.com/office/drawing/2014/main" id="{B30BCCD3-B3DF-4AD7-A12F-DBE6A1371219}"/>
+                </a:ext>
+              </a:extLst>
+            </p:cNvPr>
+            <p:cNvGrpSpPr/>
+            <p:nvPr/>
+          </p:nvGrpSpPr>
+          <p:grpSpPr>
+            <a:xfrm>
+              <a:off x="5902674" y="5829395"/>
+              <a:ext cx="140657" cy="167599"/>
+              <a:chOff x="6142922" y="2839015"/>
+              <a:chExt cx="399212" cy="475679"/>
+            </a:xfrm>
+          </p:grpSpPr>
+          <p:sp>
+            <p:nvSpPr>
+              <p:cNvPr id="686" name="Ellipse 685">
+                <a:extLst>
+                  <a:ext uri="{FF2B5EF4-FFF2-40B4-BE49-F238E27FC236}">
+                    <a16:creationId xmlns:a16="http://schemas.microsoft.com/office/drawing/2014/main" id="{9F64663E-7EFB-4FC5-BD69-E2293EF63190}"/>
+                  </a:ext>
+                </a:extLst>
+              </p:cNvPr>
+              <p:cNvSpPr/>
+              <p:nvPr/>
+            </p:nvSpPr>
+            <p:spPr>
+              <a:xfrm>
+                <a:off x="6177467" y="2898468"/>
+                <a:ext cx="364667" cy="364667"/>
+              </a:xfrm>
+              <a:prstGeom prst="ellipse">
+                <a:avLst/>
+              </a:prstGeom>
+            </p:spPr>
+            <p:style>
+              <a:lnRef idx="2">
+                <a:schemeClr val="accent1"/>
+              </a:lnRef>
+              <a:fillRef idx="1">
+                <a:schemeClr val="lt1"/>
+              </a:fillRef>
+              <a:effectRef idx="0">
+                <a:schemeClr val="accent1"/>
+              </a:effectRef>
+              <a:fontRef idx="minor">
+                <a:schemeClr val="dk1"/>
+              </a:fontRef>
+            </p:style>
+            <p:txBody>
+              <a:bodyPr rtlCol="0" anchor="ctr"/>
+              <a:lstStyle/>
+              <a:p>
+                <a:pPr algn="ctr"/>
+                <a:endParaRPr lang="nb-NO"/>
+              </a:p>
+            </p:txBody>
+          </p:sp>
+          <p:sp>
+            <p:nvSpPr>
+              <p:cNvPr id="687" name="Rektangel 686">
+                <a:extLst>
+                  <a:ext uri="{FF2B5EF4-FFF2-40B4-BE49-F238E27FC236}">
+                    <a16:creationId xmlns:a16="http://schemas.microsoft.com/office/drawing/2014/main" id="{A589DE62-BAB1-475D-A2CD-2C4BDB22129B}"/>
+                  </a:ext>
+                </a:extLst>
+              </p:cNvPr>
+              <p:cNvSpPr/>
+              <p:nvPr/>
+            </p:nvSpPr>
+            <p:spPr>
+              <a:xfrm>
+                <a:off x="6142922" y="2839015"/>
+                <a:ext cx="216849" cy="475679"/>
+              </a:xfrm>
+              <a:prstGeom prst="rect">
+                <a:avLst/>
+              </a:prstGeom>
+              <a:ln>
+                <a:noFill/>
+              </a:ln>
+            </p:spPr>
+            <p:style>
+              <a:lnRef idx="2">
+                <a:schemeClr val="accent1">
+                  <a:shade val="50000"/>
+                </a:schemeClr>
+              </a:lnRef>
+              <a:fillRef idx="1001">
+                <a:schemeClr val="lt1"/>
+              </a:fillRef>
+              <a:effectRef idx="0">
+                <a:schemeClr val="accent1"/>
+              </a:effectRef>
+              <a:fontRef idx="minor">
+                <a:schemeClr val="lt1"/>
+              </a:fontRef>
+            </p:style>
+            <p:txBody>
+              <a:bodyPr rtlCol="0" anchor="ctr"/>
+              <a:lstStyle/>
+              <a:p>
+                <a:pPr algn="ctr"/>
+                <a:endParaRPr lang="nb-NO"/>
+              </a:p>
+            </p:txBody>
+          </p:sp>
+        </p:grpSp>
+      </p:grpSp>
+      <p:grpSp>
+        <p:nvGrpSpPr>
+          <p:cNvPr id="644" name="Gruppe 643">
+            <a:extLst>
+              <a:ext uri="{FF2B5EF4-FFF2-40B4-BE49-F238E27FC236}">
+                <a16:creationId xmlns:a16="http://schemas.microsoft.com/office/drawing/2014/main" id="{9AC47EA9-ADB9-4703-898B-AE5FB4FBA48C}"/>
+              </a:ext>
+            </a:extLst>
+          </p:cNvPr>
+          <p:cNvGrpSpPr/>
+          <p:nvPr/>
+        </p:nvGrpSpPr>
+        <p:grpSpPr>
+          <a:xfrm>
+            <a:off x="5900839" y="6207479"/>
+            <a:ext cx="225618" cy="167599"/>
+            <a:chOff x="5902674" y="5829395"/>
+            <a:chExt cx="225618" cy="167599"/>
+          </a:xfrm>
+        </p:grpSpPr>
+        <p:grpSp>
+          <p:nvGrpSpPr>
+            <p:cNvPr id="645" name="Gruppe 644">
+              <a:extLst>
+                <a:ext uri="{FF2B5EF4-FFF2-40B4-BE49-F238E27FC236}">
+                  <a16:creationId xmlns:a16="http://schemas.microsoft.com/office/drawing/2014/main" id="{3A634C3D-8D4D-432D-9F01-1773C76ADFD5}"/>
+                </a:ext>
+              </a:extLst>
+            </p:cNvPr>
+            <p:cNvGrpSpPr/>
+            <p:nvPr/>
+          </p:nvGrpSpPr>
+          <p:grpSpPr>
+            <a:xfrm>
+              <a:off x="5992478" y="5835166"/>
+              <a:ext cx="135814" cy="161828"/>
+              <a:chOff x="6142922" y="2839015"/>
+              <a:chExt cx="399212" cy="475679"/>
+            </a:xfrm>
+          </p:grpSpPr>
+          <p:sp>
+            <p:nvSpPr>
+              <p:cNvPr id="649" name="Ellipse 648">
+                <a:extLst>
+                  <a:ext uri="{FF2B5EF4-FFF2-40B4-BE49-F238E27FC236}">
+                    <a16:creationId xmlns:a16="http://schemas.microsoft.com/office/drawing/2014/main" id="{2FBA4752-E656-4D9E-B2A1-E9DE5752B292}"/>
+                  </a:ext>
+                </a:extLst>
+              </p:cNvPr>
+              <p:cNvSpPr/>
+              <p:nvPr/>
+            </p:nvSpPr>
+            <p:spPr>
+              <a:xfrm>
+                <a:off x="6177467" y="2898468"/>
+                <a:ext cx="364667" cy="364667"/>
+              </a:xfrm>
+              <a:prstGeom prst="ellipse">
+                <a:avLst/>
+              </a:prstGeom>
+            </p:spPr>
+            <p:style>
+              <a:lnRef idx="2">
+                <a:schemeClr val="accent1"/>
+              </a:lnRef>
+              <a:fillRef idx="1">
+                <a:schemeClr val="lt1"/>
+              </a:fillRef>
+              <a:effectRef idx="0">
+                <a:schemeClr val="accent1"/>
+              </a:effectRef>
+              <a:fontRef idx="minor">
+                <a:schemeClr val="dk1"/>
+              </a:fontRef>
+            </p:style>
+            <p:txBody>
+              <a:bodyPr rtlCol="0" anchor="ctr"/>
+              <a:lstStyle/>
+              <a:p>
+                <a:pPr algn="ctr"/>
+                <a:endParaRPr lang="nb-NO"/>
+              </a:p>
+            </p:txBody>
+          </p:sp>
+          <p:sp>
+            <p:nvSpPr>
+              <p:cNvPr id="650" name="Rektangel 649">
+                <a:extLst>
+                  <a:ext uri="{FF2B5EF4-FFF2-40B4-BE49-F238E27FC236}">
+                    <a16:creationId xmlns:a16="http://schemas.microsoft.com/office/drawing/2014/main" id="{33E2E6D1-5E67-4BB5-8C12-7775B5F74D5C}"/>
+                  </a:ext>
+                </a:extLst>
+              </p:cNvPr>
+              <p:cNvSpPr/>
+              <p:nvPr/>
+            </p:nvSpPr>
+            <p:spPr>
+              <a:xfrm>
+                <a:off x="6142922" y="2839015"/>
+                <a:ext cx="216849" cy="475679"/>
+              </a:xfrm>
+              <a:prstGeom prst="rect">
+                <a:avLst/>
+              </a:prstGeom>
+              <a:ln>
+                <a:noFill/>
+              </a:ln>
+            </p:spPr>
+            <p:style>
+              <a:lnRef idx="2">
+                <a:schemeClr val="accent1">
+                  <a:shade val="50000"/>
+                </a:schemeClr>
+              </a:lnRef>
+              <a:fillRef idx="1001">
+                <a:schemeClr val="lt1"/>
+              </a:fillRef>
+              <a:effectRef idx="0">
+                <a:schemeClr val="accent1"/>
+              </a:effectRef>
+              <a:fontRef idx="minor">
+                <a:schemeClr val="lt1"/>
+              </a:fontRef>
+            </p:style>
+            <p:txBody>
+              <a:bodyPr rtlCol="0" anchor="ctr"/>
+              <a:lstStyle/>
+              <a:p>
+                <a:pPr algn="ctr"/>
+                <a:endParaRPr lang="nb-NO"/>
+              </a:p>
+            </p:txBody>
+          </p:sp>
+        </p:grpSp>
+        <p:grpSp>
+          <p:nvGrpSpPr>
+            <p:cNvPr id="646" name="Gruppe 645">
+              <a:extLst>
+                <a:ext uri="{FF2B5EF4-FFF2-40B4-BE49-F238E27FC236}">
+                  <a16:creationId xmlns:a16="http://schemas.microsoft.com/office/drawing/2014/main" id="{0A63BC21-1417-495D-86FA-132B85B21ED6}"/>
+                </a:ext>
+              </a:extLst>
+            </p:cNvPr>
+            <p:cNvGrpSpPr/>
+            <p:nvPr/>
+          </p:nvGrpSpPr>
+          <p:grpSpPr>
+            <a:xfrm>
+              <a:off x="5902674" y="5829395"/>
+              <a:ext cx="140657" cy="167599"/>
+              <a:chOff x="6142922" y="2839015"/>
+              <a:chExt cx="399212" cy="475679"/>
+            </a:xfrm>
+          </p:grpSpPr>
+          <p:sp>
+            <p:nvSpPr>
+              <p:cNvPr id="647" name="Ellipse 646">
+                <a:extLst>
+                  <a:ext uri="{FF2B5EF4-FFF2-40B4-BE49-F238E27FC236}">
+                    <a16:creationId xmlns:a16="http://schemas.microsoft.com/office/drawing/2014/main" id="{16B92321-6C8D-4DD5-8313-06EFDBEE19ED}"/>
+                  </a:ext>
+                </a:extLst>
+              </p:cNvPr>
+              <p:cNvSpPr/>
+              <p:nvPr/>
+            </p:nvSpPr>
+            <p:spPr>
+              <a:xfrm>
+                <a:off x="6177467" y="2898468"/>
+                <a:ext cx="364667" cy="364667"/>
+              </a:xfrm>
+              <a:prstGeom prst="ellipse">
+                <a:avLst/>
+              </a:prstGeom>
+            </p:spPr>
+            <p:style>
+              <a:lnRef idx="2">
+                <a:schemeClr val="accent1"/>
+              </a:lnRef>
+              <a:fillRef idx="1">
+                <a:schemeClr val="lt1"/>
+              </a:fillRef>
+              <a:effectRef idx="0">
+                <a:schemeClr val="accent1"/>
+              </a:effectRef>
+              <a:fontRef idx="minor">
+                <a:schemeClr val="dk1"/>
+              </a:fontRef>
+            </p:style>
+            <p:txBody>
+              <a:bodyPr rtlCol="0" anchor="ctr"/>
+              <a:lstStyle/>
+              <a:p>
+                <a:pPr algn="ctr"/>
+                <a:endParaRPr lang="nb-NO"/>
+              </a:p>
+            </p:txBody>
+          </p:sp>
+          <p:sp>
+            <p:nvSpPr>
+              <p:cNvPr id="648" name="Rektangel 647">
+                <a:extLst>
+                  <a:ext uri="{FF2B5EF4-FFF2-40B4-BE49-F238E27FC236}">
+                    <a16:creationId xmlns:a16="http://schemas.microsoft.com/office/drawing/2014/main" id="{2F43E3AA-B05C-4448-9C8C-DE696BC29009}"/>
+                  </a:ext>
+                </a:extLst>
+              </p:cNvPr>
+              <p:cNvSpPr/>
+              <p:nvPr/>
+            </p:nvSpPr>
+            <p:spPr>
+              <a:xfrm>
+                <a:off x="6142922" y="2839015"/>
+                <a:ext cx="216849" cy="475679"/>
+              </a:xfrm>
+              <a:prstGeom prst="rect">
+                <a:avLst/>
+              </a:prstGeom>
+              <a:ln>
+                <a:noFill/>
+              </a:ln>
+            </p:spPr>
+            <p:style>
+              <a:lnRef idx="2">
+                <a:schemeClr val="accent1">
+                  <a:shade val="50000"/>
+                </a:schemeClr>
+              </a:lnRef>
+              <a:fillRef idx="1001">
+                <a:schemeClr val="lt1"/>
+              </a:fillRef>
+              <a:effectRef idx="0">
+                <a:schemeClr val="accent1"/>
+              </a:effectRef>
+              <a:fontRef idx="minor">
+                <a:schemeClr val="lt1"/>
+              </a:fontRef>
+            </p:style>
+            <p:txBody>
+              <a:bodyPr rtlCol="0" anchor="ctr"/>
+              <a:lstStyle/>
+              <a:p>
+                <a:pPr algn="ctr"/>
+                <a:endParaRPr lang="nb-NO"/>
+              </a:p>
+            </p:txBody>
+          </p:sp>
+        </p:grpSp>
+      </p:grpSp>
+      <p:grpSp>
+        <p:nvGrpSpPr>
+          <p:cNvPr id="457" name="Gruppe 456">
+            <a:extLst>
+              <a:ext uri="{FF2B5EF4-FFF2-40B4-BE49-F238E27FC236}">
+                <a16:creationId xmlns:a16="http://schemas.microsoft.com/office/drawing/2014/main" id="{0570CE2D-B570-456C-8117-F6169A91ECFC}"/>
+              </a:ext>
+            </a:extLst>
+          </p:cNvPr>
+          <p:cNvGrpSpPr/>
+          <p:nvPr/>
+        </p:nvGrpSpPr>
+        <p:grpSpPr>
+          <a:xfrm>
+            <a:off x="5902674" y="5829395"/>
+            <a:ext cx="225618" cy="167599"/>
+            <a:chOff x="5902674" y="5829395"/>
+            <a:chExt cx="225618" cy="167599"/>
+          </a:xfrm>
+        </p:grpSpPr>
+        <p:grpSp>
+          <p:nvGrpSpPr>
+            <p:cNvPr id="639" name="Gruppe 638">
+              <a:extLst>
+                <a:ext uri="{FF2B5EF4-FFF2-40B4-BE49-F238E27FC236}">
+                  <a16:creationId xmlns:a16="http://schemas.microsoft.com/office/drawing/2014/main" id="{83CFCD30-46FF-4552-8601-E47BCAA66095}"/>
+                </a:ext>
+              </a:extLst>
+            </p:cNvPr>
+            <p:cNvGrpSpPr/>
+            <p:nvPr/>
+          </p:nvGrpSpPr>
+          <p:grpSpPr>
+            <a:xfrm>
+              <a:off x="5992478" y="5835166"/>
+              <a:ext cx="135814" cy="161828"/>
+              <a:chOff x="6142922" y="2839015"/>
+              <a:chExt cx="399212" cy="475679"/>
+            </a:xfrm>
+          </p:grpSpPr>
+          <p:sp>
+            <p:nvSpPr>
+              <p:cNvPr id="640" name="Ellipse 639">
+                <a:extLst>
+                  <a:ext uri="{FF2B5EF4-FFF2-40B4-BE49-F238E27FC236}">
+                    <a16:creationId xmlns:a16="http://schemas.microsoft.com/office/drawing/2014/main" id="{C473137F-522D-496B-AF8D-E8158D8948C0}"/>
+                  </a:ext>
+                </a:extLst>
+              </p:cNvPr>
+              <p:cNvSpPr/>
+              <p:nvPr/>
+            </p:nvSpPr>
+            <p:spPr>
+              <a:xfrm>
+                <a:off x="6177467" y="2898468"/>
+                <a:ext cx="364667" cy="364667"/>
+              </a:xfrm>
+              <a:prstGeom prst="ellipse">
+                <a:avLst/>
+              </a:prstGeom>
+            </p:spPr>
+            <p:style>
+              <a:lnRef idx="2">
+                <a:schemeClr val="accent1"/>
+              </a:lnRef>
+              <a:fillRef idx="1">
+                <a:schemeClr val="lt1"/>
+              </a:fillRef>
+              <a:effectRef idx="0">
+                <a:schemeClr val="accent1"/>
+              </a:effectRef>
+              <a:fontRef idx="minor">
+                <a:schemeClr val="dk1"/>
+              </a:fontRef>
+            </p:style>
+            <p:txBody>
+              <a:bodyPr rtlCol="0" anchor="ctr"/>
+              <a:lstStyle/>
+              <a:p>
+                <a:pPr algn="ctr"/>
+                <a:endParaRPr lang="nb-NO"/>
+              </a:p>
+            </p:txBody>
+          </p:sp>
+          <p:sp>
+            <p:nvSpPr>
+              <p:cNvPr id="641" name="Rektangel 640">
+                <a:extLst>
+                  <a:ext uri="{FF2B5EF4-FFF2-40B4-BE49-F238E27FC236}">
+                    <a16:creationId xmlns:a16="http://schemas.microsoft.com/office/drawing/2014/main" id="{D646DCBC-4B39-4CB2-8BD5-5E0ECA8710EF}"/>
+                  </a:ext>
+                </a:extLst>
+              </p:cNvPr>
+              <p:cNvSpPr/>
+              <p:nvPr/>
+            </p:nvSpPr>
+            <p:spPr>
+              <a:xfrm>
+                <a:off x="6142922" y="2839015"/>
+                <a:ext cx="216849" cy="475679"/>
+              </a:xfrm>
+              <a:prstGeom prst="rect">
+                <a:avLst/>
+              </a:prstGeom>
+              <a:ln>
+                <a:noFill/>
+              </a:ln>
+            </p:spPr>
+            <p:style>
+              <a:lnRef idx="2">
+                <a:schemeClr val="accent1">
+                  <a:shade val="50000"/>
+                </a:schemeClr>
+              </a:lnRef>
+              <a:fillRef idx="1001">
+                <a:schemeClr val="lt1"/>
+              </a:fillRef>
+              <a:effectRef idx="0">
+                <a:schemeClr val="accent1"/>
+              </a:effectRef>
+              <a:fontRef idx="minor">
+                <a:schemeClr val="lt1"/>
+              </a:fontRef>
+            </p:style>
+            <p:txBody>
+              <a:bodyPr rtlCol="0" anchor="ctr"/>
+              <a:lstStyle/>
+              <a:p>
+                <a:pPr algn="ctr"/>
+                <a:endParaRPr lang="nb-NO"/>
+              </a:p>
+            </p:txBody>
+          </p:sp>
+        </p:grpSp>
+        <p:grpSp>
+          <p:nvGrpSpPr>
+            <p:cNvPr id="636" name="Gruppe 635">
+              <a:extLst>
+                <a:ext uri="{FF2B5EF4-FFF2-40B4-BE49-F238E27FC236}">
+                  <a16:creationId xmlns:a16="http://schemas.microsoft.com/office/drawing/2014/main" id="{A9562529-9C6A-44F4-A171-C743F49668A1}"/>
+                </a:ext>
+              </a:extLst>
+            </p:cNvPr>
+            <p:cNvGrpSpPr/>
+            <p:nvPr/>
+          </p:nvGrpSpPr>
+          <p:grpSpPr>
+            <a:xfrm>
+              <a:off x="5902674" y="5829395"/>
+              <a:ext cx="140657" cy="167599"/>
+              <a:chOff x="6142922" y="2839015"/>
+              <a:chExt cx="399212" cy="475679"/>
+            </a:xfrm>
+          </p:grpSpPr>
+          <p:sp>
+            <p:nvSpPr>
+              <p:cNvPr id="637" name="Ellipse 636">
+                <a:extLst>
+                  <a:ext uri="{FF2B5EF4-FFF2-40B4-BE49-F238E27FC236}">
+                    <a16:creationId xmlns:a16="http://schemas.microsoft.com/office/drawing/2014/main" id="{3E9AF2CA-2EAB-4414-BC44-53A28D6136DE}"/>
+                  </a:ext>
+                </a:extLst>
+              </p:cNvPr>
+              <p:cNvSpPr/>
+              <p:nvPr/>
+            </p:nvSpPr>
+            <p:spPr>
+              <a:xfrm>
+                <a:off x="6177467" y="2898468"/>
+                <a:ext cx="364667" cy="364667"/>
+              </a:xfrm>
+              <a:prstGeom prst="ellipse">
+                <a:avLst/>
+              </a:prstGeom>
+            </p:spPr>
+            <p:style>
+              <a:lnRef idx="2">
+                <a:schemeClr val="accent1"/>
+              </a:lnRef>
+              <a:fillRef idx="1">
+                <a:schemeClr val="lt1"/>
+              </a:fillRef>
+              <a:effectRef idx="0">
+                <a:schemeClr val="accent1"/>
+              </a:effectRef>
+              <a:fontRef idx="minor">
+                <a:schemeClr val="dk1"/>
+              </a:fontRef>
+            </p:style>
+            <p:txBody>
+              <a:bodyPr rtlCol="0" anchor="ctr"/>
+              <a:lstStyle/>
+              <a:p>
+                <a:pPr algn="ctr"/>
+                <a:endParaRPr lang="nb-NO"/>
+              </a:p>
+            </p:txBody>
+          </p:sp>
+          <p:sp>
+            <p:nvSpPr>
+              <p:cNvPr id="638" name="Rektangel 637">
+                <a:extLst>
+                  <a:ext uri="{FF2B5EF4-FFF2-40B4-BE49-F238E27FC236}">
+                    <a16:creationId xmlns:a16="http://schemas.microsoft.com/office/drawing/2014/main" id="{D81B9315-7A53-4E74-906F-910F3EFF3AD8}"/>
+                  </a:ext>
+                </a:extLst>
+              </p:cNvPr>
+              <p:cNvSpPr/>
+              <p:nvPr/>
+            </p:nvSpPr>
+            <p:spPr>
+              <a:xfrm>
+                <a:off x="6142922" y="2839015"/>
+                <a:ext cx="216849" cy="475679"/>
+              </a:xfrm>
+              <a:prstGeom prst="rect">
+                <a:avLst/>
+              </a:prstGeom>
+              <a:ln>
+                <a:noFill/>
+              </a:ln>
+            </p:spPr>
+            <p:style>
+              <a:lnRef idx="2">
+                <a:schemeClr val="accent1">
+                  <a:shade val="50000"/>
+                </a:schemeClr>
+              </a:lnRef>
+              <a:fillRef idx="1001">
+                <a:schemeClr val="lt1"/>
+              </a:fillRef>
+              <a:effectRef idx="0">
+                <a:schemeClr val="accent1"/>
+              </a:effectRef>
+              <a:fontRef idx="minor">
+                <a:schemeClr val="lt1"/>
+              </a:fontRef>
+            </p:style>
+            <p:txBody>
+              <a:bodyPr rtlCol="0" anchor="ctr"/>
+              <a:lstStyle/>
+              <a:p>
+                <a:pPr algn="ctr"/>
+                <a:endParaRPr lang="nb-NO"/>
+              </a:p>
+            </p:txBody>
+          </p:sp>
+        </p:grpSp>
+      </p:grpSp>
+      <p:grpSp>
+        <p:nvGrpSpPr>
+          <p:cNvPr id="595" name="Gruppe 594">
+            <a:extLst>
+              <a:ext uri="{FF2B5EF4-FFF2-40B4-BE49-F238E27FC236}">
+                <a16:creationId xmlns:a16="http://schemas.microsoft.com/office/drawing/2014/main" id="{2457AD00-0864-4FD9-A3FC-772AC2E27684}"/>
               </a:ext>
             </a:extLst>
           </p:cNvPr>
@@ -19886,18 +22713,18 @@
         </p:nvGrpSpPr>
         <p:grpSpPr>
           <a:xfrm rot="16200000">
-            <a:off x="6987802" y="4270025"/>
-            <a:ext cx="307747" cy="366694"/>
+            <a:off x="10805695" y="2027791"/>
+            <a:ext cx="189374" cy="225648"/>
             <a:chOff x="6142922" y="2839015"/>
             <a:chExt cx="399212" cy="475679"/>
           </a:xfrm>
         </p:grpSpPr>
         <p:sp>
           <p:nvSpPr>
-            <p:cNvPr id="427" name="Ellipse 426">
+            <p:cNvPr id="599" name="Ellipse 598">
               <a:extLst>
                 <a:ext uri="{FF2B5EF4-FFF2-40B4-BE49-F238E27FC236}">
-                  <a16:creationId xmlns:a16="http://schemas.microsoft.com/office/drawing/2014/main" id="{8A4FC9CC-A3E0-4D7A-92B7-959268ED5A8C}"/>
+                  <a16:creationId xmlns:a16="http://schemas.microsoft.com/office/drawing/2014/main" id="{CE39343C-D518-47BB-ABB7-FA82A90261C3}"/>
                 </a:ext>
               </a:extLst>
             </p:cNvPr>
@@ -19938,10 +22765,10 @@
         </p:sp>
         <p:sp>
           <p:nvSpPr>
-            <p:cNvPr id="428" name="Rektangel 427">
+            <p:cNvPr id="600" name="Rektangel 599">
               <a:extLst>
                 <a:ext uri="{FF2B5EF4-FFF2-40B4-BE49-F238E27FC236}">
-                  <a16:creationId xmlns:a16="http://schemas.microsoft.com/office/drawing/2014/main" id="{5396678F-0198-4A71-AD80-6B472CD7D47E}"/>
+                  <a16:creationId xmlns:a16="http://schemas.microsoft.com/office/drawing/2014/main" id="{052442E3-6983-4C3C-A073-25B22695AE0D}"/>
                 </a:ext>
               </a:extLst>
             </p:cNvPr>
@@ -19988,10 +22815,10 @@
       </p:grpSp>
       <p:grpSp>
         <p:nvGrpSpPr>
-          <p:cNvPr id="514" name="Gruppe 513">
+          <p:cNvPr id="552" name="Gruppe 551">
             <a:extLst>
               <a:ext uri="{FF2B5EF4-FFF2-40B4-BE49-F238E27FC236}">
-                <a16:creationId xmlns:a16="http://schemas.microsoft.com/office/drawing/2014/main" id="{B518D16B-8F02-4808-8425-BA632E85D763}"/>
+                <a16:creationId xmlns:a16="http://schemas.microsoft.com/office/drawing/2014/main" id="{0D069782-B24A-4836-90C1-8A756507CCA1}"/>
               </a:ext>
             </a:extLst>
           </p:cNvPr>
@@ -19999,19 +22826,19 @@
           <p:nvPr/>
         </p:nvGrpSpPr>
         <p:grpSpPr>
-          <a:xfrm rot="16200000">
-            <a:off x="9537018" y="3361114"/>
-            <a:ext cx="307747" cy="366694"/>
+          <a:xfrm>
+            <a:off x="6991018" y="5807774"/>
+            <a:ext cx="151844" cy="180929"/>
             <a:chOff x="6142922" y="2839015"/>
             <a:chExt cx="399212" cy="475679"/>
           </a:xfrm>
         </p:grpSpPr>
         <p:sp>
           <p:nvSpPr>
-            <p:cNvPr id="515" name="Ellipse 514">
+            <p:cNvPr id="553" name="Ellipse 552">
               <a:extLst>
                 <a:ext uri="{FF2B5EF4-FFF2-40B4-BE49-F238E27FC236}">
-                  <a16:creationId xmlns:a16="http://schemas.microsoft.com/office/drawing/2014/main" id="{194D4405-4FCA-4428-AEEE-DD36A14E7269}"/>
+                  <a16:creationId xmlns:a16="http://schemas.microsoft.com/office/drawing/2014/main" id="{CE58F07A-0A72-48C1-A8AE-5AFCB3BF8F2F}"/>
                 </a:ext>
               </a:extLst>
             </p:cNvPr>
@@ -20026,6 +22853,11 @@
             <a:prstGeom prst="ellipse">
               <a:avLst/>
             </a:prstGeom>
+            <a:ln>
+              <a:solidFill>
+                <a:srgbClr val="FF0000"/>
+              </a:solidFill>
+            </a:ln>
           </p:spPr>
           <p:style>
             <a:lnRef idx="2">
@@ -20046,245 +22878,22 @@
             <a:lstStyle/>
             <a:p>
               <a:pPr algn="ctr"/>
-              <a:endParaRPr lang="nb-NO"/>
+              <a:endParaRPr lang="nb-NO">
+                <a:ln>
+                  <a:solidFill>
+                    <a:srgbClr val="FF0000"/>
+                  </a:solidFill>
+                </a:ln>
+              </a:endParaRPr>
             </a:p>
           </p:txBody>
         </p:sp>
         <p:sp>
           <p:nvSpPr>
-            <p:cNvPr id="516" name="Rektangel 515">
+            <p:cNvPr id="554" name="Rektangel 553">
               <a:extLst>
                 <a:ext uri="{FF2B5EF4-FFF2-40B4-BE49-F238E27FC236}">
-                  <a16:creationId xmlns:a16="http://schemas.microsoft.com/office/drawing/2014/main" id="{08C813B7-C1A0-4BC7-958F-F44323898A95}"/>
-                </a:ext>
-              </a:extLst>
-            </p:cNvPr>
-            <p:cNvSpPr/>
-            <p:nvPr/>
-          </p:nvSpPr>
-          <p:spPr>
-            <a:xfrm>
-              <a:off x="6142922" y="2839015"/>
-              <a:ext cx="216849" cy="475679"/>
-            </a:xfrm>
-            <a:prstGeom prst="rect">
-              <a:avLst/>
-            </a:prstGeom>
-            <a:ln>
-              <a:noFill/>
-            </a:ln>
-          </p:spPr>
-          <p:style>
-            <a:lnRef idx="2">
-              <a:schemeClr val="accent1">
-                <a:shade val="50000"/>
-              </a:schemeClr>
-            </a:lnRef>
-            <a:fillRef idx="1001">
-              <a:schemeClr val="lt1"/>
-            </a:fillRef>
-            <a:effectRef idx="0">
-              <a:schemeClr val="accent1"/>
-            </a:effectRef>
-            <a:fontRef idx="minor">
-              <a:schemeClr val="lt1"/>
-            </a:fontRef>
-          </p:style>
-          <p:txBody>
-            <a:bodyPr rtlCol="0" anchor="ctr"/>
-            <a:lstStyle/>
-            <a:p>
-              <a:pPr algn="ctr"/>
-              <a:endParaRPr lang="nb-NO"/>
-            </a:p>
-          </p:txBody>
-        </p:sp>
-      </p:grpSp>
-      <p:grpSp>
-        <p:nvGrpSpPr>
-          <p:cNvPr id="892" name="Gruppe 891">
-            <a:extLst>
-              <a:ext uri="{FF2B5EF4-FFF2-40B4-BE49-F238E27FC236}">
-                <a16:creationId xmlns:a16="http://schemas.microsoft.com/office/drawing/2014/main" id="{8C4134CB-540A-46F5-9BAF-7C8DAB64F1BC}"/>
-              </a:ext>
-            </a:extLst>
-          </p:cNvPr>
-          <p:cNvGrpSpPr/>
-          <p:nvPr/>
-        </p:nvGrpSpPr>
-        <p:grpSpPr>
-          <a:xfrm rot="16200000">
-            <a:off x="9533572" y="3553358"/>
-            <a:ext cx="307747" cy="366694"/>
-            <a:chOff x="6142922" y="2839015"/>
-            <a:chExt cx="399212" cy="475679"/>
-          </a:xfrm>
-        </p:grpSpPr>
-        <p:sp>
-          <p:nvSpPr>
-            <p:cNvPr id="893" name="Ellipse 892">
-              <a:extLst>
-                <a:ext uri="{FF2B5EF4-FFF2-40B4-BE49-F238E27FC236}">
-                  <a16:creationId xmlns:a16="http://schemas.microsoft.com/office/drawing/2014/main" id="{BD970B06-E475-47F5-A637-3270D33F03E3}"/>
-                </a:ext>
-              </a:extLst>
-            </p:cNvPr>
-            <p:cNvSpPr/>
-            <p:nvPr/>
-          </p:nvSpPr>
-          <p:spPr>
-            <a:xfrm>
-              <a:off x="6177467" y="2898468"/>
-              <a:ext cx="364667" cy="364667"/>
-            </a:xfrm>
-            <a:prstGeom prst="ellipse">
-              <a:avLst/>
-            </a:prstGeom>
-          </p:spPr>
-          <p:style>
-            <a:lnRef idx="2">
-              <a:schemeClr val="accent1"/>
-            </a:lnRef>
-            <a:fillRef idx="1">
-              <a:schemeClr val="lt1"/>
-            </a:fillRef>
-            <a:effectRef idx="0">
-              <a:schemeClr val="accent1"/>
-            </a:effectRef>
-            <a:fontRef idx="minor">
-              <a:schemeClr val="dk1"/>
-            </a:fontRef>
-          </p:style>
-          <p:txBody>
-            <a:bodyPr rtlCol="0" anchor="ctr"/>
-            <a:lstStyle/>
-            <a:p>
-              <a:pPr algn="ctr"/>
-              <a:endParaRPr lang="nb-NO"/>
-            </a:p>
-          </p:txBody>
-        </p:sp>
-        <p:sp>
-          <p:nvSpPr>
-            <p:cNvPr id="894" name="Rektangel 893">
-              <a:extLst>
-                <a:ext uri="{FF2B5EF4-FFF2-40B4-BE49-F238E27FC236}">
-                  <a16:creationId xmlns:a16="http://schemas.microsoft.com/office/drawing/2014/main" id="{D5497671-3C76-43BB-905C-1BFA5B9AE38F}"/>
-                </a:ext>
-              </a:extLst>
-            </p:cNvPr>
-            <p:cNvSpPr/>
-            <p:nvPr/>
-          </p:nvSpPr>
-          <p:spPr>
-            <a:xfrm>
-              <a:off x="6142922" y="2839015"/>
-              <a:ext cx="216849" cy="475679"/>
-            </a:xfrm>
-            <a:prstGeom prst="rect">
-              <a:avLst/>
-            </a:prstGeom>
-            <a:ln>
-              <a:noFill/>
-            </a:ln>
-          </p:spPr>
-          <p:style>
-            <a:lnRef idx="2">
-              <a:schemeClr val="accent1">
-                <a:shade val="50000"/>
-              </a:schemeClr>
-            </a:lnRef>
-            <a:fillRef idx="1001">
-              <a:schemeClr val="lt1"/>
-            </a:fillRef>
-            <a:effectRef idx="0">
-              <a:schemeClr val="accent1"/>
-            </a:effectRef>
-            <a:fontRef idx="minor">
-              <a:schemeClr val="lt1"/>
-            </a:fontRef>
-          </p:style>
-          <p:txBody>
-            <a:bodyPr rtlCol="0" anchor="ctr"/>
-            <a:lstStyle/>
-            <a:p>
-              <a:pPr algn="ctr"/>
-              <a:endParaRPr lang="nb-NO"/>
-            </a:p>
-          </p:txBody>
-        </p:sp>
-      </p:grpSp>
-      <p:grpSp>
-        <p:nvGrpSpPr>
-          <p:cNvPr id="867" name="Gruppe 866">
-            <a:extLst>
-              <a:ext uri="{FF2B5EF4-FFF2-40B4-BE49-F238E27FC236}">
-                <a16:creationId xmlns:a16="http://schemas.microsoft.com/office/drawing/2014/main" id="{EBD2167B-B81C-4FDB-BBF8-6BCE302A03A4}"/>
-              </a:ext>
-            </a:extLst>
-          </p:cNvPr>
-          <p:cNvGrpSpPr/>
-          <p:nvPr/>
-        </p:nvGrpSpPr>
-        <p:grpSpPr>
-          <a:xfrm rot="16200000">
-            <a:off x="7457229" y="6445179"/>
-            <a:ext cx="176152" cy="209893"/>
-            <a:chOff x="6142922" y="2839015"/>
-            <a:chExt cx="399212" cy="475679"/>
-          </a:xfrm>
-        </p:grpSpPr>
-        <p:sp>
-          <p:nvSpPr>
-            <p:cNvPr id="868" name="Ellipse 867">
-              <a:extLst>
-                <a:ext uri="{FF2B5EF4-FFF2-40B4-BE49-F238E27FC236}">
-                  <a16:creationId xmlns:a16="http://schemas.microsoft.com/office/drawing/2014/main" id="{6F6DFBF9-6CFF-4EB8-8353-99F9AFCA4B91}"/>
-                </a:ext>
-              </a:extLst>
-            </p:cNvPr>
-            <p:cNvSpPr/>
-            <p:nvPr/>
-          </p:nvSpPr>
-          <p:spPr>
-            <a:xfrm>
-              <a:off x="6177467" y="2898468"/>
-              <a:ext cx="364667" cy="364667"/>
-            </a:xfrm>
-            <a:prstGeom prst="ellipse">
-              <a:avLst/>
-            </a:prstGeom>
-            <a:ln/>
-          </p:spPr>
-          <p:style>
-            <a:lnRef idx="2">
-              <a:schemeClr val="dk1"/>
-            </a:lnRef>
-            <a:fillRef idx="1">
-              <a:schemeClr val="lt1"/>
-            </a:fillRef>
-            <a:effectRef idx="0">
-              <a:schemeClr val="dk1"/>
-            </a:effectRef>
-            <a:fontRef idx="minor">
-              <a:schemeClr val="dk1"/>
-            </a:fontRef>
-          </p:style>
-          <p:txBody>
-            <a:bodyPr rtlCol="0" anchor="ctr"/>
-            <a:lstStyle/>
-            <a:p>
-              <a:pPr algn="ctr"/>
-              <a:endParaRPr lang="nb-NO"/>
-            </a:p>
-          </p:txBody>
-        </p:sp>
-        <p:sp>
-          <p:nvSpPr>
-            <p:cNvPr id="869" name="Rektangel 868">
-              <a:extLst>
-                <a:ext uri="{FF2B5EF4-FFF2-40B4-BE49-F238E27FC236}">
-                  <a16:creationId xmlns:a16="http://schemas.microsoft.com/office/drawing/2014/main" id="{FC565117-C250-48E5-9D3D-FC0AB4FED791}"/>
+                  <a16:creationId xmlns:a16="http://schemas.microsoft.com/office/drawing/2014/main" id="{74CC38B9-25F3-4D22-AB1E-AD4B695E9633}"/>
                 </a:ext>
               </a:extLst>
             </p:cNvPr>
@@ -20343,8 +22952,8 @@
         </p:nvGrpSpPr>
         <p:grpSpPr>
           <a:xfrm rot="16200000">
-            <a:off x="1778597" y="725433"/>
-            <a:ext cx="176152" cy="209893"/>
+            <a:off x="923505" y="1347077"/>
+            <a:ext cx="119635" cy="142550"/>
             <a:chOff x="6142922" y="2839015"/>
             <a:chExt cx="399212" cy="475679"/>
           </a:xfrm>
@@ -20458,7 +23067,7 @@
         </p:nvGrpSpPr>
         <p:grpSpPr>
           <a:xfrm rot="16200000">
-            <a:off x="5757698" y="2601532"/>
+            <a:off x="4862348" y="2649157"/>
             <a:ext cx="176152" cy="209893"/>
             <a:chOff x="6142922" y="2839015"/>
             <a:chExt cx="399212" cy="475679"/>
@@ -20573,7 +23182,7 @@
         </p:nvGrpSpPr>
         <p:grpSpPr>
           <a:xfrm rot="16200000">
-            <a:off x="5752353" y="2695429"/>
+            <a:off x="4857003" y="2743054"/>
             <a:ext cx="176152" cy="209893"/>
             <a:chOff x="6142922" y="2839015"/>
             <a:chExt cx="399212" cy="475679"/>
@@ -20688,7 +23297,7 @@
         </p:nvGrpSpPr>
         <p:grpSpPr>
           <a:xfrm rot="10800000">
-            <a:off x="4588773" y="2890730"/>
+            <a:off x="3693423" y="2938355"/>
             <a:ext cx="176152" cy="209893"/>
             <a:chOff x="6142922" y="2839015"/>
             <a:chExt cx="399212" cy="475679"/>
@@ -20795,120 +23404,6 @@
       </p:grpSp>
       <p:grpSp>
         <p:nvGrpSpPr>
-          <p:cNvPr id="533" name="Gruppe 532">
-            <a:extLst>
-              <a:ext uri="{FF2B5EF4-FFF2-40B4-BE49-F238E27FC236}">
-                <a16:creationId xmlns:a16="http://schemas.microsoft.com/office/drawing/2014/main" id="{467FEDC3-6BE2-4615-96FD-A579ECB61DA2}"/>
-              </a:ext>
-            </a:extLst>
-          </p:cNvPr>
-          <p:cNvGrpSpPr/>
-          <p:nvPr/>
-        </p:nvGrpSpPr>
-        <p:grpSpPr>
-          <a:xfrm>
-            <a:off x="10400695" y="3378805"/>
-            <a:ext cx="204006" cy="243082"/>
-            <a:chOff x="6142922" y="2839015"/>
-            <a:chExt cx="399212" cy="475679"/>
-          </a:xfrm>
-        </p:grpSpPr>
-        <p:sp>
-          <p:nvSpPr>
-            <p:cNvPr id="534" name="Ellipse 533">
-              <a:extLst>
-                <a:ext uri="{FF2B5EF4-FFF2-40B4-BE49-F238E27FC236}">
-                  <a16:creationId xmlns:a16="http://schemas.microsoft.com/office/drawing/2014/main" id="{A44EFB07-7FBE-43C1-B423-E7C9106D7A52}"/>
-                </a:ext>
-              </a:extLst>
-            </p:cNvPr>
-            <p:cNvSpPr/>
-            <p:nvPr/>
-          </p:nvSpPr>
-          <p:spPr>
-            <a:xfrm>
-              <a:off x="6177467" y="2898468"/>
-              <a:ext cx="364667" cy="364667"/>
-            </a:xfrm>
-            <a:prstGeom prst="ellipse">
-              <a:avLst/>
-            </a:prstGeom>
-          </p:spPr>
-          <p:style>
-            <a:lnRef idx="2">
-              <a:schemeClr val="accent1"/>
-            </a:lnRef>
-            <a:fillRef idx="1">
-              <a:schemeClr val="lt1"/>
-            </a:fillRef>
-            <a:effectRef idx="0">
-              <a:schemeClr val="accent1"/>
-            </a:effectRef>
-            <a:fontRef idx="minor">
-              <a:schemeClr val="dk1"/>
-            </a:fontRef>
-          </p:style>
-          <p:txBody>
-            <a:bodyPr rtlCol="0" anchor="ctr"/>
-            <a:lstStyle/>
-            <a:p>
-              <a:pPr algn="ctr"/>
-              <a:endParaRPr lang="nb-NO"/>
-            </a:p>
-          </p:txBody>
-        </p:sp>
-        <p:sp>
-          <p:nvSpPr>
-            <p:cNvPr id="535" name="Rektangel 534">
-              <a:extLst>
-                <a:ext uri="{FF2B5EF4-FFF2-40B4-BE49-F238E27FC236}">
-                  <a16:creationId xmlns:a16="http://schemas.microsoft.com/office/drawing/2014/main" id="{01D94B91-3091-414C-9BE1-7FC2207BC9B0}"/>
-                </a:ext>
-              </a:extLst>
-            </p:cNvPr>
-            <p:cNvSpPr/>
-            <p:nvPr/>
-          </p:nvSpPr>
-          <p:spPr>
-            <a:xfrm>
-              <a:off x="6142922" y="2839015"/>
-              <a:ext cx="216849" cy="475679"/>
-            </a:xfrm>
-            <a:prstGeom prst="rect">
-              <a:avLst/>
-            </a:prstGeom>
-            <a:ln>
-              <a:noFill/>
-            </a:ln>
-          </p:spPr>
-          <p:style>
-            <a:lnRef idx="2">
-              <a:schemeClr val="accent1">
-                <a:shade val="50000"/>
-              </a:schemeClr>
-            </a:lnRef>
-            <a:fillRef idx="1001">
-              <a:schemeClr val="lt1"/>
-            </a:fillRef>
-            <a:effectRef idx="0">
-              <a:schemeClr val="accent1"/>
-            </a:effectRef>
-            <a:fontRef idx="minor">
-              <a:schemeClr val="lt1"/>
-            </a:fontRef>
-          </p:style>
-          <p:txBody>
-            <a:bodyPr rtlCol="0" anchor="ctr"/>
-            <a:lstStyle/>
-            <a:p>
-              <a:pPr algn="ctr"/>
-              <a:endParaRPr lang="nb-NO"/>
-            </a:p>
-          </p:txBody>
-        </p:sp>
-      </p:grpSp>
-      <p:grpSp>
-        <p:nvGrpSpPr>
           <p:cNvPr id="303" name="Gruppe 302">
             <a:extLst>
               <a:ext uri="{FF2B5EF4-FFF2-40B4-BE49-F238E27FC236}">
@@ -20921,7 +23416,7 @@
         </p:nvGrpSpPr>
         <p:grpSpPr>
           <a:xfrm>
-            <a:off x="2137341" y="3145565"/>
+            <a:off x="1241991" y="3193190"/>
             <a:ext cx="2136116" cy="1933605"/>
             <a:chOff x="1117422" y="4665228"/>
             <a:chExt cx="2136116" cy="1933605"/>
@@ -21895,7 +24390,7 @@
         </p:nvCxnSpPr>
         <p:spPr>
           <a:xfrm flipH="1">
-            <a:off x="3542125" y="2864114"/>
+            <a:off x="2646775" y="2911739"/>
             <a:ext cx="1" cy="415921"/>
           </a:xfrm>
           <a:prstGeom prst="line">
@@ -21938,7 +24433,7 @@
         </p:nvCxnSpPr>
         <p:spPr>
           <a:xfrm flipH="1">
-            <a:off x="3325315" y="2736645"/>
+            <a:off x="2429965" y="2784270"/>
             <a:ext cx="97" cy="535194"/>
           </a:xfrm>
           <a:prstGeom prst="line">
@@ -21979,7 +24474,7 @@
         </p:nvGrpSpPr>
         <p:grpSpPr>
           <a:xfrm>
-            <a:off x="2375534" y="5639559"/>
+            <a:off x="1480184" y="5687184"/>
             <a:ext cx="399212" cy="475679"/>
             <a:chOff x="6142922" y="2839015"/>
             <a:chExt cx="399212" cy="475679"/>
@@ -22098,7 +24593,7 @@
         </p:nvGrpSpPr>
         <p:grpSpPr>
           <a:xfrm rot="5400000">
-            <a:off x="7022148" y="4013792"/>
+            <a:off x="9214019" y="3154034"/>
             <a:ext cx="3286765" cy="1525299"/>
             <a:chOff x="6708403" y="2009646"/>
             <a:chExt cx="3286765" cy="1525299"/>
@@ -24852,7 +27347,7 @@
         </p:nvGrpSpPr>
         <p:grpSpPr>
           <a:xfrm>
-            <a:off x="4561599" y="5708650"/>
+            <a:off x="3666249" y="5756275"/>
             <a:ext cx="283244" cy="337498"/>
             <a:chOff x="6142922" y="2839015"/>
             <a:chExt cx="399212" cy="475679"/>
@@ -24971,7 +27466,7 @@
         </p:nvCxnSpPr>
         <p:spPr>
           <a:xfrm>
-            <a:off x="1023388" y="5857241"/>
+            <a:off x="128038" y="5904866"/>
             <a:ext cx="533400" cy="0"/>
           </a:xfrm>
           <a:prstGeom prst="line">
@@ -25007,7 +27502,7 @@
         </p:nvSpPr>
         <p:spPr>
           <a:xfrm>
-            <a:off x="1491571" y="5819141"/>
+            <a:off x="596221" y="5866766"/>
             <a:ext cx="76200" cy="76200"/>
           </a:xfrm>
           <a:prstGeom prst="ellipse">
@@ -25055,7 +27550,7 @@
         </p:nvCxnSpPr>
         <p:spPr>
           <a:xfrm flipV="1">
-            <a:off x="1529671" y="5560060"/>
+            <a:off x="634321" y="5607685"/>
             <a:ext cx="468630" cy="297181"/>
           </a:xfrm>
           <a:prstGeom prst="line">
@@ -25091,7 +27586,7 @@
         </p:nvCxnSpPr>
         <p:spPr>
           <a:xfrm>
-            <a:off x="2061118" y="5857241"/>
+            <a:off x="1165768" y="5904866"/>
             <a:ext cx="533400" cy="0"/>
           </a:xfrm>
           <a:prstGeom prst="line">
@@ -25127,7 +27622,7 @@
         </p:nvSpPr>
         <p:spPr>
           <a:xfrm>
-            <a:off x="2025450" y="5819141"/>
+            <a:off x="1130100" y="5866766"/>
             <a:ext cx="76200" cy="76200"/>
           </a:xfrm>
           <a:prstGeom prst="ellipse">
@@ -25168,13 +27663,15 @@
               </a:ext>
             </a:extLst>
           </p:cNvPr>
-          <p:cNvCxnSpPr/>
+          <p:cNvCxnSpPr>
+            <a:cxnSpLocks/>
+          </p:cNvCxnSpPr>
           <p:nvPr/>
         </p:nvCxnSpPr>
         <p:spPr>
           <a:xfrm>
-            <a:off x="301485" y="6123941"/>
-            <a:ext cx="0" cy="320040"/>
+            <a:off x="65370" y="6080553"/>
+            <a:ext cx="0" cy="142314"/>
           </a:xfrm>
           <a:prstGeom prst="line">
             <a:avLst/>
@@ -25216,8 +27713,8 @@
         </p:nvCxnSpPr>
         <p:spPr>
           <a:xfrm>
-            <a:off x="458691" y="5925285"/>
-            <a:ext cx="0" cy="769620"/>
+            <a:off x="255870" y="5972910"/>
+            <a:ext cx="0" cy="340970"/>
           </a:xfrm>
           <a:prstGeom prst="line">
             <a:avLst/>
@@ -25243,47 +27740,6 @@
           </a:fontRef>
         </p:style>
       </p:cxnSp>
-      <p:cxnSp>
-        <p:nvCxnSpPr>
-          <p:cNvPr id="15" name="Rett linje 14">
-            <a:extLst>
-              <a:ext uri="{FF2B5EF4-FFF2-40B4-BE49-F238E27FC236}">
-                <a16:creationId xmlns:a16="http://schemas.microsoft.com/office/drawing/2014/main" id="{72ECDEA0-E47F-4A38-9941-DFF6C34F9BA8}"/>
-              </a:ext>
-            </a:extLst>
-          </p:cNvPr>
-          <p:cNvCxnSpPr/>
-          <p:nvPr/>
-        </p:nvCxnSpPr>
-        <p:spPr>
-          <a:xfrm>
-            <a:off x="960720" y="6694905"/>
-            <a:ext cx="533400" cy="0"/>
-          </a:xfrm>
-          <a:prstGeom prst="line">
-            <a:avLst/>
-          </a:prstGeom>
-          <a:ln>
-            <a:solidFill>
-              <a:srgbClr val="FF0000"/>
-            </a:solidFill>
-          </a:ln>
-        </p:spPr>
-        <p:style>
-          <a:lnRef idx="3">
-            <a:schemeClr val="accent2"/>
-          </a:lnRef>
-          <a:fillRef idx="0">
-            <a:schemeClr val="accent2"/>
-          </a:fillRef>
-          <a:effectRef idx="2">
-            <a:schemeClr val="accent2"/>
-          </a:effectRef>
-          <a:fontRef idx="minor">
-            <a:schemeClr val="tx1"/>
-          </a:fontRef>
-        </p:style>
-      </p:cxnSp>
       <p:sp>
         <p:nvSpPr>
           <p:cNvPr id="16" name="Ellipse 15">
@@ -25298,7 +27754,7 @@
         </p:nvSpPr>
         <p:spPr>
           <a:xfrm>
-            <a:off x="1428903" y="6655636"/>
+            <a:off x="537271" y="6279248"/>
             <a:ext cx="76200" cy="78539"/>
           </a:xfrm>
           <a:prstGeom prst="ellipse">
@@ -25354,7 +27810,7 @@
         </p:nvCxnSpPr>
         <p:spPr>
           <a:xfrm flipV="1">
-            <a:off x="1467003" y="6388601"/>
+            <a:off x="575371" y="6012213"/>
             <a:ext cx="468630" cy="306304"/>
           </a:xfrm>
           <a:prstGeom prst="line">
@@ -25395,7 +27851,7 @@
         </p:nvCxnSpPr>
         <p:spPr>
           <a:xfrm>
-            <a:off x="2025450" y="6694905"/>
+            <a:off x="1133818" y="6318517"/>
             <a:ext cx="533400" cy="0"/>
           </a:xfrm>
           <a:prstGeom prst="line">
@@ -25436,7 +27892,7 @@
         </p:nvSpPr>
         <p:spPr>
           <a:xfrm>
-            <a:off x="1962782" y="6655636"/>
+            <a:off x="1071150" y="6279248"/>
             <a:ext cx="76200" cy="78539"/>
           </a:xfrm>
           <a:prstGeom prst="ellipse">
@@ -25491,9 +27947,9 @@
           <p:nvPr/>
         </p:nvCxnSpPr>
         <p:spPr>
-          <a:xfrm flipV="1">
-            <a:off x="450371" y="6694905"/>
-            <a:ext cx="553071" cy="1037"/>
+          <a:xfrm flipH="1">
+            <a:off x="238145" y="6318517"/>
+            <a:ext cx="299126" cy="0"/>
           </a:xfrm>
           <a:prstGeom prst="line">
             <a:avLst/>
@@ -25535,8 +27991,8 @@
         </p:nvCxnSpPr>
         <p:spPr>
           <a:xfrm>
-            <a:off x="311187" y="5857241"/>
-            <a:ext cx="721903" cy="0"/>
+            <a:off x="65370" y="5904866"/>
+            <a:ext cx="72370" cy="0"/>
           </a:xfrm>
           <a:prstGeom prst="line">
             <a:avLst/>
@@ -25578,8 +28034,8 @@
         </p:nvCxnSpPr>
         <p:spPr>
           <a:xfrm>
-            <a:off x="301485" y="5857241"/>
-            <a:ext cx="0" cy="266700"/>
+            <a:off x="65370" y="5893187"/>
+            <a:ext cx="0" cy="209171"/>
           </a:xfrm>
           <a:prstGeom prst="line">
             <a:avLst/>
@@ -25621,7 +28077,7 @@
         </p:nvCxnSpPr>
         <p:spPr>
           <a:xfrm flipV="1">
-            <a:off x="2513270" y="6675270"/>
+            <a:off x="1621638" y="6298882"/>
             <a:ext cx="2198467" cy="20053"/>
           </a:xfrm>
           <a:prstGeom prst="line">
@@ -25664,7 +28120,7 @@
         </p:nvCxnSpPr>
         <p:spPr>
           <a:xfrm>
-            <a:off x="2569016" y="5857241"/>
+            <a:off x="1673666" y="5904866"/>
             <a:ext cx="1959899" cy="0"/>
           </a:xfrm>
           <a:prstGeom prst="line">
@@ -25705,7 +28161,7 @@
         </p:nvGrpSpPr>
         <p:grpSpPr>
           <a:xfrm rot="5400000">
-            <a:off x="4514357" y="3437874"/>
+            <a:off x="3619007" y="3485499"/>
             <a:ext cx="2411436" cy="1833256"/>
             <a:chOff x="3735193" y="242381"/>
             <a:chExt cx="2411436" cy="1833256"/>
@@ -28457,7 +30913,7 @@
         </p:nvCxnSpPr>
         <p:spPr>
           <a:xfrm flipH="1" flipV="1">
-            <a:off x="4528915" y="4103156"/>
+            <a:off x="3633565" y="4150781"/>
             <a:ext cx="365644" cy="161"/>
           </a:xfrm>
           <a:prstGeom prst="line">
@@ -28495,7 +30951,7 @@
         </p:nvCxnSpPr>
         <p:spPr>
           <a:xfrm flipH="1">
-            <a:off x="4528915" y="4102914"/>
+            <a:off x="3633565" y="4150539"/>
             <a:ext cx="1642" cy="1754327"/>
           </a:xfrm>
           <a:prstGeom prst="line">
@@ -28519,125 +30975,6 @@
       </p:cxnSp>
       <p:cxnSp>
         <p:nvCxnSpPr>
-          <p:cNvPr id="191" name="Rett linje 190">
-            <a:extLst>
-              <a:ext uri="{FF2B5EF4-FFF2-40B4-BE49-F238E27FC236}">
-                <a16:creationId xmlns:a16="http://schemas.microsoft.com/office/drawing/2014/main" id="{BBB414AF-6F27-44B7-9B71-9263CD991CC6}"/>
-              </a:ext>
-            </a:extLst>
-          </p:cNvPr>
-          <p:cNvCxnSpPr>
-            <a:cxnSpLocks/>
-          </p:cNvCxnSpPr>
-          <p:nvPr/>
-        </p:nvCxnSpPr>
-        <p:spPr>
-          <a:xfrm flipH="1" flipV="1">
-            <a:off x="7277366" y="6021847"/>
-            <a:ext cx="745770" cy="1"/>
-          </a:xfrm>
-          <a:prstGeom prst="line">
-            <a:avLst/>
-          </a:prstGeom>
-        </p:spPr>
-        <p:style>
-          <a:lnRef idx="2">
-            <a:schemeClr val="dk1"/>
-          </a:lnRef>
-          <a:fillRef idx="0">
-            <a:schemeClr val="dk1"/>
-          </a:fillRef>
-          <a:effectRef idx="1">
-            <a:schemeClr val="dk1"/>
-          </a:effectRef>
-          <a:fontRef idx="minor">
-            <a:schemeClr val="tx1"/>
-          </a:fontRef>
-        </p:style>
-      </p:cxnSp>
-      <p:cxnSp>
-        <p:nvCxnSpPr>
-          <p:cNvPr id="193" name="Rett linje 192">
-            <a:extLst>
-              <a:ext uri="{FF2B5EF4-FFF2-40B4-BE49-F238E27FC236}">
-                <a16:creationId xmlns:a16="http://schemas.microsoft.com/office/drawing/2014/main" id="{F3742868-B233-48E0-931B-D30951D9B6FA}"/>
-              </a:ext>
-            </a:extLst>
-          </p:cNvPr>
-          <p:cNvCxnSpPr>
-            <a:cxnSpLocks/>
-          </p:cNvCxnSpPr>
-          <p:nvPr/>
-        </p:nvCxnSpPr>
-        <p:spPr>
-          <a:xfrm flipV="1">
-            <a:off x="7290044" y="5857242"/>
-            <a:ext cx="0" cy="164604"/>
-          </a:xfrm>
-          <a:prstGeom prst="line">
-            <a:avLst/>
-          </a:prstGeom>
-        </p:spPr>
-        <p:style>
-          <a:lnRef idx="2">
-            <a:schemeClr val="dk1"/>
-          </a:lnRef>
-          <a:fillRef idx="0">
-            <a:schemeClr val="dk1"/>
-          </a:fillRef>
-          <a:effectRef idx="1">
-            <a:schemeClr val="dk1"/>
-          </a:effectRef>
-          <a:fontRef idx="minor">
-            <a:schemeClr val="tx1"/>
-          </a:fontRef>
-        </p:style>
-      </p:cxnSp>
-      <p:cxnSp>
-        <p:nvCxnSpPr>
-          <p:cNvPr id="195" name="Rett linje 194">
-            <a:extLst>
-              <a:ext uri="{FF2B5EF4-FFF2-40B4-BE49-F238E27FC236}">
-                <a16:creationId xmlns:a16="http://schemas.microsoft.com/office/drawing/2014/main" id="{4CF56912-851C-494F-AE75-02843E5E406C}"/>
-              </a:ext>
-            </a:extLst>
-          </p:cNvPr>
-          <p:cNvCxnSpPr>
-            <a:cxnSpLocks/>
-          </p:cNvCxnSpPr>
-          <p:nvPr/>
-        </p:nvCxnSpPr>
-        <p:spPr>
-          <a:xfrm flipH="1">
-            <a:off x="7507953" y="6205769"/>
-            <a:ext cx="513344" cy="0"/>
-          </a:xfrm>
-          <a:prstGeom prst="line">
-            <a:avLst/>
-          </a:prstGeom>
-          <a:ln w="9525">
-            <a:solidFill>
-              <a:srgbClr val="FF0000"/>
-            </a:solidFill>
-          </a:ln>
-        </p:spPr>
-        <p:style>
-          <a:lnRef idx="1">
-            <a:schemeClr val="accent2"/>
-          </a:lnRef>
-          <a:fillRef idx="0">
-            <a:schemeClr val="accent2"/>
-          </a:fillRef>
-          <a:effectRef idx="0">
-            <a:schemeClr val="accent2"/>
-          </a:effectRef>
-          <a:fontRef idx="minor">
-            <a:schemeClr val="tx1"/>
-          </a:fontRef>
-        </p:style>
-      </p:cxnSp>
-      <p:cxnSp>
-        <p:nvCxnSpPr>
           <p:cNvPr id="197" name="Rett linje 196">
             <a:extLst>
               <a:ext uri="{FF2B5EF4-FFF2-40B4-BE49-F238E27FC236}">
@@ -28652,8 +30989,8 @@
         </p:nvCxnSpPr>
         <p:spPr>
           <a:xfrm>
-            <a:off x="7507953" y="6209090"/>
-            <a:ext cx="0" cy="469781"/>
+            <a:off x="7073499" y="5968374"/>
+            <a:ext cx="0" cy="330508"/>
           </a:xfrm>
           <a:prstGeom prst="line">
             <a:avLst/>
@@ -28695,7 +31032,7 @@
         </p:nvCxnSpPr>
         <p:spPr>
           <a:xfrm flipH="1" flipV="1">
-            <a:off x="4711737" y="4244376"/>
+            <a:off x="3816387" y="4292001"/>
             <a:ext cx="206065" cy="2055"/>
           </a:xfrm>
           <a:prstGeom prst="line">
@@ -28738,7 +31075,7 @@
         </p:nvCxnSpPr>
         <p:spPr>
           <a:xfrm>
-            <a:off x="4711737" y="4244376"/>
+            <a:off x="3816387" y="4292001"/>
             <a:ext cx="0" cy="1502421"/>
           </a:xfrm>
           <a:prstGeom prst="line">
@@ -28779,7 +31116,7 @@
         </p:nvSpPr>
         <p:spPr>
           <a:xfrm>
-            <a:off x="4477050" y="5795784"/>
+            <a:off x="3581700" y="5843409"/>
             <a:ext cx="99557" cy="99557"/>
           </a:xfrm>
           <a:prstGeom prst="ellipse">
@@ -28820,13 +31157,15 @@
               </a:ext>
             </a:extLst>
           </p:cNvPr>
-          <p:cNvCxnSpPr/>
+          <p:cNvCxnSpPr>
+            <a:cxnSpLocks/>
+          </p:cNvCxnSpPr>
           <p:nvPr/>
         </p:nvCxnSpPr>
         <p:spPr>
           <a:xfrm>
-            <a:off x="4528915" y="5857241"/>
-            <a:ext cx="2761129" cy="0"/>
+            <a:off x="3633565" y="5904866"/>
+            <a:ext cx="3649164" cy="0"/>
           </a:xfrm>
           <a:prstGeom prst="line">
             <a:avLst/>
@@ -28857,14 +31196,15 @@
             </a:extLst>
           </p:cNvPr>
           <p:cNvCxnSpPr>
+            <a:cxnSpLocks/>
             <a:stCxn id="214" idx="4"/>
           </p:cNvCxnSpPr>
           <p:nvPr/>
         </p:nvCxnSpPr>
         <p:spPr>
-          <a:xfrm flipH="1">
-            <a:off x="4711737" y="6009566"/>
-            <a:ext cx="3739" cy="675730"/>
+          <a:xfrm>
+            <a:off x="3820126" y="6057191"/>
+            <a:ext cx="0" cy="234088"/>
           </a:xfrm>
           <a:prstGeom prst="line">
             <a:avLst/>
@@ -28906,13 +31246,13 @@
         </p:nvCxnSpPr>
         <p:spPr>
           <a:xfrm>
-            <a:off x="4696856" y="6675270"/>
-            <a:ext cx="7193658" cy="0"/>
+            <a:off x="3805224" y="6298882"/>
+            <a:ext cx="6043983" cy="0"/>
           </a:xfrm>
           <a:prstGeom prst="line">
             <a:avLst/>
           </a:prstGeom>
-          <a:ln w="9525">
+          <a:ln w="19050">
             <a:solidFill>
               <a:srgbClr val="FF0000"/>
             </a:solidFill>
@@ -28927,212 +31267,6 @@
           </a:fillRef>
           <a:effectRef idx="0">
             <a:schemeClr val="accent2"/>
-          </a:effectRef>
-          <a:fontRef idx="minor">
-            <a:schemeClr val="tx1"/>
-          </a:fontRef>
-        </p:style>
-      </p:cxnSp>
-      <p:sp>
-        <p:nvSpPr>
-          <p:cNvPr id="226" name="Ellipse 225">
-            <a:extLst>
-              <a:ext uri="{FF2B5EF4-FFF2-40B4-BE49-F238E27FC236}">
-                <a16:creationId xmlns:a16="http://schemas.microsoft.com/office/drawing/2014/main" id="{BDE85206-DEEC-44D4-8EB1-7612D482D7C2}"/>
-              </a:ext>
-            </a:extLst>
-          </p:cNvPr>
-          <p:cNvSpPr/>
-          <p:nvPr/>
-        </p:nvSpPr>
-        <p:spPr>
-          <a:xfrm>
-            <a:off x="4661958" y="6634618"/>
-            <a:ext cx="99557" cy="99557"/>
-          </a:xfrm>
-          <a:prstGeom prst="ellipse">
-            <a:avLst/>
-          </a:prstGeom>
-          <a:solidFill>
-            <a:srgbClr val="FF0000"/>
-          </a:solidFill>
-          <a:ln>
-            <a:solidFill>
-              <a:srgbClr val="FF0000"/>
-            </a:solidFill>
-          </a:ln>
-        </p:spPr>
-        <p:style>
-          <a:lnRef idx="2">
-            <a:schemeClr val="accent2">
-              <a:shade val="50000"/>
-            </a:schemeClr>
-          </a:lnRef>
-          <a:fillRef idx="1">
-            <a:schemeClr val="accent2"/>
-          </a:fillRef>
-          <a:effectRef idx="0">
-            <a:schemeClr val="accent2"/>
-          </a:effectRef>
-          <a:fontRef idx="minor">
-            <a:schemeClr val="lt1"/>
-          </a:fontRef>
-        </p:style>
-        <p:txBody>
-          <a:bodyPr rtlCol="0" anchor="ctr"/>
-          <a:lstStyle/>
-          <a:p>
-            <a:pPr algn="ctr"/>
-            <a:endParaRPr lang="nb-NO"/>
-          </a:p>
-        </p:txBody>
-      </p:sp>
-      <p:cxnSp>
-        <p:nvCxnSpPr>
-          <p:cNvPr id="180" name="Rett linje 179">
-            <a:extLst>
-              <a:ext uri="{FF2B5EF4-FFF2-40B4-BE49-F238E27FC236}">
-                <a16:creationId xmlns:a16="http://schemas.microsoft.com/office/drawing/2014/main" id="{6B9902EB-0CAC-4705-AA02-98C4000E43DD}"/>
-              </a:ext>
-            </a:extLst>
-          </p:cNvPr>
-          <p:cNvCxnSpPr>
-            <a:cxnSpLocks/>
-          </p:cNvCxnSpPr>
-          <p:nvPr/>
-        </p:nvCxnSpPr>
-        <p:spPr>
-          <a:xfrm flipV="1">
-            <a:off x="7781913" y="3053406"/>
-            <a:ext cx="0" cy="2089057"/>
-          </a:xfrm>
-          <a:prstGeom prst="line">
-            <a:avLst/>
-          </a:prstGeom>
-        </p:spPr>
-        <p:style>
-          <a:lnRef idx="1">
-            <a:schemeClr val="accent1"/>
-          </a:lnRef>
-          <a:fillRef idx="0">
-            <a:schemeClr val="accent1"/>
-          </a:fillRef>
-          <a:effectRef idx="0">
-            <a:schemeClr val="accent1"/>
-          </a:effectRef>
-          <a:fontRef idx="minor">
-            <a:schemeClr val="tx1"/>
-          </a:fontRef>
-        </p:style>
-      </p:cxnSp>
-      <p:cxnSp>
-        <p:nvCxnSpPr>
-          <p:cNvPr id="182" name="Rett linje 181">
-            <a:extLst>
-              <a:ext uri="{FF2B5EF4-FFF2-40B4-BE49-F238E27FC236}">
-                <a16:creationId xmlns:a16="http://schemas.microsoft.com/office/drawing/2014/main" id="{675CB585-DD65-4D96-A556-C1338289A1AD}"/>
-              </a:ext>
-            </a:extLst>
-          </p:cNvPr>
-          <p:cNvCxnSpPr>
-            <a:cxnSpLocks/>
-          </p:cNvCxnSpPr>
-          <p:nvPr/>
-        </p:nvCxnSpPr>
-        <p:spPr>
-          <a:xfrm>
-            <a:off x="7781913" y="3053406"/>
-            <a:ext cx="1853896" cy="0"/>
-          </a:xfrm>
-          <a:prstGeom prst="line">
-            <a:avLst/>
-          </a:prstGeom>
-        </p:spPr>
-        <p:style>
-          <a:lnRef idx="1">
-            <a:schemeClr val="accent1"/>
-          </a:lnRef>
-          <a:fillRef idx="0">
-            <a:schemeClr val="accent1"/>
-          </a:fillRef>
-          <a:effectRef idx="0">
-            <a:schemeClr val="accent1"/>
-          </a:effectRef>
-          <a:fontRef idx="minor">
-            <a:schemeClr val="tx1"/>
-          </a:fontRef>
-        </p:style>
-      </p:cxnSp>
-      <p:cxnSp>
-        <p:nvCxnSpPr>
-          <p:cNvPr id="274" name="Rett linje 273">
-            <a:extLst>
-              <a:ext uri="{FF2B5EF4-FFF2-40B4-BE49-F238E27FC236}">
-                <a16:creationId xmlns:a16="http://schemas.microsoft.com/office/drawing/2014/main" id="{F6AAE127-BE85-440A-B55F-CFA783E732C9}"/>
-              </a:ext>
-            </a:extLst>
-          </p:cNvPr>
-          <p:cNvCxnSpPr>
-            <a:cxnSpLocks/>
-          </p:cNvCxnSpPr>
-          <p:nvPr/>
-        </p:nvCxnSpPr>
-        <p:spPr>
-          <a:xfrm>
-            <a:off x="9629459" y="3053406"/>
-            <a:ext cx="0" cy="884836"/>
-          </a:xfrm>
-          <a:prstGeom prst="line">
-            <a:avLst/>
-          </a:prstGeom>
-        </p:spPr>
-        <p:style>
-          <a:lnRef idx="1">
-            <a:schemeClr val="accent1"/>
-          </a:lnRef>
-          <a:fillRef idx="0">
-            <a:schemeClr val="accent1"/>
-          </a:fillRef>
-          <a:effectRef idx="0">
-            <a:schemeClr val="accent1"/>
-          </a:effectRef>
-          <a:fontRef idx="minor">
-            <a:schemeClr val="tx1"/>
-          </a:fontRef>
-        </p:style>
-      </p:cxnSp>
-      <p:cxnSp>
-        <p:nvCxnSpPr>
-          <p:cNvPr id="276" name="Rett linje 275">
-            <a:extLst>
-              <a:ext uri="{FF2B5EF4-FFF2-40B4-BE49-F238E27FC236}">
-                <a16:creationId xmlns:a16="http://schemas.microsoft.com/office/drawing/2014/main" id="{D0C3855B-6962-4878-9096-D41A4CE82CFF}"/>
-              </a:ext>
-            </a:extLst>
-          </p:cNvPr>
-          <p:cNvCxnSpPr>
-            <a:cxnSpLocks/>
-          </p:cNvCxnSpPr>
-          <p:nvPr/>
-        </p:nvCxnSpPr>
-        <p:spPr>
-          <a:xfrm flipH="1">
-            <a:off x="9223468" y="3938242"/>
-            <a:ext cx="409423" cy="0"/>
-          </a:xfrm>
-          <a:prstGeom prst="line">
-            <a:avLst/>
-          </a:prstGeom>
-        </p:spPr>
-        <p:style>
-          <a:lnRef idx="1">
-            <a:schemeClr val="accent1"/>
-          </a:lnRef>
-          <a:fillRef idx="0">
-            <a:schemeClr val="accent1"/>
-          </a:fillRef>
-          <a:effectRef idx="0">
-            <a:schemeClr val="accent1"/>
           </a:effectRef>
           <a:fontRef idx="minor">
             <a:schemeClr val="tx1"/>
@@ -29155,8 +31289,8 @@
         </p:nvCxnSpPr>
         <p:spPr>
           <a:xfrm>
-            <a:off x="6478184" y="5001688"/>
-            <a:ext cx="1203817" cy="0"/>
+            <a:off x="5582834" y="5049313"/>
+            <a:ext cx="401254" cy="0"/>
           </a:xfrm>
           <a:prstGeom prst="line">
             <a:avLst/>
@@ -29193,160 +31327,8 @@
         </p:nvCxnSpPr>
         <p:spPr>
           <a:xfrm>
-            <a:off x="6472872" y="5139118"/>
-            <a:ext cx="1309041" cy="0"/>
-          </a:xfrm>
-          <a:prstGeom prst="line">
-            <a:avLst/>
-          </a:prstGeom>
-        </p:spPr>
-        <p:style>
-          <a:lnRef idx="1">
-            <a:schemeClr val="accent1"/>
-          </a:lnRef>
-          <a:fillRef idx="0">
-            <a:schemeClr val="accent1"/>
-          </a:fillRef>
-          <a:effectRef idx="0">
-            <a:schemeClr val="accent1"/>
-          </a:effectRef>
-          <a:fontRef idx="minor">
-            <a:schemeClr val="tx1"/>
-          </a:fontRef>
-        </p:style>
-      </p:cxnSp>
-      <p:cxnSp>
-        <p:nvCxnSpPr>
-          <p:cNvPr id="291" name="Rett linje 290">
-            <a:extLst>
-              <a:ext uri="{FF2B5EF4-FFF2-40B4-BE49-F238E27FC236}">
-                <a16:creationId xmlns:a16="http://schemas.microsoft.com/office/drawing/2014/main" id="{0F7756C0-3674-4BF3-ABA6-9531908ABFE3}"/>
-              </a:ext>
-            </a:extLst>
-          </p:cNvPr>
-          <p:cNvCxnSpPr>
-            <a:cxnSpLocks/>
-          </p:cNvCxnSpPr>
-          <p:nvPr/>
-        </p:nvCxnSpPr>
-        <p:spPr>
-          <a:xfrm flipV="1">
-            <a:off x="7682001" y="2943739"/>
-            <a:ext cx="0" cy="2057949"/>
-          </a:xfrm>
-          <a:prstGeom prst="line">
-            <a:avLst/>
-          </a:prstGeom>
-        </p:spPr>
-        <p:style>
-          <a:lnRef idx="1">
-            <a:schemeClr val="accent1"/>
-          </a:lnRef>
-          <a:fillRef idx="0">
-            <a:schemeClr val="accent1"/>
-          </a:fillRef>
-          <a:effectRef idx="0">
-            <a:schemeClr val="accent1"/>
-          </a:effectRef>
-          <a:fontRef idx="minor">
-            <a:schemeClr val="tx1"/>
-          </a:fontRef>
-        </p:style>
-      </p:cxnSp>
-      <p:cxnSp>
-        <p:nvCxnSpPr>
-          <p:cNvPr id="293" name="Rett linje 292">
-            <a:extLst>
-              <a:ext uri="{FF2B5EF4-FFF2-40B4-BE49-F238E27FC236}">
-                <a16:creationId xmlns:a16="http://schemas.microsoft.com/office/drawing/2014/main" id="{97CB4630-8303-45B4-AD7A-976C8DBD297F}"/>
-              </a:ext>
-            </a:extLst>
-          </p:cNvPr>
-          <p:cNvCxnSpPr>
-            <a:cxnSpLocks/>
-          </p:cNvCxnSpPr>
-          <p:nvPr/>
-        </p:nvCxnSpPr>
-        <p:spPr>
-          <a:xfrm>
-            <a:off x="7682001" y="2949248"/>
-            <a:ext cx="2073877" cy="0"/>
-          </a:xfrm>
-          <a:prstGeom prst="line">
-            <a:avLst/>
-          </a:prstGeom>
-        </p:spPr>
-        <p:style>
-          <a:lnRef idx="1">
-            <a:schemeClr val="accent1"/>
-          </a:lnRef>
-          <a:fillRef idx="0">
-            <a:schemeClr val="accent1"/>
-          </a:fillRef>
-          <a:effectRef idx="0">
-            <a:schemeClr val="accent1"/>
-          </a:effectRef>
-          <a:fontRef idx="minor">
-            <a:schemeClr val="tx1"/>
-          </a:fontRef>
-        </p:style>
-      </p:cxnSp>
-      <p:cxnSp>
-        <p:nvCxnSpPr>
-          <p:cNvPr id="298" name="Rett linje 297">
-            <a:extLst>
-              <a:ext uri="{FF2B5EF4-FFF2-40B4-BE49-F238E27FC236}">
-                <a16:creationId xmlns:a16="http://schemas.microsoft.com/office/drawing/2014/main" id="{02D4FD53-854E-4C2D-AD5B-5E1CDB6127CE}"/>
-              </a:ext>
-            </a:extLst>
-          </p:cNvPr>
-          <p:cNvCxnSpPr>
-            <a:cxnSpLocks/>
-          </p:cNvCxnSpPr>
-          <p:nvPr/>
-        </p:nvCxnSpPr>
-        <p:spPr>
-          <a:xfrm>
-            <a:off x="9759179" y="2943738"/>
-            <a:ext cx="0" cy="1211459"/>
-          </a:xfrm>
-          <a:prstGeom prst="line">
-            <a:avLst/>
-          </a:prstGeom>
-        </p:spPr>
-        <p:style>
-          <a:lnRef idx="1">
-            <a:schemeClr val="accent1"/>
-          </a:lnRef>
-          <a:fillRef idx="0">
-            <a:schemeClr val="accent1"/>
-          </a:fillRef>
-          <a:effectRef idx="0">
-            <a:schemeClr val="accent1"/>
-          </a:effectRef>
-          <a:fontRef idx="minor">
-            <a:schemeClr val="tx1"/>
-          </a:fontRef>
-        </p:style>
-      </p:cxnSp>
-      <p:cxnSp>
-        <p:nvCxnSpPr>
-          <p:cNvPr id="300" name="Rett linje 299">
-            <a:extLst>
-              <a:ext uri="{FF2B5EF4-FFF2-40B4-BE49-F238E27FC236}">
-                <a16:creationId xmlns:a16="http://schemas.microsoft.com/office/drawing/2014/main" id="{7BE45D9F-8540-43FD-8566-9E7A52656EB3}"/>
-              </a:ext>
-            </a:extLst>
-          </p:cNvPr>
-          <p:cNvCxnSpPr>
-            <a:cxnSpLocks/>
-          </p:cNvCxnSpPr>
-          <p:nvPr/>
-        </p:nvCxnSpPr>
-        <p:spPr>
-          <a:xfrm flipH="1">
-            <a:off x="9220037" y="4155197"/>
-            <a:ext cx="530072" cy="0"/>
+            <a:off x="5577522" y="5186743"/>
+            <a:ext cx="485708" cy="0"/>
           </a:xfrm>
           <a:prstGeom prst="line">
             <a:avLst/>
@@ -29383,7 +31365,7 @@
         </p:nvCxnSpPr>
         <p:spPr>
           <a:xfrm>
-            <a:off x="2590565" y="4902169"/>
+            <a:off x="1695215" y="4949794"/>
             <a:ext cx="0" cy="795848"/>
           </a:xfrm>
           <a:prstGeom prst="line">
@@ -29426,49 +31408,8 @@
         </p:nvCxnSpPr>
         <p:spPr>
           <a:xfrm>
-            <a:off x="2586960" y="6054733"/>
-            <a:ext cx="0" cy="487020"/>
-          </a:xfrm>
-          <a:prstGeom prst="line">
-            <a:avLst/>
-          </a:prstGeom>
-          <a:ln w="9525">
-            <a:solidFill>
-              <a:srgbClr val="FF0000"/>
-            </a:solidFill>
-          </a:ln>
-        </p:spPr>
-        <p:style>
-          <a:lnRef idx="1">
-            <a:schemeClr val="accent1"/>
-          </a:lnRef>
-          <a:fillRef idx="0">
-            <a:schemeClr val="accent1"/>
-          </a:fillRef>
-          <a:effectRef idx="0">
-            <a:schemeClr val="accent1"/>
-          </a:effectRef>
-          <a:fontRef idx="minor">
-            <a:schemeClr val="tx1"/>
-          </a:fontRef>
-        </p:style>
-      </p:cxnSp>
-      <p:cxnSp>
-        <p:nvCxnSpPr>
-          <p:cNvPr id="341" name="Rett linje 340">
-            <a:extLst>
-              <a:ext uri="{FF2B5EF4-FFF2-40B4-BE49-F238E27FC236}">
-                <a16:creationId xmlns:a16="http://schemas.microsoft.com/office/drawing/2014/main" id="{1478809B-414B-4EDF-8192-0E4139E9430D}"/>
-              </a:ext>
-            </a:extLst>
-          </p:cNvPr>
-          <p:cNvCxnSpPr/>
-          <p:nvPr/>
-        </p:nvCxnSpPr>
-        <p:spPr>
-          <a:xfrm>
-            <a:off x="2586960" y="6541753"/>
-            <a:ext cx="2124776" cy="0"/>
+            <a:off x="1699168" y="6111304"/>
+            <a:ext cx="0" cy="202576"/>
           </a:xfrm>
           <a:prstGeom prst="line">
             <a:avLst/>
@@ -29510,7 +31451,7 @@
         </p:nvCxnSpPr>
         <p:spPr>
           <a:xfrm>
-            <a:off x="2724935" y="4893616"/>
+            <a:off x="1829585" y="4941241"/>
             <a:ext cx="0" cy="662705"/>
           </a:xfrm>
           <a:prstGeom prst="line">
@@ -29553,7 +31494,7 @@
         </p:nvCxnSpPr>
         <p:spPr>
           <a:xfrm>
-            <a:off x="2720067" y="5556321"/>
+            <a:off x="1824717" y="5603946"/>
             <a:ext cx="1806761" cy="0"/>
           </a:xfrm>
           <a:prstGeom prst="line">
@@ -29594,7 +31535,7 @@
         </p:nvGrpSpPr>
         <p:grpSpPr>
           <a:xfrm rot="16200000">
-            <a:off x="2844395" y="1573496"/>
+            <a:off x="1949045" y="1621121"/>
             <a:ext cx="1165829" cy="1440180"/>
             <a:chOff x="2491740" y="3185160"/>
             <a:chExt cx="1165829" cy="1440180"/>
@@ -29945,7 +31886,7 @@
         </p:nvSpPr>
         <p:spPr>
           <a:xfrm>
-            <a:off x="3299821" y="2721149"/>
+            <a:off x="2404471" y="2768774"/>
             <a:ext cx="45719" cy="45719"/>
           </a:xfrm>
           <a:prstGeom prst="ellipse">
@@ -29991,7 +31932,7 @@
         </p:nvSpPr>
         <p:spPr>
           <a:xfrm>
-            <a:off x="3522934" y="2860143"/>
+            <a:off x="2627584" y="2907768"/>
             <a:ext cx="45719" cy="45719"/>
           </a:xfrm>
           <a:prstGeom prst="ellipse">
@@ -30037,7 +31978,7 @@
         </p:nvGrpSpPr>
         <p:grpSpPr>
           <a:xfrm>
-            <a:off x="4561599" y="1463283"/>
+            <a:off x="3666249" y="1510908"/>
             <a:ext cx="2389510" cy="1048870"/>
             <a:chOff x="2391335" y="1259541"/>
             <a:chExt cx="2389510" cy="1048870"/>
@@ -30595,7 +32536,7 @@
         </p:nvGrpSpPr>
         <p:grpSpPr>
           <a:xfrm>
-            <a:off x="10114364" y="2180429"/>
+            <a:off x="10334829" y="347007"/>
             <a:ext cx="1259059" cy="1194738"/>
             <a:chOff x="10000513" y="405463"/>
             <a:chExt cx="1259059" cy="1194738"/>
@@ -31021,271 +32962,6 @@
       </p:grpSp>
       <p:cxnSp>
         <p:nvCxnSpPr>
-          <p:cNvPr id="513" name="Rett linje 512">
-            <a:extLst>
-              <a:ext uri="{FF2B5EF4-FFF2-40B4-BE49-F238E27FC236}">
-                <a16:creationId xmlns:a16="http://schemas.microsoft.com/office/drawing/2014/main" id="{34731A54-6FF5-46DC-97F2-7E8B6391A678}"/>
-              </a:ext>
-            </a:extLst>
-          </p:cNvPr>
-          <p:cNvCxnSpPr>
-            <a:cxnSpLocks/>
-          </p:cNvCxnSpPr>
-          <p:nvPr/>
-        </p:nvCxnSpPr>
-        <p:spPr>
-          <a:xfrm flipH="1">
-            <a:off x="9827274" y="3531146"/>
-            <a:ext cx="867084" cy="0"/>
-          </a:xfrm>
-          <a:prstGeom prst="line">
-            <a:avLst/>
-          </a:prstGeom>
-        </p:spPr>
-        <p:style>
-          <a:lnRef idx="1">
-            <a:schemeClr val="accent1"/>
-          </a:lnRef>
-          <a:fillRef idx="0">
-            <a:schemeClr val="accent1"/>
-          </a:fillRef>
-          <a:effectRef idx="0">
-            <a:schemeClr val="accent1"/>
-          </a:effectRef>
-          <a:fontRef idx="minor">
-            <a:schemeClr val="tx1"/>
-          </a:fontRef>
-        </p:style>
-      </p:cxnSp>
-      <p:cxnSp>
-        <p:nvCxnSpPr>
-          <p:cNvPr id="517" name="Rett linje 516">
-            <a:extLst>
-              <a:ext uri="{FF2B5EF4-FFF2-40B4-BE49-F238E27FC236}">
-                <a16:creationId xmlns:a16="http://schemas.microsoft.com/office/drawing/2014/main" id="{BFE44A20-4A38-4F9E-920B-5D84A809B3E5}"/>
-              </a:ext>
-            </a:extLst>
-          </p:cNvPr>
-          <p:cNvCxnSpPr>
-            <a:cxnSpLocks/>
-          </p:cNvCxnSpPr>
-          <p:nvPr/>
-        </p:nvCxnSpPr>
-        <p:spPr>
-          <a:xfrm flipH="1">
-            <a:off x="9247401" y="3533934"/>
-            <a:ext cx="302529" cy="0"/>
-          </a:xfrm>
-          <a:prstGeom prst="line">
-            <a:avLst/>
-          </a:prstGeom>
-        </p:spPr>
-        <p:style>
-          <a:lnRef idx="1">
-            <a:schemeClr val="accent1"/>
-          </a:lnRef>
-          <a:fillRef idx="0">
-            <a:schemeClr val="accent1"/>
-          </a:fillRef>
-          <a:effectRef idx="0">
-            <a:schemeClr val="accent1"/>
-          </a:effectRef>
-          <a:fontRef idx="minor">
-            <a:schemeClr val="tx1"/>
-          </a:fontRef>
-        </p:style>
-      </p:cxnSp>
-      <p:cxnSp>
-        <p:nvCxnSpPr>
-          <p:cNvPr id="523" name="Rett linje 522">
-            <a:extLst>
-              <a:ext uri="{FF2B5EF4-FFF2-40B4-BE49-F238E27FC236}">
-                <a16:creationId xmlns:a16="http://schemas.microsoft.com/office/drawing/2014/main" id="{DBFE73A4-8493-4445-A8B4-A3D014C1E130}"/>
-              </a:ext>
-            </a:extLst>
-          </p:cNvPr>
-          <p:cNvCxnSpPr>
-            <a:cxnSpLocks/>
-          </p:cNvCxnSpPr>
-          <p:nvPr/>
-        </p:nvCxnSpPr>
-        <p:spPr>
-          <a:xfrm flipV="1">
-            <a:off x="10687188" y="3251538"/>
-            <a:ext cx="0" cy="274302"/>
-          </a:xfrm>
-          <a:prstGeom prst="line">
-            <a:avLst/>
-          </a:prstGeom>
-        </p:spPr>
-        <p:style>
-          <a:lnRef idx="1">
-            <a:schemeClr val="accent1"/>
-          </a:lnRef>
-          <a:fillRef idx="0">
-            <a:schemeClr val="accent1"/>
-          </a:fillRef>
-          <a:effectRef idx="0">
-            <a:schemeClr val="accent1"/>
-          </a:effectRef>
-          <a:fontRef idx="minor">
-            <a:schemeClr val="tx1"/>
-          </a:fontRef>
-        </p:style>
-      </p:cxnSp>
-      <p:cxnSp>
-        <p:nvCxnSpPr>
-          <p:cNvPr id="524" name="Rett linje 523">
-            <a:extLst>
-              <a:ext uri="{FF2B5EF4-FFF2-40B4-BE49-F238E27FC236}">
-                <a16:creationId xmlns:a16="http://schemas.microsoft.com/office/drawing/2014/main" id="{54D289F9-D321-48EF-9D8C-8D7F282823A5}"/>
-              </a:ext>
-            </a:extLst>
-          </p:cNvPr>
-          <p:cNvCxnSpPr>
-            <a:cxnSpLocks/>
-          </p:cNvCxnSpPr>
-          <p:nvPr/>
-        </p:nvCxnSpPr>
-        <p:spPr>
-          <a:xfrm flipH="1">
-            <a:off x="9247401" y="3723830"/>
-            <a:ext cx="302529" cy="0"/>
-          </a:xfrm>
-          <a:prstGeom prst="line">
-            <a:avLst/>
-          </a:prstGeom>
-        </p:spPr>
-        <p:style>
-          <a:lnRef idx="1">
-            <a:schemeClr val="accent1"/>
-          </a:lnRef>
-          <a:fillRef idx="0">
-            <a:schemeClr val="accent1"/>
-          </a:fillRef>
-          <a:effectRef idx="0">
-            <a:schemeClr val="accent1"/>
-          </a:effectRef>
-          <a:fontRef idx="minor">
-            <a:schemeClr val="tx1"/>
-          </a:fontRef>
-        </p:style>
-      </p:cxnSp>
-      <p:cxnSp>
-        <p:nvCxnSpPr>
-          <p:cNvPr id="531" name="Rett linje 530">
-            <a:extLst>
-              <a:ext uri="{FF2B5EF4-FFF2-40B4-BE49-F238E27FC236}">
-                <a16:creationId xmlns:a16="http://schemas.microsoft.com/office/drawing/2014/main" id="{1D39F1AB-C8E5-4544-B747-ABE2C6D1A224}"/>
-              </a:ext>
-            </a:extLst>
-          </p:cNvPr>
-          <p:cNvCxnSpPr>
-            <a:cxnSpLocks/>
-          </p:cNvCxnSpPr>
-          <p:nvPr/>
-        </p:nvCxnSpPr>
-        <p:spPr>
-          <a:xfrm flipH="1">
-            <a:off x="9831047" y="3717070"/>
-            <a:ext cx="695845" cy="0"/>
-          </a:xfrm>
-          <a:prstGeom prst="line">
-            <a:avLst/>
-          </a:prstGeom>
-        </p:spPr>
-        <p:style>
-          <a:lnRef idx="1">
-            <a:schemeClr val="accent1"/>
-          </a:lnRef>
-          <a:fillRef idx="0">
-            <a:schemeClr val="accent1"/>
-          </a:fillRef>
-          <a:effectRef idx="0">
-            <a:schemeClr val="accent1"/>
-          </a:effectRef>
-          <a:fontRef idx="minor">
-            <a:schemeClr val="tx1"/>
-          </a:fontRef>
-        </p:style>
-      </p:cxnSp>
-      <p:cxnSp>
-        <p:nvCxnSpPr>
-          <p:cNvPr id="537" name="Rett linje 536">
-            <a:extLst>
-              <a:ext uri="{FF2B5EF4-FFF2-40B4-BE49-F238E27FC236}">
-                <a16:creationId xmlns:a16="http://schemas.microsoft.com/office/drawing/2014/main" id="{B8B8FF42-FB33-45B4-8BE2-BFB37B11A92F}"/>
-              </a:ext>
-            </a:extLst>
-          </p:cNvPr>
-          <p:cNvCxnSpPr/>
-          <p:nvPr/>
-        </p:nvCxnSpPr>
-        <p:spPr>
-          <a:xfrm flipV="1">
-            <a:off x="10513401" y="3599003"/>
-            <a:ext cx="0" cy="119678"/>
-          </a:xfrm>
-          <a:prstGeom prst="line">
-            <a:avLst/>
-          </a:prstGeom>
-        </p:spPr>
-        <p:style>
-          <a:lnRef idx="1">
-            <a:schemeClr val="accent1"/>
-          </a:lnRef>
-          <a:fillRef idx="0">
-            <a:schemeClr val="accent1"/>
-          </a:fillRef>
-          <a:effectRef idx="0">
-            <a:schemeClr val="accent1"/>
-          </a:effectRef>
-          <a:fontRef idx="minor">
-            <a:schemeClr val="tx1"/>
-          </a:fontRef>
-        </p:style>
-      </p:cxnSp>
-      <p:cxnSp>
-        <p:nvCxnSpPr>
-          <p:cNvPr id="539" name="Rett linje 538">
-            <a:extLst>
-              <a:ext uri="{FF2B5EF4-FFF2-40B4-BE49-F238E27FC236}">
-                <a16:creationId xmlns:a16="http://schemas.microsoft.com/office/drawing/2014/main" id="{7DADAF2B-0C78-482C-9418-A45C77A70050}"/>
-              </a:ext>
-            </a:extLst>
-          </p:cNvPr>
-          <p:cNvCxnSpPr>
-            <a:cxnSpLocks/>
-            <a:stCxn id="534" idx="0"/>
-          </p:cNvCxnSpPr>
-          <p:nvPr/>
-        </p:nvCxnSpPr>
-        <p:spPr>
-          <a:xfrm flipH="1" flipV="1">
-            <a:off x="10510041" y="3241409"/>
-            <a:ext cx="1484" cy="167778"/>
-          </a:xfrm>
-          <a:prstGeom prst="line">
-            <a:avLst/>
-          </a:prstGeom>
-        </p:spPr>
-        <p:style>
-          <a:lnRef idx="1">
-            <a:schemeClr val="accent1"/>
-          </a:lnRef>
-          <a:fillRef idx="0">
-            <a:schemeClr val="accent1"/>
-          </a:fillRef>
-          <a:effectRef idx="0">
-            <a:schemeClr val="accent1"/>
-          </a:effectRef>
-          <a:fontRef idx="minor">
-            <a:schemeClr val="tx1"/>
-          </a:fontRef>
-        </p:style>
-      </p:cxnSp>
-      <p:cxnSp>
-        <p:nvCxnSpPr>
           <p:cNvPr id="542" name="Rett linje 541">
             <a:extLst>
               <a:ext uri="{FF2B5EF4-FFF2-40B4-BE49-F238E27FC236}">
@@ -31300,51 +32976,8 @@
         </p:nvCxnSpPr>
         <p:spPr>
           <a:xfrm>
-            <a:off x="10843415" y="3238468"/>
-            <a:ext cx="0" cy="1126605"/>
-          </a:xfrm>
-          <a:prstGeom prst="line">
-            <a:avLst/>
-          </a:prstGeom>
-          <a:ln w="9525">
-            <a:solidFill>
-              <a:srgbClr val="FF0000"/>
-            </a:solidFill>
-          </a:ln>
-        </p:spPr>
-        <p:style>
-          <a:lnRef idx="1">
-            <a:schemeClr val="accent1"/>
-          </a:lnRef>
-          <a:fillRef idx="0">
-            <a:schemeClr val="accent1"/>
-          </a:fillRef>
-          <a:effectRef idx="0">
-            <a:schemeClr val="accent1"/>
-          </a:effectRef>
-          <a:fontRef idx="minor">
-            <a:schemeClr val="tx1"/>
-          </a:fontRef>
-        </p:style>
-      </p:cxnSp>
-      <p:cxnSp>
-        <p:nvCxnSpPr>
-          <p:cNvPr id="545" name="Rett linje 544">
-            <a:extLst>
-              <a:ext uri="{FF2B5EF4-FFF2-40B4-BE49-F238E27FC236}">
-                <a16:creationId xmlns:a16="http://schemas.microsoft.com/office/drawing/2014/main" id="{3BABEAAE-6960-4397-A6E2-B2ECA8480318}"/>
-              </a:ext>
-            </a:extLst>
-          </p:cNvPr>
-          <p:cNvCxnSpPr>
-            <a:cxnSpLocks/>
-          </p:cNvCxnSpPr>
-          <p:nvPr/>
-        </p:nvCxnSpPr>
-        <p:spPr>
-          <a:xfrm flipH="1">
-            <a:off x="9232820" y="4365073"/>
-            <a:ext cx="1614043" cy="0"/>
+            <a:off x="11063880" y="1419486"/>
+            <a:ext cx="0" cy="499802"/>
           </a:xfrm>
           <a:prstGeom prst="line">
             <a:avLst/>
@@ -31386,51 +33019,8 @@
         </p:nvCxnSpPr>
         <p:spPr>
           <a:xfrm>
-            <a:off x="11009245" y="3241464"/>
-            <a:ext cx="0" cy="1309366"/>
-          </a:xfrm>
-          <a:prstGeom prst="line">
-            <a:avLst/>
-          </a:prstGeom>
-          <a:ln w="9525">
-            <a:solidFill>
-              <a:schemeClr val="tx1"/>
-            </a:solidFill>
-          </a:ln>
-        </p:spPr>
-        <p:style>
-          <a:lnRef idx="1">
-            <a:schemeClr val="accent1"/>
-          </a:lnRef>
-          <a:fillRef idx="0">
-            <a:schemeClr val="accent1"/>
-          </a:fillRef>
-          <a:effectRef idx="0">
-            <a:schemeClr val="accent1"/>
-          </a:effectRef>
-          <a:fontRef idx="minor">
-            <a:schemeClr val="tx1"/>
-          </a:fontRef>
-        </p:style>
-      </p:cxnSp>
-      <p:cxnSp>
-        <p:nvCxnSpPr>
-          <p:cNvPr id="549" name="Rett linje 548">
-            <a:extLst>
-              <a:ext uri="{FF2B5EF4-FFF2-40B4-BE49-F238E27FC236}">
-                <a16:creationId xmlns:a16="http://schemas.microsoft.com/office/drawing/2014/main" id="{D5F7D518-58BC-4E4A-B1D5-823F09D27C10}"/>
-              </a:ext>
-            </a:extLst>
-          </p:cNvPr>
-          <p:cNvCxnSpPr>
-            <a:cxnSpLocks/>
-          </p:cNvCxnSpPr>
-          <p:nvPr/>
-        </p:nvCxnSpPr>
-        <p:spPr>
-          <a:xfrm flipH="1">
-            <a:off x="9220037" y="4550830"/>
-            <a:ext cx="1788654" cy="0"/>
+            <a:off x="11246530" y="1396910"/>
+            <a:ext cx="0" cy="463867"/>
           </a:xfrm>
           <a:prstGeom prst="line">
             <a:avLst/>
@@ -31472,7 +33062,7 @@
         </p:nvCxnSpPr>
         <p:spPr>
           <a:xfrm>
-            <a:off x="4413388" y="3958797"/>
+            <a:off x="3518038" y="4006422"/>
             <a:ext cx="511681" cy="0"/>
           </a:xfrm>
           <a:prstGeom prst="line">
@@ -31515,7 +33105,7 @@
         </p:nvCxnSpPr>
         <p:spPr>
           <a:xfrm>
-            <a:off x="5850845" y="2380869"/>
+            <a:off x="4955495" y="2428494"/>
             <a:ext cx="0" cy="623373"/>
           </a:xfrm>
           <a:prstGeom prst="line">
@@ -31556,7 +33146,7 @@
         </p:nvCxnSpPr>
         <p:spPr>
           <a:xfrm flipV="1">
-            <a:off x="4413388" y="3004242"/>
+            <a:off x="3518038" y="3051867"/>
             <a:ext cx="0" cy="960894"/>
           </a:xfrm>
           <a:prstGeom prst="line">
@@ -31597,7 +33187,7 @@
         </p:nvCxnSpPr>
         <p:spPr>
           <a:xfrm>
-            <a:off x="4413388" y="3004242"/>
+            <a:off x="3518038" y="3051867"/>
             <a:ext cx="1445101" cy="0"/>
           </a:xfrm>
           <a:prstGeom prst="line">
@@ -31640,7 +33230,7 @@
         </p:nvCxnSpPr>
         <p:spPr>
           <a:xfrm flipV="1">
-            <a:off x="5408320" y="2380151"/>
+            <a:off x="4512970" y="2427776"/>
             <a:ext cx="0" cy="533328"/>
           </a:xfrm>
           <a:prstGeom prst="line">
@@ -31683,7 +33273,7 @@
         </p:nvCxnSpPr>
         <p:spPr>
           <a:xfrm flipH="1">
-            <a:off x="4669227" y="2916654"/>
+            <a:off x="3773877" y="2964279"/>
             <a:ext cx="750795" cy="0"/>
           </a:xfrm>
           <a:prstGeom prst="line">
@@ -31726,7 +33316,7 @@
         </p:nvCxnSpPr>
         <p:spPr>
           <a:xfrm flipV="1">
-            <a:off x="4661154" y="3072353"/>
+            <a:off x="3765804" y="3119978"/>
             <a:ext cx="0" cy="754538"/>
           </a:xfrm>
           <a:prstGeom prst="line">
@@ -31769,7 +33359,7 @@
         </p:nvCxnSpPr>
         <p:spPr>
           <a:xfrm>
-            <a:off x="4657758" y="3822384"/>
+            <a:off x="3762408" y="3870009"/>
             <a:ext cx="265526" cy="0"/>
           </a:xfrm>
           <a:prstGeom prst="line">
@@ -31812,7 +33402,7 @@
         </p:nvCxnSpPr>
         <p:spPr>
           <a:xfrm>
-            <a:off x="6495299" y="3743994"/>
+            <a:off x="5599949" y="3791619"/>
             <a:ext cx="299340" cy="0"/>
           </a:xfrm>
           <a:prstGeom prst="line">
@@ -31850,7 +33440,7 @@
         </p:nvCxnSpPr>
         <p:spPr>
           <a:xfrm>
-            <a:off x="6476081" y="3607208"/>
+            <a:off x="5580731" y="3654833"/>
             <a:ext cx="243280" cy="0"/>
           </a:xfrm>
           <a:prstGeom prst="line">
@@ -31888,7 +33478,7 @@
         </p:nvCxnSpPr>
         <p:spPr>
           <a:xfrm flipV="1">
-            <a:off x="6719361" y="2780300"/>
+            <a:off x="5824011" y="2827925"/>
             <a:ext cx="0" cy="826908"/>
           </a:xfrm>
           <a:prstGeom prst="line">
@@ -31926,7 +33516,7 @@
         </p:nvCxnSpPr>
         <p:spPr>
           <a:xfrm flipV="1">
-            <a:off x="6794639" y="2687933"/>
+            <a:off x="5899289" y="2735558"/>
             <a:ext cx="0" cy="1051439"/>
           </a:xfrm>
           <a:prstGeom prst="line">
@@ -31964,7 +33554,7 @@
         </p:nvCxnSpPr>
         <p:spPr>
           <a:xfrm>
-            <a:off x="5925752" y="2782681"/>
+            <a:off x="5030402" y="2830306"/>
             <a:ext cx="793609" cy="0"/>
           </a:xfrm>
           <a:prstGeom prst="line">
@@ -32002,7 +33592,7 @@
         </p:nvCxnSpPr>
         <p:spPr>
           <a:xfrm flipH="1">
-            <a:off x="5547553" y="2792754"/>
+            <a:off x="4652203" y="2840379"/>
             <a:ext cx="214165" cy="0"/>
           </a:xfrm>
           <a:prstGeom prst="line">
@@ -32040,7 +33630,7 @@
         </p:nvCxnSpPr>
         <p:spPr>
           <a:xfrm>
-            <a:off x="5554448" y="2365736"/>
+            <a:off x="4659098" y="2413361"/>
             <a:ext cx="0" cy="427018"/>
           </a:xfrm>
           <a:prstGeom prst="line">
@@ -32078,7 +33668,7 @@
         </p:nvCxnSpPr>
         <p:spPr>
           <a:xfrm>
-            <a:off x="5702746" y="2380151"/>
+            <a:off x="4807396" y="2427776"/>
             <a:ext cx="0" cy="312404"/>
           </a:xfrm>
           <a:prstGeom prst="line">
@@ -32116,7 +33706,7 @@
         </p:nvCxnSpPr>
         <p:spPr>
           <a:xfrm flipH="1">
-            <a:off x="5697106" y="2692555"/>
+            <a:off x="4801756" y="2740180"/>
             <a:ext cx="71146" cy="0"/>
           </a:xfrm>
           <a:prstGeom prst="line">
@@ -32154,7 +33744,7 @@
         </p:nvCxnSpPr>
         <p:spPr>
           <a:xfrm>
-            <a:off x="5922901" y="2692668"/>
+            <a:off x="5027551" y="2740293"/>
             <a:ext cx="871738" cy="0"/>
           </a:xfrm>
           <a:prstGeom prst="line">
@@ -32192,8 +33782,8 @@
         </p:nvCxnSpPr>
         <p:spPr>
           <a:xfrm>
-            <a:off x="6485310" y="4862116"/>
-            <a:ext cx="733192" cy="0"/>
+            <a:off x="5589960" y="4909741"/>
+            <a:ext cx="906334" cy="0"/>
           </a:xfrm>
           <a:prstGeom prst="line">
             <a:avLst/>
@@ -32230,8 +33820,8 @@
         </p:nvCxnSpPr>
         <p:spPr>
           <a:xfrm>
-            <a:off x="6505078" y="4715162"/>
-            <a:ext cx="651511" cy="0"/>
+            <a:off x="5609728" y="4762787"/>
+            <a:ext cx="794486" cy="0"/>
           </a:xfrm>
           <a:prstGeom prst="line">
             <a:avLst/>
@@ -32268,8 +33858,8 @@
         </p:nvCxnSpPr>
         <p:spPr>
           <a:xfrm>
-            <a:off x="6485310" y="4581883"/>
-            <a:ext cx="609264" cy="0"/>
+            <a:off x="5589960" y="4629508"/>
+            <a:ext cx="730376" cy="0"/>
           </a:xfrm>
           <a:prstGeom prst="line">
             <a:avLst/>
@@ -32306,160 +33896,8 @@
         </p:nvCxnSpPr>
         <p:spPr>
           <a:xfrm>
-            <a:off x="7088832" y="2058951"/>
-            <a:ext cx="2027550" cy="0"/>
-          </a:xfrm>
-          <a:prstGeom prst="line">
-            <a:avLst/>
-          </a:prstGeom>
-        </p:spPr>
-        <p:style>
-          <a:lnRef idx="1">
-            <a:schemeClr val="accent1"/>
-          </a:lnRef>
-          <a:fillRef idx="0">
-            <a:schemeClr val="accent1"/>
-          </a:fillRef>
-          <a:effectRef idx="0">
-            <a:schemeClr val="accent1"/>
-          </a:effectRef>
-          <a:fontRef idx="minor">
-            <a:schemeClr val="tx1"/>
-          </a:fontRef>
-        </p:style>
-      </p:cxnSp>
-      <p:cxnSp>
-        <p:nvCxnSpPr>
-          <p:cNvPr id="720" name="Rett linje 719">
-            <a:extLst>
-              <a:ext uri="{FF2B5EF4-FFF2-40B4-BE49-F238E27FC236}">
-                <a16:creationId xmlns:a16="http://schemas.microsoft.com/office/drawing/2014/main" id="{A93505AC-2B3F-43FE-8D69-86894D890372}"/>
-              </a:ext>
-            </a:extLst>
-          </p:cNvPr>
-          <p:cNvCxnSpPr>
-            <a:cxnSpLocks/>
-          </p:cNvCxnSpPr>
-          <p:nvPr/>
-        </p:nvCxnSpPr>
-        <p:spPr>
-          <a:xfrm>
-            <a:off x="7094574" y="2056572"/>
-            <a:ext cx="0" cy="2527597"/>
-          </a:xfrm>
-          <a:prstGeom prst="line">
-            <a:avLst/>
-          </a:prstGeom>
-        </p:spPr>
-        <p:style>
-          <a:lnRef idx="1">
-            <a:schemeClr val="accent1"/>
-          </a:lnRef>
-          <a:fillRef idx="0">
-            <a:schemeClr val="accent1"/>
-          </a:fillRef>
-          <a:effectRef idx="0">
-            <a:schemeClr val="accent1"/>
-          </a:effectRef>
-          <a:fontRef idx="minor">
-            <a:schemeClr val="tx1"/>
-          </a:fontRef>
-        </p:style>
-      </p:cxnSp>
-      <p:cxnSp>
-        <p:nvCxnSpPr>
-          <p:cNvPr id="721" name="Rett linje 720">
-            <a:extLst>
-              <a:ext uri="{FF2B5EF4-FFF2-40B4-BE49-F238E27FC236}">
-                <a16:creationId xmlns:a16="http://schemas.microsoft.com/office/drawing/2014/main" id="{3ABA9F76-9912-4B7B-B540-15904049AAF4}"/>
-              </a:ext>
-            </a:extLst>
-          </p:cNvPr>
-          <p:cNvCxnSpPr>
-            <a:cxnSpLocks/>
-          </p:cNvCxnSpPr>
-          <p:nvPr/>
-        </p:nvCxnSpPr>
-        <p:spPr>
-          <a:xfrm>
-            <a:off x="7156589" y="2180429"/>
-            <a:ext cx="0" cy="2536049"/>
-          </a:xfrm>
-          <a:prstGeom prst="line">
-            <a:avLst/>
-          </a:prstGeom>
-        </p:spPr>
-        <p:style>
-          <a:lnRef idx="1">
-            <a:schemeClr val="accent1"/>
-          </a:lnRef>
-          <a:fillRef idx="0">
-            <a:schemeClr val="accent1"/>
-          </a:fillRef>
-          <a:effectRef idx="0">
-            <a:schemeClr val="accent1"/>
-          </a:effectRef>
-          <a:fontRef idx="minor">
-            <a:schemeClr val="tx1"/>
-          </a:fontRef>
-        </p:style>
-      </p:cxnSp>
-      <p:cxnSp>
-        <p:nvCxnSpPr>
-          <p:cNvPr id="723" name="Rett linje 722">
-            <a:extLst>
-              <a:ext uri="{FF2B5EF4-FFF2-40B4-BE49-F238E27FC236}">
-                <a16:creationId xmlns:a16="http://schemas.microsoft.com/office/drawing/2014/main" id="{671733A5-C2F5-4ECC-BBCD-949FB68D9DA7}"/>
-              </a:ext>
-            </a:extLst>
-          </p:cNvPr>
-          <p:cNvCxnSpPr>
-            <a:cxnSpLocks/>
-          </p:cNvCxnSpPr>
-          <p:nvPr/>
-        </p:nvCxnSpPr>
-        <p:spPr>
-          <a:xfrm>
-            <a:off x="7156589" y="2180429"/>
-            <a:ext cx="2166240" cy="0"/>
-          </a:xfrm>
-          <a:prstGeom prst="line">
-            <a:avLst/>
-          </a:prstGeom>
-        </p:spPr>
-        <p:style>
-          <a:lnRef idx="1">
-            <a:schemeClr val="accent1"/>
-          </a:lnRef>
-          <a:fillRef idx="0">
-            <a:schemeClr val="accent1"/>
-          </a:fillRef>
-          <a:effectRef idx="0">
-            <a:schemeClr val="accent1"/>
-          </a:effectRef>
-          <a:fontRef idx="minor">
-            <a:schemeClr val="tx1"/>
-          </a:fontRef>
-        </p:style>
-      </p:cxnSp>
-      <p:cxnSp>
-        <p:nvCxnSpPr>
-          <p:cNvPr id="725" name="Rett linje 724">
-            <a:extLst>
-              <a:ext uri="{FF2B5EF4-FFF2-40B4-BE49-F238E27FC236}">
-                <a16:creationId xmlns:a16="http://schemas.microsoft.com/office/drawing/2014/main" id="{5BFFEDDA-AFE7-4659-B86A-09FAA2CD35B4}"/>
-              </a:ext>
-            </a:extLst>
-          </p:cNvPr>
-          <p:cNvCxnSpPr>
-            <a:cxnSpLocks/>
-          </p:cNvCxnSpPr>
-          <p:nvPr/>
-        </p:nvCxnSpPr>
-        <p:spPr>
-          <a:xfrm>
-            <a:off x="7223265" y="2334601"/>
-            <a:ext cx="0" cy="2527515"/>
+            <a:off x="10899806" y="1418116"/>
+            <a:ext cx="0" cy="794065"/>
           </a:xfrm>
           <a:prstGeom prst="line">
             <a:avLst/>
@@ -32493,8 +33931,8 @@
           <p:nvPr/>
         </p:nvGrpSpPr>
         <p:grpSpPr>
-          <a:xfrm>
-            <a:off x="7682001" y="-519642"/>
+          <a:xfrm rot="5400000" flipH="1">
+            <a:off x="6158481" y="2822319"/>
             <a:ext cx="3305863" cy="2464219"/>
             <a:chOff x="6144956" y="4113751"/>
             <a:chExt cx="3305863" cy="2464219"/>
@@ -32562,10 +34000,10 @@
           </p:nvGrpSpPr>
           <p:grpSpPr>
             <a:xfrm rot="5400000" flipH="1" flipV="1">
-              <a:off x="7570294" y="4851479"/>
-              <a:ext cx="717245" cy="2543853"/>
-              <a:chOff x="8078760" y="4106451"/>
-              <a:chExt cx="717245" cy="2543853"/>
+              <a:off x="7510903" y="4850155"/>
+              <a:ext cx="719895" cy="2543853"/>
+              <a:chOff x="8078760" y="4048384"/>
+              <a:chExt cx="719895" cy="2543853"/>
             </a:xfrm>
           </p:grpSpPr>
           <p:grpSp>
@@ -32787,9 +34225,9 @@
             </p:nvGrpSpPr>
             <p:grpSpPr>
               <a:xfrm>
-                <a:off x="8119679" y="4106451"/>
+                <a:off x="8122329" y="4048384"/>
                 <a:ext cx="676326" cy="2543853"/>
-                <a:chOff x="8119679" y="4106450"/>
+                <a:chOff x="8122329" y="4056531"/>
                 <a:chExt cx="676326" cy="2186894"/>
               </a:xfrm>
             </p:grpSpPr>
@@ -32806,8 +34244,8 @@
                 <p:nvPr/>
               </p:nvSpPr>
               <p:spPr>
-                <a:xfrm>
-                  <a:off x="8167864" y="6047123"/>
+                <a:xfrm rot="10800000">
+                  <a:off x="8170514" y="5997204"/>
                   <a:ext cx="426720" cy="246221"/>
                 </a:xfrm>
                 <a:prstGeom prst="rect">
@@ -32841,8 +34279,8 @@
                 <p:nvPr/>
               </p:nvSpPr>
               <p:spPr>
-                <a:xfrm>
-                  <a:off x="8170620" y="5831071"/>
+                <a:xfrm rot="10800000">
+                  <a:off x="8173270" y="5781152"/>
                   <a:ext cx="445956" cy="246221"/>
                 </a:xfrm>
                 <a:prstGeom prst="rect">
@@ -32876,8 +34314,8 @@
                 <p:nvPr/>
               </p:nvSpPr>
               <p:spPr>
-                <a:xfrm>
-                  <a:off x="8162854" y="5675966"/>
+                <a:xfrm rot="10800000">
+                  <a:off x="8165504" y="5626047"/>
                   <a:ext cx="445956" cy="246221"/>
                 </a:xfrm>
                 <a:prstGeom prst="rect">
@@ -32911,8 +34349,8 @@
                 <p:nvPr/>
               </p:nvSpPr>
               <p:spPr>
-                <a:xfrm>
-                  <a:off x="8146128" y="5498356"/>
+                <a:xfrm rot="10800000">
+                  <a:off x="8148778" y="5448437"/>
                   <a:ext cx="332142" cy="246221"/>
                 </a:xfrm>
                 <a:prstGeom prst="rect">
@@ -32946,8 +34384,8 @@
                 <p:nvPr/>
               </p:nvSpPr>
               <p:spPr>
-                <a:xfrm>
-                  <a:off x="8152301" y="5334262"/>
+                <a:xfrm rot="10800000">
+                  <a:off x="8154951" y="5284343"/>
                   <a:ext cx="346570" cy="246221"/>
                 </a:xfrm>
                 <a:prstGeom prst="rect">
@@ -32981,8 +34419,8 @@
                 <p:nvPr/>
               </p:nvSpPr>
               <p:spPr>
-                <a:xfrm>
-                  <a:off x="8140240" y="5160138"/>
+                <a:xfrm rot="10800000">
+                  <a:off x="8142890" y="5110219"/>
                   <a:ext cx="460382" cy="246221"/>
                 </a:xfrm>
                 <a:prstGeom prst="rect">
@@ -33016,8 +34454,8 @@
                 <p:nvPr/>
               </p:nvSpPr>
               <p:spPr>
-                <a:xfrm>
-                  <a:off x="8132294" y="4988804"/>
+                <a:xfrm rot="10800000">
+                  <a:off x="8134944" y="4938885"/>
                   <a:ext cx="434734" cy="246221"/>
                 </a:xfrm>
                 <a:prstGeom prst="rect">
@@ -33051,8 +34489,8 @@
                 <p:nvPr/>
               </p:nvSpPr>
               <p:spPr>
-                <a:xfrm>
-                  <a:off x="8133673" y="4804138"/>
+                <a:xfrm rot="10800000">
+                  <a:off x="8136323" y="4754219"/>
                   <a:ext cx="441146" cy="246221"/>
                 </a:xfrm>
                 <a:prstGeom prst="rect">
@@ -33086,8 +34524,8 @@
                 <p:nvPr/>
               </p:nvSpPr>
               <p:spPr>
-                <a:xfrm>
-                  <a:off x="8127232" y="4632804"/>
+                <a:xfrm rot="10800000">
+                  <a:off x="8129882" y="4582885"/>
                   <a:ext cx="668773" cy="246221"/>
                 </a:xfrm>
                 <a:prstGeom prst="rect">
@@ -33121,8 +34559,8 @@
                 <p:nvPr/>
               </p:nvSpPr>
               <p:spPr>
-                <a:xfrm>
-                  <a:off x="8124314" y="4455378"/>
+                <a:xfrm rot="10800000">
+                  <a:off x="8126964" y="4405459"/>
                   <a:ext cx="341760" cy="246221"/>
                 </a:xfrm>
                 <a:prstGeom prst="rect">
@@ -33156,8 +34594,8 @@
                 <p:nvPr/>
               </p:nvSpPr>
               <p:spPr>
-                <a:xfrm>
-                  <a:off x="8119679" y="4277784"/>
+                <a:xfrm rot="10800000">
+                  <a:off x="8122329" y="4227865"/>
                   <a:ext cx="458780" cy="246221"/>
                 </a:xfrm>
                 <a:prstGeom prst="rect">
@@ -33191,8 +34629,8 @@
                 <p:nvPr/>
               </p:nvSpPr>
               <p:spPr>
-                <a:xfrm>
-                  <a:off x="8119679" y="4106450"/>
+                <a:xfrm rot="10800000">
+                  <a:off x="8122329" y="4056531"/>
                   <a:ext cx="433132" cy="246221"/>
                 </a:xfrm>
                 <a:prstGeom prst="rect">
@@ -34707,120 +36145,6 @@
       </p:grpSp>
       <p:cxnSp>
         <p:nvCxnSpPr>
-          <p:cNvPr id="800" name="Rett linje 799">
-            <a:extLst>
-              <a:ext uri="{FF2B5EF4-FFF2-40B4-BE49-F238E27FC236}">
-                <a16:creationId xmlns:a16="http://schemas.microsoft.com/office/drawing/2014/main" id="{23A64D68-3FBF-4A6D-9E07-A80158AC14CB}"/>
-              </a:ext>
-            </a:extLst>
-          </p:cNvPr>
-          <p:cNvCxnSpPr>
-            <a:cxnSpLocks/>
-          </p:cNvCxnSpPr>
-          <p:nvPr/>
-        </p:nvCxnSpPr>
-        <p:spPr>
-          <a:xfrm>
-            <a:off x="9125601" y="1800164"/>
-            <a:ext cx="0" cy="256408"/>
-          </a:xfrm>
-          <a:prstGeom prst="line">
-            <a:avLst/>
-          </a:prstGeom>
-        </p:spPr>
-        <p:style>
-          <a:lnRef idx="1">
-            <a:schemeClr val="accent1"/>
-          </a:lnRef>
-          <a:fillRef idx="0">
-            <a:schemeClr val="accent1"/>
-          </a:fillRef>
-          <a:effectRef idx="0">
-            <a:schemeClr val="accent1"/>
-          </a:effectRef>
-          <a:fontRef idx="minor">
-            <a:schemeClr val="tx1"/>
-          </a:fontRef>
-        </p:style>
-      </p:cxnSp>
-      <p:cxnSp>
-        <p:nvCxnSpPr>
-          <p:cNvPr id="803" name="Rett linje 802">
-            <a:extLst>
-              <a:ext uri="{FF2B5EF4-FFF2-40B4-BE49-F238E27FC236}">
-                <a16:creationId xmlns:a16="http://schemas.microsoft.com/office/drawing/2014/main" id="{858B40C6-2DC0-4775-A230-E56AA4FC4969}"/>
-              </a:ext>
-            </a:extLst>
-          </p:cNvPr>
-          <p:cNvCxnSpPr>
-            <a:cxnSpLocks/>
-          </p:cNvCxnSpPr>
-          <p:nvPr/>
-        </p:nvCxnSpPr>
-        <p:spPr>
-          <a:xfrm>
-            <a:off x="9322829" y="1822671"/>
-            <a:ext cx="0" cy="357758"/>
-          </a:xfrm>
-          <a:prstGeom prst="line">
-            <a:avLst/>
-          </a:prstGeom>
-        </p:spPr>
-        <p:style>
-          <a:lnRef idx="1">
-            <a:schemeClr val="accent1"/>
-          </a:lnRef>
-          <a:fillRef idx="0">
-            <a:schemeClr val="accent1"/>
-          </a:fillRef>
-          <a:effectRef idx="0">
-            <a:schemeClr val="accent1"/>
-          </a:effectRef>
-          <a:fontRef idx="minor">
-            <a:schemeClr val="tx1"/>
-          </a:fontRef>
-        </p:style>
-      </p:cxnSp>
-      <p:cxnSp>
-        <p:nvCxnSpPr>
-          <p:cNvPr id="805" name="Rett linje 804">
-            <a:extLst>
-              <a:ext uri="{FF2B5EF4-FFF2-40B4-BE49-F238E27FC236}">
-                <a16:creationId xmlns:a16="http://schemas.microsoft.com/office/drawing/2014/main" id="{5A03DE42-D9E4-410E-AA82-2DCB8E7AA09C}"/>
-              </a:ext>
-            </a:extLst>
-          </p:cNvPr>
-          <p:cNvCxnSpPr>
-            <a:cxnSpLocks/>
-          </p:cNvCxnSpPr>
-          <p:nvPr/>
-        </p:nvCxnSpPr>
-        <p:spPr>
-          <a:xfrm>
-            <a:off x="9521197" y="1801224"/>
-            <a:ext cx="0" cy="533377"/>
-          </a:xfrm>
-          <a:prstGeom prst="line">
-            <a:avLst/>
-          </a:prstGeom>
-        </p:spPr>
-        <p:style>
-          <a:lnRef idx="1">
-            <a:schemeClr val="accent1"/>
-          </a:lnRef>
-          <a:fillRef idx="0">
-            <a:schemeClr val="accent1"/>
-          </a:fillRef>
-          <a:effectRef idx="0">
-            <a:schemeClr val="accent1"/>
-          </a:effectRef>
-          <a:fontRef idx="minor">
-            <a:schemeClr val="tx1"/>
-          </a:fontRef>
-        </p:style>
-      </p:cxnSp>
-      <p:cxnSp>
-        <p:nvCxnSpPr>
           <p:cNvPr id="820" name="Rett linje 819">
             <a:extLst>
               <a:ext uri="{FF2B5EF4-FFF2-40B4-BE49-F238E27FC236}">
@@ -34835,8 +36159,8 @@
         </p:nvCxnSpPr>
         <p:spPr>
           <a:xfrm>
-            <a:off x="1227420" y="431182"/>
-            <a:ext cx="6580791" cy="0"/>
+            <a:off x="682099" y="1273181"/>
+            <a:ext cx="8618052" cy="0"/>
           </a:xfrm>
           <a:prstGeom prst="line">
             <a:avLst/>
@@ -34873,8 +36197,8 @@
         </p:nvCxnSpPr>
         <p:spPr>
           <a:xfrm>
-            <a:off x="1227420" y="4516109"/>
-            <a:ext cx="993734" cy="0"/>
+            <a:off x="682099" y="4563734"/>
+            <a:ext cx="643705" cy="0"/>
           </a:xfrm>
           <a:prstGeom prst="line">
             <a:avLst/>
@@ -34904,13 +36228,15 @@
               </a:ext>
             </a:extLst>
           </p:cNvPr>
-          <p:cNvCxnSpPr/>
+          <p:cNvCxnSpPr>
+            <a:cxnSpLocks/>
+          </p:cNvCxnSpPr>
           <p:nvPr/>
         </p:nvCxnSpPr>
         <p:spPr>
           <a:xfrm flipV="1">
-            <a:off x="1227420" y="418825"/>
-            <a:ext cx="0" cy="4078217"/>
+            <a:off x="682099" y="1273181"/>
+            <a:ext cx="0" cy="3298380"/>
           </a:xfrm>
           <a:prstGeom prst="line">
             <a:avLst/>
@@ -34947,8 +36273,8 @@
         </p:nvCxnSpPr>
         <p:spPr>
           <a:xfrm>
-            <a:off x="1884039" y="621569"/>
-            <a:ext cx="5924172" cy="0"/>
+            <a:off x="983322" y="1329692"/>
+            <a:ext cx="8227024" cy="0"/>
           </a:xfrm>
           <a:prstGeom prst="line">
             <a:avLst/>
@@ -34985,8 +36311,8 @@
         </p:nvCxnSpPr>
         <p:spPr>
           <a:xfrm flipV="1">
-            <a:off x="1884039" y="621569"/>
-            <a:ext cx="0" cy="3559349"/>
+            <a:off x="984136" y="1324920"/>
+            <a:ext cx="0" cy="2916299"/>
           </a:xfrm>
           <a:prstGeom prst="line">
             <a:avLst/>
@@ -35023,7 +36349,7 @@
         </p:nvCxnSpPr>
         <p:spPr>
           <a:xfrm>
-            <a:off x="1884039" y="4193594"/>
+            <a:off x="988689" y="4241219"/>
             <a:ext cx="345599" cy="0"/>
           </a:xfrm>
           <a:prstGeom prst="line">
@@ -35061,8 +36387,8 @@
         </p:nvCxnSpPr>
         <p:spPr>
           <a:xfrm>
-            <a:off x="1948869" y="820298"/>
-            <a:ext cx="5834903" cy="0"/>
+            <a:off x="1038047" y="1407154"/>
+            <a:ext cx="8105814" cy="0"/>
           </a:xfrm>
           <a:prstGeom prst="line">
             <a:avLst/>
@@ -35099,8 +36425,8 @@
         </p:nvCxnSpPr>
         <p:spPr>
           <a:xfrm flipV="1">
-            <a:off x="1567771" y="820298"/>
-            <a:ext cx="0" cy="3529407"/>
+            <a:off x="788661" y="1404855"/>
+            <a:ext cx="0" cy="2982203"/>
           </a:xfrm>
           <a:prstGeom prst="line">
             <a:avLst/>
@@ -35137,8 +36463,8 @@
         </p:nvCxnSpPr>
         <p:spPr>
           <a:xfrm>
-            <a:off x="1567771" y="4339433"/>
-            <a:ext cx="644010" cy="0"/>
+            <a:off x="788661" y="4387058"/>
+            <a:ext cx="527770" cy="0"/>
           </a:xfrm>
           <a:prstGeom prst="line">
             <a:avLst/>
@@ -35168,13 +36494,15 @@
               </a:ext>
             </a:extLst>
           </p:cNvPr>
-          <p:cNvCxnSpPr/>
+          <p:cNvCxnSpPr>
+            <a:cxnSpLocks/>
+          </p:cNvCxnSpPr>
           <p:nvPr/>
         </p:nvCxnSpPr>
         <p:spPr>
           <a:xfrm>
-            <a:off x="1567771" y="820298"/>
-            <a:ext cx="228600" cy="0"/>
+            <a:off x="788661" y="1407154"/>
+            <a:ext cx="141203" cy="0"/>
           </a:xfrm>
           <a:prstGeom prst="line">
             <a:avLst/>
@@ -35197,61 +36525,22 @@
       </p:cxnSp>
       <p:cxnSp>
         <p:nvCxnSpPr>
-          <p:cNvPr id="853" name="Rett linje 852">
+          <p:cNvPr id="875" name="Rett linje 874">
             <a:extLst>
               <a:ext uri="{FF2B5EF4-FFF2-40B4-BE49-F238E27FC236}">
-                <a16:creationId xmlns:a16="http://schemas.microsoft.com/office/drawing/2014/main" id="{C595E805-7D7C-47E7-95FC-8D0CE432D0DF}"/>
+                <a16:creationId xmlns:a16="http://schemas.microsoft.com/office/drawing/2014/main" id="{67F5F553-CCCC-4957-A587-A6D84AB677A7}"/>
               </a:ext>
             </a:extLst>
           </p:cNvPr>
-          <p:cNvCxnSpPr/>
+          <p:cNvCxnSpPr>
+            <a:cxnSpLocks/>
+          </p:cNvCxnSpPr>
           <p:nvPr/>
         </p:nvCxnSpPr>
         <p:spPr>
-          <a:xfrm flipV="1">
-            <a:off x="9137950" y="-298426"/>
-            <a:ext cx="0" cy="448409"/>
-          </a:xfrm>
-          <a:prstGeom prst="line">
-            <a:avLst/>
-          </a:prstGeom>
-          <a:ln>
-            <a:solidFill>
-              <a:srgbClr val="FF0000"/>
-            </a:solidFill>
-          </a:ln>
-        </p:spPr>
-        <p:style>
-          <a:lnRef idx="2">
-            <a:schemeClr val="dk1"/>
-          </a:lnRef>
-          <a:fillRef idx="0">
-            <a:schemeClr val="dk1"/>
-          </a:fillRef>
-          <a:effectRef idx="1">
-            <a:schemeClr val="dk1"/>
-          </a:effectRef>
-          <a:fontRef idx="minor">
-            <a:schemeClr val="tx1"/>
-          </a:fontRef>
-        </p:style>
-      </p:cxnSp>
-      <p:cxnSp>
-        <p:nvCxnSpPr>
-          <p:cNvPr id="855" name="Rett linje 854">
-            <a:extLst>
-              <a:ext uri="{FF2B5EF4-FFF2-40B4-BE49-F238E27FC236}">
-                <a16:creationId xmlns:a16="http://schemas.microsoft.com/office/drawing/2014/main" id="{4A72C75D-D712-48A4-90B6-9AAE0320DEB4}"/>
-              </a:ext>
-            </a:extLst>
-          </p:cNvPr>
-          <p:cNvCxnSpPr/>
-          <p:nvPr/>
-        </p:nvCxnSpPr>
-        <p:spPr>
-          <a:xfrm flipV="1">
-            <a:off x="9328612" y="-184165"/>
-            <a:ext cx="0" cy="274432"/>
+          <a:xfrm>
+            <a:off x="7284627" y="6227186"/>
+            <a:ext cx="2397656" cy="0"/>
           </a:xfrm>
           <a:prstGeom prst="line">
             <a:avLst/>
@@ -35274,316 +36563,6 @@
       </p:cxnSp>
       <p:cxnSp>
         <p:nvCxnSpPr>
-          <p:cNvPr id="857" name="Rett linje 856">
-            <a:extLst>
-              <a:ext uri="{FF2B5EF4-FFF2-40B4-BE49-F238E27FC236}">
-                <a16:creationId xmlns:a16="http://schemas.microsoft.com/office/drawing/2014/main" id="{A45F845F-7E61-45FF-88D7-9D8FFC5C307F}"/>
-              </a:ext>
-            </a:extLst>
-          </p:cNvPr>
-          <p:cNvCxnSpPr>
-            <a:cxnSpLocks/>
-          </p:cNvCxnSpPr>
-          <p:nvPr/>
-        </p:nvCxnSpPr>
-        <p:spPr>
-          <a:xfrm>
-            <a:off x="9134889" y="-298426"/>
-            <a:ext cx="2755625" cy="0"/>
-          </a:xfrm>
-          <a:prstGeom prst="line">
-            <a:avLst/>
-          </a:prstGeom>
-          <a:ln w="12700">
-            <a:solidFill>
-              <a:srgbClr val="FF0000"/>
-            </a:solidFill>
-          </a:ln>
-        </p:spPr>
-        <p:style>
-          <a:lnRef idx="1">
-            <a:schemeClr val="accent1"/>
-          </a:lnRef>
-          <a:fillRef idx="0">
-            <a:schemeClr val="accent1"/>
-          </a:fillRef>
-          <a:effectRef idx="0">
-            <a:schemeClr val="accent1"/>
-          </a:effectRef>
-          <a:fontRef idx="minor">
-            <a:schemeClr val="tx1"/>
-          </a:fontRef>
-        </p:style>
-      </p:cxnSp>
-      <p:cxnSp>
-        <p:nvCxnSpPr>
-          <p:cNvPr id="859" name="Rett linje 858">
-            <a:extLst>
-              <a:ext uri="{FF2B5EF4-FFF2-40B4-BE49-F238E27FC236}">
-                <a16:creationId xmlns:a16="http://schemas.microsoft.com/office/drawing/2014/main" id="{A8CAFB53-D155-4E08-A368-EAA518C09105}"/>
-              </a:ext>
-            </a:extLst>
-          </p:cNvPr>
-          <p:cNvCxnSpPr>
-            <a:cxnSpLocks/>
-          </p:cNvCxnSpPr>
-          <p:nvPr/>
-        </p:nvCxnSpPr>
-        <p:spPr>
-          <a:xfrm>
-            <a:off x="9329967" y="-184165"/>
-            <a:ext cx="2360845" cy="0"/>
-          </a:xfrm>
-          <a:prstGeom prst="line">
-            <a:avLst/>
-          </a:prstGeom>
-        </p:spPr>
-        <p:style>
-          <a:lnRef idx="2">
-            <a:schemeClr val="dk1"/>
-          </a:lnRef>
-          <a:fillRef idx="0">
-            <a:schemeClr val="dk1"/>
-          </a:fillRef>
-          <a:effectRef idx="1">
-            <a:schemeClr val="dk1"/>
-          </a:effectRef>
-          <a:fontRef idx="minor">
-            <a:schemeClr val="tx1"/>
-          </a:fontRef>
-        </p:style>
-      </p:cxnSp>
-      <p:cxnSp>
-        <p:nvCxnSpPr>
-          <p:cNvPr id="861" name="Rett linje 860">
-            <a:extLst>
-              <a:ext uri="{FF2B5EF4-FFF2-40B4-BE49-F238E27FC236}">
-                <a16:creationId xmlns:a16="http://schemas.microsoft.com/office/drawing/2014/main" id="{209BF83F-E746-46FD-81FD-F0D565AACB43}"/>
-              </a:ext>
-            </a:extLst>
-          </p:cNvPr>
-          <p:cNvCxnSpPr>
-            <a:cxnSpLocks/>
-          </p:cNvCxnSpPr>
-          <p:nvPr/>
-        </p:nvCxnSpPr>
-        <p:spPr>
-          <a:xfrm flipV="1">
-            <a:off x="11690812" y="-175958"/>
-            <a:ext cx="0" cy="6714878"/>
-          </a:xfrm>
-          <a:prstGeom prst="line">
-            <a:avLst/>
-          </a:prstGeom>
-        </p:spPr>
-        <p:style>
-          <a:lnRef idx="2">
-            <a:schemeClr val="dk1"/>
-          </a:lnRef>
-          <a:fillRef idx="0">
-            <a:schemeClr val="dk1"/>
-          </a:fillRef>
-          <a:effectRef idx="1">
-            <a:schemeClr val="dk1"/>
-          </a:effectRef>
-          <a:fontRef idx="minor">
-            <a:schemeClr val="tx1"/>
-          </a:fontRef>
-        </p:style>
-      </p:cxnSp>
-      <p:cxnSp>
-        <p:nvCxnSpPr>
-          <p:cNvPr id="863" name="Rett linje 862">
-            <a:extLst>
-              <a:ext uri="{FF2B5EF4-FFF2-40B4-BE49-F238E27FC236}">
-                <a16:creationId xmlns:a16="http://schemas.microsoft.com/office/drawing/2014/main" id="{C64F7C45-F1E9-4E11-8DF9-F9D4E0CADE82}"/>
-              </a:ext>
-            </a:extLst>
-          </p:cNvPr>
-          <p:cNvCxnSpPr>
-            <a:cxnSpLocks/>
-          </p:cNvCxnSpPr>
-          <p:nvPr/>
-        </p:nvCxnSpPr>
-        <p:spPr>
-          <a:xfrm flipV="1">
-            <a:off x="11890514" y="-298424"/>
-            <a:ext cx="0" cy="6982820"/>
-          </a:xfrm>
-          <a:prstGeom prst="line">
-            <a:avLst/>
-          </a:prstGeom>
-          <a:ln w="12700">
-            <a:solidFill>
-              <a:srgbClr val="FF0000"/>
-            </a:solidFill>
-          </a:ln>
-        </p:spPr>
-        <p:style>
-          <a:lnRef idx="1">
-            <a:schemeClr val="accent1"/>
-          </a:lnRef>
-          <a:fillRef idx="0">
-            <a:schemeClr val="accent1"/>
-          </a:fillRef>
-          <a:effectRef idx="0">
-            <a:schemeClr val="accent1"/>
-          </a:effectRef>
-          <a:fontRef idx="minor">
-            <a:schemeClr val="tx1"/>
-          </a:fontRef>
-        </p:style>
-      </p:cxnSp>
-      <p:cxnSp>
-        <p:nvCxnSpPr>
-          <p:cNvPr id="866" name="Rett linje 865">
-            <a:extLst>
-              <a:ext uri="{FF2B5EF4-FFF2-40B4-BE49-F238E27FC236}">
-                <a16:creationId xmlns:a16="http://schemas.microsoft.com/office/drawing/2014/main" id="{CF68B2E2-6ACD-4AAF-895D-D330E37A1427}"/>
-              </a:ext>
-            </a:extLst>
-          </p:cNvPr>
-          <p:cNvCxnSpPr/>
-          <p:nvPr/>
-        </p:nvCxnSpPr>
-        <p:spPr>
-          <a:xfrm>
-            <a:off x="7290044" y="6019013"/>
-            <a:ext cx="0" cy="519907"/>
-          </a:xfrm>
-          <a:prstGeom prst="line">
-            <a:avLst/>
-          </a:prstGeom>
-        </p:spPr>
-        <p:style>
-          <a:lnRef idx="2">
-            <a:schemeClr val="dk1"/>
-          </a:lnRef>
-          <a:fillRef idx="0">
-            <a:schemeClr val="dk1"/>
-          </a:fillRef>
-          <a:effectRef idx="1">
-            <a:schemeClr val="dk1"/>
-          </a:effectRef>
-          <a:fontRef idx="minor">
-            <a:schemeClr val="tx1"/>
-          </a:fontRef>
-        </p:style>
-      </p:cxnSp>
-      <p:cxnSp>
-        <p:nvCxnSpPr>
-          <p:cNvPr id="873" name="Rett linje 872">
-            <a:extLst>
-              <a:ext uri="{FF2B5EF4-FFF2-40B4-BE49-F238E27FC236}">
-                <a16:creationId xmlns:a16="http://schemas.microsoft.com/office/drawing/2014/main" id="{D5C80076-6672-4DAF-BE1E-E42CEF6155AA}"/>
-              </a:ext>
-            </a:extLst>
-          </p:cNvPr>
-          <p:cNvCxnSpPr/>
-          <p:nvPr/>
-        </p:nvCxnSpPr>
-        <p:spPr>
-          <a:xfrm>
-            <a:off x="7277366" y="6541753"/>
-            <a:ext cx="200920" cy="0"/>
-          </a:xfrm>
-          <a:prstGeom prst="line">
-            <a:avLst/>
-          </a:prstGeom>
-        </p:spPr>
-        <p:style>
-          <a:lnRef idx="2">
-            <a:schemeClr val="dk1"/>
-          </a:lnRef>
-          <a:fillRef idx="0">
-            <a:schemeClr val="dk1"/>
-          </a:fillRef>
-          <a:effectRef idx="1">
-            <a:schemeClr val="dk1"/>
-          </a:effectRef>
-          <a:fontRef idx="minor">
-            <a:schemeClr val="tx1"/>
-          </a:fontRef>
-        </p:style>
-      </p:cxnSp>
-      <p:cxnSp>
-        <p:nvCxnSpPr>
-          <p:cNvPr id="875" name="Rett linje 874">
-            <a:extLst>
-              <a:ext uri="{FF2B5EF4-FFF2-40B4-BE49-F238E27FC236}">
-                <a16:creationId xmlns:a16="http://schemas.microsoft.com/office/drawing/2014/main" id="{67F5F553-CCCC-4957-A587-A6D84AB677A7}"/>
-              </a:ext>
-            </a:extLst>
-          </p:cNvPr>
-          <p:cNvCxnSpPr>
-            <a:cxnSpLocks/>
-          </p:cNvCxnSpPr>
-          <p:nvPr/>
-        </p:nvCxnSpPr>
-        <p:spPr>
-          <a:xfrm>
-            <a:off x="7628689" y="6538920"/>
-            <a:ext cx="4062123" cy="0"/>
-          </a:xfrm>
-          <a:prstGeom prst="line">
-            <a:avLst/>
-          </a:prstGeom>
-        </p:spPr>
-        <p:style>
-          <a:lnRef idx="2">
-            <a:schemeClr val="dk1"/>
-          </a:lnRef>
-          <a:fillRef idx="0">
-            <a:schemeClr val="dk1"/>
-          </a:fillRef>
-          <a:effectRef idx="1">
-            <a:schemeClr val="dk1"/>
-          </a:effectRef>
-          <a:fontRef idx="minor">
-            <a:schemeClr val="tx1"/>
-          </a:fontRef>
-        </p:style>
-      </p:cxnSp>
-      <p:cxnSp>
-        <p:nvCxnSpPr>
-          <p:cNvPr id="480" name="Rett linje 479">
-            <a:extLst>
-              <a:ext uri="{FF2B5EF4-FFF2-40B4-BE49-F238E27FC236}">
-                <a16:creationId xmlns:a16="http://schemas.microsoft.com/office/drawing/2014/main" id="{DDCD0502-9E39-4C04-B2CC-65DC0E8957B8}"/>
-              </a:ext>
-            </a:extLst>
-          </p:cNvPr>
-          <p:cNvCxnSpPr>
-            <a:cxnSpLocks/>
-          </p:cNvCxnSpPr>
-          <p:nvPr/>
-        </p:nvCxnSpPr>
-        <p:spPr>
-          <a:xfrm>
-            <a:off x="7218502" y="2334601"/>
-            <a:ext cx="2302695" cy="0"/>
-          </a:xfrm>
-          <a:prstGeom prst="line">
-            <a:avLst/>
-          </a:prstGeom>
-        </p:spPr>
-        <p:style>
-          <a:lnRef idx="1">
-            <a:schemeClr val="accent1"/>
-          </a:lnRef>
-          <a:fillRef idx="0">
-            <a:schemeClr val="accent1"/>
-          </a:fillRef>
-          <a:effectRef idx="0">
-            <a:schemeClr val="accent1"/>
-          </a:effectRef>
-          <a:fontRef idx="minor">
-            <a:schemeClr val="tx1"/>
-          </a:fontRef>
-        </p:style>
-      </p:cxnSp>
-      <p:cxnSp>
-        <p:nvCxnSpPr>
           <p:cNvPr id="432" name="Rett linje 431">
             <a:extLst>
               <a:ext uri="{FF2B5EF4-FFF2-40B4-BE49-F238E27FC236}">
@@ -35598,8 +36577,8 @@
         </p:nvCxnSpPr>
         <p:spPr>
           <a:xfrm>
-            <a:off x="6454453" y="4433927"/>
-            <a:ext cx="555211" cy="0"/>
+            <a:off x="5559103" y="4481552"/>
+            <a:ext cx="676490" cy="0"/>
           </a:xfrm>
           <a:prstGeom prst="line">
             <a:avLst/>
@@ -35636,8 +36615,8 @@
         </p:nvCxnSpPr>
         <p:spPr>
           <a:xfrm>
-            <a:off x="6463403" y="4297995"/>
-            <a:ext cx="555211" cy="0"/>
+            <a:off x="5568053" y="4345620"/>
+            <a:ext cx="566680" cy="0"/>
           </a:xfrm>
           <a:prstGeom prst="line">
             <a:avLst/>
@@ -35660,10 +36639,10 @@
       </p:cxnSp>
       <p:cxnSp>
         <p:nvCxnSpPr>
-          <p:cNvPr id="435" name="Rett linje 434">
+          <p:cNvPr id="3" name="Rett linje 2">
             <a:extLst>
               <a:ext uri="{FF2B5EF4-FFF2-40B4-BE49-F238E27FC236}">
-                <a16:creationId xmlns:a16="http://schemas.microsoft.com/office/drawing/2014/main" id="{85266B9B-E7DD-412C-90E1-C02F66149840}"/>
+                <a16:creationId xmlns:a16="http://schemas.microsoft.com/office/drawing/2014/main" id="{E7CF42AD-95A4-4B90-A85F-C7D000E837A1}"/>
               </a:ext>
             </a:extLst>
           </p:cNvPr>
@@ -35674,8 +36653,8 @@
         </p:nvCxnSpPr>
         <p:spPr>
           <a:xfrm>
-            <a:off x="7292476" y="4433927"/>
-            <a:ext cx="209388" cy="0"/>
+            <a:off x="6496294" y="4259997"/>
+            <a:ext cx="0" cy="649744"/>
           </a:xfrm>
           <a:prstGeom prst="line">
             <a:avLst/>
@@ -35698,10 +36677,10 @@
       </p:cxnSp>
       <p:cxnSp>
         <p:nvCxnSpPr>
-          <p:cNvPr id="437" name="Rett linje 436">
+          <p:cNvPr id="433" name="Rett linje 432">
             <a:extLst>
               <a:ext uri="{FF2B5EF4-FFF2-40B4-BE49-F238E27FC236}">
-                <a16:creationId xmlns:a16="http://schemas.microsoft.com/office/drawing/2014/main" id="{6398E7B1-8DE4-4653-9E69-97E437809541}"/>
+                <a16:creationId xmlns:a16="http://schemas.microsoft.com/office/drawing/2014/main" id="{8270C5CE-7428-46B8-B8BF-7623C17AE507}"/>
               </a:ext>
             </a:extLst>
           </p:cNvPr>
@@ -35712,8 +36691,8 @@
         </p:nvCxnSpPr>
         <p:spPr>
           <a:xfrm>
-            <a:off x="7285277" y="4304343"/>
-            <a:ext cx="92414" cy="0"/>
+            <a:off x="6241767" y="3648216"/>
+            <a:ext cx="445979" cy="0"/>
           </a:xfrm>
           <a:prstGeom prst="line">
             <a:avLst/>
@@ -35736,10 +36715,10 @@
       </p:cxnSp>
       <p:cxnSp>
         <p:nvCxnSpPr>
-          <p:cNvPr id="439" name="Rett linje 438">
+          <p:cNvPr id="436" name="Rett linje 435">
             <a:extLst>
               <a:ext uri="{FF2B5EF4-FFF2-40B4-BE49-F238E27FC236}">
-                <a16:creationId xmlns:a16="http://schemas.microsoft.com/office/drawing/2014/main" id="{B176A15A-F775-4252-A113-40E84AAC2459}"/>
+                <a16:creationId xmlns:a16="http://schemas.microsoft.com/office/drawing/2014/main" id="{D2E9AE41-5132-4F00-A324-F5E2F2F6D7F0}"/>
               </a:ext>
             </a:extLst>
           </p:cNvPr>
@@ -35749,9 +36728,9 @@
           <p:nvPr/>
         </p:nvCxnSpPr>
         <p:spPr>
-          <a:xfrm flipV="1">
-            <a:off x="7377691" y="2512153"/>
-            <a:ext cx="0" cy="1791876"/>
+          <a:xfrm>
+            <a:off x="6134733" y="3435719"/>
+            <a:ext cx="598079" cy="0"/>
           </a:xfrm>
           <a:prstGeom prst="line">
             <a:avLst/>
@@ -35774,10 +36753,10 @@
       </p:cxnSp>
       <p:cxnSp>
         <p:nvCxnSpPr>
-          <p:cNvPr id="441" name="Rett linje 440">
+          <p:cNvPr id="438" name="Rett linje 437">
             <a:extLst>
               <a:ext uri="{FF2B5EF4-FFF2-40B4-BE49-F238E27FC236}">
-                <a16:creationId xmlns:a16="http://schemas.microsoft.com/office/drawing/2014/main" id="{D807C399-8CC1-4060-811F-C09E3E75290D}"/>
+                <a16:creationId xmlns:a16="http://schemas.microsoft.com/office/drawing/2014/main" id="{1BE6E29C-DE0C-4F25-A11F-3FE755AE149A}"/>
               </a:ext>
             </a:extLst>
           </p:cNvPr>
@@ -35787,9 +36766,9 @@
           <p:nvPr/>
         </p:nvCxnSpPr>
         <p:spPr>
-          <a:xfrm flipV="1">
-            <a:off x="7501864" y="2638970"/>
-            <a:ext cx="0" cy="1791876"/>
+          <a:xfrm>
+            <a:off x="6496294" y="4257250"/>
+            <a:ext cx="203330" cy="0"/>
           </a:xfrm>
           <a:prstGeom prst="line">
             <a:avLst/>
@@ -35812,10 +36791,10 @@
       </p:cxnSp>
       <p:cxnSp>
         <p:nvCxnSpPr>
-          <p:cNvPr id="112" name="Rett linje 111">
+          <p:cNvPr id="440" name="Rett linje 439">
             <a:extLst>
               <a:ext uri="{FF2B5EF4-FFF2-40B4-BE49-F238E27FC236}">
-                <a16:creationId xmlns:a16="http://schemas.microsoft.com/office/drawing/2014/main" id="{92753665-97AA-4426-88BE-50925464D0FD}"/>
+                <a16:creationId xmlns:a16="http://schemas.microsoft.com/office/drawing/2014/main" id="{65686270-7497-4777-8641-9AD5C1ADC890}"/>
               </a:ext>
             </a:extLst>
           </p:cNvPr>
@@ -35826,8 +36805,8 @@
         </p:nvCxnSpPr>
         <p:spPr>
           <a:xfrm>
-            <a:off x="7377691" y="2512153"/>
-            <a:ext cx="2366134" cy="0"/>
+            <a:off x="6404214" y="4066532"/>
+            <a:ext cx="295410" cy="0"/>
           </a:xfrm>
           <a:prstGeom prst="line">
             <a:avLst/>
@@ -35850,10 +36829,10 @@
       </p:cxnSp>
       <p:cxnSp>
         <p:nvCxnSpPr>
-          <p:cNvPr id="444" name="Rett linje 443">
+          <p:cNvPr id="442" name="Rett linje 441">
             <a:extLst>
               <a:ext uri="{FF2B5EF4-FFF2-40B4-BE49-F238E27FC236}">
-                <a16:creationId xmlns:a16="http://schemas.microsoft.com/office/drawing/2014/main" id="{97897636-994D-432E-A66A-44B58978E88D}"/>
+                <a16:creationId xmlns:a16="http://schemas.microsoft.com/office/drawing/2014/main" id="{D06783DF-7FBC-4C38-B4D2-3F2C7FD82C1E}"/>
               </a:ext>
             </a:extLst>
           </p:cNvPr>
@@ -35864,8 +36843,8 @@
         </p:nvCxnSpPr>
         <p:spPr>
           <a:xfrm>
-            <a:off x="7501864" y="2638970"/>
-            <a:ext cx="2439691" cy="0"/>
+            <a:off x="6320336" y="3874516"/>
+            <a:ext cx="354907" cy="0"/>
           </a:xfrm>
           <a:prstGeom prst="line">
             <a:avLst/>
@@ -35888,22 +36867,22 @@
       </p:cxnSp>
       <p:cxnSp>
         <p:nvCxnSpPr>
-          <p:cNvPr id="114" name="Rett linje 113">
+          <p:cNvPr id="443" name="Rett linje 442">
             <a:extLst>
               <a:ext uri="{FF2B5EF4-FFF2-40B4-BE49-F238E27FC236}">
-                <a16:creationId xmlns:a16="http://schemas.microsoft.com/office/drawing/2014/main" id="{86046894-32ED-430C-82E9-51C6EA9FD923}"/>
+                <a16:creationId xmlns:a16="http://schemas.microsoft.com/office/drawing/2014/main" id="{D8DEAA00-68CF-4FB8-8B45-BD73BF487821}"/>
               </a:ext>
             </a:extLst>
           </p:cNvPr>
           <p:cNvCxnSpPr>
-            <a:stCxn id="773" idx="0"/>
+            <a:cxnSpLocks/>
           </p:cNvCxnSpPr>
           <p:nvPr/>
         </p:nvCxnSpPr>
         <p:spPr>
           <a:xfrm>
-            <a:off x="9743825" y="1782861"/>
-            <a:ext cx="0" cy="729292"/>
+            <a:off x="6404214" y="4066532"/>
+            <a:ext cx="0" cy="696096"/>
           </a:xfrm>
           <a:prstGeom prst="line">
             <a:avLst/>
@@ -35926,10 +36905,10 @@
       </p:cxnSp>
       <p:cxnSp>
         <p:nvCxnSpPr>
-          <p:cNvPr id="447" name="Rett linje 446">
+          <p:cNvPr id="445" name="Rett linje 444">
             <a:extLst>
               <a:ext uri="{FF2B5EF4-FFF2-40B4-BE49-F238E27FC236}">
-                <a16:creationId xmlns:a16="http://schemas.microsoft.com/office/drawing/2014/main" id="{59E36311-8E2F-4595-B4C8-4E16C265BB94}"/>
+                <a16:creationId xmlns:a16="http://schemas.microsoft.com/office/drawing/2014/main" id="{744180A2-B6DC-4FBD-B20F-AFE620BAE857}"/>
               </a:ext>
             </a:extLst>
           </p:cNvPr>
@@ -35940,8 +36919,1877 @@
         </p:nvCxnSpPr>
         <p:spPr>
           <a:xfrm>
-            <a:off x="9941555" y="1835645"/>
-            <a:ext cx="0" cy="803325"/>
+            <a:off x="6320336" y="3868577"/>
+            <a:ext cx="0" cy="760931"/>
+          </a:xfrm>
+          <a:prstGeom prst="line">
+            <a:avLst/>
+          </a:prstGeom>
+        </p:spPr>
+        <p:style>
+          <a:lnRef idx="1">
+            <a:schemeClr val="accent1"/>
+          </a:lnRef>
+          <a:fillRef idx="0">
+            <a:schemeClr val="accent1"/>
+          </a:fillRef>
+          <a:effectRef idx="0">
+            <a:schemeClr val="accent1"/>
+          </a:effectRef>
+          <a:fontRef idx="minor">
+            <a:schemeClr val="tx1"/>
+          </a:fontRef>
+        </p:style>
+      </p:cxnSp>
+      <p:cxnSp>
+        <p:nvCxnSpPr>
+          <p:cNvPr id="446" name="Rett linje 445">
+            <a:extLst>
+              <a:ext uri="{FF2B5EF4-FFF2-40B4-BE49-F238E27FC236}">
+                <a16:creationId xmlns:a16="http://schemas.microsoft.com/office/drawing/2014/main" id="{E37E29B5-875A-4CBB-83B8-6616926FC5E2}"/>
+              </a:ext>
+            </a:extLst>
+          </p:cNvPr>
+          <p:cNvCxnSpPr>
+            <a:cxnSpLocks/>
+          </p:cNvCxnSpPr>
+          <p:nvPr/>
+        </p:nvCxnSpPr>
+        <p:spPr>
+          <a:xfrm>
+            <a:off x="6235593" y="3641773"/>
+            <a:ext cx="0" cy="839779"/>
+          </a:xfrm>
+          <a:prstGeom prst="line">
+            <a:avLst/>
+          </a:prstGeom>
+        </p:spPr>
+        <p:style>
+          <a:lnRef idx="1">
+            <a:schemeClr val="accent1"/>
+          </a:lnRef>
+          <a:fillRef idx="0">
+            <a:schemeClr val="accent1"/>
+          </a:fillRef>
+          <a:effectRef idx="0">
+            <a:schemeClr val="accent1"/>
+          </a:effectRef>
+          <a:fontRef idx="minor">
+            <a:schemeClr val="tx1"/>
+          </a:fontRef>
+        </p:style>
+      </p:cxnSp>
+      <p:cxnSp>
+        <p:nvCxnSpPr>
+          <p:cNvPr id="448" name="Rett linje 447">
+            <a:extLst>
+              <a:ext uri="{FF2B5EF4-FFF2-40B4-BE49-F238E27FC236}">
+                <a16:creationId xmlns:a16="http://schemas.microsoft.com/office/drawing/2014/main" id="{542086AC-F5FE-47A1-B83B-31BA32449A1A}"/>
+              </a:ext>
+            </a:extLst>
+          </p:cNvPr>
+          <p:cNvCxnSpPr>
+            <a:cxnSpLocks/>
+          </p:cNvCxnSpPr>
+          <p:nvPr/>
+        </p:nvCxnSpPr>
+        <p:spPr>
+          <a:xfrm>
+            <a:off x="6134733" y="3435719"/>
+            <a:ext cx="0" cy="906289"/>
+          </a:xfrm>
+          <a:prstGeom prst="line">
+            <a:avLst/>
+          </a:prstGeom>
+        </p:spPr>
+        <p:style>
+          <a:lnRef idx="1">
+            <a:schemeClr val="accent1"/>
+          </a:lnRef>
+          <a:fillRef idx="0">
+            <a:schemeClr val="accent1"/>
+          </a:fillRef>
+          <a:effectRef idx="0">
+            <a:schemeClr val="accent1"/>
+          </a:effectRef>
+          <a:fontRef idx="minor">
+            <a:schemeClr val="tx1"/>
+          </a:fontRef>
+        </p:style>
+      </p:cxnSp>
+      <p:cxnSp>
+        <p:nvCxnSpPr>
+          <p:cNvPr id="160" name="Rett linje 159">
+            <a:extLst>
+              <a:ext uri="{FF2B5EF4-FFF2-40B4-BE49-F238E27FC236}">
+                <a16:creationId xmlns:a16="http://schemas.microsoft.com/office/drawing/2014/main" id="{909F25A7-4FE0-4456-BBD7-65065F6E4001}"/>
+              </a:ext>
+            </a:extLst>
+          </p:cNvPr>
+          <p:cNvCxnSpPr>
+            <a:cxnSpLocks/>
+          </p:cNvCxnSpPr>
+          <p:nvPr/>
+        </p:nvCxnSpPr>
+        <p:spPr>
+          <a:xfrm>
+            <a:off x="9143861" y="1404855"/>
+            <a:ext cx="0" cy="4389567"/>
+          </a:xfrm>
+          <a:prstGeom prst="line">
+            <a:avLst/>
+          </a:prstGeom>
+        </p:spPr>
+        <p:style>
+          <a:lnRef idx="1">
+            <a:schemeClr val="accent1"/>
+          </a:lnRef>
+          <a:fillRef idx="0">
+            <a:schemeClr val="accent1"/>
+          </a:fillRef>
+          <a:effectRef idx="0">
+            <a:schemeClr val="accent1"/>
+          </a:effectRef>
+          <a:fontRef idx="minor">
+            <a:schemeClr val="tx1"/>
+          </a:fontRef>
+        </p:style>
+      </p:cxnSp>
+      <p:cxnSp>
+        <p:nvCxnSpPr>
+          <p:cNvPr id="162" name="Rett linje 161">
+            <a:extLst>
+              <a:ext uri="{FF2B5EF4-FFF2-40B4-BE49-F238E27FC236}">
+                <a16:creationId xmlns:a16="http://schemas.microsoft.com/office/drawing/2014/main" id="{670630B1-13D5-48F3-A5CE-A48B1FAF7E3C}"/>
+              </a:ext>
+            </a:extLst>
+          </p:cNvPr>
+          <p:cNvCxnSpPr>
+            <a:cxnSpLocks/>
+          </p:cNvCxnSpPr>
+          <p:nvPr/>
+        </p:nvCxnSpPr>
+        <p:spPr>
+          <a:xfrm flipH="1">
+            <a:off x="8099179" y="5794422"/>
+            <a:ext cx="1044683" cy="0"/>
+          </a:xfrm>
+          <a:prstGeom prst="line">
+            <a:avLst/>
+          </a:prstGeom>
+        </p:spPr>
+        <p:style>
+          <a:lnRef idx="1">
+            <a:schemeClr val="accent1"/>
+          </a:lnRef>
+          <a:fillRef idx="0">
+            <a:schemeClr val="accent1"/>
+          </a:fillRef>
+          <a:effectRef idx="0">
+            <a:schemeClr val="accent1"/>
+          </a:effectRef>
+          <a:fontRef idx="minor">
+            <a:schemeClr val="tx1"/>
+          </a:fontRef>
+        </p:style>
+      </p:cxnSp>
+      <p:cxnSp>
+        <p:nvCxnSpPr>
+          <p:cNvPr id="164" name="Rett linje 163">
+            <a:extLst>
+              <a:ext uri="{FF2B5EF4-FFF2-40B4-BE49-F238E27FC236}">
+                <a16:creationId xmlns:a16="http://schemas.microsoft.com/office/drawing/2014/main" id="{CC3DA22A-4C9A-44BF-A7C7-1A6E0BC69680}"/>
+              </a:ext>
+            </a:extLst>
+          </p:cNvPr>
+          <p:cNvCxnSpPr>
+            <a:cxnSpLocks/>
+          </p:cNvCxnSpPr>
+          <p:nvPr/>
+        </p:nvCxnSpPr>
+        <p:spPr>
+          <a:xfrm flipV="1">
+            <a:off x="8095097" y="5574631"/>
+            <a:ext cx="0" cy="219791"/>
+          </a:xfrm>
+          <a:prstGeom prst="line">
+            <a:avLst/>
+          </a:prstGeom>
+        </p:spPr>
+        <p:style>
+          <a:lnRef idx="1">
+            <a:schemeClr val="accent1"/>
+          </a:lnRef>
+          <a:fillRef idx="0">
+            <a:schemeClr val="accent1"/>
+          </a:fillRef>
+          <a:effectRef idx="0">
+            <a:schemeClr val="accent1"/>
+          </a:effectRef>
+          <a:fontRef idx="minor">
+            <a:schemeClr val="tx1"/>
+          </a:fontRef>
+        </p:style>
+      </p:cxnSp>
+      <p:cxnSp>
+        <p:nvCxnSpPr>
+          <p:cNvPr id="509" name="Rett linje 508">
+            <a:extLst>
+              <a:ext uri="{FF2B5EF4-FFF2-40B4-BE49-F238E27FC236}">
+                <a16:creationId xmlns:a16="http://schemas.microsoft.com/office/drawing/2014/main" id="{EB7D01C8-2FE0-4E9F-88CA-45E498EBF776}"/>
+              </a:ext>
+            </a:extLst>
+          </p:cNvPr>
+          <p:cNvCxnSpPr>
+            <a:cxnSpLocks/>
+          </p:cNvCxnSpPr>
+          <p:nvPr/>
+        </p:nvCxnSpPr>
+        <p:spPr>
+          <a:xfrm flipV="1">
+            <a:off x="7894813" y="5582840"/>
+            <a:ext cx="0" cy="260569"/>
+          </a:xfrm>
+          <a:prstGeom prst="line">
+            <a:avLst/>
+          </a:prstGeom>
+        </p:spPr>
+        <p:style>
+          <a:lnRef idx="2">
+            <a:schemeClr val="dk1"/>
+          </a:lnRef>
+          <a:fillRef idx="0">
+            <a:schemeClr val="dk1"/>
+          </a:fillRef>
+          <a:effectRef idx="1">
+            <a:schemeClr val="dk1"/>
+          </a:effectRef>
+          <a:fontRef idx="minor">
+            <a:schemeClr val="tx1"/>
+          </a:fontRef>
+        </p:style>
+      </p:cxnSp>
+      <p:cxnSp>
+        <p:nvCxnSpPr>
+          <p:cNvPr id="510" name="Rett linje 509">
+            <a:extLst>
+              <a:ext uri="{FF2B5EF4-FFF2-40B4-BE49-F238E27FC236}">
+                <a16:creationId xmlns:a16="http://schemas.microsoft.com/office/drawing/2014/main" id="{B0A062C5-FB88-48AA-BA3B-529B58E35725}"/>
+              </a:ext>
+            </a:extLst>
+          </p:cNvPr>
+          <p:cNvCxnSpPr>
+            <a:cxnSpLocks/>
+          </p:cNvCxnSpPr>
+          <p:nvPr/>
+        </p:nvCxnSpPr>
+        <p:spPr>
+          <a:xfrm flipV="1">
+            <a:off x="7703583" y="5584386"/>
+            <a:ext cx="0" cy="320480"/>
+          </a:xfrm>
+          <a:prstGeom prst="line">
+            <a:avLst/>
+          </a:prstGeom>
+        </p:spPr>
+        <p:style>
+          <a:lnRef idx="1">
+            <a:schemeClr val="accent1"/>
+          </a:lnRef>
+          <a:fillRef idx="0">
+            <a:schemeClr val="accent1"/>
+          </a:fillRef>
+          <a:effectRef idx="0">
+            <a:schemeClr val="accent1"/>
+          </a:effectRef>
+          <a:fontRef idx="minor">
+            <a:schemeClr val="tx1"/>
+          </a:fontRef>
+        </p:style>
+      </p:cxnSp>
+      <p:cxnSp>
+        <p:nvCxnSpPr>
+          <p:cNvPr id="518" name="Rett linje 517">
+            <a:extLst>
+              <a:ext uri="{FF2B5EF4-FFF2-40B4-BE49-F238E27FC236}">
+                <a16:creationId xmlns:a16="http://schemas.microsoft.com/office/drawing/2014/main" id="{3C31783D-CC38-4A9A-97A7-2330C7268D89}"/>
+              </a:ext>
+            </a:extLst>
+          </p:cNvPr>
+          <p:cNvCxnSpPr>
+            <a:cxnSpLocks/>
+          </p:cNvCxnSpPr>
+          <p:nvPr/>
+        </p:nvCxnSpPr>
+        <p:spPr>
+          <a:xfrm flipH="1">
+            <a:off x="7894815" y="5845997"/>
+            <a:ext cx="1315531" cy="0"/>
+          </a:xfrm>
+          <a:prstGeom prst="line">
+            <a:avLst/>
+          </a:prstGeom>
+        </p:spPr>
+        <p:style>
+          <a:lnRef idx="2">
+            <a:schemeClr val="dk1"/>
+          </a:lnRef>
+          <a:fillRef idx="0">
+            <a:schemeClr val="dk1"/>
+          </a:fillRef>
+          <a:effectRef idx="1">
+            <a:schemeClr val="dk1"/>
+          </a:effectRef>
+          <a:fontRef idx="minor">
+            <a:schemeClr val="tx1"/>
+          </a:fontRef>
+        </p:style>
+      </p:cxnSp>
+      <p:cxnSp>
+        <p:nvCxnSpPr>
+          <p:cNvPr id="519" name="Rett linje 518">
+            <a:extLst>
+              <a:ext uri="{FF2B5EF4-FFF2-40B4-BE49-F238E27FC236}">
+                <a16:creationId xmlns:a16="http://schemas.microsoft.com/office/drawing/2014/main" id="{4B7AE06D-09A3-40B1-A54F-21979922CFCC}"/>
+              </a:ext>
+            </a:extLst>
+          </p:cNvPr>
+          <p:cNvCxnSpPr>
+            <a:cxnSpLocks/>
+          </p:cNvCxnSpPr>
+          <p:nvPr/>
+        </p:nvCxnSpPr>
+        <p:spPr>
+          <a:xfrm flipH="1">
+            <a:off x="7703584" y="5904866"/>
+            <a:ext cx="1596567" cy="0"/>
+          </a:xfrm>
+          <a:prstGeom prst="line">
+            <a:avLst/>
+          </a:prstGeom>
+        </p:spPr>
+        <p:style>
+          <a:lnRef idx="1">
+            <a:schemeClr val="accent1"/>
+          </a:lnRef>
+          <a:fillRef idx="0">
+            <a:schemeClr val="accent1"/>
+          </a:fillRef>
+          <a:effectRef idx="0">
+            <a:schemeClr val="accent1"/>
+          </a:effectRef>
+          <a:fontRef idx="minor">
+            <a:schemeClr val="tx1"/>
+          </a:fontRef>
+        </p:style>
+      </p:cxnSp>
+      <p:cxnSp>
+        <p:nvCxnSpPr>
+          <p:cNvPr id="520" name="Rett linje 519">
+            <a:extLst>
+              <a:ext uri="{FF2B5EF4-FFF2-40B4-BE49-F238E27FC236}">
+                <a16:creationId xmlns:a16="http://schemas.microsoft.com/office/drawing/2014/main" id="{D58C5277-4014-4307-8452-CED555585F2B}"/>
+              </a:ext>
+            </a:extLst>
+          </p:cNvPr>
+          <p:cNvCxnSpPr>
+            <a:cxnSpLocks/>
+          </p:cNvCxnSpPr>
+          <p:nvPr/>
+        </p:nvCxnSpPr>
+        <p:spPr>
+          <a:xfrm>
+            <a:off x="9210346" y="1329692"/>
+            <a:ext cx="0" cy="4516337"/>
+          </a:xfrm>
+          <a:prstGeom prst="line">
+            <a:avLst/>
+          </a:prstGeom>
+        </p:spPr>
+        <p:style>
+          <a:lnRef idx="2">
+            <a:schemeClr val="dk1"/>
+          </a:lnRef>
+          <a:fillRef idx="0">
+            <a:schemeClr val="dk1"/>
+          </a:fillRef>
+          <a:effectRef idx="1">
+            <a:schemeClr val="dk1"/>
+          </a:effectRef>
+          <a:fontRef idx="minor">
+            <a:schemeClr val="tx1"/>
+          </a:fontRef>
+        </p:style>
+      </p:cxnSp>
+      <p:cxnSp>
+        <p:nvCxnSpPr>
+          <p:cNvPr id="521" name="Rett linje 520">
+            <a:extLst>
+              <a:ext uri="{FF2B5EF4-FFF2-40B4-BE49-F238E27FC236}">
+                <a16:creationId xmlns:a16="http://schemas.microsoft.com/office/drawing/2014/main" id="{F182C15E-2B2F-4099-B0BE-BE91DC79163F}"/>
+              </a:ext>
+            </a:extLst>
+          </p:cNvPr>
+          <p:cNvCxnSpPr>
+            <a:cxnSpLocks/>
+          </p:cNvCxnSpPr>
+          <p:nvPr/>
+        </p:nvCxnSpPr>
+        <p:spPr>
+          <a:xfrm>
+            <a:off x="9300151" y="1273181"/>
+            <a:ext cx="0" cy="4631685"/>
+          </a:xfrm>
+          <a:prstGeom prst="line">
+            <a:avLst/>
+          </a:prstGeom>
+        </p:spPr>
+        <p:style>
+          <a:lnRef idx="1">
+            <a:schemeClr val="accent1"/>
+          </a:lnRef>
+          <a:fillRef idx="0">
+            <a:schemeClr val="accent1"/>
+          </a:fillRef>
+          <a:effectRef idx="0">
+            <a:schemeClr val="accent1"/>
+          </a:effectRef>
+          <a:fontRef idx="minor">
+            <a:schemeClr val="tx1"/>
+          </a:fontRef>
+        </p:style>
+      </p:cxnSp>
+      <p:cxnSp>
+        <p:nvCxnSpPr>
+          <p:cNvPr id="543" name="Rett linje 542">
+            <a:extLst>
+              <a:ext uri="{FF2B5EF4-FFF2-40B4-BE49-F238E27FC236}">
+                <a16:creationId xmlns:a16="http://schemas.microsoft.com/office/drawing/2014/main" id="{1635AD70-F351-4620-A582-76FEDF61094C}"/>
+              </a:ext>
+            </a:extLst>
+          </p:cNvPr>
+          <p:cNvCxnSpPr>
+            <a:cxnSpLocks/>
+          </p:cNvCxnSpPr>
+          <p:nvPr/>
+        </p:nvCxnSpPr>
+        <p:spPr>
+          <a:xfrm>
+            <a:off x="7282729" y="5574562"/>
+            <a:ext cx="0" cy="655519"/>
+          </a:xfrm>
+          <a:prstGeom prst="line">
+            <a:avLst/>
+          </a:prstGeom>
+        </p:spPr>
+        <p:style>
+          <a:lnRef idx="2">
+            <a:schemeClr val="dk1"/>
+          </a:lnRef>
+          <a:fillRef idx="0">
+            <a:schemeClr val="dk1"/>
+          </a:fillRef>
+          <a:effectRef idx="1">
+            <a:schemeClr val="dk1"/>
+          </a:effectRef>
+          <a:fontRef idx="minor">
+            <a:schemeClr val="tx1"/>
+          </a:fontRef>
+        </p:style>
+      </p:cxnSp>
+      <p:cxnSp>
+        <p:nvCxnSpPr>
+          <p:cNvPr id="546" name="Rett linje 545">
+            <a:extLst>
+              <a:ext uri="{FF2B5EF4-FFF2-40B4-BE49-F238E27FC236}">
+                <a16:creationId xmlns:a16="http://schemas.microsoft.com/office/drawing/2014/main" id="{95097B1E-C438-49CF-9AA5-7BD84A46FE5D}"/>
+              </a:ext>
+            </a:extLst>
+          </p:cNvPr>
+          <p:cNvCxnSpPr>
+            <a:cxnSpLocks/>
+          </p:cNvCxnSpPr>
+          <p:nvPr/>
+        </p:nvCxnSpPr>
+        <p:spPr>
+          <a:xfrm>
+            <a:off x="7077404" y="5590844"/>
+            <a:ext cx="0" cy="243671"/>
+          </a:xfrm>
+          <a:prstGeom prst="line">
+            <a:avLst/>
+          </a:prstGeom>
+          <a:ln w="9525">
+            <a:solidFill>
+              <a:srgbClr val="FF0000"/>
+            </a:solidFill>
+          </a:ln>
+        </p:spPr>
+        <p:style>
+          <a:lnRef idx="1">
+            <a:schemeClr val="accent2"/>
+          </a:lnRef>
+          <a:fillRef idx="0">
+            <a:schemeClr val="accent2"/>
+          </a:fillRef>
+          <a:effectRef idx="0">
+            <a:schemeClr val="accent2"/>
+          </a:effectRef>
+          <a:fontRef idx="minor">
+            <a:schemeClr val="tx1"/>
+          </a:fontRef>
+        </p:style>
+      </p:cxnSp>
+      <p:cxnSp>
+        <p:nvCxnSpPr>
+          <p:cNvPr id="362" name="Rett linje 361">
+            <a:extLst>
+              <a:ext uri="{FF2B5EF4-FFF2-40B4-BE49-F238E27FC236}">
+                <a16:creationId xmlns:a16="http://schemas.microsoft.com/office/drawing/2014/main" id="{399C190D-0D02-4B44-B791-FD255C993B69}"/>
+              </a:ext>
+            </a:extLst>
+          </p:cNvPr>
+          <p:cNvCxnSpPr>
+            <a:cxnSpLocks/>
+          </p:cNvCxnSpPr>
+          <p:nvPr/>
+        </p:nvCxnSpPr>
+        <p:spPr>
+          <a:xfrm>
+            <a:off x="9680385" y="5153092"/>
+            <a:ext cx="0" cy="1076989"/>
+          </a:xfrm>
+          <a:prstGeom prst="line">
+            <a:avLst/>
+          </a:prstGeom>
+        </p:spPr>
+        <p:style>
+          <a:lnRef idx="2">
+            <a:schemeClr val="dk1"/>
+          </a:lnRef>
+          <a:fillRef idx="0">
+            <a:schemeClr val="dk1"/>
+          </a:fillRef>
+          <a:effectRef idx="1">
+            <a:schemeClr val="dk1"/>
+          </a:effectRef>
+          <a:fontRef idx="minor">
+            <a:schemeClr val="tx1"/>
+          </a:fontRef>
+        </p:style>
+      </p:cxnSp>
+      <p:cxnSp>
+        <p:nvCxnSpPr>
+          <p:cNvPr id="381" name="Rett linje 380">
+            <a:extLst>
+              <a:ext uri="{FF2B5EF4-FFF2-40B4-BE49-F238E27FC236}">
+                <a16:creationId xmlns:a16="http://schemas.microsoft.com/office/drawing/2014/main" id="{DA2BA2F6-3A72-488F-98F0-ACADE169C44E}"/>
+              </a:ext>
+            </a:extLst>
+          </p:cNvPr>
+          <p:cNvCxnSpPr>
+            <a:cxnSpLocks/>
+          </p:cNvCxnSpPr>
+          <p:nvPr/>
+        </p:nvCxnSpPr>
+        <p:spPr>
+          <a:xfrm>
+            <a:off x="9680385" y="5161330"/>
+            <a:ext cx="560049" cy="0"/>
+          </a:xfrm>
+          <a:prstGeom prst="line">
+            <a:avLst/>
+          </a:prstGeom>
+        </p:spPr>
+        <p:style>
+          <a:lnRef idx="2">
+            <a:schemeClr val="dk1"/>
+          </a:lnRef>
+          <a:fillRef idx="0">
+            <a:schemeClr val="dk1"/>
+          </a:fillRef>
+          <a:effectRef idx="1">
+            <a:schemeClr val="dk1"/>
+          </a:effectRef>
+          <a:fontRef idx="minor">
+            <a:schemeClr val="tx1"/>
+          </a:fontRef>
+        </p:style>
+      </p:cxnSp>
+      <p:cxnSp>
+        <p:nvCxnSpPr>
+          <p:cNvPr id="385" name="Rett linje 384">
+            <a:extLst>
+              <a:ext uri="{FF2B5EF4-FFF2-40B4-BE49-F238E27FC236}">
+                <a16:creationId xmlns:a16="http://schemas.microsoft.com/office/drawing/2014/main" id="{F96E900E-A09C-4015-904F-D6F2993E8C9B}"/>
+              </a:ext>
+            </a:extLst>
+          </p:cNvPr>
+          <p:cNvCxnSpPr>
+            <a:cxnSpLocks/>
+          </p:cNvCxnSpPr>
+          <p:nvPr/>
+        </p:nvCxnSpPr>
+        <p:spPr>
+          <a:xfrm>
+            <a:off x="9845489" y="5345172"/>
+            <a:ext cx="0" cy="953710"/>
+          </a:xfrm>
+          <a:prstGeom prst="line">
+            <a:avLst/>
+          </a:prstGeom>
+          <a:ln>
+            <a:solidFill>
+              <a:srgbClr val="FF0000"/>
+            </a:solidFill>
+          </a:ln>
+        </p:spPr>
+        <p:style>
+          <a:lnRef idx="2">
+            <a:schemeClr val="dk1"/>
+          </a:lnRef>
+          <a:fillRef idx="0">
+            <a:schemeClr val="dk1"/>
+          </a:fillRef>
+          <a:effectRef idx="1">
+            <a:schemeClr val="dk1"/>
+          </a:effectRef>
+          <a:fontRef idx="minor">
+            <a:schemeClr val="tx1"/>
+          </a:fontRef>
+        </p:style>
+      </p:cxnSp>
+      <p:cxnSp>
+        <p:nvCxnSpPr>
+          <p:cNvPr id="387" name="Rett linje 386">
+            <a:extLst>
+              <a:ext uri="{FF2B5EF4-FFF2-40B4-BE49-F238E27FC236}">
+                <a16:creationId xmlns:a16="http://schemas.microsoft.com/office/drawing/2014/main" id="{3CF19186-FFF0-4ED9-910C-8D284C54AEE9}"/>
+              </a:ext>
+            </a:extLst>
+          </p:cNvPr>
+          <p:cNvCxnSpPr>
+            <a:cxnSpLocks/>
+          </p:cNvCxnSpPr>
+          <p:nvPr/>
+        </p:nvCxnSpPr>
+        <p:spPr>
+          <a:xfrm>
+            <a:off x="9845489" y="5353318"/>
+            <a:ext cx="404641" cy="0"/>
+          </a:xfrm>
+          <a:prstGeom prst="line">
+            <a:avLst/>
+          </a:prstGeom>
+          <a:ln>
+            <a:solidFill>
+              <a:srgbClr val="FF0000"/>
+            </a:solidFill>
+          </a:ln>
+        </p:spPr>
+        <p:style>
+          <a:lnRef idx="2">
+            <a:schemeClr val="dk1"/>
+          </a:lnRef>
+          <a:fillRef idx="0">
+            <a:schemeClr val="dk1"/>
+          </a:fillRef>
+          <a:effectRef idx="1">
+            <a:schemeClr val="dk1"/>
+          </a:effectRef>
+          <a:fontRef idx="minor">
+            <a:schemeClr val="tx1"/>
+          </a:fontRef>
+        </p:style>
+      </p:cxnSp>
+      <p:cxnSp>
+        <p:nvCxnSpPr>
+          <p:cNvPr id="584" name="Rett linje 583">
+            <a:extLst>
+              <a:ext uri="{FF2B5EF4-FFF2-40B4-BE49-F238E27FC236}">
+                <a16:creationId xmlns:a16="http://schemas.microsoft.com/office/drawing/2014/main" id="{9191AF13-CEB5-4F5F-B6B9-B9C3B56DD475}"/>
+              </a:ext>
+            </a:extLst>
+          </p:cNvPr>
+          <p:cNvCxnSpPr>
+            <a:cxnSpLocks/>
+          </p:cNvCxnSpPr>
+          <p:nvPr/>
+        </p:nvCxnSpPr>
+        <p:spPr>
+          <a:xfrm>
+            <a:off x="10730506" y="1404855"/>
+            <a:ext cx="0" cy="727566"/>
+          </a:xfrm>
+          <a:prstGeom prst="line">
+            <a:avLst/>
+          </a:prstGeom>
+        </p:spPr>
+        <p:style>
+          <a:lnRef idx="1">
+            <a:schemeClr val="accent1"/>
+          </a:lnRef>
+          <a:fillRef idx="0">
+            <a:schemeClr val="accent1"/>
+          </a:fillRef>
+          <a:effectRef idx="0">
+            <a:schemeClr val="accent1"/>
+          </a:effectRef>
+          <a:fontRef idx="minor">
+            <a:schemeClr val="tx1"/>
+          </a:fontRef>
+        </p:style>
+      </p:cxnSp>
+      <p:cxnSp>
+        <p:nvCxnSpPr>
+          <p:cNvPr id="398" name="Rett linje 397">
+            <a:extLst>
+              <a:ext uri="{FF2B5EF4-FFF2-40B4-BE49-F238E27FC236}">
+                <a16:creationId xmlns:a16="http://schemas.microsoft.com/office/drawing/2014/main" id="{F11C9FB2-124A-4123-BF9A-EB727BC83BB7}"/>
+              </a:ext>
+            </a:extLst>
+          </p:cNvPr>
+          <p:cNvCxnSpPr>
+            <a:cxnSpLocks/>
+          </p:cNvCxnSpPr>
+          <p:nvPr/>
+        </p:nvCxnSpPr>
+        <p:spPr>
+          <a:xfrm>
+            <a:off x="10897193" y="2212181"/>
+            <a:ext cx="838615" cy="0"/>
+          </a:xfrm>
+          <a:prstGeom prst="line">
+            <a:avLst/>
+          </a:prstGeom>
+        </p:spPr>
+        <p:style>
+          <a:lnRef idx="1">
+            <a:schemeClr val="accent1"/>
+          </a:lnRef>
+          <a:fillRef idx="0">
+            <a:schemeClr val="accent1"/>
+          </a:fillRef>
+          <a:effectRef idx="0">
+            <a:schemeClr val="accent1"/>
+          </a:effectRef>
+          <a:fontRef idx="minor">
+            <a:schemeClr val="tx1"/>
+          </a:fontRef>
+        </p:style>
+      </p:cxnSp>
+      <p:cxnSp>
+        <p:nvCxnSpPr>
+          <p:cNvPr id="590" name="Rett linje 589">
+            <a:extLst>
+              <a:ext uri="{FF2B5EF4-FFF2-40B4-BE49-F238E27FC236}">
+                <a16:creationId xmlns:a16="http://schemas.microsoft.com/office/drawing/2014/main" id="{00467339-18BE-4DAC-A016-93D32274935C}"/>
+              </a:ext>
+            </a:extLst>
+          </p:cNvPr>
+          <p:cNvCxnSpPr>
+            <a:cxnSpLocks/>
+          </p:cNvCxnSpPr>
+          <p:nvPr/>
+        </p:nvCxnSpPr>
+        <p:spPr>
+          <a:xfrm>
+            <a:off x="11735808" y="2212181"/>
+            <a:ext cx="0" cy="453847"/>
+          </a:xfrm>
+          <a:prstGeom prst="line">
+            <a:avLst/>
+          </a:prstGeom>
+        </p:spPr>
+        <p:style>
+          <a:lnRef idx="1">
+            <a:schemeClr val="accent1"/>
+          </a:lnRef>
+          <a:fillRef idx="0">
+            <a:schemeClr val="accent1"/>
+          </a:fillRef>
+          <a:effectRef idx="0">
+            <a:schemeClr val="accent1"/>
+          </a:effectRef>
+          <a:fontRef idx="minor">
+            <a:schemeClr val="tx1"/>
+          </a:fontRef>
+        </p:style>
+      </p:cxnSp>
+      <p:cxnSp>
+        <p:nvCxnSpPr>
+          <p:cNvPr id="593" name="Rett linje 592">
+            <a:extLst>
+              <a:ext uri="{FF2B5EF4-FFF2-40B4-BE49-F238E27FC236}">
+                <a16:creationId xmlns:a16="http://schemas.microsoft.com/office/drawing/2014/main" id="{B581D5F5-8FFB-4DCF-865C-C8407715E7CE}"/>
+              </a:ext>
+            </a:extLst>
+          </p:cNvPr>
+          <p:cNvCxnSpPr>
+            <a:cxnSpLocks/>
+          </p:cNvCxnSpPr>
+          <p:nvPr/>
+        </p:nvCxnSpPr>
+        <p:spPr>
+          <a:xfrm>
+            <a:off x="11422076" y="2666028"/>
+            <a:ext cx="313732" cy="0"/>
+          </a:xfrm>
+          <a:prstGeom prst="line">
+            <a:avLst/>
+          </a:prstGeom>
+        </p:spPr>
+        <p:style>
+          <a:lnRef idx="1">
+            <a:schemeClr val="accent1"/>
+          </a:lnRef>
+          <a:fillRef idx="0">
+            <a:schemeClr val="accent1"/>
+          </a:fillRef>
+          <a:effectRef idx="0">
+            <a:schemeClr val="accent1"/>
+          </a:effectRef>
+          <a:fontRef idx="minor">
+            <a:schemeClr val="tx1"/>
+          </a:fontRef>
+        </p:style>
+      </p:cxnSp>
+      <p:cxnSp>
+        <p:nvCxnSpPr>
+          <p:cNvPr id="601" name="Rett linje 600">
+            <a:extLst>
+              <a:ext uri="{FF2B5EF4-FFF2-40B4-BE49-F238E27FC236}">
+                <a16:creationId xmlns:a16="http://schemas.microsoft.com/office/drawing/2014/main" id="{9C0FAF8D-4ABE-44F0-A3AC-AA88474AE41B}"/>
+              </a:ext>
+            </a:extLst>
+          </p:cNvPr>
+          <p:cNvCxnSpPr>
+            <a:cxnSpLocks/>
+          </p:cNvCxnSpPr>
+          <p:nvPr/>
+        </p:nvCxnSpPr>
+        <p:spPr>
+          <a:xfrm>
+            <a:off x="10730506" y="2132421"/>
+            <a:ext cx="85255" cy="0"/>
+          </a:xfrm>
+          <a:prstGeom prst="line">
+            <a:avLst/>
+          </a:prstGeom>
+        </p:spPr>
+        <p:style>
+          <a:lnRef idx="1">
+            <a:schemeClr val="accent1"/>
+          </a:lnRef>
+          <a:fillRef idx="0">
+            <a:schemeClr val="accent1"/>
+          </a:fillRef>
+          <a:effectRef idx="0">
+            <a:schemeClr val="accent1"/>
+          </a:effectRef>
+          <a:fontRef idx="minor">
+            <a:schemeClr val="tx1"/>
+          </a:fontRef>
+        </p:style>
+      </p:cxnSp>
+      <p:cxnSp>
+        <p:nvCxnSpPr>
+          <p:cNvPr id="603" name="Rett linje 602">
+            <a:extLst>
+              <a:ext uri="{FF2B5EF4-FFF2-40B4-BE49-F238E27FC236}">
+                <a16:creationId xmlns:a16="http://schemas.microsoft.com/office/drawing/2014/main" id="{C3F5DB05-EF3F-4874-AA20-E37F4F25F376}"/>
+              </a:ext>
+            </a:extLst>
+          </p:cNvPr>
+          <p:cNvCxnSpPr>
+            <a:cxnSpLocks/>
+          </p:cNvCxnSpPr>
+          <p:nvPr/>
+        </p:nvCxnSpPr>
+        <p:spPr>
+          <a:xfrm>
+            <a:off x="10988055" y="2124098"/>
+            <a:ext cx="793088" cy="0"/>
+          </a:xfrm>
+          <a:prstGeom prst="line">
+            <a:avLst/>
+          </a:prstGeom>
+        </p:spPr>
+        <p:style>
+          <a:lnRef idx="1">
+            <a:schemeClr val="accent1"/>
+          </a:lnRef>
+          <a:fillRef idx="0">
+            <a:schemeClr val="accent1"/>
+          </a:fillRef>
+          <a:effectRef idx="0">
+            <a:schemeClr val="accent1"/>
+          </a:effectRef>
+          <a:fontRef idx="minor">
+            <a:schemeClr val="tx1"/>
+          </a:fontRef>
+        </p:style>
+      </p:cxnSp>
+      <p:cxnSp>
+        <p:nvCxnSpPr>
+          <p:cNvPr id="407" name="Rett linje 406">
+            <a:extLst>
+              <a:ext uri="{FF2B5EF4-FFF2-40B4-BE49-F238E27FC236}">
+                <a16:creationId xmlns:a16="http://schemas.microsoft.com/office/drawing/2014/main" id="{546F7F32-D874-48BD-AE1F-1A5188BCD38B}"/>
+              </a:ext>
+            </a:extLst>
+          </p:cNvPr>
+          <p:cNvCxnSpPr>
+            <a:cxnSpLocks/>
+          </p:cNvCxnSpPr>
+          <p:nvPr/>
+        </p:nvCxnSpPr>
+        <p:spPr>
+          <a:xfrm>
+            <a:off x="11781143" y="2119243"/>
+            <a:ext cx="0" cy="733501"/>
+          </a:xfrm>
+          <a:prstGeom prst="line">
+            <a:avLst/>
+          </a:prstGeom>
+        </p:spPr>
+        <p:style>
+          <a:lnRef idx="1">
+            <a:schemeClr val="accent1"/>
+          </a:lnRef>
+          <a:fillRef idx="0">
+            <a:schemeClr val="accent1"/>
+          </a:fillRef>
+          <a:effectRef idx="0">
+            <a:schemeClr val="accent1"/>
+          </a:effectRef>
+          <a:fontRef idx="minor">
+            <a:schemeClr val="tx1"/>
+          </a:fontRef>
+        </p:style>
+      </p:cxnSp>
+      <p:cxnSp>
+        <p:nvCxnSpPr>
+          <p:cNvPr id="606" name="Rett linje 605">
+            <a:extLst>
+              <a:ext uri="{FF2B5EF4-FFF2-40B4-BE49-F238E27FC236}">
+                <a16:creationId xmlns:a16="http://schemas.microsoft.com/office/drawing/2014/main" id="{6931B8A1-4FFA-471A-B7B3-B20151888E98}"/>
+              </a:ext>
+            </a:extLst>
+          </p:cNvPr>
+          <p:cNvCxnSpPr>
+            <a:cxnSpLocks/>
+          </p:cNvCxnSpPr>
+          <p:nvPr/>
+        </p:nvCxnSpPr>
+        <p:spPr>
+          <a:xfrm>
+            <a:off x="11422076" y="2854689"/>
+            <a:ext cx="359067" cy="0"/>
+          </a:xfrm>
+          <a:prstGeom prst="line">
+            <a:avLst/>
+          </a:prstGeom>
+        </p:spPr>
+        <p:style>
+          <a:lnRef idx="1">
+            <a:schemeClr val="accent1"/>
+          </a:lnRef>
+          <a:fillRef idx="0">
+            <a:schemeClr val="accent1"/>
+          </a:fillRef>
+          <a:effectRef idx="0">
+            <a:schemeClr val="accent1"/>
+          </a:effectRef>
+          <a:fontRef idx="minor">
+            <a:schemeClr val="tx1"/>
+          </a:fontRef>
+        </p:style>
+      </p:cxnSp>
+      <p:cxnSp>
+        <p:nvCxnSpPr>
+          <p:cNvPr id="415" name="Rett linje 414">
+            <a:extLst>
+              <a:ext uri="{FF2B5EF4-FFF2-40B4-BE49-F238E27FC236}">
+                <a16:creationId xmlns:a16="http://schemas.microsoft.com/office/drawing/2014/main" id="{8329B583-F472-413B-ACE3-D40303733A88}"/>
+              </a:ext>
+            </a:extLst>
+          </p:cNvPr>
+          <p:cNvCxnSpPr>
+            <a:cxnSpLocks/>
+          </p:cNvCxnSpPr>
+          <p:nvPr/>
+        </p:nvCxnSpPr>
+        <p:spPr>
+          <a:xfrm>
+            <a:off x="11063880" y="1919288"/>
+            <a:ext cx="861420" cy="0"/>
+          </a:xfrm>
+          <a:prstGeom prst="line">
+            <a:avLst/>
+          </a:prstGeom>
+          <a:ln>
+            <a:solidFill>
+              <a:srgbClr val="FF0000"/>
+            </a:solidFill>
+          </a:ln>
+        </p:spPr>
+        <p:style>
+          <a:lnRef idx="1">
+            <a:schemeClr val="accent1"/>
+          </a:lnRef>
+          <a:fillRef idx="0">
+            <a:schemeClr val="accent1"/>
+          </a:fillRef>
+          <a:effectRef idx="0">
+            <a:schemeClr val="accent1"/>
+          </a:effectRef>
+          <a:fontRef idx="minor">
+            <a:schemeClr val="tx1"/>
+          </a:fontRef>
+        </p:style>
+      </p:cxnSp>
+      <p:cxnSp>
+        <p:nvCxnSpPr>
+          <p:cNvPr id="616" name="Rett linje 615">
+            <a:extLst>
+              <a:ext uri="{FF2B5EF4-FFF2-40B4-BE49-F238E27FC236}">
+                <a16:creationId xmlns:a16="http://schemas.microsoft.com/office/drawing/2014/main" id="{E7CCFC6C-01C5-40D5-A176-7E3D2DB40D80}"/>
+              </a:ext>
+            </a:extLst>
+          </p:cNvPr>
+          <p:cNvCxnSpPr>
+            <a:cxnSpLocks/>
+          </p:cNvCxnSpPr>
+          <p:nvPr/>
+        </p:nvCxnSpPr>
+        <p:spPr>
+          <a:xfrm>
+            <a:off x="11246530" y="1860777"/>
+            <a:ext cx="723900" cy="0"/>
+          </a:xfrm>
+          <a:prstGeom prst="line">
+            <a:avLst/>
+          </a:prstGeom>
+          <a:ln>
+            <a:solidFill>
+              <a:schemeClr val="tx1"/>
+            </a:solidFill>
+          </a:ln>
+        </p:spPr>
+        <p:style>
+          <a:lnRef idx="1">
+            <a:schemeClr val="accent1"/>
+          </a:lnRef>
+          <a:fillRef idx="0">
+            <a:schemeClr val="accent1"/>
+          </a:fillRef>
+          <a:effectRef idx="0">
+            <a:schemeClr val="accent1"/>
+          </a:effectRef>
+          <a:fontRef idx="minor">
+            <a:schemeClr val="tx1"/>
+          </a:fontRef>
+        </p:style>
+      </p:cxnSp>
+      <p:cxnSp>
+        <p:nvCxnSpPr>
+          <p:cNvPr id="617" name="Rett linje 616">
+            <a:extLst>
+              <a:ext uri="{FF2B5EF4-FFF2-40B4-BE49-F238E27FC236}">
+                <a16:creationId xmlns:a16="http://schemas.microsoft.com/office/drawing/2014/main" id="{3B9E1B8A-EC71-4769-A6B1-6F88B1ED88A3}"/>
+              </a:ext>
+            </a:extLst>
+          </p:cNvPr>
+          <p:cNvCxnSpPr>
+            <a:cxnSpLocks/>
+          </p:cNvCxnSpPr>
+          <p:nvPr/>
+        </p:nvCxnSpPr>
+        <p:spPr>
+          <a:xfrm>
+            <a:off x="11921130" y="1919288"/>
+            <a:ext cx="0" cy="1578720"/>
+          </a:xfrm>
+          <a:prstGeom prst="line">
+            <a:avLst/>
+          </a:prstGeom>
+          <a:ln w="9525">
+            <a:solidFill>
+              <a:srgbClr val="FF0000"/>
+            </a:solidFill>
+          </a:ln>
+        </p:spPr>
+        <p:style>
+          <a:lnRef idx="1">
+            <a:schemeClr val="accent1"/>
+          </a:lnRef>
+          <a:fillRef idx="0">
+            <a:schemeClr val="accent1"/>
+          </a:fillRef>
+          <a:effectRef idx="0">
+            <a:schemeClr val="accent1"/>
+          </a:effectRef>
+          <a:fontRef idx="minor">
+            <a:schemeClr val="tx1"/>
+          </a:fontRef>
+        </p:style>
+      </p:cxnSp>
+      <p:cxnSp>
+        <p:nvCxnSpPr>
+          <p:cNvPr id="618" name="Rett linje 617">
+            <a:extLst>
+              <a:ext uri="{FF2B5EF4-FFF2-40B4-BE49-F238E27FC236}">
+                <a16:creationId xmlns:a16="http://schemas.microsoft.com/office/drawing/2014/main" id="{86AAF472-AB95-4839-8B9B-030CB96AA331}"/>
+              </a:ext>
+            </a:extLst>
+          </p:cNvPr>
+          <p:cNvCxnSpPr>
+            <a:cxnSpLocks/>
+          </p:cNvCxnSpPr>
+          <p:nvPr/>
+        </p:nvCxnSpPr>
+        <p:spPr>
+          <a:xfrm>
+            <a:off x="11970430" y="1860777"/>
+            <a:ext cx="0" cy="1828461"/>
+          </a:xfrm>
+          <a:prstGeom prst="line">
+            <a:avLst/>
+          </a:prstGeom>
+          <a:ln w="9525">
+            <a:solidFill>
+              <a:schemeClr val="tx1"/>
+            </a:solidFill>
+          </a:ln>
+        </p:spPr>
+        <p:style>
+          <a:lnRef idx="1">
+            <a:schemeClr val="accent1"/>
+          </a:lnRef>
+          <a:fillRef idx="0">
+            <a:schemeClr val="accent1"/>
+          </a:fillRef>
+          <a:effectRef idx="0">
+            <a:schemeClr val="accent1"/>
+          </a:effectRef>
+          <a:fontRef idx="minor">
+            <a:schemeClr val="tx1"/>
+          </a:fontRef>
+        </p:style>
+      </p:cxnSp>
+      <p:cxnSp>
+        <p:nvCxnSpPr>
+          <p:cNvPr id="621" name="Rett linje 620">
+            <a:extLst>
+              <a:ext uri="{FF2B5EF4-FFF2-40B4-BE49-F238E27FC236}">
+                <a16:creationId xmlns:a16="http://schemas.microsoft.com/office/drawing/2014/main" id="{4D98E212-8632-4006-B18A-D12A047C9058}"/>
+              </a:ext>
+            </a:extLst>
+          </p:cNvPr>
+          <p:cNvCxnSpPr>
+            <a:cxnSpLocks/>
+          </p:cNvCxnSpPr>
+          <p:nvPr/>
+        </p:nvCxnSpPr>
+        <p:spPr>
+          <a:xfrm>
+            <a:off x="11422076" y="3498008"/>
+            <a:ext cx="499054" cy="0"/>
+          </a:xfrm>
+          <a:prstGeom prst="line">
+            <a:avLst/>
+          </a:prstGeom>
+          <a:ln>
+            <a:solidFill>
+              <a:srgbClr val="FF0000"/>
+            </a:solidFill>
+          </a:ln>
+        </p:spPr>
+        <p:style>
+          <a:lnRef idx="1">
+            <a:schemeClr val="accent1"/>
+          </a:lnRef>
+          <a:fillRef idx="0">
+            <a:schemeClr val="accent1"/>
+          </a:fillRef>
+          <a:effectRef idx="0">
+            <a:schemeClr val="accent1"/>
+          </a:effectRef>
+          <a:fontRef idx="minor">
+            <a:schemeClr val="tx1"/>
+          </a:fontRef>
+        </p:style>
+      </p:cxnSp>
+      <p:cxnSp>
+        <p:nvCxnSpPr>
+          <p:cNvPr id="623" name="Rett linje 622">
+            <a:extLst>
+              <a:ext uri="{FF2B5EF4-FFF2-40B4-BE49-F238E27FC236}">
+                <a16:creationId xmlns:a16="http://schemas.microsoft.com/office/drawing/2014/main" id="{12ECB5A6-ACF0-408A-8C2D-846F24A11501}"/>
+              </a:ext>
+            </a:extLst>
+          </p:cNvPr>
+          <p:cNvCxnSpPr>
+            <a:cxnSpLocks/>
+          </p:cNvCxnSpPr>
+          <p:nvPr/>
+        </p:nvCxnSpPr>
+        <p:spPr>
+          <a:xfrm>
+            <a:off x="11422076" y="3689238"/>
+            <a:ext cx="548354" cy="0"/>
+          </a:xfrm>
+          <a:prstGeom prst="line">
+            <a:avLst/>
+          </a:prstGeom>
+          <a:ln>
+            <a:solidFill>
+              <a:schemeClr val="tx1"/>
+            </a:solidFill>
+          </a:ln>
+        </p:spPr>
+        <p:style>
+          <a:lnRef idx="1">
+            <a:schemeClr val="accent1"/>
+          </a:lnRef>
+          <a:fillRef idx="0">
+            <a:schemeClr val="accent1"/>
+          </a:fillRef>
+          <a:effectRef idx="0">
+            <a:schemeClr val="accent1"/>
+          </a:effectRef>
+          <a:fontRef idx="minor">
+            <a:schemeClr val="tx1"/>
+          </a:fontRef>
+        </p:style>
+      </p:cxnSp>
+      <p:cxnSp>
+        <p:nvCxnSpPr>
+          <p:cNvPr id="470" name="Rett linje 469">
+            <a:extLst>
+              <a:ext uri="{FF2B5EF4-FFF2-40B4-BE49-F238E27FC236}">
+                <a16:creationId xmlns:a16="http://schemas.microsoft.com/office/drawing/2014/main" id="{ABC4E2C4-D1A6-4E96-B884-7C57CC5D02CC}"/>
+              </a:ext>
+            </a:extLst>
+          </p:cNvPr>
+          <p:cNvCxnSpPr>
+            <a:cxnSpLocks/>
+          </p:cNvCxnSpPr>
+          <p:nvPr/>
+        </p:nvCxnSpPr>
+        <p:spPr>
+          <a:xfrm>
+            <a:off x="5984088" y="5244887"/>
+            <a:ext cx="0" cy="605455"/>
+          </a:xfrm>
+          <a:prstGeom prst="line">
+            <a:avLst/>
+          </a:prstGeom>
+        </p:spPr>
+        <p:style>
+          <a:lnRef idx="1">
+            <a:schemeClr val="accent1"/>
+          </a:lnRef>
+          <a:fillRef idx="0">
+            <a:schemeClr val="accent1"/>
+          </a:fillRef>
+          <a:effectRef idx="0">
+            <a:schemeClr val="accent1"/>
+          </a:effectRef>
+          <a:fontRef idx="minor">
+            <a:schemeClr val="tx1"/>
+          </a:fontRef>
+        </p:style>
+      </p:cxnSp>
+      <p:cxnSp>
+        <p:nvCxnSpPr>
+          <p:cNvPr id="664" name="Rett linje 663">
+            <a:extLst>
+              <a:ext uri="{FF2B5EF4-FFF2-40B4-BE49-F238E27FC236}">
+                <a16:creationId xmlns:a16="http://schemas.microsoft.com/office/drawing/2014/main" id="{A36F663C-FDD4-4D3D-B832-4424A1299BEE}"/>
+              </a:ext>
+            </a:extLst>
+          </p:cNvPr>
+          <p:cNvCxnSpPr>
+            <a:cxnSpLocks/>
+          </p:cNvCxnSpPr>
+          <p:nvPr/>
+        </p:nvCxnSpPr>
+        <p:spPr>
+          <a:xfrm>
+            <a:off x="6067357" y="5180605"/>
+            <a:ext cx="0" cy="679700"/>
+          </a:xfrm>
+          <a:prstGeom prst="line">
+            <a:avLst/>
+          </a:prstGeom>
+        </p:spPr>
+        <p:style>
+          <a:lnRef idx="1">
+            <a:schemeClr val="accent1"/>
+          </a:lnRef>
+          <a:fillRef idx="0">
+            <a:schemeClr val="accent1"/>
+          </a:fillRef>
+          <a:effectRef idx="0">
+            <a:schemeClr val="accent1"/>
+          </a:effectRef>
+          <a:fontRef idx="minor">
+            <a:schemeClr val="tx1"/>
+          </a:fontRef>
+        </p:style>
+      </p:cxnSp>
+      <p:cxnSp>
+        <p:nvCxnSpPr>
+          <p:cNvPr id="669" name="Rett linje 668">
+            <a:extLst>
+              <a:ext uri="{FF2B5EF4-FFF2-40B4-BE49-F238E27FC236}">
+                <a16:creationId xmlns:a16="http://schemas.microsoft.com/office/drawing/2014/main" id="{2E888A04-F314-4631-A1B6-20947BD479B7}"/>
+              </a:ext>
+            </a:extLst>
+          </p:cNvPr>
+          <p:cNvCxnSpPr>
+            <a:cxnSpLocks/>
+          </p:cNvCxnSpPr>
+          <p:nvPr/>
+        </p:nvCxnSpPr>
+        <p:spPr>
+          <a:xfrm flipV="1">
+            <a:off x="6066251" y="5974612"/>
+            <a:ext cx="0" cy="255469"/>
+          </a:xfrm>
+          <a:prstGeom prst="line">
+            <a:avLst/>
+          </a:prstGeom>
+        </p:spPr>
+        <p:style>
+          <a:lnRef idx="1">
+            <a:schemeClr val="accent1"/>
+          </a:lnRef>
+          <a:fillRef idx="0">
+            <a:schemeClr val="accent1"/>
+          </a:fillRef>
+          <a:effectRef idx="0">
+            <a:schemeClr val="accent1"/>
+          </a:effectRef>
+          <a:fontRef idx="minor">
+            <a:schemeClr val="tx1"/>
+          </a:fontRef>
+        </p:style>
+      </p:cxnSp>
+      <p:cxnSp>
+        <p:nvCxnSpPr>
+          <p:cNvPr id="672" name="Rett linje 671">
+            <a:extLst>
+              <a:ext uri="{FF2B5EF4-FFF2-40B4-BE49-F238E27FC236}">
+                <a16:creationId xmlns:a16="http://schemas.microsoft.com/office/drawing/2014/main" id="{E1017C59-C701-43C1-BE03-78B6AAFF5E05}"/>
+              </a:ext>
+            </a:extLst>
+          </p:cNvPr>
+          <p:cNvCxnSpPr>
+            <a:cxnSpLocks/>
+          </p:cNvCxnSpPr>
+          <p:nvPr/>
+        </p:nvCxnSpPr>
+        <p:spPr>
+          <a:xfrm flipV="1">
+            <a:off x="5982419" y="5978827"/>
+            <a:ext cx="0" cy="255469"/>
+          </a:xfrm>
+          <a:prstGeom prst="line">
+            <a:avLst/>
+          </a:prstGeom>
+        </p:spPr>
+        <p:style>
+          <a:lnRef idx="1">
+            <a:schemeClr val="accent1"/>
+          </a:lnRef>
+          <a:fillRef idx="0">
+            <a:schemeClr val="accent1"/>
+          </a:fillRef>
+          <a:effectRef idx="0">
+            <a:schemeClr val="accent1"/>
+          </a:effectRef>
+          <a:fontRef idx="minor">
+            <a:schemeClr val="tx1"/>
+          </a:fontRef>
+        </p:style>
+      </p:cxnSp>
+      <p:cxnSp>
+        <p:nvCxnSpPr>
+          <p:cNvPr id="673" name="Rett linje 672">
+            <a:extLst>
+              <a:ext uri="{FF2B5EF4-FFF2-40B4-BE49-F238E27FC236}">
+                <a16:creationId xmlns:a16="http://schemas.microsoft.com/office/drawing/2014/main" id="{82B4169A-81DF-4957-BB2C-3383B8848DB8}"/>
+              </a:ext>
+            </a:extLst>
+          </p:cNvPr>
+          <p:cNvCxnSpPr>
+            <a:cxnSpLocks/>
+          </p:cNvCxnSpPr>
+          <p:nvPr/>
+        </p:nvCxnSpPr>
+        <p:spPr>
+          <a:xfrm>
+            <a:off x="5984865" y="6356911"/>
+            <a:ext cx="0" cy="205814"/>
+          </a:xfrm>
+          <a:prstGeom prst="line">
+            <a:avLst/>
+          </a:prstGeom>
+        </p:spPr>
+        <p:style>
+          <a:lnRef idx="1">
+            <a:schemeClr val="accent1"/>
+          </a:lnRef>
+          <a:fillRef idx="0">
+            <a:schemeClr val="accent1"/>
+          </a:fillRef>
+          <a:effectRef idx="0">
+            <a:schemeClr val="accent1"/>
+          </a:effectRef>
+          <a:fontRef idx="minor">
+            <a:schemeClr val="tx1"/>
+          </a:fontRef>
+        </p:style>
+      </p:cxnSp>
+      <p:cxnSp>
+        <p:nvCxnSpPr>
+          <p:cNvPr id="674" name="Rett linje 673">
+            <a:extLst>
+              <a:ext uri="{FF2B5EF4-FFF2-40B4-BE49-F238E27FC236}">
+                <a16:creationId xmlns:a16="http://schemas.microsoft.com/office/drawing/2014/main" id="{C28E26E3-AC39-40DE-9542-5537E324042C}"/>
+              </a:ext>
+            </a:extLst>
+          </p:cNvPr>
+          <p:cNvCxnSpPr>
+            <a:cxnSpLocks/>
+          </p:cNvCxnSpPr>
+          <p:nvPr/>
+        </p:nvCxnSpPr>
+        <p:spPr>
+          <a:xfrm>
+            <a:off x="6067523" y="6356911"/>
+            <a:ext cx="0" cy="139139"/>
+          </a:xfrm>
+          <a:prstGeom prst="line">
+            <a:avLst/>
+          </a:prstGeom>
+        </p:spPr>
+        <p:style>
+          <a:lnRef idx="1">
+            <a:schemeClr val="accent1"/>
+          </a:lnRef>
+          <a:fillRef idx="0">
+            <a:schemeClr val="accent1"/>
+          </a:fillRef>
+          <a:effectRef idx="0">
+            <a:schemeClr val="accent1"/>
+          </a:effectRef>
+          <a:fontRef idx="minor">
+            <a:schemeClr val="tx1"/>
+          </a:fontRef>
+        </p:style>
+      </p:cxnSp>
+      <p:cxnSp>
+        <p:nvCxnSpPr>
+          <p:cNvPr id="678" name="Rett linje 677">
+            <a:extLst>
+              <a:ext uri="{FF2B5EF4-FFF2-40B4-BE49-F238E27FC236}">
+                <a16:creationId xmlns:a16="http://schemas.microsoft.com/office/drawing/2014/main" id="{C861297F-8B6F-48DC-9327-4812A25DB99D}"/>
+              </a:ext>
+            </a:extLst>
+          </p:cNvPr>
+          <p:cNvCxnSpPr>
+            <a:cxnSpLocks/>
+          </p:cNvCxnSpPr>
+          <p:nvPr/>
+        </p:nvCxnSpPr>
+        <p:spPr>
+          <a:xfrm>
+            <a:off x="6063230" y="6496050"/>
+            <a:ext cx="5633023" cy="0"/>
+          </a:xfrm>
+          <a:prstGeom prst="line">
+            <a:avLst/>
+          </a:prstGeom>
+        </p:spPr>
+        <p:style>
+          <a:lnRef idx="1">
+            <a:schemeClr val="accent1"/>
+          </a:lnRef>
+          <a:fillRef idx="0">
+            <a:schemeClr val="accent1"/>
+          </a:fillRef>
+          <a:effectRef idx="0">
+            <a:schemeClr val="accent1"/>
+          </a:effectRef>
+          <a:fontRef idx="minor">
+            <a:schemeClr val="tx1"/>
+          </a:fontRef>
+        </p:style>
+      </p:cxnSp>
+      <p:cxnSp>
+        <p:nvCxnSpPr>
+          <p:cNvPr id="679" name="Rett linje 678">
+            <a:extLst>
+              <a:ext uri="{FF2B5EF4-FFF2-40B4-BE49-F238E27FC236}">
+                <a16:creationId xmlns:a16="http://schemas.microsoft.com/office/drawing/2014/main" id="{61D59DDB-5C9C-4B45-AA2E-35BBC38D74AD}"/>
+              </a:ext>
+            </a:extLst>
+          </p:cNvPr>
+          <p:cNvCxnSpPr>
+            <a:cxnSpLocks/>
+          </p:cNvCxnSpPr>
+          <p:nvPr/>
+        </p:nvCxnSpPr>
+        <p:spPr>
+          <a:xfrm>
+            <a:off x="5980605" y="6562725"/>
+            <a:ext cx="5815910" cy="0"/>
+          </a:xfrm>
+          <a:prstGeom prst="line">
+            <a:avLst/>
+          </a:prstGeom>
+        </p:spPr>
+        <p:style>
+          <a:lnRef idx="1">
+            <a:schemeClr val="accent1"/>
+          </a:lnRef>
+          <a:fillRef idx="0">
+            <a:schemeClr val="accent1"/>
+          </a:fillRef>
+          <a:effectRef idx="0">
+            <a:schemeClr val="accent1"/>
+          </a:effectRef>
+          <a:fontRef idx="minor">
+            <a:schemeClr val="tx1"/>
+          </a:fontRef>
+        </p:style>
+      </p:cxnSp>
+      <p:cxnSp>
+        <p:nvCxnSpPr>
+          <p:cNvPr id="485" name="Rett linje 484">
+            <a:extLst>
+              <a:ext uri="{FF2B5EF4-FFF2-40B4-BE49-F238E27FC236}">
+                <a16:creationId xmlns:a16="http://schemas.microsoft.com/office/drawing/2014/main" id="{AE510B46-B7CF-4F09-9BC1-12D64AFD32B9}"/>
+              </a:ext>
+            </a:extLst>
+          </p:cNvPr>
+          <p:cNvCxnSpPr>
+            <a:cxnSpLocks/>
+          </p:cNvCxnSpPr>
+          <p:nvPr/>
+        </p:nvCxnSpPr>
+        <p:spPr>
+          <a:xfrm>
+            <a:off x="11698838" y="3570643"/>
+            <a:ext cx="0" cy="84190"/>
+          </a:xfrm>
+          <a:prstGeom prst="line">
+            <a:avLst/>
+          </a:prstGeom>
+        </p:spPr>
+        <p:style>
+          <a:lnRef idx="1">
+            <a:schemeClr val="accent1"/>
+          </a:lnRef>
+          <a:fillRef idx="0">
+            <a:schemeClr val="accent1"/>
+          </a:fillRef>
+          <a:effectRef idx="0">
+            <a:schemeClr val="accent1"/>
+          </a:effectRef>
+          <a:fontRef idx="minor">
+            <a:schemeClr val="tx1"/>
+          </a:fontRef>
+        </p:style>
+      </p:cxnSp>
+      <p:cxnSp>
+        <p:nvCxnSpPr>
+          <p:cNvPr id="700" name="Rett linje 699">
+            <a:extLst>
+              <a:ext uri="{FF2B5EF4-FFF2-40B4-BE49-F238E27FC236}">
+                <a16:creationId xmlns:a16="http://schemas.microsoft.com/office/drawing/2014/main" id="{E3981745-35E4-496F-A462-B96CB3BFB090}"/>
+              </a:ext>
+            </a:extLst>
+          </p:cNvPr>
+          <p:cNvCxnSpPr>
+            <a:cxnSpLocks/>
+          </p:cNvCxnSpPr>
+          <p:nvPr/>
+        </p:nvCxnSpPr>
+        <p:spPr>
+          <a:xfrm>
+            <a:off x="11783281" y="3570643"/>
+            <a:ext cx="0" cy="84190"/>
+          </a:xfrm>
+          <a:prstGeom prst="line">
+            <a:avLst/>
+          </a:prstGeom>
+        </p:spPr>
+        <p:style>
+          <a:lnRef idx="1">
+            <a:schemeClr val="accent1"/>
+          </a:lnRef>
+          <a:fillRef idx="0">
+            <a:schemeClr val="accent1"/>
+          </a:fillRef>
+          <a:effectRef idx="0">
+            <a:schemeClr val="accent1"/>
+          </a:effectRef>
+          <a:fontRef idx="minor">
+            <a:schemeClr val="tx1"/>
+          </a:fontRef>
+        </p:style>
+      </p:cxnSp>
+      <p:cxnSp>
+        <p:nvCxnSpPr>
+          <p:cNvPr id="710" name="Rett linje 709">
+            <a:extLst>
+              <a:ext uri="{FF2B5EF4-FFF2-40B4-BE49-F238E27FC236}">
+                <a16:creationId xmlns:a16="http://schemas.microsoft.com/office/drawing/2014/main" id="{FF2C65CE-7382-4E8C-861F-017039E11925}"/>
+              </a:ext>
+            </a:extLst>
+          </p:cNvPr>
+          <p:cNvCxnSpPr>
+            <a:cxnSpLocks/>
+          </p:cNvCxnSpPr>
+          <p:nvPr/>
+        </p:nvCxnSpPr>
+        <p:spPr>
+          <a:xfrm>
+            <a:off x="5984088" y="5045581"/>
+            <a:ext cx="0" cy="81214"/>
+          </a:xfrm>
+          <a:prstGeom prst="line">
+            <a:avLst/>
+          </a:prstGeom>
+        </p:spPr>
+        <p:style>
+          <a:lnRef idx="1">
+            <a:schemeClr val="accent1"/>
+          </a:lnRef>
+          <a:fillRef idx="0">
+            <a:schemeClr val="accent1"/>
+          </a:fillRef>
+          <a:effectRef idx="0">
+            <a:schemeClr val="accent1"/>
+          </a:effectRef>
+          <a:fontRef idx="minor">
+            <a:schemeClr val="tx1"/>
+          </a:fontRef>
+        </p:style>
+      </p:cxnSp>
+      <p:cxnSp>
+        <p:nvCxnSpPr>
+          <p:cNvPr id="496" name="Rett linje 495">
+            <a:extLst>
+              <a:ext uri="{FF2B5EF4-FFF2-40B4-BE49-F238E27FC236}">
+                <a16:creationId xmlns:a16="http://schemas.microsoft.com/office/drawing/2014/main" id="{5BB3EFE4-81EC-434C-8632-857CA752E4EF}"/>
+              </a:ext>
+            </a:extLst>
+          </p:cNvPr>
+          <p:cNvCxnSpPr>
+            <a:cxnSpLocks/>
+          </p:cNvCxnSpPr>
+          <p:nvPr/>
+        </p:nvCxnSpPr>
+        <p:spPr>
+          <a:xfrm>
+            <a:off x="11796515" y="3784728"/>
+            <a:ext cx="0" cy="2777997"/>
+          </a:xfrm>
+          <a:prstGeom prst="line">
+            <a:avLst/>
+          </a:prstGeom>
+        </p:spPr>
+        <p:style>
+          <a:lnRef idx="1">
+            <a:schemeClr val="accent1"/>
+          </a:lnRef>
+          <a:fillRef idx="0">
+            <a:schemeClr val="accent1"/>
+          </a:fillRef>
+          <a:effectRef idx="0">
+            <a:schemeClr val="accent1"/>
+          </a:effectRef>
+          <a:fontRef idx="minor">
+            <a:schemeClr val="tx1"/>
+          </a:fontRef>
+        </p:style>
+      </p:cxnSp>
+      <p:cxnSp>
+        <p:nvCxnSpPr>
+          <p:cNvPr id="719" name="Rett linje 718">
+            <a:extLst>
+              <a:ext uri="{FF2B5EF4-FFF2-40B4-BE49-F238E27FC236}">
+                <a16:creationId xmlns:a16="http://schemas.microsoft.com/office/drawing/2014/main" id="{59180CD8-6AA2-4F74-80E4-465A2CB0AF5D}"/>
+              </a:ext>
+            </a:extLst>
+          </p:cNvPr>
+          <p:cNvCxnSpPr>
+            <a:cxnSpLocks/>
+          </p:cNvCxnSpPr>
+          <p:nvPr/>
+        </p:nvCxnSpPr>
+        <p:spPr>
+          <a:xfrm>
+            <a:off x="11696253" y="3779993"/>
+            <a:ext cx="0" cy="2716057"/>
+          </a:xfrm>
+          <a:prstGeom prst="line">
+            <a:avLst/>
+          </a:prstGeom>
+        </p:spPr>
+        <p:style>
+          <a:lnRef idx="1">
+            <a:schemeClr val="accent1"/>
+          </a:lnRef>
+          <a:fillRef idx="0">
+            <a:schemeClr val="accent1"/>
+          </a:fillRef>
+          <a:effectRef idx="0">
+            <a:schemeClr val="accent1"/>
+          </a:effectRef>
+          <a:fontRef idx="minor">
+            <a:schemeClr val="tx1"/>
+          </a:fontRef>
+        </p:style>
+      </p:cxnSp>
+      <p:cxnSp>
+        <p:nvCxnSpPr>
+          <p:cNvPr id="526" name="Rett linje 525">
+            <a:extLst>
+              <a:ext uri="{FF2B5EF4-FFF2-40B4-BE49-F238E27FC236}">
+                <a16:creationId xmlns:a16="http://schemas.microsoft.com/office/drawing/2014/main" id="{A3575F6F-43F5-49C3-B65D-846D2DF84CAE}"/>
+              </a:ext>
+            </a:extLst>
+          </p:cNvPr>
+          <p:cNvCxnSpPr>
+            <a:cxnSpLocks/>
+          </p:cNvCxnSpPr>
+          <p:nvPr/>
+        </p:nvCxnSpPr>
+        <p:spPr>
+          <a:xfrm>
+            <a:off x="11412250" y="3293642"/>
+            <a:ext cx="284003" cy="0"/>
+          </a:xfrm>
+          <a:prstGeom prst="line">
+            <a:avLst/>
+          </a:prstGeom>
+        </p:spPr>
+        <p:style>
+          <a:lnRef idx="1">
+            <a:schemeClr val="accent1"/>
+          </a:lnRef>
+          <a:fillRef idx="0">
+            <a:schemeClr val="accent1"/>
+          </a:fillRef>
+          <a:effectRef idx="0">
+            <a:schemeClr val="accent1"/>
+          </a:effectRef>
+          <a:fontRef idx="minor">
+            <a:schemeClr val="tx1"/>
+          </a:fontRef>
+        </p:style>
+      </p:cxnSp>
+      <p:cxnSp>
+        <p:nvCxnSpPr>
+          <p:cNvPr id="727" name="Rett linje 726">
+            <a:extLst>
+              <a:ext uri="{FF2B5EF4-FFF2-40B4-BE49-F238E27FC236}">
+                <a16:creationId xmlns:a16="http://schemas.microsoft.com/office/drawing/2014/main" id="{9B695F5E-6387-49DB-9394-00DD6F6DA507}"/>
+              </a:ext>
+            </a:extLst>
+          </p:cNvPr>
+          <p:cNvCxnSpPr>
+            <a:cxnSpLocks/>
+          </p:cNvCxnSpPr>
+          <p:nvPr/>
+        </p:nvCxnSpPr>
+        <p:spPr>
+          <a:xfrm>
+            <a:off x="11412250" y="3090001"/>
+            <a:ext cx="368893" cy="0"/>
+          </a:xfrm>
+          <a:prstGeom prst="line">
+            <a:avLst/>
+          </a:prstGeom>
+        </p:spPr>
+        <p:style>
+          <a:lnRef idx="1">
+            <a:schemeClr val="accent1"/>
+          </a:lnRef>
+          <a:fillRef idx="0">
+            <a:schemeClr val="accent1"/>
+          </a:fillRef>
+          <a:effectRef idx="0">
+            <a:schemeClr val="accent1"/>
+          </a:effectRef>
+          <a:fontRef idx="minor">
+            <a:schemeClr val="tx1"/>
+          </a:fontRef>
+        </p:style>
+      </p:cxnSp>
+      <p:cxnSp>
+        <p:nvCxnSpPr>
+          <p:cNvPr id="530" name="Rett linje 529">
+            <a:extLst>
+              <a:ext uri="{FF2B5EF4-FFF2-40B4-BE49-F238E27FC236}">
+                <a16:creationId xmlns:a16="http://schemas.microsoft.com/office/drawing/2014/main" id="{FB799163-8AF0-448F-B2B4-38CB81FC2D5B}"/>
+              </a:ext>
+            </a:extLst>
+          </p:cNvPr>
+          <p:cNvCxnSpPr>
+            <a:cxnSpLocks/>
+          </p:cNvCxnSpPr>
+          <p:nvPr/>
+        </p:nvCxnSpPr>
+        <p:spPr>
+          <a:xfrm>
+            <a:off x="11696253" y="3293642"/>
+            <a:ext cx="0" cy="150552"/>
+          </a:xfrm>
+          <a:prstGeom prst="line">
+            <a:avLst/>
+          </a:prstGeom>
+        </p:spPr>
+        <p:style>
+          <a:lnRef idx="1">
+            <a:schemeClr val="accent1"/>
+          </a:lnRef>
+          <a:fillRef idx="0">
+            <a:schemeClr val="accent1"/>
+          </a:fillRef>
+          <a:effectRef idx="0">
+            <a:schemeClr val="accent1"/>
+          </a:effectRef>
+          <a:fontRef idx="minor">
+            <a:schemeClr val="tx1"/>
+          </a:fontRef>
+        </p:style>
+      </p:cxnSp>
+      <p:cxnSp>
+        <p:nvCxnSpPr>
+          <p:cNvPr id="790" name="Rett linje 789">
+            <a:extLst>
+              <a:ext uri="{FF2B5EF4-FFF2-40B4-BE49-F238E27FC236}">
+                <a16:creationId xmlns:a16="http://schemas.microsoft.com/office/drawing/2014/main" id="{FA720A58-720F-4008-A6D0-736F759F9508}"/>
+              </a:ext>
+            </a:extLst>
+          </p:cNvPr>
+          <p:cNvCxnSpPr>
+            <a:cxnSpLocks/>
+          </p:cNvCxnSpPr>
+          <p:nvPr/>
+        </p:nvCxnSpPr>
+        <p:spPr>
+          <a:xfrm>
+            <a:off x="11783077" y="3087247"/>
+            <a:ext cx="0" cy="364092"/>
           </a:xfrm>
           <a:prstGeom prst="line">
             <a:avLst/>
